--- a/.lessons/1 operating systems/1 linux/1.pptx
+++ b/.lessons/1 operating systems/1 linux/1.pptx
@@ -34,13 +34,23 @@
     <p:sldId id="282" r:id="rId28"/>
     <p:sldId id="283" r:id="rId29"/>
     <p:sldId id="284" r:id="rId30"/>
-    <p:sldId id="285" r:id="rId31"/>
-    <p:sldId id="286" r:id="rId32"/>
-    <p:sldId id="287" r:id="rId33"/>
-    <p:sldId id="288" r:id="rId34"/>
-    <p:sldId id="289" r:id="rId35"/>
-    <p:sldId id="290" r:id="rId36"/>
-    <p:sldId id="291" r:id="rId37"/>
+    <p:sldId id="286" r:id="rId31"/>
+    <p:sldId id="285" r:id="rId32"/>
+    <p:sldId id="289" r:id="rId33"/>
+    <p:sldId id="287" r:id="rId34"/>
+    <p:sldId id="294" r:id="rId35"/>
+    <p:sldId id="295" r:id="rId36"/>
+    <p:sldId id="292" r:id="rId37"/>
+    <p:sldId id="288" r:id="rId38"/>
+    <p:sldId id="290" r:id="rId39"/>
+    <p:sldId id="293" r:id="rId40"/>
+    <p:sldId id="296" r:id="rId41"/>
+    <p:sldId id="297" r:id="rId42"/>
+    <p:sldId id="298" r:id="rId43"/>
+    <p:sldId id="299" r:id="rId44"/>
+    <p:sldId id="300" r:id="rId45"/>
+    <p:sldId id="301" r:id="rId46"/>
+    <p:sldId id="291" r:id="rId47"/>
   </p:sldIdLst>
   <p:sldSz cx="12192000" cy="6858000"/>
   <p:notesSz cx="6858000" cy="9144000"/>
@@ -294,7 +304,7 @@
           <a:p>
             <a:fld id="{AD6CDC28-10E2-4CDE-A5FF-6E49B37A1343}" type="datetimeFigureOut">
               <a:rPr lang="en-US" smtClean="0"/>
-              <a:t>10/5/2025</a:t>
+              <a:t>10/6/2025</a:t>
             </a:fld>
             <a:endParaRPr lang="en-US"/>
           </a:p>
@@ -492,7 +502,7 @@
           <a:p>
             <a:fld id="{AD6CDC28-10E2-4CDE-A5FF-6E49B37A1343}" type="datetimeFigureOut">
               <a:rPr lang="en-US" smtClean="0"/>
-              <a:t>10/5/2025</a:t>
+              <a:t>10/6/2025</a:t>
             </a:fld>
             <a:endParaRPr lang="en-US"/>
           </a:p>
@@ -700,7 +710,7 @@
           <a:p>
             <a:fld id="{AD6CDC28-10E2-4CDE-A5FF-6E49B37A1343}" type="datetimeFigureOut">
               <a:rPr lang="en-US" smtClean="0"/>
-              <a:t>10/5/2025</a:t>
+              <a:t>10/6/2025</a:t>
             </a:fld>
             <a:endParaRPr lang="en-US"/>
           </a:p>
@@ -898,7 +908,7 @@
           <a:p>
             <a:fld id="{AD6CDC28-10E2-4CDE-A5FF-6E49B37A1343}" type="datetimeFigureOut">
               <a:rPr lang="en-US" smtClean="0"/>
-              <a:t>10/5/2025</a:t>
+              <a:t>10/6/2025</a:t>
             </a:fld>
             <a:endParaRPr lang="en-US"/>
           </a:p>
@@ -1173,7 +1183,7 @@
           <a:p>
             <a:fld id="{AD6CDC28-10E2-4CDE-A5FF-6E49B37A1343}" type="datetimeFigureOut">
               <a:rPr lang="en-US" smtClean="0"/>
-              <a:t>10/5/2025</a:t>
+              <a:t>10/6/2025</a:t>
             </a:fld>
             <a:endParaRPr lang="en-US"/>
           </a:p>
@@ -1438,7 +1448,7 @@
           <a:p>
             <a:fld id="{AD6CDC28-10E2-4CDE-A5FF-6E49B37A1343}" type="datetimeFigureOut">
               <a:rPr lang="en-US" smtClean="0"/>
-              <a:t>10/5/2025</a:t>
+              <a:t>10/6/2025</a:t>
             </a:fld>
             <a:endParaRPr lang="en-US"/>
           </a:p>
@@ -1850,7 +1860,7 @@
           <a:p>
             <a:fld id="{AD6CDC28-10E2-4CDE-A5FF-6E49B37A1343}" type="datetimeFigureOut">
               <a:rPr lang="en-US" smtClean="0"/>
-              <a:t>10/5/2025</a:t>
+              <a:t>10/6/2025</a:t>
             </a:fld>
             <a:endParaRPr lang="en-US"/>
           </a:p>
@@ -1991,7 +2001,7 @@
           <a:p>
             <a:fld id="{AD6CDC28-10E2-4CDE-A5FF-6E49B37A1343}" type="datetimeFigureOut">
               <a:rPr lang="en-US" smtClean="0"/>
-              <a:t>10/5/2025</a:t>
+              <a:t>10/6/2025</a:t>
             </a:fld>
             <a:endParaRPr lang="en-US"/>
           </a:p>
@@ -2104,7 +2114,7 @@
           <a:p>
             <a:fld id="{AD6CDC28-10E2-4CDE-A5FF-6E49B37A1343}" type="datetimeFigureOut">
               <a:rPr lang="en-US" smtClean="0"/>
-              <a:t>10/5/2025</a:t>
+              <a:t>10/6/2025</a:t>
             </a:fld>
             <a:endParaRPr lang="en-US"/>
           </a:p>
@@ -2415,7 +2425,7 @@
           <a:p>
             <a:fld id="{AD6CDC28-10E2-4CDE-A5FF-6E49B37A1343}" type="datetimeFigureOut">
               <a:rPr lang="en-US" smtClean="0"/>
-              <a:t>10/5/2025</a:t>
+              <a:t>10/6/2025</a:t>
             </a:fld>
             <a:endParaRPr lang="en-US"/>
           </a:p>
@@ -2703,7 +2713,7 @@
           <a:p>
             <a:fld id="{AD6CDC28-10E2-4CDE-A5FF-6E49B37A1343}" type="datetimeFigureOut">
               <a:rPr lang="en-US" smtClean="0"/>
-              <a:t>10/5/2025</a:t>
+              <a:t>10/6/2025</a:t>
             </a:fld>
             <a:endParaRPr lang="en-US"/>
           </a:p>
@@ -2944,7 +2954,7 @@
           <a:p>
             <a:fld id="{AD6CDC28-10E2-4CDE-A5FF-6E49B37A1343}" type="datetimeFigureOut">
               <a:rPr lang="en-US" smtClean="0"/>
-              <a:t>10/5/2025</a:t>
+              <a:t>10/6/2025</a:t>
             </a:fld>
             <a:endParaRPr lang="en-US"/>
           </a:p>
@@ -35450,8 +35460,8 @@
         </p:nvSpPr>
         <p:spPr>
           <a:xfrm>
-            <a:off x="203200" y="244826"/>
-            <a:ext cx="11822545" cy="369332"/>
+            <a:off x="0" y="151179"/>
+            <a:ext cx="12191999" cy="6555641"/>
           </a:xfrm>
           <a:prstGeom prst="rect">
             <a:avLst/>
@@ -35465,12 +35475,501 @@
           <a:lstStyle/>
           <a:p>
             <a:r>
-              <a:rPr lang="en-US">
+              <a:rPr lang="en-US" sz="1050" b="1">
+                <a:solidFill>
+                  <a:srgbClr val="FF0000"/>
+                </a:solidFill>
                 <a:latin typeface="-apple-system"/>
               </a:rPr>
-              <a:t>.</a:t>
-            </a:r>
-            <a:endParaRPr lang="en-US"/>
+              <a:t>Linux-da Disk Bölmələri ilə Bağlı Terminlər</a:t>
+            </a:r>
+          </a:p>
+          <a:p>
+            <a:endParaRPr lang="en-US" sz="1050">
+              <a:latin typeface="-apple-system"/>
+            </a:endParaRPr>
+          </a:p>
+          <a:p>
+            <a:r>
+              <a:rPr lang="en-US" sz="1050" b="1"/>
+              <a:t>1. </a:t>
+            </a:r>
+            <a:r>
+              <a:rPr lang="en-US" sz="1050" b="1">
+                <a:solidFill>
+                  <a:srgbClr val="00B050"/>
+                </a:solidFill>
+              </a:rPr>
+              <a:t>MBR (Master Boot Record)</a:t>
+            </a:r>
+          </a:p>
+          <a:p>
+            <a:pPr marL="628650" lvl="1" indent="-171450">
+              <a:buFont typeface="Arial" panose="020B0604020202020204" pitchFamily="34" charset="0"/>
+              <a:buChar char="•"/>
+            </a:pPr>
+            <a:r>
+              <a:rPr lang="en-US" sz="1050" b="1"/>
+              <a:t>Nədir?</a:t>
+            </a:r>
+            <a:r>
+              <a:rPr lang="en-US" sz="1050"/>
+              <a:t> Bu, köhnə bir bölmə cədvəli formatıdır. 1980-ci illərdən bəri istifadə olunur.</a:t>
+            </a:r>
+          </a:p>
+          <a:p>
+            <a:pPr marL="628650" lvl="1" indent="-171450">
+              <a:buFont typeface="Arial" panose="020B0604020202020204" pitchFamily="34" charset="0"/>
+              <a:buChar char="•"/>
+            </a:pPr>
+            <a:r>
+              <a:rPr lang="en-US" sz="1050" b="1"/>
+              <a:t>Nə zaman istifadə edilir?</a:t>
+            </a:r>
+            <a:r>
+              <a:rPr lang="en-US" sz="1050"/>
+              <a:t> Əgər diskin həcmi 2TB-dan kiçikdirsə, MBR istifadə etmək olar. Ancaq daha böyük disklər üçün uyğun deyil.</a:t>
+            </a:r>
+          </a:p>
+          <a:p>
+            <a:r>
+              <a:rPr lang="en-US" sz="1050" b="1"/>
+              <a:t>Əsas xüsusiyyətləri:</a:t>
+            </a:r>
+            <a:endParaRPr lang="en-US" sz="1050"/>
+          </a:p>
+          <a:p>
+            <a:pPr marL="628650" lvl="1" indent="-171450">
+              <a:buFont typeface="Arial" panose="020B0604020202020204" pitchFamily="34" charset="0"/>
+              <a:buChar char="•"/>
+            </a:pPr>
+            <a:r>
+              <a:rPr lang="en-US" sz="1050" b="1"/>
+              <a:t>4 əsas bölmə</a:t>
+            </a:r>
+            <a:r>
+              <a:rPr lang="en-US" sz="1050"/>
+              <a:t> yaratmağa imkan verir. Məsələn, bir diskdə maksimum 4 ayrı bölmə yarada bilərsən.</a:t>
+            </a:r>
+          </a:p>
+          <a:p>
+            <a:pPr marL="628650" lvl="1" indent="-171450">
+              <a:buFont typeface="Arial" panose="020B0604020202020204" pitchFamily="34" charset="0"/>
+              <a:buChar char="•"/>
+            </a:pPr>
+            <a:r>
+              <a:rPr lang="en-US" sz="1050" b="1"/>
+              <a:t>Genişləndirilmiş (extended) bölmə</a:t>
+            </a:r>
+            <a:r>
+              <a:rPr lang="en-US" sz="1050"/>
+              <a:t> yaratmaqla əlavə loqik bölmələr əlavə edə bilərsən, amma maksimum 4 əsas və ya 3 əsas + 1 genişləndirilmiş bölmə olacaq.</a:t>
+            </a:r>
+            <a:endParaRPr lang="az-Latn-AZ" sz="1050"/>
+          </a:p>
+          <a:p>
+            <a:pPr marL="628650" lvl="1" indent="-171450">
+              <a:buFont typeface="Arial" panose="020B0604020202020204" pitchFamily="34" charset="0"/>
+              <a:buChar char="•"/>
+            </a:pPr>
+            <a:endParaRPr lang="en-US" sz="1050"/>
+          </a:p>
+          <a:p>
+            <a:r>
+              <a:rPr lang="en-US" sz="1050" b="1"/>
+              <a:t>2. </a:t>
+            </a:r>
+            <a:r>
+              <a:rPr lang="en-US" sz="1050" b="1">
+                <a:solidFill>
+                  <a:srgbClr val="00B050"/>
+                </a:solidFill>
+              </a:rPr>
+              <a:t>GPT (GUID Partition Table)</a:t>
+            </a:r>
+          </a:p>
+          <a:p>
+            <a:pPr marL="628650" lvl="1" indent="-171450">
+              <a:buFont typeface="Arial" panose="020B0604020202020204" pitchFamily="34" charset="0"/>
+              <a:buChar char="•"/>
+            </a:pPr>
+            <a:r>
+              <a:rPr lang="en-US" sz="1050" b="1"/>
+              <a:t>Nədir?</a:t>
+            </a:r>
+            <a:r>
+              <a:rPr lang="en-US" sz="1050"/>
+              <a:t> Bu, daha müasir və geniş istifadə edilən bir formatdır.</a:t>
+            </a:r>
+          </a:p>
+          <a:p>
+            <a:pPr marL="628650" lvl="1" indent="-171450">
+              <a:buFont typeface="Arial" panose="020B0604020202020204" pitchFamily="34" charset="0"/>
+              <a:buChar char="•"/>
+            </a:pPr>
+            <a:r>
+              <a:rPr lang="en-US" sz="1050" b="1"/>
+              <a:t>Nə zaman istifadə edilir?</a:t>
+            </a:r>
+            <a:r>
+              <a:rPr lang="en-US" sz="1050"/>
+              <a:t> Əgər diskin həcmi 2TB-dan böyükdürsə və ya müasir sistemlərdən istifadə edirsənsə (məsələn, UEFI sistemləri), GPT istifadə edilməlidir.</a:t>
+            </a:r>
+          </a:p>
+          <a:p>
+            <a:r>
+              <a:rPr lang="en-US" sz="1050" b="1"/>
+              <a:t>Əsas xüsusiyyətləri:</a:t>
+            </a:r>
+            <a:endParaRPr lang="en-US" sz="1050"/>
+          </a:p>
+          <a:p>
+            <a:pPr marL="628650" lvl="1" indent="-171450">
+              <a:buFont typeface="Arial" panose="020B0604020202020204" pitchFamily="34" charset="0"/>
+              <a:buChar char="•"/>
+            </a:pPr>
+            <a:r>
+              <a:rPr lang="en-US" sz="1050" b="1"/>
+              <a:t>128 bölmə</a:t>
+            </a:r>
+            <a:r>
+              <a:rPr lang="en-US" sz="1050"/>
+              <a:t> yaratmağa imkan verir. Yəni, MBR-dən daha çox bölmə əlavə etmək mümkündür.</a:t>
+            </a:r>
+          </a:p>
+          <a:p>
+            <a:pPr marL="628650" lvl="1" indent="-171450">
+              <a:buFont typeface="Arial" panose="020B0604020202020204" pitchFamily="34" charset="0"/>
+              <a:buChar char="•"/>
+            </a:pPr>
+            <a:r>
+              <a:rPr lang="en-US" sz="1050"/>
+              <a:t>Çox böyük diskləri (18 exabayt qədər) dəstəkləyir.</a:t>
+            </a:r>
+            <a:endParaRPr lang="az-Latn-AZ" sz="1050"/>
+          </a:p>
+          <a:p>
+            <a:pPr marL="628650" lvl="1" indent="-171450">
+              <a:buFont typeface="Arial" panose="020B0604020202020204" pitchFamily="34" charset="0"/>
+              <a:buChar char="•"/>
+            </a:pPr>
+            <a:endParaRPr lang="en-US" sz="1050"/>
+          </a:p>
+          <a:p>
+            <a:r>
+              <a:rPr lang="en-US" sz="1050" b="1"/>
+              <a:t>3. </a:t>
+            </a:r>
+            <a:r>
+              <a:rPr lang="en-US" sz="1050" b="1">
+                <a:solidFill>
+                  <a:srgbClr val="00B050"/>
+                </a:solidFill>
+              </a:rPr>
+              <a:t>Primary Partition (Əsas Bölmə)</a:t>
+            </a:r>
+          </a:p>
+          <a:p>
+            <a:pPr marL="628650" lvl="1" indent="-171450">
+              <a:buFont typeface="Arial" panose="020B0604020202020204" pitchFamily="34" charset="0"/>
+              <a:buChar char="•"/>
+            </a:pPr>
+            <a:r>
+              <a:rPr lang="en-US" sz="1050" b="1"/>
+              <a:t>Nədir?</a:t>
+            </a:r>
+            <a:r>
+              <a:rPr lang="en-US" sz="1050"/>
+              <a:t> Bu, diskdə birbaşa yaradılan əsas bölmələrdir.</a:t>
+            </a:r>
+          </a:p>
+          <a:p>
+            <a:pPr marL="628650" lvl="1" indent="-171450">
+              <a:buFont typeface="Arial" panose="020B0604020202020204" pitchFamily="34" charset="0"/>
+              <a:buChar char="•"/>
+            </a:pPr>
+            <a:r>
+              <a:rPr lang="en-US" sz="1050" b="1"/>
+              <a:t>Nə zaman istifadə edilir?</a:t>
+            </a:r>
+            <a:r>
+              <a:rPr lang="en-US" sz="1050"/>
+              <a:t> MBR sistemində maksimum 4 əsas bölmə yarada bilərsən. Diskin əsas bölmələrində əməliyyat sistemi quraşdırmaq üçün istifadə edilir.</a:t>
+            </a:r>
+            <a:endParaRPr lang="az-Latn-AZ" sz="1050"/>
+          </a:p>
+          <a:p>
+            <a:pPr marL="628650" lvl="1" indent="-171450">
+              <a:buFont typeface="Arial" panose="020B0604020202020204" pitchFamily="34" charset="0"/>
+              <a:buChar char="•"/>
+            </a:pPr>
+            <a:endParaRPr lang="en-US" sz="1050"/>
+          </a:p>
+          <a:p>
+            <a:r>
+              <a:rPr lang="en-US" sz="1050" b="1"/>
+              <a:t>4. </a:t>
+            </a:r>
+            <a:r>
+              <a:rPr lang="en-US" sz="1050" b="1">
+                <a:solidFill>
+                  <a:srgbClr val="00B050"/>
+                </a:solidFill>
+              </a:rPr>
+              <a:t>Extended Partition (Genişləndirilmiş Bölmə)</a:t>
+            </a:r>
+          </a:p>
+          <a:p>
+            <a:pPr marL="628650" lvl="1" indent="-171450">
+              <a:buFont typeface="Arial" panose="020B0604020202020204" pitchFamily="34" charset="0"/>
+              <a:buChar char="•"/>
+            </a:pPr>
+            <a:r>
+              <a:rPr lang="en-US" sz="1050" b="1"/>
+              <a:t>Nədir?</a:t>
+            </a:r>
+            <a:r>
+              <a:rPr lang="en-US" sz="1050"/>
+              <a:t> Bu, yalnız MBR formatında olan disklərdə istifadə edilən bir bölmə növüdür. Bir növ "konteyner" kimidir.</a:t>
+            </a:r>
+          </a:p>
+          <a:p>
+            <a:pPr marL="628650" lvl="1" indent="-171450">
+              <a:buFont typeface="Arial" panose="020B0604020202020204" pitchFamily="34" charset="0"/>
+              <a:buChar char="•"/>
+            </a:pPr>
+            <a:r>
+              <a:rPr lang="en-US" sz="1050" b="1"/>
+              <a:t>Nə zaman istifadə edilir?</a:t>
+            </a:r>
+            <a:r>
+              <a:rPr lang="en-US" sz="1050"/>
+              <a:t> Əgər diskinizdə 4-dən çox bölmə yaratmaq istəyirsinizsə, </a:t>
+            </a:r>
+            <a:r>
+              <a:rPr lang="en-US" sz="1050" b="1"/>
+              <a:t>bir əsas bölmə</a:t>
+            </a:r>
+            <a:r>
+              <a:rPr lang="en-US" sz="1050"/>
+              <a:t>ni </a:t>
+            </a:r>
+            <a:r>
+              <a:rPr lang="en-US" sz="1050" b="1"/>
+              <a:t>genişləndirilmiş bölmə</a:t>
+            </a:r>
+            <a:r>
+              <a:rPr lang="en-US" sz="1050"/>
+              <a:t> olaraq təyin edib, burada çox sayda </a:t>
+            </a:r>
+            <a:r>
+              <a:rPr lang="en-US" sz="1050" b="1"/>
+              <a:t>loqik bölmə</a:t>
+            </a:r>
+            <a:r>
+              <a:rPr lang="en-US" sz="1050"/>
+              <a:t> yarada bilərsiniz.</a:t>
+            </a:r>
+            <a:endParaRPr lang="az-Latn-AZ" sz="1050"/>
+          </a:p>
+          <a:p>
+            <a:pPr marL="628650" lvl="1" indent="-171450">
+              <a:buFont typeface="Arial" panose="020B0604020202020204" pitchFamily="34" charset="0"/>
+              <a:buChar char="•"/>
+            </a:pPr>
+            <a:endParaRPr lang="en-US" sz="1050"/>
+          </a:p>
+          <a:p>
+            <a:r>
+              <a:rPr lang="en-US" sz="1050" b="1"/>
+              <a:t>5. </a:t>
+            </a:r>
+            <a:r>
+              <a:rPr lang="en-US" sz="1050" b="1">
+                <a:solidFill>
+                  <a:srgbClr val="00B050"/>
+                </a:solidFill>
+              </a:rPr>
+              <a:t>Logical Partition (Loqik Bölmə)</a:t>
+            </a:r>
+          </a:p>
+          <a:p>
+            <a:pPr marL="628650" lvl="1" indent="-171450">
+              <a:buFont typeface="Arial" panose="020B0604020202020204" pitchFamily="34" charset="0"/>
+              <a:buChar char="•"/>
+            </a:pPr>
+            <a:r>
+              <a:rPr lang="en-US" sz="1050" b="1"/>
+              <a:t>Nədir?</a:t>
+            </a:r>
+            <a:r>
+              <a:rPr lang="en-US" sz="1050"/>
+              <a:t> Genişləndirilmiş bölmənin daxilindəki alt bölmələrdir.</a:t>
+            </a:r>
+          </a:p>
+          <a:p>
+            <a:pPr marL="628650" lvl="1" indent="-171450">
+              <a:buFont typeface="Arial" panose="020B0604020202020204" pitchFamily="34" charset="0"/>
+              <a:buChar char="•"/>
+            </a:pPr>
+            <a:r>
+              <a:rPr lang="en-US" sz="1050" b="1"/>
+              <a:t>Nə zaman istifadə edilir?</a:t>
+            </a:r>
+            <a:r>
+              <a:rPr lang="en-US" sz="1050"/>
+              <a:t> Yalnız MBR istifadə edən sistemlərdə genişləndirilmiş bölmənin daxilində yaradılır.</a:t>
+            </a:r>
+            <a:endParaRPr lang="az-Latn-AZ" sz="1050"/>
+          </a:p>
+          <a:p>
+            <a:pPr marL="628650" lvl="1" indent="-171450">
+              <a:buFont typeface="Arial" panose="020B0604020202020204" pitchFamily="34" charset="0"/>
+              <a:buChar char="•"/>
+            </a:pPr>
+            <a:endParaRPr lang="en-US" sz="1050"/>
+          </a:p>
+          <a:p>
+            <a:r>
+              <a:rPr lang="en-US" sz="1050" b="1"/>
+              <a:t>6. </a:t>
+            </a:r>
+            <a:r>
+              <a:rPr lang="en-US" sz="1050" b="1">
+                <a:solidFill>
+                  <a:srgbClr val="00B050"/>
+                </a:solidFill>
+              </a:rPr>
+              <a:t>Swap (Virtual Yaddaş)</a:t>
+            </a:r>
+          </a:p>
+          <a:p>
+            <a:pPr marL="628650" lvl="1" indent="-171450">
+              <a:buFont typeface="Arial" panose="020B0604020202020204" pitchFamily="34" charset="0"/>
+              <a:buChar char="•"/>
+            </a:pPr>
+            <a:r>
+              <a:rPr lang="en-US" sz="1050" b="1"/>
+              <a:t>Nədir?</a:t>
+            </a:r>
+            <a:r>
+              <a:rPr lang="en-US" sz="1050"/>
+              <a:t> Swap, "virtual yaddaş" kimi işləyən xüsusi bir bölmədir. Yəni, RAM (əməliyyat yaddaşı) dolarsa, kompüter bu bölməni istifadə edərək məlumatı "yazmağa" başlayır.</a:t>
+            </a:r>
+          </a:p>
+          <a:p>
+            <a:pPr marL="628650" lvl="1" indent="-171450">
+              <a:buFont typeface="Arial" panose="020B0604020202020204" pitchFamily="34" charset="0"/>
+              <a:buChar char="•"/>
+            </a:pPr>
+            <a:r>
+              <a:rPr lang="en-US" sz="1050" b="1"/>
+              <a:t>Nə zaman istifadə edilir?</a:t>
+            </a:r>
+            <a:r>
+              <a:rPr lang="en-US" sz="1050"/>
+              <a:t> Əgər kompüterdə RAM azdır və ya çox sayda proqram işləyirsə, swap bölməsi istifadə olunur.</a:t>
+            </a:r>
+            <a:endParaRPr lang="az-Latn-AZ" sz="1050"/>
+          </a:p>
+          <a:p>
+            <a:pPr marL="628650" lvl="1" indent="-171450">
+              <a:buFont typeface="Arial" panose="020B0604020202020204" pitchFamily="34" charset="0"/>
+              <a:buChar char="•"/>
+            </a:pPr>
+            <a:endParaRPr lang="en-US" sz="1050"/>
+          </a:p>
+          <a:p>
+            <a:r>
+              <a:rPr lang="en-US" sz="1050" b="1"/>
+              <a:t>7. </a:t>
+            </a:r>
+            <a:r>
+              <a:rPr lang="en-US" sz="1050" b="1">
+                <a:solidFill>
+                  <a:srgbClr val="00B050"/>
+                </a:solidFill>
+              </a:rPr>
+              <a:t>LVM (Logical Volume Manager)</a:t>
+            </a:r>
+          </a:p>
+          <a:p>
+            <a:pPr marL="628650" lvl="1" indent="-171450">
+              <a:buFont typeface="Arial" panose="020B0604020202020204" pitchFamily="34" charset="0"/>
+              <a:buChar char="•"/>
+            </a:pPr>
+            <a:r>
+              <a:rPr lang="en-US" sz="1050" b="1"/>
+              <a:t>Nədir?</a:t>
+            </a:r>
+            <a:r>
+              <a:rPr lang="en-US" sz="1050"/>
+              <a:t> Bu, dinamik bölmə idarəetmə sistemidir. Yəni, diskləri daha çevik şəkildə idarə etməyə imkan verir.</a:t>
+            </a:r>
+          </a:p>
+          <a:p>
+            <a:pPr marL="628650" lvl="1" indent="-171450">
+              <a:buFont typeface="Arial" panose="020B0604020202020204" pitchFamily="34" charset="0"/>
+              <a:buChar char="•"/>
+            </a:pPr>
+            <a:r>
+              <a:rPr lang="en-US" sz="1050" b="1"/>
+              <a:t>Nə zaman istifadə edilir?</a:t>
+            </a:r>
+            <a:r>
+              <a:rPr lang="en-US" sz="1050"/>
+              <a:t> Diski genişləndirmək və ya kiçiltmək lazım olduqda, LVM daha rahat istifadə edilir. Məsələn, bir bölmənin ölçüsünü dəyişmək istəyirsənsə, LVM bu işləri çox asanlaşdırır.</a:t>
+            </a:r>
+            <a:endParaRPr lang="az-Latn-AZ" sz="1050"/>
+          </a:p>
+          <a:p>
+            <a:pPr marL="628650" lvl="1" indent="-171450">
+              <a:buFont typeface="Arial" panose="020B0604020202020204" pitchFamily="34" charset="0"/>
+              <a:buChar char="•"/>
+            </a:pPr>
+            <a:endParaRPr lang="en-US" sz="1050"/>
+          </a:p>
+          <a:p>
+            <a:r>
+              <a:rPr lang="en-US" sz="1050" b="1"/>
+              <a:t>8. </a:t>
+            </a:r>
+            <a:r>
+              <a:rPr lang="en-US" sz="1050" b="1">
+                <a:solidFill>
+                  <a:srgbClr val="00B050"/>
+                </a:solidFill>
+              </a:rPr>
+              <a:t>RAID (Redundant Array of Independent Disks)</a:t>
+            </a:r>
+          </a:p>
+          <a:p>
+            <a:pPr marL="628650" lvl="1" indent="-171450">
+              <a:buFont typeface="Arial" panose="020B0604020202020204" pitchFamily="34" charset="0"/>
+              <a:buChar char="•"/>
+            </a:pPr>
+            <a:r>
+              <a:rPr lang="en-US" sz="1050" b="1"/>
+              <a:t>Nədir?</a:t>
+            </a:r>
+            <a:r>
+              <a:rPr lang="en-US" sz="1050"/>
+              <a:t> Bu, bir neçə diski birləşdirərək, disk performansını artırmaq və ya məlumat təhlükəsizliyini təmin etmək məqsədilə istifadə edilən texnologiyadır.</a:t>
+            </a:r>
+          </a:p>
+          <a:p>
+            <a:pPr marL="628650" lvl="1" indent="-171450">
+              <a:buFont typeface="Arial" panose="020B0604020202020204" pitchFamily="34" charset="0"/>
+              <a:buChar char="•"/>
+            </a:pPr>
+            <a:r>
+              <a:rPr lang="en-US" sz="1050" b="1"/>
+              <a:t>Nə zaman istifadə edilir?</a:t>
+            </a:r>
+            <a:r>
+              <a:rPr lang="en-US" sz="1050"/>
+              <a:t> RAID, xüsusilə serverlərdə və ya çox böyük məlumat saxlama sistemlərində istifadə olunur. Məsələn, RAID 1 məlumatı iki diskə eyni anda yazaraq məlumat itkisinin qarşısını alır, RAID 0 isə sürəti artırır.</a:t>
+            </a:r>
           </a:p>
         </p:txBody>
       </p:sp>
@@ -35525,7 +36024,7 @@
         <p:spPr>
           <a:xfrm>
             <a:off x="203200" y="244826"/>
-            <a:ext cx="11822545" cy="369332"/>
+            <a:ext cx="11822545" cy="3600986"/>
           </a:xfrm>
           <a:prstGeom prst="rect">
             <a:avLst/>
@@ -35539,15 +36038,232 @@
           <a:lstStyle/>
           <a:p>
             <a:r>
-              <a:rPr lang="en-US">
-                <a:latin typeface="-apple-system"/>
+              <a:rPr lang="en-US" sz="1200"/>
+              <a:t>Sistemdəki disk quruluşunun </a:t>
+            </a:r>
+            <a:r>
+              <a:rPr lang="en-US" sz="1200" b="1"/>
+              <a:t>MBR</a:t>
+            </a:r>
+            <a:r>
+              <a:rPr lang="en-US" sz="1200"/>
+              <a:t> (Master Boot Record) və ya </a:t>
+            </a:r>
+            <a:r>
+              <a:rPr lang="en-US" sz="1200" b="1"/>
+              <a:t>GPT</a:t>
+            </a:r>
+            <a:r>
+              <a:rPr lang="en-US" sz="1200"/>
+              <a:t> (GUID Partition Table) </a:t>
+            </a:r>
+            <a:r>
+              <a:rPr lang="az-Latn-AZ" sz="1200"/>
+              <a:t>və.s </a:t>
+            </a:r>
+            <a:r>
+              <a:rPr lang="en-US" sz="1200"/>
+              <a:t>olduğunu tapmaq üçün aşağıdakı üsulları izləyə bilərsən:</a:t>
+            </a:r>
+            <a:endParaRPr lang="az-Latn-AZ" sz="1200"/>
+          </a:p>
+          <a:p>
+            <a:endParaRPr lang="az-Latn-AZ" sz="1200"/>
+          </a:p>
+          <a:p>
+            <a:pPr marL="171450" indent="-171450">
+              <a:buFont typeface="Arial" panose="020B0604020202020204" pitchFamily="34" charset="0"/>
+              <a:buChar char="•"/>
+            </a:pPr>
+            <a:r>
+              <a:rPr lang="en-US" sz="1200" b="1">
+                <a:solidFill>
+                  <a:srgbClr val="FF0000"/>
+                </a:solidFill>
               </a:rPr>
-              <a:t>.</a:t>
-            </a:r>
-            <a:endParaRPr lang="en-US"/>
+              <a:t>lsblk</a:t>
+            </a:r>
+            <a:r>
+              <a:rPr lang="az-Latn-AZ" sz="1200" b="1">
+                <a:solidFill>
+                  <a:srgbClr val="FF0000"/>
+                </a:solidFill>
+              </a:rPr>
+              <a:t>	</a:t>
+            </a:r>
+            <a:r>
+              <a:rPr lang="en-US" sz="1200"/>
+              <a:t> əmrindən </a:t>
+            </a:r>
+            <a:r>
+              <a:rPr lang="en-US" sz="1200" b="1"/>
+              <a:t>diskin tipi</a:t>
+            </a:r>
+            <a:r>
+              <a:rPr lang="en-US" sz="1200"/>
+              <a:t>ni (MBR və ya GPT) birbaşa görə bilməzsən. Ancaq daha detallı məlumatı əldə etmək üçün lsblk əmrini əlavə parametrlərlə istifadə edə bilərsən.</a:t>
+            </a:r>
+            <a:endParaRPr lang="az-Latn-AZ" sz="1200"/>
+          </a:p>
+          <a:p>
+            <a:endParaRPr lang="az-Latn-AZ" sz="1200"/>
+          </a:p>
+          <a:p>
+            <a:pPr marL="171450" indent="-171450">
+              <a:buFont typeface="Arial" panose="020B0604020202020204" pitchFamily="34" charset="0"/>
+              <a:buChar char="•"/>
+            </a:pPr>
+            <a:r>
+              <a:rPr lang="en-US" sz="1200" b="1">
+                <a:solidFill>
+                  <a:srgbClr val="FF0000"/>
+                </a:solidFill>
+              </a:rPr>
+              <a:t>parted</a:t>
+            </a:r>
+            <a:r>
+              <a:rPr lang="en-US" sz="1200"/>
+              <a:t> aləti daha ətraflı disk və bölmə cədvəli məlumatı verir. Bu alət vasitəsilə, disk formatını öyrənmək mümkündür.</a:t>
+            </a:r>
+            <a:r>
+              <a:rPr lang="az-Latn-AZ" sz="1200"/>
+              <a:t> </a:t>
+            </a:r>
+            <a:r>
+              <a:rPr lang="en-US" sz="1200"/>
+              <a:t>Burada /dev/sda diskin adıdır (əgər başqa disk istifadə edirsənsə, adını uyğun olaraq dəyişdirə bilərsən). Bu əmrin nəticəsində, disk formatı haqqında məlumat verəcək, məsələn:</a:t>
+            </a:r>
+            <a:endParaRPr lang="az-Latn-AZ" sz="1200"/>
+          </a:p>
+          <a:p>
+            <a:endParaRPr lang="az-Latn-AZ" sz="1200"/>
+          </a:p>
+          <a:p>
+            <a:endParaRPr lang="az-Latn-AZ" sz="1200"/>
+          </a:p>
+          <a:p>
+            <a:endParaRPr lang="az-Latn-AZ" sz="1200"/>
+          </a:p>
+          <a:p>
+            <a:endParaRPr lang="az-Latn-AZ" sz="1200"/>
+          </a:p>
+          <a:p>
+            <a:endParaRPr lang="az-Latn-AZ" sz="1200"/>
+          </a:p>
+          <a:p>
+            <a:endParaRPr lang="az-Latn-AZ" sz="1200"/>
+          </a:p>
+          <a:p>
+            <a:endParaRPr lang="az-Latn-AZ" sz="1200"/>
+          </a:p>
+          <a:p>
+            <a:pPr marL="171450" indent="-171450">
+              <a:buFont typeface="Arial" panose="020B0604020202020204" pitchFamily="34" charset="0"/>
+              <a:buChar char="•"/>
+            </a:pPr>
+            <a:r>
+              <a:rPr lang="en-US" sz="1200" b="1">
+                <a:solidFill>
+                  <a:srgbClr val="FF0000"/>
+                </a:solidFill>
+              </a:rPr>
+              <a:t>gdisk</a:t>
+            </a:r>
+            <a:r>
+              <a:rPr lang="en-US" sz="1200"/>
+              <a:t> aləti daha mükəmməl bir vasitədir və MBR və GPT formatları haqqında çox detallı məlumat verir. Bu aləti istifadə edərək, disk formatını belə yoxlaya bilərsən:</a:t>
+            </a:r>
+            <a:r>
+              <a:rPr lang="az-Latn-AZ" sz="1200"/>
+              <a:t> Bu əmrdən sonra, diskin formatı haqqında GPT və ya MBR məlumatını çıxara biləcəksən. </a:t>
+            </a:r>
+            <a:r>
+              <a:rPr lang="az-Latn-AZ" sz="1200" b="1">
+                <a:highlight>
+                  <a:srgbClr val="FFFF00"/>
+                </a:highlight>
+              </a:rPr>
+              <a:t>ARDI NÖVBƏTİ SLAYDDA</a:t>
+            </a:r>
+            <a:r>
+              <a:rPr lang="az-Latn-AZ" sz="1200"/>
+              <a:t>. </a:t>
+            </a:r>
+          </a:p>
+          <a:p>
+            <a:endParaRPr lang="az-Latn-AZ" sz="1200"/>
+          </a:p>
+          <a:p>
+            <a:endParaRPr lang="az-Latn-AZ" sz="1200"/>
+          </a:p>
+          <a:p>
+            <a:endParaRPr lang="az-Latn-AZ" sz="1200"/>
+          </a:p>
+          <a:p>
+            <a:endParaRPr lang="en-US" sz="1200"/>
           </a:p>
         </p:txBody>
       </p:sp>
+      <p:pic>
+        <p:nvPicPr>
+          <p:cNvPr id="3" name="Picture 2">
+            <a:extLst>
+              <a:ext uri="{FF2B5EF4-FFF2-40B4-BE49-F238E27FC236}">
+                <a16:creationId xmlns:a16="http://schemas.microsoft.com/office/drawing/2014/main" id="{92431878-BED8-248B-F6D9-C50411A67438}"/>
+              </a:ext>
+            </a:extLst>
+          </p:cNvPr>
+          <p:cNvPicPr>
+            <a:picLocks noChangeAspect="1"/>
+          </p:cNvPicPr>
+          <p:nvPr/>
+        </p:nvPicPr>
+        <p:blipFill>
+          <a:blip r:embed="rId2"/>
+          <a:stretch>
+            <a:fillRect/>
+          </a:stretch>
+        </p:blipFill>
+        <p:spPr>
+          <a:xfrm>
+            <a:off x="203200" y="1538112"/>
+            <a:ext cx="2229161" cy="438211"/>
+          </a:xfrm>
+          <a:prstGeom prst="rect">
+            <a:avLst/>
+          </a:prstGeom>
+        </p:spPr>
+      </p:pic>
+      <p:pic>
+        <p:nvPicPr>
+          <p:cNvPr id="5" name="Picture 4">
+            <a:extLst>
+              <a:ext uri="{FF2B5EF4-FFF2-40B4-BE49-F238E27FC236}">
+                <a16:creationId xmlns:a16="http://schemas.microsoft.com/office/drawing/2014/main" id="{BD0B3CE4-555A-016B-2C15-5B280B430A34}"/>
+              </a:ext>
+            </a:extLst>
+          </p:cNvPr>
+          <p:cNvPicPr>
+            <a:picLocks noChangeAspect="1"/>
+          </p:cNvPicPr>
+          <p:nvPr/>
+        </p:nvPicPr>
+        <p:blipFill>
+          <a:blip r:embed="rId3"/>
+          <a:stretch>
+            <a:fillRect/>
+          </a:stretch>
+        </p:blipFill>
+        <p:spPr>
+          <a:xfrm>
+            <a:off x="203200" y="3114631"/>
+            <a:ext cx="1895740" cy="314369"/>
+          </a:xfrm>
+          <a:prstGeom prst="rect">
+            <a:avLst/>
+          </a:prstGeom>
+        </p:spPr>
+      </p:pic>
     </p:spTree>
     <p:extLst>
       <p:ext uri="{BB962C8B-B14F-4D97-AF65-F5344CB8AC3E}">
@@ -35841,6 +36557,354 @@
         <p:cNvPr id="1" name="">
           <a:extLst>
             <a:ext uri="{FF2B5EF4-FFF2-40B4-BE49-F238E27FC236}">
+              <a16:creationId xmlns:a16="http://schemas.microsoft.com/office/drawing/2014/main" id="{F6ABEF0A-7092-9250-494D-E9683A50C51B}"/>
+            </a:ext>
+          </a:extLst>
+        </p:cNvPr>
+        <p:cNvGrpSpPr/>
+        <p:nvPr/>
+      </p:nvGrpSpPr>
+      <p:grpSpPr>
+        <a:xfrm>
+          <a:off x="0" y="0"/>
+          <a:ext cx="0" cy="0"/>
+          <a:chOff x="0" y="0"/>
+          <a:chExt cx="0" cy="0"/>
+        </a:xfrm>
+      </p:grpSpPr>
+      <p:sp>
+        <p:nvSpPr>
+          <p:cNvPr id="7" name="TextBox 6">
+            <a:extLst>
+              <a:ext uri="{FF2B5EF4-FFF2-40B4-BE49-F238E27FC236}">
+                <a16:creationId xmlns:a16="http://schemas.microsoft.com/office/drawing/2014/main" id="{9F5BD752-505E-C34A-1EB1-03CF8AFDD002}"/>
+              </a:ext>
+            </a:extLst>
+          </p:cNvPr>
+          <p:cNvSpPr txBox="1"/>
+          <p:nvPr/>
+        </p:nvSpPr>
+        <p:spPr>
+          <a:xfrm>
+            <a:off x="73891" y="151179"/>
+            <a:ext cx="8894618" cy="6001643"/>
+          </a:xfrm>
+          <a:prstGeom prst="rect">
+            <a:avLst/>
+          </a:prstGeom>
+          <a:noFill/>
+        </p:spPr>
+        <p:txBody>
+          <a:bodyPr wrap="square">
+            <a:spAutoFit/>
+          </a:bodyPr>
+          <a:lstStyle/>
+          <a:p>
+            <a:r>
+              <a:rPr lang="en-US" sz="1200"/>
+              <a:t>Bu nəticələrə əsasən, diskinin hal-hazırda MBR (Master Boot Record) formatında olduğunu görürsən. Burada bəzi mühüm məqamları izah edim:</a:t>
+            </a:r>
+          </a:p>
+          <a:p>
+            <a:endParaRPr lang="en-US" sz="1200"/>
+          </a:p>
+          <a:p>
+            <a:r>
+              <a:rPr lang="az-Latn-AZ" sz="1200"/>
+              <a:t>1) </a:t>
+            </a:r>
+            <a:r>
+              <a:rPr lang="en-US" sz="1200" b="1">
+                <a:solidFill>
+                  <a:srgbClr val="00B050"/>
+                </a:solidFill>
+              </a:rPr>
+              <a:t>GPT və MBR cədvəlinin əlaqəsi</a:t>
+            </a:r>
+            <a:r>
+              <a:rPr lang="en-US" sz="1200"/>
+              <a:t>:</a:t>
+            </a:r>
+            <a:endParaRPr lang="az-Latn-AZ" sz="1200"/>
+          </a:p>
+          <a:p>
+            <a:pPr marL="228600" indent="-228600">
+              <a:buAutoNum type="arabicParenR"/>
+            </a:pPr>
+            <a:endParaRPr lang="en-US" sz="1200"/>
+          </a:p>
+          <a:p>
+            <a:pPr marL="171450" indent="-171450">
+              <a:buFont typeface="Arial" panose="020B0604020202020204" pitchFamily="34" charset="0"/>
+              <a:buChar char="•"/>
+            </a:pPr>
+            <a:r>
+              <a:rPr lang="en-US" sz="1200"/>
+              <a:t>"Found invalid GPT and valid MBR" mesajı göstərir ki, diskdə GPT cədvəli varsa da, o düzgün deyil və sistem MBR cədvəlini düzgün tanıyır. Beləliklə, disk hal-hazırda MBR formatında işləyir, amma GPT formatı ilə əlaqəli səhvlər də mövcuddur.</a:t>
+            </a:r>
+          </a:p>
+          <a:p>
+            <a:endParaRPr lang="en-US" sz="1200"/>
+          </a:p>
+          <a:p>
+            <a:r>
+              <a:rPr lang="az-Latn-AZ" sz="1200"/>
+              <a:t>2) </a:t>
+            </a:r>
+            <a:r>
+              <a:rPr lang="en-US" sz="1200" b="1">
+                <a:solidFill>
+                  <a:srgbClr val="00B050"/>
+                </a:solidFill>
+              </a:rPr>
+              <a:t>MBR haqqında məlumat</a:t>
+            </a:r>
+            <a:r>
+              <a:rPr lang="en-US" sz="1200"/>
+              <a:t>:</a:t>
+            </a:r>
+            <a:endParaRPr lang="az-Latn-AZ" sz="1200"/>
+          </a:p>
+          <a:p>
+            <a:endParaRPr lang="en-US" sz="1200"/>
+          </a:p>
+          <a:p>
+            <a:pPr marL="171450" indent="-171450">
+              <a:buFont typeface="Arial" panose="020B0604020202020204" pitchFamily="34" charset="0"/>
+              <a:buChar char="•"/>
+            </a:pPr>
+            <a:r>
+              <a:rPr lang="en-US" sz="1200"/>
+              <a:t>"MBR: MBR only" – Bu, diskin MBR formatında olduğunu təsdiq edir.</a:t>
+            </a:r>
+          </a:p>
+          <a:p>
+            <a:endParaRPr lang="en-US" sz="1200"/>
+          </a:p>
+          <a:p>
+            <a:r>
+              <a:rPr lang="az-Latn-AZ" sz="1200"/>
+              <a:t>3) </a:t>
+            </a:r>
+            <a:r>
+              <a:rPr lang="en-US" sz="1200" b="1">
+                <a:solidFill>
+                  <a:srgbClr val="00B050"/>
+                </a:solidFill>
+              </a:rPr>
+              <a:t>Diskin ölçüsü</a:t>
+            </a:r>
+            <a:r>
+              <a:rPr lang="en-US" sz="1200"/>
+              <a:t>:</a:t>
+            </a:r>
+            <a:endParaRPr lang="az-Latn-AZ" sz="1200"/>
+          </a:p>
+          <a:p>
+            <a:endParaRPr lang="en-US" sz="1200"/>
+          </a:p>
+          <a:p>
+            <a:pPr marL="171450" indent="-171450">
+              <a:buFont typeface="Arial" panose="020B0604020202020204" pitchFamily="34" charset="0"/>
+              <a:buChar char="•"/>
+            </a:pPr>
+            <a:r>
+              <a:rPr lang="en-US" sz="1200"/>
+              <a:t>Diskin ölçüsü 150 GiB (gigabayt) olduğu halda, MBR cədvəlinin tələblərinə uyğun işləyir. Ancaq qeyd edim ki, MBR yalnız 2TB-a qədər olan diskləri dəstəkləyir. Bu halda disk 150 GB olduğu üçün MBR istifadə etmək mümkündür.</a:t>
+            </a:r>
+          </a:p>
+          <a:p>
+            <a:endParaRPr lang="en-US" sz="1200"/>
+          </a:p>
+          <a:p>
+            <a:r>
+              <a:rPr lang="az-Latn-AZ" sz="1200"/>
+              <a:t>4) </a:t>
+            </a:r>
+            <a:r>
+              <a:rPr lang="en-US" sz="1200" b="1">
+                <a:solidFill>
+                  <a:srgbClr val="00B050"/>
+                </a:solidFill>
+              </a:rPr>
+              <a:t>"Warning! Secondary partition table overlaps the last partition by 33 blocks!"</a:t>
+            </a:r>
+            <a:r>
+              <a:rPr lang="en-US" sz="1200"/>
+              <a:t>:</a:t>
+            </a:r>
+            <a:endParaRPr lang="az-Latn-AZ" sz="1200"/>
+          </a:p>
+          <a:p>
+            <a:endParaRPr lang="en-US" sz="1200"/>
+          </a:p>
+          <a:p>
+            <a:pPr marL="171450" indent="-171450">
+              <a:buFont typeface="Arial" panose="020B0604020202020204" pitchFamily="34" charset="0"/>
+              <a:buChar char="•"/>
+            </a:pPr>
+            <a:r>
+              <a:rPr lang="en-US" sz="1200"/>
+              <a:t>Bu xəbərdarlıq GPT bölmə cədvəlindəki səhvləri göstərir. Burada ikinci cədvəl ilə sonuncu bölmənin bir-birinə qarışdığı qeyd olunub. Bu, GPT cədvəlindəki zədələnmiş bir hissə olduğunu göstərir.</a:t>
+            </a:r>
+          </a:p>
+          <a:p>
+            <a:endParaRPr lang="en-US" sz="1200"/>
+          </a:p>
+          <a:p>
+            <a:r>
+              <a:rPr lang="az-Latn-AZ" sz="1200"/>
+              <a:t>5) </a:t>
+            </a:r>
+            <a:r>
+              <a:rPr lang="en-US" sz="1200" b="1">
+                <a:solidFill>
+                  <a:srgbClr val="00B050"/>
+                </a:solidFill>
+              </a:rPr>
+              <a:t>Bölmələr (Partitions)</a:t>
+            </a:r>
+            <a:r>
+              <a:rPr lang="en-US" sz="1200"/>
+              <a:t>:</a:t>
+            </a:r>
+            <a:endParaRPr lang="az-Latn-AZ" sz="1200"/>
+          </a:p>
+          <a:p>
+            <a:endParaRPr lang="en-US" sz="1200"/>
+          </a:p>
+          <a:p>
+            <a:pPr marL="171450" indent="-171450">
+              <a:buFont typeface="Arial" panose="020B0604020202020204" pitchFamily="34" charset="0"/>
+              <a:buChar char="•"/>
+            </a:pPr>
+            <a:r>
+              <a:rPr lang="en-US" sz="1200" b="1"/>
+              <a:t>3 bölmə var</a:t>
+            </a:r>
+            <a:r>
+              <a:rPr lang="en-US" sz="1200"/>
+              <a:t>:</a:t>
+            </a:r>
+          </a:p>
+          <a:p>
+            <a:pPr marL="628650" lvl="1" indent="-171450">
+              <a:buFont typeface="Wingdings" panose="05000000000000000000" pitchFamily="2" charset="2"/>
+              <a:buChar char="q"/>
+            </a:pPr>
+            <a:r>
+              <a:rPr lang="en-US" sz="1200"/>
+              <a:t>sda1: 487 MB (Linux fayl sistemi üçün istifadə olunur).</a:t>
+            </a:r>
+          </a:p>
+          <a:p>
+            <a:pPr marL="628650" lvl="1" indent="-171450">
+              <a:buFont typeface="Wingdings" panose="05000000000000000000" pitchFamily="2" charset="2"/>
+              <a:buChar char="q"/>
+            </a:pPr>
+            <a:r>
+              <a:rPr lang="en-US" sz="1200"/>
+              <a:t>sda3: 21.2 GiB (Linux fayl sistemi, /boot bölməsi kimi istifadə olunur).</a:t>
+            </a:r>
+          </a:p>
+          <a:p>
+            <a:pPr marL="628650" lvl="1" indent="-171450">
+              <a:buFont typeface="Wingdings" panose="05000000000000000000" pitchFamily="2" charset="2"/>
+              <a:buChar char="q"/>
+            </a:pPr>
+            <a:r>
+              <a:rPr lang="en-US" sz="1200"/>
+              <a:t>sda5: 128.3 GiB (Linux LVM bölməsi, burada LVM ilə bölmələr yaradılıb).</a:t>
+            </a:r>
+          </a:p>
+          <a:p>
+            <a:endParaRPr lang="en-US" sz="1200"/>
+          </a:p>
+          <a:p>
+            <a:r>
+              <a:rPr lang="az-Latn-AZ" sz="1200"/>
+              <a:t>6) </a:t>
+            </a:r>
+            <a:r>
+              <a:rPr lang="en-US" sz="1200" b="1">
+                <a:solidFill>
+                  <a:srgbClr val="00B050"/>
+                </a:solidFill>
+              </a:rPr>
+              <a:t>LVM (Logical Volume Management)</a:t>
+            </a:r>
+            <a:r>
+              <a:rPr lang="en-US" sz="1200"/>
+              <a:t>:</a:t>
+            </a:r>
+            <a:endParaRPr lang="az-Latn-AZ" sz="1200"/>
+          </a:p>
+          <a:p>
+            <a:endParaRPr lang="en-US" sz="1200"/>
+          </a:p>
+          <a:p>
+            <a:pPr marL="171450" indent="-171450">
+              <a:buFont typeface="Arial" panose="020B0604020202020204" pitchFamily="34" charset="0"/>
+              <a:buChar char="•"/>
+            </a:pPr>
+            <a:r>
+              <a:rPr lang="en-US" sz="1200"/>
+              <a:t>sda5 bölməsi LVM istifadə edərək qurulub və burada bir neçə loqik bölmə var (/, /home, /var, /tmp, və swap).</a:t>
+            </a:r>
+          </a:p>
+        </p:txBody>
+      </p:sp>
+      <p:pic>
+        <p:nvPicPr>
+          <p:cNvPr id="8" name="Picture 7">
+            <a:extLst>
+              <a:ext uri="{FF2B5EF4-FFF2-40B4-BE49-F238E27FC236}">
+                <a16:creationId xmlns:a16="http://schemas.microsoft.com/office/drawing/2014/main" id="{C9D1C5CF-2A7A-A78A-46BB-0F977C1CCDA7}"/>
+              </a:ext>
+            </a:extLst>
+          </p:cNvPr>
+          <p:cNvPicPr>
+            <a:picLocks noChangeAspect="1"/>
+          </p:cNvPicPr>
+          <p:nvPr/>
+        </p:nvPicPr>
+        <p:blipFill>
+          <a:blip r:embed="rId2"/>
+          <a:stretch>
+            <a:fillRect/>
+          </a:stretch>
+        </p:blipFill>
+        <p:spPr>
+          <a:xfrm>
+            <a:off x="9079345" y="3689215"/>
+            <a:ext cx="3112655" cy="3168785"/>
+          </a:xfrm>
+          <a:prstGeom prst="rect">
+            <a:avLst/>
+          </a:prstGeom>
+        </p:spPr>
+      </p:pic>
+    </p:spTree>
+    <p:extLst>
+      <p:ext uri="{BB962C8B-B14F-4D97-AF65-F5344CB8AC3E}">
+        <p14:creationId xmlns:p14="http://schemas.microsoft.com/office/powerpoint/2010/main" val="2390516904"/>
+      </p:ext>
+    </p:extLst>
+  </p:cSld>
+  <p:clrMapOvr>
+    <a:masterClrMapping/>
+  </p:clrMapOvr>
+</p:sld>
+</file>
+
+<file path=ppt/slides/slide31.xml><?xml version="1.0" encoding="utf-8"?>
+<p:sld xmlns:a="http://schemas.openxmlformats.org/drawingml/2006/main" xmlns:r="http://schemas.openxmlformats.org/officeDocument/2006/relationships" xmlns:p="http://schemas.openxmlformats.org/presentationml/2006/main">
+  <p:cSld>
+    <p:spTree>
+      <p:nvGrpSpPr>
+        <p:cNvPr id="1" name="">
+          <a:extLst>
+            <a:ext uri="{FF2B5EF4-FFF2-40B4-BE49-F238E27FC236}">
               <a16:creationId xmlns:a16="http://schemas.microsoft.com/office/drawing/2014/main" id="{7F6A5ED6-2420-56C0-DFCB-1E9CEDD181D0}"/>
             </a:ext>
           </a:extLst>
@@ -35871,7 +36935,7 @@
         <p:spPr>
           <a:xfrm>
             <a:off x="203200" y="244826"/>
-            <a:ext cx="11822545" cy="369332"/>
+            <a:ext cx="11822545" cy="4524315"/>
           </a:xfrm>
           <a:prstGeom prst="rect">
             <a:avLst/>
@@ -35885,15 +36949,233 @@
           <a:lstStyle/>
           <a:p>
             <a:r>
-              <a:rPr lang="en-US">
-                <a:latin typeface="-apple-system"/>
+              <a:rPr lang="en-US" sz="1200" b="1">
+                <a:solidFill>
+                  <a:srgbClr val="FF0000"/>
+                </a:solidFill>
               </a:rPr>
-              <a:t>.</a:t>
-            </a:r>
-            <a:endParaRPr lang="en-US"/>
+              <a:t>blkid</a:t>
+            </a:r>
+            <a:r>
+              <a:rPr lang="en-US" sz="1200"/>
+              <a:t> əmrini istifadə edərək də bölmələrin formatını yoxlaya bilərsən. Bu əmrdə </a:t>
+            </a:r>
+            <a:r>
+              <a:rPr lang="en-US" sz="1200" b="1"/>
+              <a:t>GPT</a:t>
+            </a:r>
+            <a:r>
+              <a:rPr lang="en-US" sz="1200"/>
+              <a:t> və ya </a:t>
+            </a:r>
+            <a:r>
+              <a:rPr lang="en-US" sz="1200" b="1"/>
+              <a:t>MBR</a:t>
+            </a:r>
+            <a:r>
+              <a:rPr lang="en-US" sz="1200"/>
+              <a:t> haqqında bilgilər olmasa da, bir çox fayl sistemləri (məsələn, ext4, swap, ntfs və s.) haqqında məlumat alacaqsan.</a:t>
+            </a:r>
+            <a:endParaRPr lang="az-Latn-AZ" sz="1200"/>
+          </a:p>
+          <a:p>
+            <a:endParaRPr lang="az-Latn-AZ" sz="1200"/>
+          </a:p>
+          <a:p>
+            <a:endParaRPr lang="az-Latn-AZ" sz="1200"/>
+          </a:p>
+          <a:p>
+            <a:endParaRPr lang="az-Latn-AZ" sz="1200"/>
+          </a:p>
+          <a:p>
+            <a:endParaRPr lang="az-Latn-AZ" sz="1200"/>
+          </a:p>
+          <a:p>
+            <a:endParaRPr lang="az-Latn-AZ" sz="1200"/>
+          </a:p>
+          <a:p>
+            <a:r>
+              <a:rPr lang="en-US" sz="1200" b="1">
+                <a:solidFill>
+                  <a:srgbClr val="FF0000"/>
+                </a:solidFill>
+              </a:rPr>
+              <a:t>fdisk</a:t>
+            </a:r>
+            <a:r>
+              <a:rPr lang="en-US" sz="1200"/>
+              <a:t> də istifadə edərək, MBR disk formatını yoxlaya bilərsən. </a:t>
+            </a:r>
+            <a:endParaRPr lang="az-Latn-AZ" sz="1200"/>
+          </a:p>
+          <a:p>
+            <a:endParaRPr lang="en-US" sz="1200"/>
+          </a:p>
+          <a:p>
+            <a:endParaRPr lang="az-Latn-AZ" sz="1200"/>
+          </a:p>
+          <a:p>
+            <a:endParaRPr lang="az-Latn-AZ" sz="1200"/>
+          </a:p>
+          <a:p>
+            <a:endParaRPr lang="az-Latn-AZ" sz="1200"/>
+          </a:p>
+          <a:p>
+            <a:endParaRPr lang="az-Latn-AZ" sz="1200"/>
+          </a:p>
+          <a:p>
+            <a:r>
+              <a:rPr lang="en-US" sz="1200" b="1">
+                <a:solidFill>
+                  <a:srgbClr val="FF0000"/>
+                </a:solidFill>
+              </a:rPr>
+              <a:t>ls /sys/firmware/efi </a:t>
+            </a:r>
+            <a:r>
+              <a:rPr lang="en-US" sz="1200" b="1"/>
+              <a:t>ilə UEFI Yoxlamaq</a:t>
+            </a:r>
+          </a:p>
+          <a:p>
+            <a:pPr marL="171450" indent="-171450">
+              <a:lnSpc>
+                <a:spcPct val="150000"/>
+              </a:lnSpc>
+              <a:buFont typeface="Arial" panose="020B0604020202020204" pitchFamily="34" charset="0"/>
+              <a:buChar char="•"/>
+            </a:pPr>
+            <a:r>
+              <a:rPr lang="en-US" sz="1200"/>
+              <a:t>Əgər sistem UEFI (Unified Extensible Firmware Interface) ilə işləyirsə, bu, deməkdir ki, sistemin </a:t>
+            </a:r>
+            <a:r>
+              <a:rPr lang="en-US" sz="1200" b="1"/>
+              <a:t>GPT</a:t>
+            </a:r>
+            <a:r>
+              <a:rPr lang="en-US" sz="1200"/>
+              <a:t> formatında bölmələri olmalıdır (çünki UEFI yalnız GPT disklərini dəstəkləyir). UEFI sisteminə keçid edildiyini belə yoxlaya bilərsən:</a:t>
+            </a:r>
+            <a:r>
+              <a:rPr lang="az-Latn-AZ" sz="1200"/>
+              <a:t> Əgər bu qovluq varsa, demək ki, sistemin UEFI ilə başladığına görə GPT formatında bölmələr istifadə olunur.</a:t>
+            </a:r>
+            <a:endParaRPr lang="en-US" sz="1200"/>
+          </a:p>
+          <a:p>
+            <a:endParaRPr lang="az-Latn-AZ" sz="1200"/>
+          </a:p>
+          <a:p>
+            <a:endParaRPr lang="az-Latn-AZ" sz="1200"/>
+          </a:p>
+          <a:p>
+            <a:endParaRPr lang="az-Latn-AZ" sz="1200"/>
+          </a:p>
+          <a:p>
+            <a:endParaRPr lang="az-Latn-AZ" sz="1200"/>
+          </a:p>
+          <a:p>
+            <a:endParaRPr lang="az-Latn-AZ" sz="1200"/>
+          </a:p>
+          <a:p>
+            <a:endParaRPr lang="az-Latn-AZ" sz="1200"/>
+          </a:p>
+          <a:p>
+            <a:endParaRPr lang="en-US" sz="1200"/>
           </a:p>
         </p:txBody>
       </p:sp>
+      <p:pic>
+        <p:nvPicPr>
+          <p:cNvPr id="3" name="Picture 2">
+            <a:extLst>
+              <a:ext uri="{FF2B5EF4-FFF2-40B4-BE49-F238E27FC236}">
+                <a16:creationId xmlns:a16="http://schemas.microsoft.com/office/drawing/2014/main" id="{ACA66711-C4AF-9EC7-F31F-88BD132AA720}"/>
+              </a:ext>
+            </a:extLst>
+          </p:cNvPr>
+          <p:cNvPicPr>
+            <a:picLocks noChangeAspect="1"/>
+          </p:cNvPicPr>
+          <p:nvPr/>
+        </p:nvPicPr>
+        <p:blipFill>
+          <a:blip r:embed="rId2"/>
+          <a:stretch>
+            <a:fillRect/>
+          </a:stretch>
+        </p:blipFill>
+        <p:spPr>
+          <a:xfrm>
+            <a:off x="203200" y="713120"/>
+            <a:ext cx="1133633" cy="381053"/>
+          </a:xfrm>
+          <a:prstGeom prst="rect">
+            <a:avLst/>
+          </a:prstGeom>
+        </p:spPr>
+      </p:pic>
+      <p:pic>
+        <p:nvPicPr>
+          <p:cNvPr id="8" name="Picture 7">
+            <a:extLst>
+              <a:ext uri="{FF2B5EF4-FFF2-40B4-BE49-F238E27FC236}">
+                <a16:creationId xmlns:a16="http://schemas.microsoft.com/office/drawing/2014/main" id="{4B32A150-AEB4-8501-5ACA-D10260E1092D}"/>
+              </a:ext>
+            </a:extLst>
+          </p:cNvPr>
+          <p:cNvPicPr>
+            <a:picLocks noChangeAspect="1"/>
+          </p:cNvPicPr>
+          <p:nvPr/>
+        </p:nvPicPr>
+        <p:blipFill>
+          <a:blip r:embed="rId3"/>
+          <a:stretch>
+            <a:fillRect/>
+          </a:stretch>
+        </p:blipFill>
+        <p:spPr>
+          <a:xfrm>
+            <a:off x="203200" y="1814500"/>
+            <a:ext cx="1943371" cy="447737"/>
+          </a:xfrm>
+          <a:prstGeom prst="rect">
+            <a:avLst/>
+          </a:prstGeom>
+        </p:spPr>
+      </p:pic>
+      <p:pic>
+        <p:nvPicPr>
+          <p:cNvPr id="10" name="Picture 9">
+            <a:extLst>
+              <a:ext uri="{FF2B5EF4-FFF2-40B4-BE49-F238E27FC236}">
+                <a16:creationId xmlns:a16="http://schemas.microsoft.com/office/drawing/2014/main" id="{2D8901B6-AF7F-4A7D-266A-BD1F460FAA5A}"/>
+              </a:ext>
+            </a:extLst>
+          </p:cNvPr>
+          <p:cNvPicPr>
+            <a:picLocks noChangeAspect="1"/>
+          </p:cNvPicPr>
+          <p:nvPr/>
+        </p:nvPicPr>
+        <p:blipFill>
+          <a:blip r:embed="rId4"/>
+          <a:stretch>
+            <a:fillRect/>
+          </a:stretch>
+        </p:blipFill>
+        <p:spPr>
+          <a:xfrm>
+            <a:off x="203200" y="3480145"/>
+            <a:ext cx="1914792" cy="362001"/>
+          </a:xfrm>
+          <a:prstGeom prst="rect">
+            <a:avLst/>
+          </a:prstGeom>
+        </p:spPr>
+      </p:pic>
     </p:spTree>
     <p:extLst>
       <p:ext uri="{BB962C8B-B14F-4D97-AF65-F5344CB8AC3E}">
@@ -35907,7 +37189,7 @@
 </p:sld>
 </file>
 
-<file path=ppt/slides/slide31.xml><?xml version="1.0" encoding="utf-8"?>
+<file path=ppt/slides/slide32.xml><?xml version="1.0" encoding="utf-8"?>
 <p:sld xmlns:a="http://schemas.openxmlformats.org/drawingml/2006/main" xmlns:r="http://schemas.openxmlformats.org/officeDocument/2006/relationships" xmlns:p="http://schemas.openxmlformats.org/presentationml/2006/main">
   <p:cSld>
     <p:spTree>
@@ -35915,7 +37197,7 @@
         <p:cNvPr id="1" name="">
           <a:extLst>
             <a:ext uri="{FF2B5EF4-FFF2-40B4-BE49-F238E27FC236}">
-              <a16:creationId xmlns:a16="http://schemas.microsoft.com/office/drawing/2014/main" id="{F6ABEF0A-7092-9250-494D-E9683A50C51B}"/>
+              <a16:creationId xmlns:a16="http://schemas.microsoft.com/office/drawing/2014/main" id="{27336CD9-FB30-B69B-40D5-5101D27B5AF4}"/>
             </a:ext>
           </a:extLst>
         </p:cNvPr>
@@ -35935,7 +37217,7 @@
           <p:cNvPr id="7" name="TextBox 6">
             <a:extLst>
               <a:ext uri="{FF2B5EF4-FFF2-40B4-BE49-F238E27FC236}">
-                <a16:creationId xmlns:a16="http://schemas.microsoft.com/office/drawing/2014/main" id="{9F5BD752-505E-C34A-1EB1-03CF8AFDD002}"/>
+                <a16:creationId xmlns:a16="http://schemas.microsoft.com/office/drawing/2014/main" id="{E5782F23-0AA0-9571-BE75-75FC6715AEC5}"/>
               </a:ext>
             </a:extLst>
           </p:cNvPr>
@@ -35945,7 +37227,7 @@
         <p:spPr>
           <a:xfrm>
             <a:off x="203200" y="244826"/>
-            <a:ext cx="11822545" cy="369332"/>
+            <a:ext cx="11822545" cy="6017032"/>
           </a:xfrm>
           <a:prstGeom prst="rect">
             <a:avLst/>
@@ -35959,19 +37241,400 @@
           <a:lstStyle/>
           <a:p>
             <a:r>
-              <a:rPr lang="en-US">
+              <a:rPr lang="en-US" sz="1100" b="1">
+                <a:highlight>
+                  <a:srgbClr val="FFFF00"/>
+                </a:highlight>
+              </a:rPr>
+              <a:t>Bütün bu əmrləri eyni anda çalışdırmaq və nəticələrini birdən göstərmək üçün terminalda bir neçə üsuldan istifadə edə bilərsən</a:t>
+            </a:r>
+            <a:r>
+              <a:rPr lang="en-US" sz="1100"/>
+              <a:t>.</a:t>
+            </a:r>
+            <a:endParaRPr lang="az-Latn-AZ" sz="1100"/>
+          </a:p>
+          <a:p>
+            <a:endParaRPr lang="az-Latn-AZ" sz="1100">
+              <a:latin typeface="-apple-system"/>
+            </a:endParaRPr>
+          </a:p>
+          <a:p>
+            <a:endParaRPr lang="az-Latn-AZ" sz="1100">
+              <a:latin typeface="-apple-system"/>
+            </a:endParaRPr>
+          </a:p>
+          <a:p>
+            <a:r>
+              <a:rPr lang="en-US" sz="1100">
                 <a:latin typeface="-apple-system"/>
               </a:rPr>
-              <a:t>.</a:t>
-            </a:r>
-            <a:endParaRPr lang="en-US"/>
+              <a:t>1. </a:t>
+            </a:r>
+            <a:r>
+              <a:rPr lang="en-US" sz="1100" b="1">
+                <a:solidFill>
+                  <a:srgbClr val="FF0000"/>
+                </a:solidFill>
+                <a:latin typeface="-apple-system"/>
+              </a:rPr>
+              <a:t>&amp;&amp;</a:t>
+            </a:r>
+            <a:r>
+              <a:rPr lang="en-US" sz="1100">
+                <a:latin typeface="-apple-system"/>
+              </a:rPr>
+              <a:t> operatoru ilə bir neçə əmri eyni anda sırayla işlədə bilərsən. Bir əmrin uğurla bitməsi vəziyyətində növbəti əmr çalışacaq. </a:t>
+            </a:r>
+            <a:r>
+              <a:rPr lang="az-Latn-AZ" sz="1100">
+                <a:latin typeface="-apple-system"/>
+              </a:rPr>
+              <a:t>Bu əmrlərin hamısı sırayla icra ediləcək. Hər biri tamamlandıqca növbəti əmr başlayacaq. Nəzərinizə çatdırım: Əgər əmrlərdən biri xətaya səbəb olarsa, növbəti əmr işə düşməyəcək: </a:t>
+            </a:r>
+            <a:r>
+              <a:rPr lang="az-Latn-AZ" sz="1100" b="1">
+                <a:highlight>
+                  <a:srgbClr val="00FF00"/>
+                </a:highlight>
+              </a:rPr>
+              <a:t>sudo parted /dev/sda print &amp;&amp; sudo gdisk -l /dev/sda &amp;&amp; sudo blkid &amp;&amp; sudo fdisk -l /dev/sda</a:t>
+            </a:r>
+          </a:p>
+          <a:p>
+            <a:endParaRPr lang="az-Latn-AZ" sz="1100">
+              <a:latin typeface="-apple-system"/>
+            </a:endParaRPr>
+          </a:p>
+          <a:p>
+            <a:endParaRPr lang="az-Latn-AZ" sz="1100"/>
+          </a:p>
+          <a:p>
+            <a:endParaRPr lang="az-Latn-AZ" sz="1100"/>
+          </a:p>
+          <a:p>
+            <a:endParaRPr lang="az-Latn-AZ" sz="1100"/>
+          </a:p>
+          <a:p>
+            <a:endParaRPr lang="az-Latn-AZ" sz="1100"/>
+          </a:p>
+          <a:p>
+            <a:endParaRPr lang="az-Latn-AZ" sz="1100"/>
+          </a:p>
+          <a:p>
+            <a:r>
+              <a:rPr lang="az-Latn-AZ" sz="1100"/>
+              <a:t>2. </a:t>
+            </a:r>
+            <a:r>
+              <a:rPr lang="en-US" sz="1100" b="1">
+                <a:solidFill>
+                  <a:srgbClr val="FF0000"/>
+                </a:solidFill>
+              </a:rPr>
+              <a:t>;</a:t>
+            </a:r>
+            <a:r>
+              <a:rPr lang="en-US" sz="1100"/>
+              <a:t> - Əgər əmrlərin ardıcıl olaraq işləməsini istəyirsinizsə və birinin uğursuz olması digər əmrlərin işləməsinə mane olmamalıdırsa, onda ; operatoru istifadə edə bilərsiniz: Bu şəkildə, əmrlər bir-birinə müdaxilə etmədən sırayla icra olunacaq. Hər hansısa bir əmr uğursuz olsa da, qalanları işləyəcək</a:t>
+            </a:r>
+            <a:r>
+              <a:rPr lang="az-Latn-AZ" sz="1100"/>
+              <a:t>: </a:t>
+            </a:r>
+            <a:r>
+              <a:rPr lang="az-Latn-AZ" sz="1100" b="1">
+                <a:highlight>
+                  <a:srgbClr val="00FF00"/>
+                </a:highlight>
+              </a:rPr>
+              <a:t>sudo parted /dev/sda print; sudo gdisk -l /dev/sda; sudo blkid; sudo fdisk -l /dev/sda</a:t>
+            </a:r>
+          </a:p>
+          <a:p>
+            <a:endParaRPr lang="az-Latn-AZ" sz="1100"/>
+          </a:p>
+          <a:p>
+            <a:endParaRPr lang="az-Latn-AZ" sz="1100"/>
+          </a:p>
+          <a:p>
+            <a:endParaRPr lang="az-Latn-AZ" sz="1100"/>
+          </a:p>
+          <a:p>
+            <a:endParaRPr lang="az-Latn-AZ" sz="1100"/>
+          </a:p>
+          <a:p>
+            <a:endParaRPr lang="az-Latn-AZ" sz="1100"/>
+          </a:p>
+          <a:p>
+            <a:r>
+              <a:rPr lang="az-Latn-AZ" sz="1100"/>
+              <a:t>3. </a:t>
+            </a:r>
+            <a:r>
+              <a:rPr lang="az-Latn-AZ" sz="1100" b="1">
+                <a:solidFill>
+                  <a:srgbClr val="FF0000"/>
+                </a:solidFill>
+              </a:rPr>
+              <a:t>tee</a:t>
+            </a:r>
+            <a:r>
+              <a:rPr lang="az-Latn-AZ" sz="1100"/>
+              <a:t> - Əgər əmrlərin çıxışını bir faylda saxlamaq və eyni zamanda ekranda göstərmək istəyirsənsə, tee istifadə edə bilərsən. Məsələn: tee əmrlərin çıxışını həm ekranda göstərir, həm də output.txt adlı faylda saxlayır:</a:t>
+            </a:r>
+            <a:r>
+              <a:rPr lang="az-Latn-AZ" sz="1100" b="1">
+                <a:highlight>
+                  <a:srgbClr val="00FF00"/>
+                </a:highlight>
+              </a:rPr>
+              <a:t> (sudo parted /dev/sda print &amp;&amp; sudo gdisk -l /dev/sda &amp;&amp; sudo blkid &amp;&amp; sudo fdisk -l /dev/sda) | tee output.txt</a:t>
+            </a:r>
+          </a:p>
+          <a:p>
+            <a:endParaRPr lang="az-Latn-AZ" sz="1100"/>
+          </a:p>
+          <a:p>
+            <a:endParaRPr lang="az-Latn-AZ" sz="1100"/>
+          </a:p>
+          <a:p>
+            <a:endParaRPr lang="az-Latn-AZ" sz="1100"/>
+          </a:p>
+          <a:p>
+            <a:endParaRPr lang="az-Latn-AZ" sz="1100"/>
+          </a:p>
+          <a:p>
+            <a:endParaRPr lang="az-Latn-AZ" sz="1100"/>
+          </a:p>
+          <a:p>
+            <a:r>
+              <a:rPr lang="az-Latn-AZ" sz="1100"/>
+              <a:t>4. </a:t>
+            </a:r>
+            <a:r>
+              <a:rPr lang="az-Latn-AZ" sz="1100" b="1">
+                <a:solidFill>
+                  <a:srgbClr val="FF0000"/>
+                </a:solidFill>
+              </a:rPr>
+              <a:t>&amp;</a:t>
+            </a:r>
+            <a:r>
+              <a:rPr lang="az-Latn-AZ" sz="1100"/>
+              <a:t> - Əgər bir neçə əmri paralel olaraq çalışdırmaq istəyirsənsə (hər biri eyni anda icra olunsun), onda &amp; operatorundan istifadə edə bilərsən: Bu əmrdə, bütün əmrlər eyni anda başlayacaq və paralel işləyəcək. Lakin bu halda hər birinin nəticəsi ayrı-ayrı ekranda görsənəcək: </a:t>
+            </a:r>
+            <a:r>
+              <a:rPr lang="az-Latn-AZ" sz="1100" b="1">
+                <a:highlight>
+                  <a:srgbClr val="00FF00"/>
+                </a:highlight>
+              </a:rPr>
+              <a:t>sudo parted /dev/sda print &amp; sudo gdisk -l /dev/sda &amp; sudo blkid &amp; sudo fdisk -l /dev/sda &amp;</a:t>
+            </a:r>
+          </a:p>
+          <a:p>
+            <a:endParaRPr lang="az-Latn-AZ" sz="1100"/>
+          </a:p>
+          <a:p>
+            <a:endParaRPr lang="az-Latn-AZ" sz="1100"/>
+          </a:p>
+          <a:p>
+            <a:endParaRPr lang="az-Latn-AZ" sz="1100"/>
+          </a:p>
+          <a:p>
+            <a:endParaRPr lang="az-Latn-AZ" sz="1100"/>
+          </a:p>
+          <a:p>
+            <a:endParaRPr lang="az-Latn-AZ" sz="1100"/>
+          </a:p>
+          <a:p>
+            <a:r>
+              <a:rPr lang="az-Latn-AZ" sz="1100"/>
+              <a:t>5. </a:t>
+            </a:r>
+            <a:r>
+              <a:rPr lang="az-Latn-AZ" sz="1100" b="1">
+                <a:solidFill>
+                  <a:srgbClr val="FF0000"/>
+                </a:solidFill>
+              </a:rPr>
+              <a:t>time</a:t>
+            </a:r>
+            <a:r>
+              <a:rPr lang="az-Latn-AZ" sz="1100"/>
+              <a:t> - Əgər icra edilən əmrlərin nə qədər vaxt apardığını görmək istəyirsənsə, time əmrindən istifadə edə bilərsən: </a:t>
+            </a:r>
+          </a:p>
+          <a:p>
+            <a:r>
+              <a:rPr lang="az-Latn-AZ" sz="1100" b="1">
+                <a:highlight>
+                  <a:srgbClr val="00FF00"/>
+                </a:highlight>
+              </a:rPr>
+              <a:t>time sudo parted /dev/sda print &amp;&amp; time sudo gdisk -l /dev/sda &amp;&amp; time sudo blkid &amp;&amp; time sudo fdisk -l /dev/sda</a:t>
+            </a:r>
+          </a:p>
+          <a:p>
+            <a:endParaRPr lang="en-US" sz="1100"/>
           </a:p>
         </p:txBody>
       </p:sp>
+      <p:pic>
+        <p:nvPicPr>
+          <p:cNvPr id="3" name="Picture 2">
+            <a:extLst>
+              <a:ext uri="{FF2B5EF4-FFF2-40B4-BE49-F238E27FC236}">
+                <a16:creationId xmlns:a16="http://schemas.microsoft.com/office/drawing/2014/main" id="{693FE7C5-2FB4-681B-F670-C917D558F682}"/>
+              </a:ext>
+            </a:extLst>
+          </p:cNvPr>
+          <p:cNvPicPr>
+            <a:picLocks noChangeAspect="1"/>
+          </p:cNvPicPr>
+          <p:nvPr/>
+        </p:nvPicPr>
+        <p:blipFill>
+          <a:blip r:embed="rId2"/>
+          <a:stretch>
+            <a:fillRect/>
+          </a:stretch>
+        </p:blipFill>
+        <p:spPr>
+          <a:xfrm>
+            <a:off x="212436" y="1192388"/>
+            <a:ext cx="5772727" cy="378188"/>
+          </a:xfrm>
+          <a:prstGeom prst="rect">
+            <a:avLst/>
+          </a:prstGeom>
+        </p:spPr>
+      </p:pic>
+      <p:pic>
+        <p:nvPicPr>
+          <p:cNvPr id="5" name="Picture 4">
+            <a:extLst>
+              <a:ext uri="{FF2B5EF4-FFF2-40B4-BE49-F238E27FC236}">
+                <a16:creationId xmlns:a16="http://schemas.microsoft.com/office/drawing/2014/main" id="{AF8FA920-91F2-A285-DFBF-D35843E66DE5}"/>
+              </a:ext>
+            </a:extLst>
+          </p:cNvPr>
+          <p:cNvPicPr>
+            <a:picLocks noChangeAspect="1"/>
+          </p:cNvPicPr>
+          <p:nvPr/>
+        </p:nvPicPr>
+        <p:blipFill>
+          <a:blip r:embed="rId3"/>
+          <a:stretch>
+            <a:fillRect/>
+          </a:stretch>
+        </p:blipFill>
+        <p:spPr>
+          <a:xfrm>
+            <a:off x="212436" y="2518137"/>
+            <a:ext cx="4932219" cy="383020"/>
+          </a:xfrm>
+          <a:prstGeom prst="rect">
+            <a:avLst/>
+          </a:prstGeom>
+        </p:spPr>
+      </p:pic>
+      <p:pic>
+        <p:nvPicPr>
+          <p:cNvPr id="8" name="Picture 7">
+            <a:extLst>
+              <a:ext uri="{FF2B5EF4-FFF2-40B4-BE49-F238E27FC236}">
+                <a16:creationId xmlns:a16="http://schemas.microsoft.com/office/drawing/2014/main" id="{2E622DC6-9D13-83D9-C272-C69E227A5E5F}"/>
+              </a:ext>
+            </a:extLst>
+          </p:cNvPr>
+          <p:cNvPicPr>
+            <a:picLocks noChangeAspect="1"/>
+          </p:cNvPicPr>
+          <p:nvPr/>
+        </p:nvPicPr>
+        <p:blipFill>
+          <a:blip r:embed="rId4"/>
+          <a:stretch>
+            <a:fillRect/>
+          </a:stretch>
+        </p:blipFill>
+        <p:spPr>
+          <a:xfrm>
+            <a:off x="212436" y="3851475"/>
+            <a:ext cx="5883564" cy="353140"/>
+          </a:xfrm>
+          <a:prstGeom prst="rect">
+            <a:avLst/>
+          </a:prstGeom>
+        </p:spPr>
+      </p:pic>
+      <p:pic>
+        <p:nvPicPr>
+          <p:cNvPr id="10" name="Picture 9">
+            <a:extLst>
+              <a:ext uri="{FF2B5EF4-FFF2-40B4-BE49-F238E27FC236}">
+                <a16:creationId xmlns:a16="http://schemas.microsoft.com/office/drawing/2014/main" id="{32B03299-B7DA-D330-D194-B84432528C31}"/>
+              </a:ext>
+            </a:extLst>
+          </p:cNvPr>
+          <p:cNvPicPr>
+            <a:picLocks noChangeAspect="1"/>
+          </p:cNvPicPr>
+          <p:nvPr/>
+        </p:nvPicPr>
+        <p:blipFill>
+          <a:blip r:embed="rId5"/>
+          <a:stretch>
+            <a:fillRect/>
+          </a:stretch>
+        </p:blipFill>
+        <p:spPr>
+          <a:xfrm>
+            <a:off x="212436" y="4898507"/>
+            <a:ext cx="5080000" cy="334729"/>
+          </a:xfrm>
+          <a:prstGeom prst="rect">
+            <a:avLst/>
+          </a:prstGeom>
+        </p:spPr>
+      </p:pic>
+      <p:pic>
+        <p:nvPicPr>
+          <p:cNvPr id="12" name="Picture 11">
+            <a:extLst>
+              <a:ext uri="{FF2B5EF4-FFF2-40B4-BE49-F238E27FC236}">
+                <a16:creationId xmlns:a16="http://schemas.microsoft.com/office/drawing/2014/main" id="{C1981E94-29B6-3202-C2F4-7A8CD741474A}"/>
+              </a:ext>
+            </a:extLst>
+          </p:cNvPr>
+          <p:cNvPicPr>
+            <a:picLocks noChangeAspect="1"/>
+          </p:cNvPicPr>
+          <p:nvPr/>
+        </p:nvPicPr>
+        <p:blipFill>
+          <a:blip r:embed="rId6"/>
+          <a:stretch>
+            <a:fillRect/>
+          </a:stretch>
+        </p:blipFill>
+        <p:spPr>
+          <a:xfrm>
+            <a:off x="212436" y="6094821"/>
+            <a:ext cx="6400800" cy="342655"/>
+          </a:xfrm>
+          <a:prstGeom prst="rect">
+            <a:avLst/>
+          </a:prstGeom>
+        </p:spPr>
+      </p:pic>
     </p:spTree>
     <p:extLst>
       <p:ext uri="{BB962C8B-B14F-4D97-AF65-F5344CB8AC3E}">
-        <p14:creationId xmlns:p14="http://schemas.microsoft.com/office/powerpoint/2010/main" val="2390516904"/>
+        <p14:creationId xmlns:p14="http://schemas.microsoft.com/office/powerpoint/2010/main" val="3580281310"/>
       </p:ext>
     </p:extLst>
   </p:cSld>
@@ -35981,7 +37644,7 @@
 </p:sld>
 </file>
 
-<file path=ppt/slides/slide32.xml><?xml version="1.0" encoding="utf-8"?>
+<file path=ppt/slides/slide33.xml><?xml version="1.0" encoding="utf-8"?>
 <p:sld xmlns:a="http://schemas.openxmlformats.org/drawingml/2006/main" xmlns:r="http://schemas.openxmlformats.org/officeDocument/2006/relationships" xmlns:p="http://schemas.openxmlformats.org/presentationml/2006/main">
   <p:cSld>
     <p:spTree>
@@ -36018,8 +37681,8 @@
         </p:nvSpPr>
         <p:spPr>
           <a:xfrm>
-            <a:off x="203200" y="244826"/>
-            <a:ext cx="11822545" cy="369332"/>
+            <a:off x="1" y="86463"/>
+            <a:ext cx="12191999" cy="6583277"/>
           </a:xfrm>
           <a:prstGeom prst="rect">
             <a:avLst/>
@@ -36033,12 +37696,554 @@
           <a:lstStyle/>
           <a:p>
             <a:r>
-              <a:rPr lang="en-US">
-                <a:latin typeface="-apple-system"/>
+              <a:rPr lang="en-US" sz="1100" b="1"/>
+              <a:t>UEFI</a:t>
+            </a:r>
+            <a:r>
+              <a:rPr lang="en-US" sz="1100"/>
+              <a:t>, </a:t>
+            </a:r>
+            <a:r>
+              <a:rPr lang="en-US" sz="1100" b="1"/>
+              <a:t>MBR</a:t>
+            </a:r>
+            <a:r>
+              <a:rPr lang="en-US" sz="1100"/>
+              <a:t>, </a:t>
+            </a:r>
+            <a:r>
+              <a:rPr lang="en-US" sz="1100" b="1"/>
+              <a:t>GPT</a:t>
+            </a:r>
+            <a:r>
+              <a:rPr lang="en-US" sz="1100"/>
+              <a:t>, </a:t>
+            </a:r>
+            <a:r>
+              <a:rPr lang="en-US" sz="1100" b="1"/>
+              <a:t>LVM</a:t>
+            </a:r>
+            <a:r>
+              <a:rPr lang="en-US" sz="1100"/>
+              <a:t> və digər disk bölmələri haqqında bəzi fərqli anlayışları birləşdirmək bəzən qarışıq ola bilər, amma mən bunu sadələşdirmək üçün izah edəcəm. Hər biri fərqli məqsəd daşıyır və sistemin iş prinsipi ilə əlaqəlidir. UEFI və bu digər texnologiyalar (MBR, GPT, LVM) bir-biri ilə sıx əlaqəlidir, amma bir-birindən fərqlidir.</a:t>
+            </a:r>
+            <a:endParaRPr lang="az-Latn-AZ" sz="1100"/>
+          </a:p>
+          <a:p>
+            <a:endParaRPr lang="en-US" sz="1100"/>
+          </a:p>
+          <a:p>
+            <a:pPr marL="228600" indent="-228600">
+              <a:buAutoNum type="arabicPeriod"/>
+            </a:pPr>
+            <a:r>
+              <a:rPr lang="en-US" sz="1100" b="1">
+                <a:solidFill>
+                  <a:srgbClr val="FF0000"/>
+                </a:solidFill>
               </a:rPr>
-              <a:t>.</a:t>
-            </a:r>
-            <a:endParaRPr lang="en-US"/>
+              <a:t>UEFI (Unified Extensible Firmware Interface) və Disk Bölmələri</a:t>
+            </a:r>
+            <a:r>
+              <a:rPr lang="en-US" sz="1100" b="1"/>
+              <a:t>: </a:t>
+            </a:r>
+            <a:r>
+              <a:rPr lang="en-US" sz="1100"/>
+              <a:t>UEFI, bir </a:t>
+            </a:r>
+            <a:r>
+              <a:rPr lang="en-US" sz="1100" b="1"/>
+              <a:t>sistem firmware</a:t>
+            </a:r>
+            <a:r>
+              <a:rPr lang="en-US" sz="1100"/>
+              <a:t> (sistemi yükləyən əsas proqram) növüdür. O, </a:t>
+            </a:r>
+            <a:r>
+              <a:rPr lang="en-US" sz="1100" b="1"/>
+              <a:t>BIOS</a:t>
+            </a:r>
+            <a:r>
+              <a:rPr lang="en-US" sz="1100"/>
+              <a:t>-un yerini alıb və müasir kompüterlərdə istifadə olunur. UEFI ilə bağlı olan disk bölmələri </a:t>
+            </a:r>
+            <a:r>
+              <a:rPr lang="en-US" sz="1100" b="1"/>
+              <a:t>GPT</a:t>
+            </a:r>
+            <a:r>
+              <a:rPr lang="en-US" sz="1100"/>
+              <a:t> formatı ilə əlaqəlidir. UEFI-nin xüsusiyyətləri və disk bölmələri ilə əlaqəsi aşağıdakı kimidir:</a:t>
+            </a:r>
+            <a:endParaRPr lang="az-Latn-AZ" sz="1100"/>
+          </a:p>
+          <a:p>
+            <a:endParaRPr lang="en-US" sz="1100"/>
+          </a:p>
+          <a:p>
+            <a:r>
+              <a:rPr lang="en-US" sz="1100" b="1">
+                <a:solidFill>
+                  <a:srgbClr val="00B050"/>
+                </a:solidFill>
+              </a:rPr>
+              <a:t>UEFI və Disk Formatı</a:t>
+            </a:r>
+            <a:r>
+              <a:rPr lang="en-US" sz="1100" b="1"/>
+              <a:t>:</a:t>
+            </a:r>
+          </a:p>
+          <a:p>
+            <a:pPr marL="628650" lvl="1" indent="-171450">
+              <a:lnSpc>
+                <a:spcPct val="150000"/>
+              </a:lnSpc>
+              <a:buFont typeface="Arial" panose="020B0604020202020204" pitchFamily="34" charset="0"/>
+              <a:buChar char="•"/>
+            </a:pPr>
+            <a:r>
+              <a:rPr lang="en-US" sz="1100" b="1"/>
+              <a:t>UEFI</a:t>
+            </a:r>
+            <a:r>
+              <a:rPr lang="en-US" sz="1100"/>
+              <a:t> yalnız </a:t>
+            </a:r>
+            <a:r>
+              <a:rPr lang="en-US" sz="1100" b="1"/>
+              <a:t>GPT</a:t>
+            </a:r>
+            <a:r>
+              <a:rPr lang="en-US" sz="1100"/>
+              <a:t> formatını dəstəkləyir. Yəni, əgər sistem </a:t>
+            </a:r>
+            <a:r>
+              <a:rPr lang="en-US" sz="1100" b="1"/>
+              <a:t>UEFI ilə başlayırsa</a:t>
+            </a:r>
+            <a:r>
+              <a:rPr lang="en-US" sz="1100"/>
+              <a:t>, disk </a:t>
+            </a:r>
+            <a:r>
+              <a:rPr lang="en-US" sz="1100" b="1"/>
+              <a:t>GPT</a:t>
+            </a:r>
+            <a:r>
+              <a:rPr lang="en-US" sz="1100"/>
+              <a:t> formatında olmalıdır.</a:t>
+            </a:r>
+          </a:p>
+          <a:p>
+            <a:pPr marL="628650" lvl="1" indent="-171450">
+              <a:lnSpc>
+                <a:spcPct val="150000"/>
+              </a:lnSpc>
+              <a:buFont typeface="Arial" panose="020B0604020202020204" pitchFamily="34" charset="0"/>
+              <a:buChar char="•"/>
+            </a:pPr>
+            <a:r>
+              <a:rPr lang="en-US" sz="1100" b="1"/>
+              <a:t>BIOS</a:t>
+            </a:r>
+            <a:r>
+              <a:rPr lang="en-US" sz="1100"/>
+              <a:t> (köhnə sistemlərdə istifadə edilən firmware) isə yalnız </a:t>
+            </a:r>
+            <a:r>
+              <a:rPr lang="en-US" sz="1100" b="1"/>
+              <a:t>MBR</a:t>
+            </a:r>
+            <a:r>
+              <a:rPr lang="en-US" sz="1100"/>
+              <a:t> (Master Boot Record) formatını dəstəkləyir.</a:t>
+            </a:r>
+            <a:endParaRPr lang="az-Latn-AZ" sz="1100"/>
+          </a:p>
+          <a:p>
+            <a:endParaRPr lang="en-US" sz="1100"/>
+          </a:p>
+          <a:p>
+            <a:r>
+              <a:rPr lang="en-US" sz="1100" b="1">
+                <a:solidFill>
+                  <a:srgbClr val="00B050"/>
+                </a:solidFill>
+              </a:rPr>
+              <a:t>Buna görə</a:t>
+            </a:r>
+            <a:r>
+              <a:rPr lang="en-US" sz="1100"/>
+              <a:t>:</a:t>
+            </a:r>
+          </a:p>
+          <a:p>
+            <a:pPr marL="628650" lvl="1" indent="-171450">
+              <a:lnSpc>
+                <a:spcPct val="150000"/>
+              </a:lnSpc>
+              <a:buFont typeface="Arial" panose="020B0604020202020204" pitchFamily="34" charset="0"/>
+              <a:buChar char="•"/>
+            </a:pPr>
+            <a:r>
+              <a:rPr lang="en-US" sz="1100" b="1"/>
+              <a:t>UEFI</a:t>
+            </a:r>
+            <a:r>
+              <a:rPr lang="en-US" sz="1100"/>
+              <a:t> sistemi seçdiyində, </a:t>
+            </a:r>
+            <a:r>
+              <a:rPr lang="en-US" sz="1100" b="1"/>
+              <a:t>GPT</a:t>
+            </a:r>
+            <a:r>
+              <a:rPr lang="en-US" sz="1100"/>
+              <a:t> bölmə cədvəlini seçməlisən.</a:t>
+            </a:r>
+          </a:p>
+          <a:p>
+            <a:pPr marL="628650" lvl="1" indent="-171450">
+              <a:lnSpc>
+                <a:spcPct val="150000"/>
+              </a:lnSpc>
+              <a:buFont typeface="Arial" panose="020B0604020202020204" pitchFamily="34" charset="0"/>
+              <a:buChar char="•"/>
+            </a:pPr>
+            <a:r>
+              <a:rPr lang="en-US" sz="1100" b="1"/>
+              <a:t>BIOS</a:t>
+            </a:r>
+            <a:r>
+              <a:rPr lang="en-US" sz="1100"/>
+              <a:t> ilə işləyirsənsə, </a:t>
+            </a:r>
+            <a:r>
+              <a:rPr lang="en-US" sz="1100" b="1"/>
+              <a:t>MBR</a:t>
+            </a:r>
+            <a:r>
+              <a:rPr lang="en-US" sz="1100"/>
+              <a:t> istifadə ediləcək.</a:t>
+            </a:r>
+            <a:endParaRPr lang="az-Latn-AZ" sz="1100"/>
+          </a:p>
+          <a:p>
+            <a:endParaRPr lang="en-US" sz="1100"/>
+          </a:p>
+          <a:p>
+            <a:r>
+              <a:rPr lang="en-US" sz="1100"/>
+              <a:t>Bu o deməkdir ki, </a:t>
+            </a:r>
+            <a:r>
+              <a:rPr lang="en-US" sz="1100" b="1"/>
+              <a:t>UEFI</a:t>
+            </a:r>
+            <a:r>
+              <a:rPr lang="en-US" sz="1100"/>
+              <a:t> ilə </a:t>
+            </a:r>
+            <a:r>
+              <a:rPr lang="en-US" sz="1100" b="1"/>
+              <a:t>GPT</a:t>
+            </a:r>
+            <a:r>
+              <a:rPr lang="en-US" sz="1100"/>
+              <a:t> mütləq əlaqəlidir. Əgər </a:t>
+            </a:r>
+            <a:r>
+              <a:rPr lang="en-US" sz="1100" b="1"/>
+              <a:t>UEFI</a:t>
+            </a:r>
+            <a:r>
+              <a:rPr lang="en-US" sz="1100"/>
+              <a:t> sistemini quraşdırırsansa, bölməni </a:t>
+            </a:r>
+            <a:r>
+              <a:rPr lang="en-US" sz="1100" b="1"/>
+              <a:t>GPT</a:t>
+            </a:r>
+            <a:r>
+              <a:rPr lang="en-US" sz="1100"/>
+              <a:t> ilə yaratmalısan.</a:t>
+            </a:r>
+            <a:endParaRPr lang="az-Latn-AZ" sz="1100"/>
+          </a:p>
+          <a:p>
+            <a:endParaRPr lang="en-US" sz="1100"/>
+          </a:p>
+          <a:p>
+            <a:r>
+              <a:rPr lang="en-US" sz="1100" b="1">
+                <a:solidFill>
+                  <a:srgbClr val="00B050"/>
+                </a:solidFill>
+              </a:rPr>
+              <a:t>UEFI ilə Disk Bölməsi Seçimi</a:t>
+            </a:r>
+            <a:r>
+              <a:rPr lang="en-US" sz="1100" b="1"/>
+              <a:t>:</a:t>
+            </a:r>
+          </a:p>
+          <a:p>
+            <a:pPr marL="628650" lvl="1" indent="-171450">
+              <a:lnSpc>
+                <a:spcPct val="150000"/>
+              </a:lnSpc>
+              <a:buFont typeface="Arial" panose="020B0604020202020204" pitchFamily="34" charset="0"/>
+              <a:buChar char="•"/>
+            </a:pPr>
+            <a:r>
+              <a:rPr lang="en-US" sz="1100"/>
+              <a:t>UEFI ilə sistem quraşdıranda, disk </a:t>
+            </a:r>
+            <a:r>
+              <a:rPr lang="en-US" sz="1100" b="1"/>
+              <a:t>GPT</a:t>
+            </a:r>
+            <a:r>
+              <a:rPr lang="en-US" sz="1100"/>
+              <a:t> formatında olacaq, çünki </a:t>
+            </a:r>
+            <a:r>
+              <a:rPr lang="en-US" sz="1100" b="1"/>
+              <a:t>UEFI</a:t>
+            </a:r>
+            <a:r>
+              <a:rPr lang="en-US" sz="1100"/>
+              <a:t> </a:t>
+            </a:r>
+            <a:r>
+              <a:rPr lang="en-US" sz="1100" b="1"/>
+              <a:t>MBR</a:t>
+            </a:r>
+            <a:r>
+              <a:rPr lang="en-US" sz="1100"/>
+              <a:t> formatını dəstəkləmir.</a:t>
+            </a:r>
+          </a:p>
+          <a:p>
+            <a:pPr marL="628650" lvl="1" indent="-171450">
+              <a:lnSpc>
+                <a:spcPct val="150000"/>
+              </a:lnSpc>
+              <a:buFont typeface="Arial" panose="020B0604020202020204" pitchFamily="34" charset="0"/>
+              <a:buChar char="•"/>
+            </a:pPr>
+            <a:r>
+              <a:rPr lang="en-US" sz="1100" b="1"/>
+              <a:t>MBR</a:t>
+            </a:r>
+            <a:r>
+              <a:rPr lang="en-US" sz="1100"/>
+              <a:t> istifadə edərək, </a:t>
+            </a:r>
+            <a:r>
+              <a:rPr lang="en-US" sz="1100" b="1"/>
+              <a:t>BIOS</a:t>
+            </a:r>
+            <a:r>
+              <a:rPr lang="en-US" sz="1100"/>
+              <a:t> ilə quraşdırma edə bilərsən.</a:t>
+            </a:r>
+            <a:endParaRPr lang="az-Latn-AZ" sz="1100"/>
+          </a:p>
+          <a:p>
+            <a:endParaRPr lang="az-Latn-AZ" sz="1100"/>
+          </a:p>
+          <a:p>
+            <a:endParaRPr lang="az-Latn-AZ" sz="1100"/>
+          </a:p>
+          <a:p>
+            <a:r>
+              <a:rPr lang="az-Latn-AZ" sz="1100"/>
+              <a:t>Birdə </a:t>
+            </a:r>
+            <a:r>
+              <a:rPr lang="az-Latn-AZ" sz="1100" b="1">
+                <a:solidFill>
+                  <a:srgbClr val="FF0000"/>
+                </a:solidFill>
+              </a:rPr>
+              <a:t>EFİ</a:t>
+            </a:r>
+            <a:r>
+              <a:rPr lang="az-Latn-AZ" sz="1100"/>
+              <a:t> anlayışı vardır: </a:t>
+            </a:r>
+            <a:r>
+              <a:rPr lang="en-US" sz="1100" b="1" i="1"/>
+              <a:t>UEFI (Unified Extensible Firmware Interface) </a:t>
+            </a:r>
+            <a:r>
+              <a:rPr lang="en-US" sz="1100"/>
+              <a:t>və </a:t>
+            </a:r>
+            <a:r>
+              <a:rPr lang="en-US" sz="1100" b="1" i="1"/>
+              <a:t>EFI</a:t>
+            </a:r>
+            <a:r>
+              <a:rPr lang="en-US" sz="1100" i="1"/>
+              <a:t> (</a:t>
+            </a:r>
+            <a:r>
+              <a:rPr lang="en-US" sz="1100" b="1" i="1"/>
+              <a:t>Extensible Firmware Interface</a:t>
+            </a:r>
+            <a:r>
+              <a:rPr lang="en-US" sz="1100" i="1"/>
+              <a:t>) </a:t>
+            </a:r>
+            <a:r>
+              <a:rPr lang="en-US" sz="1100"/>
+              <a:t>arasında əsas fərq onların inkişaf mərhələsi və standartlaşdırma ilə əlaqədardır. Ümumiyyətlə, </a:t>
+            </a:r>
+            <a:r>
+              <a:rPr lang="en-US" sz="1100" b="1"/>
+              <a:t>UEFI</a:t>
+            </a:r>
+            <a:r>
+              <a:rPr lang="en-US" sz="1100"/>
+              <a:t>, </a:t>
+            </a:r>
+            <a:r>
+              <a:rPr lang="en-US" sz="1100" b="1"/>
+              <a:t>EFI</a:t>
+            </a:r>
+            <a:r>
+              <a:rPr lang="en-US" sz="1100"/>
+              <a:t>-nin inkişaf etdirilmiş və genişləndirilmiş versiyasıdır.</a:t>
+            </a:r>
+            <a:endParaRPr lang="az-Latn-AZ" sz="1100"/>
+          </a:p>
+          <a:p>
+            <a:endParaRPr lang="en-US" sz="1100"/>
+          </a:p>
+          <a:p>
+            <a:pPr marL="628650" lvl="1" indent="-171450">
+              <a:buFont typeface="Wingdings" panose="05000000000000000000" pitchFamily="2" charset="2"/>
+              <a:buChar char="q"/>
+            </a:pPr>
+            <a:r>
+              <a:rPr lang="en-US" sz="1100" b="1"/>
+              <a:t>EFI</a:t>
+            </a:r>
+            <a:r>
+              <a:rPr lang="en-US" sz="1100"/>
+              <a:t>: EFI, Intel tərəfindən 1990-cı illərin ortalarında inkişaf etdirilmişdir. Bu, daha əvvəlki BIOS texnologiyasına alternativ olaraq təklif edilmiş bir interfeysdir. EFI, əməliyyat sistemləri ilə hardware arasında əlaqə qurmağa kömək edir. Amma əvvəlki versiyalarında bəzi məhdudiyyətlər var idi.</a:t>
+            </a:r>
+          </a:p>
+          <a:p>
+            <a:pPr marL="628650" lvl="1" indent="-171450">
+              <a:buFont typeface="Wingdings" panose="05000000000000000000" pitchFamily="2" charset="2"/>
+              <a:buChar char="q"/>
+            </a:pPr>
+            <a:endParaRPr lang="en-US" sz="1100"/>
+          </a:p>
+          <a:p>
+            <a:pPr marL="628650" lvl="1" indent="-171450">
+              <a:buFont typeface="Wingdings" panose="05000000000000000000" pitchFamily="2" charset="2"/>
+              <a:buChar char="q"/>
+            </a:pPr>
+            <a:r>
+              <a:rPr lang="en-US" sz="1100" b="1"/>
+              <a:t>UEFI</a:t>
+            </a:r>
+            <a:r>
+              <a:rPr lang="en-US" sz="1100"/>
+              <a:t>: UEFI, EFI-nin inkişaf etdirilmiş və daha çox xüsusiyyətlərə sahib olan bir versiyasıdır. UEFI, 2005-ci ildə Intel tərəfindən hazırlanmış və sonra çox sayda istehsalçı tərəfindən qəbul edilərək standartlaşdırılmışdır. UEFI daha geniş imkanlar və təhlükəsizlik tədbirləri təqdim edir.</a:t>
+            </a:r>
+            <a:endParaRPr lang="az-Latn-AZ" sz="1100"/>
+          </a:p>
+          <a:p>
+            <a:pPr lvl="1"/>
+            <a:endParaRPr lang="az-Latn-AZ" sz="1100"/>
+          </a:p>
+          <a:p>
+            <a:r>
+              <a:rPr lang="en-US" sz="1100" b="1">
+                <a:highlight>
+                  <a:srgbClr val="FFFF00"/>
+                </a:highlight>
+              </a:rPr>
+              <a:t>Praktik Məsləhətlər</a:t>
+            </a:r>
+            <a:r>
+              <a:rPr lang="en-US" sz="1100"/>
+              <a:t>: </a:t>
+            </a:r>
+          </a:p>
+          <a:p>
+            <a:pPr marL="628650" lvl="1" indent="-171450">
+              <a:lnSpc>
+                <a:spcPct val="150000"/>
+              </a:lnSpc>
+              <a:buFont typeface="Arial" panose="020B0604020202020204" pitchFamily="34" charset="0"/>
+              <a:buChar char="•"/>
+            </a:pPr>
+            <a:r>
+              <a:rPr lang="en-US" sz="1100" b="1"/>
+              <a:t>UEFI/Legacy</a:t>
+            </a:r>
+            <a:r>
+              <a:rPr lang="en-US" sz="1100"/>
+              <a:t>: Sistem UEFI ilə işləyirsə, GPT və EFI bölməsi istifadə edin; Legacy üçün MBR uyğundur.</a:t>
+            </a:r>
+          </a:p>
+          <a:p>
+            <a:pPr marL="628650" lvl="1" indent="-171450">
+              <a:lnSpc>
+                <a:spcPct val="150000"/>
+              </a:lnSpc>
+              <a:buFont typeface="Arial" panose="020B0604020202020204" pitchFamily="34" charset="0"/>
+              <a:buChar char="•"/>
+            </a:pPr>
+            <a:r>
+              <a:rPr lang="en-US" sz="1100" b="1"/>
+              <a:t>Swap ölçüsü</a:t>
+            </a:r>
+            <a:r>
+              <a:rPr lang="en-US" sz="1100"/>
+              <a:t>: Əgər </a:t>
+            </a:r>
+            <a:r>
+              <a:rPr lang="en-US" sz="1100" b="1" i="1"/>
+              <a:t>hibernation</a:t>
+            </a:r>
+            <a:r>
+              <a:rPr lang="en-US" sz="1100"/>
+              <a:t> istifadə edəcəksinizsə</a:t>
+            </a:r>
+            <a:r>
+              <a:rPr lang="az-Latn-AZ" sz="1100"/>
+              <a:t> (bu haqqda növbəti slaydda)</a:t>
+            </a:r>
+            <a:r>
+              <a:rPr lang="en-US" sz="1100"/>
+              <a:t>, swap ölçüsü RAM-dan böyük olmalıdır.</a:t>
+            </a:r>
+          </a:p>
+          <a:p>
+            <a:pPr marL="628650" lvl="1" indent="-171450">
+              <a:lnSpc>
+                <a:spcPct val="150000"/>
+              </a:lnSpc>
+              <a:buFont typeface="Arial" panose="020B0604020202020204" pitchFamily="34" charset="0"/>
+              <a:buChar char="•"/>
+            </a:pPr>
+            <a:r>
+              <a:rPr lang="en-US" sz="1100" b="1"/>
+              <a:t>LVM istifadəsi</a:t>
+            </a:r>
+            <a:r>
+              <a:rPr lang="en-US" sz="1100"/>
+              <a:t>: Böyük və çevik sistemlər üçün LVM tövsiyə olunur.</a:t>
+            </a:r>
           </a:p>
         </p:txBody>
       </p:sp>
@@ -36055,7 +38260,1038 @@
 </p:sld>
 </file>
 
-<file path=ppt/slides/slide33.xml><?xml version="1.0" encoding="utf-8"?>
+<file path=ppt/slides/slide34.xml><?xml version="1.0" encoding="utf-8"?>
+<p:sld xmlns:a="http://schemas.openxmlformats.org/drawingml/2006/main" xmlns:r="http://schemas.openxmlformats.org/officeDocument/2006/relationships" xmlns:p="http://schemas.openxmlformats.org/presentationml/2006/main">
+  <p:cSld>
+    <p:spTree>
+      <p:nvGrpSpPr>
+        <p:cNvPr id="1" name="">
+          <a:extLst>
+            <a:ext uri="{FF2B5EF4-FFF2-40B4-BE49-F238E27FC236}">
+              <a16:creationId xmlns:a16="http://schemas.microsoft.com/office/drawing/2014/main" id="{0FEA2E0F-10CB-3180-06F6-30CC6F41AC9D}"/>
+            </a:ext>
+          </a:extLst>
+        </p:cNvPr>
+        <p:cNvGrpSpPr/>
+        <p:nvPr/>
+      </p:nvGrpSpPr>
+      <p:grpSpPr>
+        <a:xfrm>
+          <a:off x="0" y="0"/>
+          <a:ext cx="0" cy="0"/>
+          <a:chOff x="0" y="0"/>
+          <a:chExt cx="0" cy="0"/>
+        </a:xfrm>
+      </p:grpSpPr>
+      <p:sp>
+        <p:nvSpPr>
+          <p:cNvPr id="7" name="TextBox 6">
+            <a:extLst>
+              <a:ext uri="{FF2B5EF4-FFF2-40B4-BE49-F238E27FC236}">
+                <a16:creationId xmlns:a16="http://schemas.microsoft.com/office/drawing/2014/main" id="{ED7C5E3B-6705-B413-CBBF-20FD5553844A}"/>
+              </a:ext>
+            </a:extLst>
+          </p:cNvPr>
+          <p:cNvSpPr txBox="1"/>
+          <p:nvPr/>
+        </p:nvSpPr>
+        <p:spPr>
+          <a:xfrm>
+            <a:off x="0" y="243512"/>
+            <a:ext cx="12192000" cy="6370975"/>
+          </a:xfrm>
+          <a:prstGeom prst="rect">
+            <a:avLst/>
+          </a:prstGeom>
+          <a:noFill/>
+        </p:spPr>
+        <p:txBody>
+          <a:bodyPr wrap="square">
+            <a:spAutoFit/>
+          </a:bodyPr>
+          <a:lstStyle/>
+          <a:p>
+            <a:r>
+              <a:rPr lang="en-US" sz="1200" b="1">
+                <a:solidFill>
+                  <a:srgbClr val="FF0000"/>
+                </a:solidFill>
+              </a:rPr>
+              <a:t>hibernasiya</a:t>
+            </a:r>
+            <a:r>
+              <a:rPr lang="en-US" sz="1200"/>
+              <a:t> rejimində, RAM-dəki bütün məlumatlar avtomatik olaraq swap sahəsinə (diskdəki xüsusi bir bölmə və ya fayl) yazılır. Bu prosesin məqsədi, kompüteri tamamilə söndürsəniz belə, əvvəlki iş vəziyyətinizi (açıq proqramlar, sənədlər və proseslər) qorumaqdır.</a:t>
+            </a:r>
+          </a:p>
+          <a:p>
+            <a:endParaRPr lang="en-US" sz="1200"/>
+          </a:p>
+          <a:p>
+            <a:r>
+              <a:rPr lang="en-US" sz="1200" b="1">
+                <a:solidFill>
+                  <a:srgbClr val="FF0000"/>
+                </a:solidFill>
+              </a:rPr>
+              <a:t>Hibernasiya rejimi necə işləyir?</a:t>
+            </a:r>
+          </a:p>
+          <a:p>
+            <a:r>
+              <a:rPr lang="en-US" sz="1200"/>
+              <a:t>Kompüter hibernasiya rejiminə keçərkən, sistemin RAM-də olan bütün məlumatları, yəni işləyən tətbiqlər, sənədlər, açıq fayllar və sistemin cari vəziyyəti, swap sahəsinə (ya da xüsusi olaraq yaradılmış hibernasiya faylına) yazılır. Bu zaman RAM-ın enerji istehlakı sıfırlanır və cihaz tamamilə bağlanır. Kompüter yenidən açıldıqda, swap sahəsində saxlanılan bu məlumatlar RAM-a yüklənir və sizə son işlədiyiniz vəziyyətdə qalma imkanı verir.</a:t>
+            </a:r>
+          </a:p>
+          <a:p>
+            <a:endParaRPr lang="en-US" sz="1200"/>
+          </a:p>
+          <a:p>
+            <a:r>
+              <a:rPr lang="en-US" sz="1200" b="1">
+                <a:solidFill>
+                  <a:srgbClr val="FF0000"/>
+                </a:solidFill>
+              </a:rPr>
+              <a:t>Hibernasiyanın məqsədi nədir?</a:t>
+            </a:r>
+          </a:p>
+          <a:p>
+            <a:endParaRPr lang="en-US" sz="1200"/>
+          </a:p>
+          <a:p>
+            <a:r>
+              <a:rPr lang="en-US" sz="1200"/>
+              <a:t>1) </a:t>
+            </a:r>
+            <a:r>
+              <a:rPr lang="en-US" sz="1200" b="1">
+                <a:solidFill>
+                  <a:srgbClr val="00B050"/>
+                </a:solidFill>
+              </a:rPr>
+              <a:t>Enerji qənaəti:</a:t>
+            </a:r>
+          </a:p>
+          <a:p>
+            <a:pPr marL="628650" lvl="1" indent="-171450">
+              <a:buFont typeface="Arial" panose="020B0604020202020204" pitchFamily="34" charset="0"/>
+              <a:buChar char="•"/>
+            </a:pPr>
+            <a:r>
+              <a:rPr lang="en-US" sz="1200"/>
+              <a:t>Hibernasiya rejimi, laptop və ya portativ cihazlarda çox faydalıdır. Kompüter tamamilə söndürülür, beləliklə enerji istehlakı sıfırlanır, amma iş vəziyyətiniz qorunur. Bu, batareya gücünü qorumağa kömək edir, çünki "sleep" (yuxu) rejimində olduğu kimi enerji istifadə olunmur.</a:t>
+            </a:r>
+          </a:p>
+          <a:p>
+            <a:endParaRPr lang="en-US" sz="1200"/>
+          </a:p>
+          <a:p>
+            <a:r>
+              <a:rPr lang="en-US" sz="1200"/>
+              <a:t>2) </a:t>
+            </a:r>
+            <a:r>
+              <a:rPr lang="en-US" sz="1200" b="1">
+                <a:solidFill>
+                  <a:srgbClr val="00B050"/>
+                </a:solidFill>
+              </a:rPr>
+              <a:t>Sistemin sürətli bərpası:</a:t>
+            </a:r>
+          </a:p>
+          <a:p>
+            <a:pPr marL="628650" lvl="1" indent="-171450">
+              <a:buFont typeface="Arial" panose="020B0604020202020204" pitchFamily="34" charset="0"/>
+              <a:buChar char="•"/>
+            </a:pPr>
+            <a:r>
+              <a:rPr lang="en-US" sz="1200"/>
+              <a:t>Hibernasiya rejimindən sonra kompüter açıldığında əvvəlki vəziyyətə dərhal qayıdır. Bütün açıq sənədlər və tətbiqlər olduğu kimi qalır. Bu, sizə təkrardan uzun müddət işləyən proqramları açmadan və ya faylları yükləmədən işə davam etməyə imkan verir.</a:t>
+            </a:r>
+          </a:p>
+          <a:p>
+            <a:endParaRPr lang="en-US" sz="1200"/>
+          </a:p>
+          <a:p>
+            <a:r>
+              <a:rPr lang="en-US" sz="1200"/>
+              <a:t>3) </a:t>
+            </a:r>
+            <a:r>
+              <a:rPr lang="en-US" sz="1200" b="1">
+                <a:solidFill>
+                  <a:srgbClr val="00B050"/>
+                </a:solidFill>
+              </a:rPr>
+              <a:t>İnternet və sistem yeniləmələri:</a:t>
+            </a:r>
+          </a:p>
+          <a:p>
+            <a:pPr marL="628650" lvl="1" indent="-171450">
+              <a:buFont typeface="Arial" panose="020B0604020202020204" pitchFamily="34" charset="0"/>
+              <a:buChar char="•"/>
+            </a:pPr>
+            <a:r>
+              <a:rPr lang="en-US" sz="1200"/>
+              <a:t>Yuxu rejimində bəzi proseslər dayandırılır, amma hibernasiya rejimində bütün proseslər diskə yazıldığı üçün onları bərpa etdikdən sonra yenə əvvəlki iş mühitinə qayıdırsınız. Məsələn, internetə bağlısınızsa, hibernasiyadan sonra bu bağlantılar da avtomatik olaraq bərpa olunur.</a:t>
+            </a:r>
+          </a:p>
+          <a:p>
+            <a:endParaRPr lang="en-US" sz="1200"/>
+          </a:p>
+          <a:p>
+            <a:r>
+              <a:rPr lang="en-US" sz="1200" b="1"/>
+              <a:t>Hibernasiya ilə "Sleep" arasındakı fərqlər</a:t>
+            </a:r>
+          </a:p>
+          <a:p>
+            <a:pPr marL="628650" lvl="1" indent="-171450">
+              <a:buFont typeface="Arial" panose="020B0604020202020204" pitchFamily="34" charset="0"/>
+              <a:buChar char="•"/>
+            </a:pPr>
+            <a:r>
+              <a:rPr lang="en-US" sz="1200"/>
+              <a:t>Sleep (Yuxu) rejimində, RAM-dəki məlumatlar qorunur, amma kompüter aktiv qalır və enerji istehlakı bir qədər davam edir. Yuxu rejimi daha sürətli bərpa olunur, lakin cihazın enerjisi tükənərsə, məlumatlar itə bilər.</a:t>
+            </a:r>
+          </a:p>
+          <a:p>
+            <a:pPr marL="628650" lvl="1" indent="-171450">
+              <a:buFont typeface="Arial" panose="020B0604020202020204" pitchFamily="34" charset="0"/>
+              <a:buChar char="•"/>
+            </a:pPr>
+            <a:r>
+              <a:rPr lang="en-US" sz="1200"/>
+              <a:t>Hibernasiya rejimində isə, bütün məlumatlar diskinizə yazılır və kompüter tamamilə söndürülür. Bu rejim enerji qənaətində daha effektiv olsa da, bərpa prosesi bir qədər uzun çəkə bilər.</a:t>
+            </a:r>
+          </a:p>
+          <a:p>
+            <a:endParaRPr lang="en-US" sz="1200"/>
+          </a:p>
+          <a:p>
+            <a:r>
+              <a:rPr lang="en-US" sz="1200" b="1"/>
+              <a:t>Hibernasiya istifadəsi hansı hallarda faydalıdır?</a:t>
+            </a:r>
+          </a:p>
+          <a:p>
+            <a:pPr marL="628650" lvl="1" indent="-171450">
+              <a:buFont typeface="Arial" panose="020B0604020202020204" pitchFamily="34" charset="0"/>
+              <a:buChar char="•"/>
+            </a:pPr>
+            <a:r>
+              <a:rPr lang="en-US" sz="1200"/>
+              <a:t>Laptoplar və portativ cihazlar: Yolda və ya bataryada işləyərkən enerji qənaəti vacibdir. Hibernasiya rejimi ilə cihazı tam söndürə bilər, amma bütün işlərinizi qoruyarsınız.</a:t>
+            </a:r>
+          </a:p>
+          <a:p>
+            <a:pPr marL="628650" lvl="1" indent="-171450">
+              <a:buFont typeface="Arial" panose="020B0604020202020204" pitchFamily="34" charset="0"/>
+              <a:buChar char="•"/>
+            </a:pPr>
+            <a:r>
+              <a:rPr lang="en-US" sz="1200"/>
+              <a:t>Uzun müddət fasilə verən istifadəçilər: Kompüterdəki açıq işləri saxlayıb bir neçə gün sonra işə davam etmək istəyirsinizsə, hibernasiya bu halda faydalıdır.</a:t>
+            </a:r>
+          </a:p>
+          <a:p>
+            <a:pPr marL="628650" lvl="1" indent="-171450">
+              <a:buFont typeface="Arial" panose="020B0604020202020204" pitchFamily="34" charset="0"/>
+              <a:buChar char="•"/>
+            </a:pPr>
+            <a:r>
+              <a:rPr lang="en-US" sz="1200"/>
+              <a:t>Daha stabil və uzunmüddətli istifadə: Yuxu rejimində olduğu kimi, hibernasiya rejimi də hər zaman iş vəziyyətini qoruyur, amma bu, daha enerjiyə qənaətcil və uzunmüddətli bir həlldir.</a:t>
+            </a:r>
+          </a:p>
+          <a:p>
+            <a:endParaRPr lang="en-US" sz="1200"/>
+          </a:p>
+          <a:p>
+            <a:r>
+              <a:rPr lang="en-US" sz="1200"/>
+              <a:t>Beləliklə, hibernasiya rejiminin əsas məqsədi, kompüterin tamamilə söndürülməsindən sonra belə, istifadəçinin iş vəziyyətini qorumaqdır. Bu rejim həm enerji qənaətini təmin edir, həm də kompüterin açılmasından sonra daha sürətli işə başlamağa imkan verir.</a:t>
+            </a:r>
+          </a:p>
+        </p:txBody>
+      </p:sp>
+    </p:spTree>
+    <p:extLst>
+      <p:ext uri="{BB962C8B-B14F-4D97-AF65-F5344CB8AC3E}">
+        <p14:creationId xmlns:p14="http://schemas.microsoft.com/office/powerpoint/2010/main" val="4228859636"/>
+      </p:ext>
+    </p:extLst>
+  </p:cSld>
+  <p:clrMapOvr>
+    <a:masterClrMapping/>
+  </p:clrMapOvr>
+</p:sld>
+</file>
+
+<file path=ppt/slides/slide35.xml><?xml version="1.0" encoding="utf-8"?>
+<p:sld xmlns:a="http://schemas.openxmlformats.org/drawingml/2006/main" xmlns:r="http://schemas.openxmlformats.org/officeDocument/2006/relationships" xmlns:p="http://schemas.openxmlformats.org/presentationml/2006/main">
+  <p:cSld>
+    <p:spTree>
+      <p:nvGrpSpPr>
+        <p:cNvPr id="1" name="">
+          <a:extLst>
+            <a:ext uri="{FF2B5EF4-FFF2-40B4-BE49-F238E27FC236}">
+              <a16:creationId xmlns:a16="http://schemas.microsoft.com/office/drawing/2014/main" id="{A7C876BA-B159-D378-FB45-0EF037DD3536}"/>
+            </a:ext>
+          </a:extLst>
+        </p:cNvPr>
+        <p:cNvGrpSpPr/>
+        <p:nvPr/>
+      </p:nvGrpSpPr>
+      <p:grpSpPr>
+        <a:xfrm>
+          <a:off x="0" y="0"/>
+          <a:ext cx="0" cy="0"/>
+          <a:chOff x="0" y="0"/>
+          <a:chExt cx="0" cy="0"/>
+        </a:xfrm>
+      </p:grpSpPr>
+      <p:sp>
+        <p:nvSpPr>
+          <p:cNvPr id="7" name="TextBox 6">
+            <a:extLst>
+              <a:ext uri="{FF2B5EF4-FFF2-40B4-BE49-F238E27FC236}">
+                <a16:creationId xmlns:a16="http://schemas.microsoft.com/office/drawing/2014/main" id="{B80EF672-618C-B4BF-4CE5-E2F68D06E218}"/>
+              </a:ext>
+            </a:extLst>
+          </p:cNvPr>
+          <p:cNvSpPr txBox="1"/>
+          <p:nvPr/>
+        </p:nvSpPr>
+        <p:spPr>
+          <a:xfrm>
+            <a:off x="0" y="97045"/>
+            <a:ext cx="12191999" cy="6647974"/>
+          </a:xfrm>
+          <a:prstGeom prst="rect">
+            <a:avLst/>
+          </a:prstGeom>
+          <a:noFill/>
+        </p:spPr>
+        <p:txBody>
+          <a:bodyPr wrap="square">
+            <a:spAutoFit/>
+          </a:bodyPr>
+          <a:lstStyle/>
+          <a:p>
+            <a:r>
+              <a:rPr lang="en-US" sz="1200" b="1">
+                <a:solidFill>
+                  <a:srgbClr val="FF0000"/>
+                </a:solidFill>
+                <a:latin typeface="-apple-system"/>
+              </a:rPr>
+              <a:t>Windows-da Hibernasiyaya Keçmək</a:t>
+            </a:r>
+            <a:r>
+              <a:rPr lang="en-US" sz="1200">
+                <a:latin typeface="-apple-system"/>
+              </a:rPr>
+              <a:t>: Hibernasiya funksiyasını aktivləşdirin (əgər aktiv deyilsə):</a:t>
+            </a:r>
+          </a:p>
+          <a:p>
+            <a:endParaRPr lang="en-US" sz="1200">
+              <a:latin typeface="-apple-system"/>
+            </a:endParaRPr>
+          </a:p>
+          <a:p>
+            <a:r>
+              <a:rPr lang="az-Latn-AZ" sz="1200">
+                <a:latin typeface="-apple-system"/>
+              </a:rPr>
+              <a:t>1) </a:t>
+            </a:r>
+            <a:r>
+              <a:rPr lang="en-US" sz="1200">
+                <a:latin typeface="-apple-system"/>
+              </a:rPr>
+              <a:t>Windows 10 və 11-də hibernasiya funksiyası bəzən default olaraq deaktiv olunur. Onu aktivləşdirmək üçün:</a:t>
+            </a:r>
+          </a:p>
+          <a:p>
+            <a:pPr marL="742950" lvl="1" indent="-285750">
+              <a:lnSpc>
+                <a:spcPct val="150000"/>
+              </a:lnSpc>
+              <a:buFont typeface="Arial" panose="020B0604020202020204" pitchFamily="34" charset="0"/>
+              <a:buChar char="•"/>
+            </a:pPr>
+            <a:r>
+              <a:rPr lang="en-US" sz="1200">
+                <a:latin typeface="-apple-system"/>
+              </a:rPr>
+              <a:t>    Başlat menyusuna sağ klikləyin və "</a:t>
+            </a:r>
+            <a:r>
+              <a:rPr lang="en-US" sz="1200" b="1">
+                <a:latin typeface="-apple-system"/>
+              </a:rPr>
+              <a:t>Command Prompt </a:t>
+            </a:r>
+            <a:r>
+              <a:rPr lang="en-US" sz="1200">
+                <a:latin typeface="-apple-system"/>
+              </a:rPr>
+              <a:t>(Admin)" və ya "</a:t>
+            </a:r>
+            <a:r>
+              <a:rPr lang="en-US" sz="1200" b="1">
+                <a:latin typeface="-apple-system"/>
+              </a:rPr>
+              <a:t>Windows PowerShell </a:t>
+            </a:r>
+            <a:r>
+              <a:rPr lang="en-US" sz="1200">
+                <a:latin typeface="-apple-system"/>
+              </a:rPr>
+              <a:t>(Admin)" seçin.</a:t>
+            </a:r>
+          </a:p>
+          <a:p>
+            <a:pPr marL="742950" lvl="1" indent="-285750">
+              <a:lnSpc>
+                <a:spcPct val="150000"/>
+              </a:lnSpc>
+              <a:buFont typeface="Arial" panose="020B0604020202020204" pitchFamily="34" charset="0"/>
+              <a:buChar char="•"/>
+            </a:pPr>
+            <a:r>
+              <a:rPr lang="en-US" sz="1200">
+                <a:latin typeface="-apple-system"/>
+              </a:rPr>
+              <a:t>    Komanda pəncərəsində bu əmri yazın və Enter-ə basın:</a:t>
+            </a:r>
+            <a:r>
+              <a:rPr lang="az-Latn-AZ" sz="1200">
+                <a:latin typeface="-apple-system"/>
+              </a:rPr>
+              <a:t> Bu əmrlə hibernasiya funksiyasını aktiv edirsiniz.</a:t>
+            </a:r>
+          </a:p>
+          <a:p>
+            <a:endParaRPr lang="az-Latn-AZ" sz="1200">
+              <a:latin typeface="-apple-system"/>
+            </a:endParaRPr>
+          </a:p>
+          <a:p>
+            <a:endParaRPr lang="az-Latn-AZ" sz="1200"/>
+          </a:p>
+          <a:p>
+            <a:endParaRPr lang="az-Latn-AZ" sz="1200"/>
+          </a:p>
+          <a:p>
+            <a:r>
+              <a:rPr lang="az-Latn-AZ" sz="1200"/>
+              <a:t>2) </a:t>
+            </a:r>
+            <a:r>
+              <a:rPr lang="en-US" sz="1200" b="1"/>
+              <a:t>Hibernasiya rejiminə keçmək</a:t>
+            </a:r>
+            <a:r>
+              <a:rPr lang="en-US" sz="1200"/>
+              <a:t>:</a:t>
+            </a:r>
+          </a:p>
+          <a:p>
+            <a:pPr marL="742950" lvl="1" indent="-285750">
+              <a:lnSpc>
+                <a:spcPct val="150000"/>
+              </a:lnSpc>
+              <a:buFont typeface="Arial" panose="020B0604020202020204" pitchFamily="34" charset="0"/>
+              <a:buChar char="•"/>
+            </a:pPr>
+            <a:r>
+              <a:rPr lang="en-US" sz="1200"/>
+              <a:t>Başlat menyusuna sağ klikləyin və </a:t>
+            </a:r>
+            <a:r>
+              <a:rPr lang="en-US" sz="1200" b="1"/>
+              <a:t>"Shut down or sign out"</a:t>
+            </a:r>
+            <a:r>
+              <a:rPr lang="en-US" sz="1200"/>
+              <a:t> seçin.</a:t>
+            </a:r>
+          </a:p>
+          <a:p>
+            <a:pPr marL="742950" lvl="1" indent="-285750">
+              <a:lnSpc>
+                <a:spcPct val="150000"/>
+              </a:lnSpc>
+              <a:buFont typeface="Arial" panose="020B0604020202020204" pitchFamily="34" charset="0"/>
+              <a:buChar char="•"/>
+            </a:pPr>
+            <a:r>
+              <a:rPr lang="en-US" sz="1200" b="1"/>
+              <a:t>"Hibernate"</a:t>
+            </a:r>
+            <a:r>
+              <a:rPr lang="en-US" sz="1200"/>
+              <a:t> seçimini seçin (əgər hibernasiya funksiyası aktivdirsə).</a:t>
+            </a:r>
+            <a:endParaRPr lang="az-Latn-AZ" sz="1200"/>
+          </a:p>
+          <a:p>
+            <a:pPr marL="742950" lvl="1" indent="-285750">
+              <a:lnSpc>
+                <a:spcPct val="150000"/>
+              </a:lnSpc>
+              <a:buFont typeface="Arial" panose="020B0604020202020204" pitchFamily="34" charset="0"/>
+              <a:buChar char="•"/>
+            </a:pPr>
+            <a:endParaRPr lang="en-US" sz="1200"/>
+          </a:p>
+          <a:p>
+            <a:r>
+              <a:rPr lang="az-Latn-AZ" sz="1200"/>
+              <a:t>3) </a:t>
+            </a:r>
+            <a:r>
+              <a:rPr lang="en-US" sz="1200"/>
+              <a:t>Alternativ olaraq, </a:t>
+            </a:r>
+            <a:r>
+              <a:rPr lang="en-US" sz="1200" b="1"/>
+              <a:t>"Shift"</a:t>
+            </a:r>
+            <a:r>
+              <a:rPr lang="en-US" sz="1200"/>
+              <a:t> düyməsini basılı tutaraq </a:t>
+            </a:r>
+            <a:r>
+              <a:rPr lang="en-US" sz="1200" b="1"/>
+              <a:t>"Shut down"</a:t>
+            </a:r>
+            <a:r>
+              <a:rPr lang="en-US" sz="1200"/>
+              <a:t> düyməsinə klikləyərək kompüteri hibernasiya rejiminə keçi</a:t>
+            </a:r>
+            <a:r>
+              <a:rPr lang="az-Latn-AZ" sz="1200"/>
+              <a:t>rmək olar</a:t>
+            </a:r>
+            <a:r>
+              <a:rPr lang="en-US" sz="1200"/>
+              <a:t>.</a:t>
+            </a:r>
+          </a:p>
+          <a:p>
+            <a:endParaRPr lang="az-Latn-AZ" sz="1200"/>
+          </a:p>
+          <a:p>
+            <a:endParaRPr lang="az-Latn-AZ" sz="1200"/>
+          </a:p>
+          <a:p>
+            <a:endParaRPr lang="az-Latn-AZ" sz="1200"/>
+          </a:p>
+          <a:p>
+            <a:r>
+              <a:rPr lang="en-US" sz="1200" b="1">
+                <a:solidFill>
+                  <a:srgbClr val="FF0000"/>
+                </a:solidFill>
+              </a:rPr>
+              <a:t>Linux-da Hibernasiyaya Keçmək</a:t>
+            </a:r>
+            <a:r>
+              <a:rPr lang="az-Latn-AZ" sz="1200" b="1"/>
+              <a:t>:</a:t>
+            </a:r>
+          </a:p>
+          <a:p>
+            <a:endParaRPr lang="en-US" sz="1200" b="1"/>
+          </a:p>
+          <a:p>
+            <a:r>
+              <a:rPr lang="az-Latn-AZ" sz="1200" b="1"/>
+              <a:t>a) </a:t>
+            </a:r>
+            <a:r>
+              <a:rPr lang="en-US" sz="1200" b="1"/>
+              <a:t>Swap sahəsi və ya swap </a:t>
+            </a:r>
+            <a:r>
+              <a:rPr lang="az-Latn-AZ" sz="1200" b="1"/>
+              <a:t>sənədinin</a:t>
+            </a:r>
+            <a:r>
+              <a:rPr lang="en-US" sz="1200" b="1"/>
+              <a:t> olub-olmamasını yoxlayın</a:t>
+            </a:r>
+            <a:r>
+              <a:rPr lang="en-US" sz="1200"/>
+              <a:t>:</a:t>
+            </a:r>
+            <a:r>
+              <a:rPr lang="az-Latn-AZ" sz="1200"/>
+              <a:t> </a:t>
+            </a:r>
+            <a:r>
+              <a:rPr lang="en-US" sz="1200"/>
+              <a:t>Linux-da hibernasiya funksiyasının işləməsi üçün </a:t>
+            </a:r>
+            <a:r>
+              <a:rPr lang="en-US" sz="1200" b="1"/>
+              <a:t>swap</a:t>
+            </a:r>
+            <a:r>
+              <a:rPr lang="en-US" sz="1200"/>
+              <a:t> sahəsi (və ya swap faylı) lazımdır və bu sahənin RAM-dan daha böyük olması vacibdir. Swap sahəsi olarsa, hibernasiya funksiyasını aktivləşdirmək üçün əlavə konfiqurasiya lazım ola bilər.</a:t>
+            </a:r>
+            <a:endParaRPr lang="az-Latn-AZ" sz="1200"/>
+          </a:p>
+          <a:p>
+            <a:pPr marL="628650" lvl="1" indent="-171450">
+              <a:buFont typeface="Arial" panose="020B0604020202020204" pitchFamily="34" charset="0"/>
+              <a:buChar char="•"/>
+            </a:pPr>
+            <a:endParaRPr lang="en-US" sz="1200"/>
+          </a:p>
+          <a:p>
+            <a:r>
+              <a:rPr lang="az-Latn-AZ" sz="1200" b="1"/>
+              <a:t>b) Hibernasiya funksiyasını aktivləşdirmək</a:t>
+            </a:r>
+            <a:r>
+              <a:rPr lang="az-Latn-AZ" sz="1200"/>
+              <a:t>: Hibernasiya funksiyası bəzən əvvəlcədən aktivləşdirilməyib. Onu aktivləşdirmək üçün sudo əmri ilə terminalda aşağıdakı əmri icra edin:</a:t>
+            </a:r>
+          </a:p>
+          <a:p>
+            <a:pPr marL="171450" indent="-171450">
+              <a:buFont typeface="Arial" panose="020B0604020202020204" pitchFamily="34" charset="0"/>
+              <a:buChar char="•"/>
+            </a:pPr>
+            <a:endParaRPr lang="az-Latn-AZ" sz="1200"/>
+          </a:p>
+          <a:p>
+            <a:pPr marL="171450" indent="-171450">
+              <a:buFont typeface="Arial" panose="020B0604020202020204" pitchFamily="34" charset="0"/>
+              <a:buChar char="•"/>
+            </a:pPr>
+            <a:endParaRPr lang="az-Latn-AZ" sz="1200"/>
+          </a:p>
+          <a:p>
+            <a:pPr marL="171450" indent="-171450">
+              <a:buFont typeface="Arial" panose="020B0604020202020204" pitchFamily="34" charset="0"/>
+              <a:buChar char="•"/>
+            </a:pPr>
+            <a:endParaRPr lang="az-Latn-AZ" sz="1200"/>
+          </a:p>
+          <a:p>
+            <a:r>
+              <a:rPr lang="az-Latn-AZ" sz="1200" b="1"/>
+              <a:t>c) Hibernasiya rejiminə keçmək</a:t>
+            </a:r>
+            <a:r>
+              <a:rPr lang="az-Latn-AZ" sz="1200"/>
+              <a:t>: Hibernasiya rejiminə keçmək üçün terminalda aşağıdakı əmri istifadə edə bilərsiniz:</a:t>
+            </a:r>
+          </a:p>
+          <a:p>
+            <a:endParaRPr lang="az-Latn-AZ" sz="1200"/>
+          </a:p>
+          <a:p>
+            <a:endParaRPr lang="az-Latn-AZ" sz="1200"/>
+          </a:p>
+          <a:p>
+            <a:endParaRPr lang="az-Latn-AZ" sz="1200"/>
+          </a:p>
+          <a:p>
+            <a:r>
+              <a:rPr lang="az-Latn-AZ" sz="1200" b="1"/>
+              <a:t>d) Alternativ olaraq</a:t>
+            </a:r>
+            <a:r>
+              <a:rPr lang="az-Latn-AZ" sz="1200"/>
+              <a:t>: bəzi Linux sistemlərində hibernasiya, kompüterin açılması ilə əlaqəli qısa yol düymələrinə də əlavə edilə bilər.</a:t>
+            </a:r>
+          </a:p>
+          <a:p>
+            <a:endParaRPr lang="az-Latn-AZ" sz="1200"/>
+          </a:p>
+          <a:p>
+            <a:r>
+              <a:rPr lang="en-US" sz="1200" b="1">
+                <a:highlight>
+                  <a:srgbClr val="FFFF00"/>
+                </a:highlight>
+              </a:rPr>
+              <a:t>Qeyd</a:t>
+            </a:r>
+            <a:r>
+              <a:rPr lang="en-US" sz="1200">
+                <a:highlight>
+                  <a:srgbClr val="FFFF00"/>
+                </a:highlight>
+              </a:rPr>
+              <a:t>: Hibernasiya funksiyasının işləməsi üçün bəzən sistemin müəyyən parametrlərini dəyişmək (swap sahəsinin ölçüsünü uyğunlaşdırmaq və ya kernel konfiqurasiyalarını yeniləmək) lazım ola bilər. Həmçinin, hər əməliyyat sistemində fərqli paylamalar üçün bu üsullar dəyişə bilər.</a:t>
+            </a:r>
+          </a:p>
+        </p:txBody>
+      </p:sp>
+      <p:pic>
+        <p:nvPicPr>
+          <p:cNvPr id="3" name="Picture 2">
+            <a:extLst>
+              <a:ext uri="{FF2B5EF4-FFF2-40B4-BE49-F238E27FC236}">
+                <a16:creationId xmlns:a16="http://schemas.microsoft.com/office/drawing/2014/main" id="{3647D9D5-8616-7995-F2CD-63CF4824B809}"/>
+              </a:ext>
+            </a:extLst>
+          </p:cNvPr>
+          <p:cNvPicPr>
+            <a:picLocks noChangeAspect="1"/>
+          </p:cNvPicPr>
+          <p:nvPr/>
+        </p:nvPicPr>
+        <p:blipFill>
+          <a:blip r:embed="rId2"/>
+          <a:stretch>
+            <a:fillRect/>
+          </a:stretch>
+        </p:blipFill>
+        <p:spPr>
+          <a:xfrm>
+            <a:off x="203200" y="1238178"/>
+            <a:ext cx="1895740" cy="371527"/>
+          </a:xfrm>
+          <a:prstGeom prst="rect">
+            <a:avLst/>
+          </a:prstGeom>
+        </p:spPr>
+      </p:pic>
+      <p:pic>
+        <p:nvPicPr>
+          <p:cNvPr id="5" name="Picture 4">
+            <a:extLst>
+              <a:ext uri="{FF2B5EF4-FFF2-40B4-BE49-F238E27FC236}">
+                <a16:creationId xmlns:a16="http://schemas.microsoft.com/office/drawing/2014/main" id="{9C70FE35-8793-C472-AB20-7F883C1F4388}"/>
+              </a:ext>
+            </a:extLst>
+          </p:cNvPr>
+          <p:cNvPicPr>
+            <a:picLocks noChangeAspect="1"/>
+          </p:cNvPicPr>
+          <p:nvPr/>
+        </p:nvPicPr>
+        <p:blipFill>
+          <a:blip r:embed="rId3"/>
+          <a:stretch>
+            <a:fillRect/>
+          </a:stretch>
+        </p:blipFill>
+        <p:spPr>
+          <a:xfrm>
+            <a:off x="203200" y="4634929"/>
+            <a:ext cx="2695951" cy="247685"/>
+          </a:xfrm>
+          <a:prstGeom prst="rect">
+            <a:avLst/>
+          </a:prstGeom>
+        </p:spPr>
+      </p:pic>
+      <p:pic>
+        <p:nvPicPr>
+          <p:cNvPr id="8" name="Picture 7">
+            <a:extLst>
+              <a:ext uri="{FF2B5EF4-FFF2-40B4-BE49-F238E27FC236}">
+                <a16:creationId xmlns:a16="http://schemas.microsoft.com/office/drawing/2014/main" id="{2737FCFA-EB00-D968-B8FB-EE7E8358C401}"/>
+              </a:ext>
+            </a:extLst>
+          </p:cNvPr>
+          <p:cNvPicPr>
+            <a:picLocks noChangeAspect="1"/>
+          </p:cNvPicPr>
+          <p:nvPr/>
+        </p:nvPicPr>
+        <p:blipFill>
+          <a:blip r:embed="rId4"/>
+          <a:stretch>
+            <a:fillRect/>
+          </a:stretch>
+        </p:blipFill>
+        <p:spPr>
+          <a:xfrm>
+            <a:off x="203200" y="5381664"/>
+            <a:ext cx="1914792" cy="238158"/>
+          </a:xfrm>
+          <a:prstGeom prst="rect">
+            <a:avLst/>
+          </a:prstGeom>
+        </p:spPr>
+      </p:pic>
+    </p:spTree>
+    <p:extLst>
+      <p:ext uri="{BB962C8B-B14F-4D97-AF65-F5344CB8AC3E}">
+        <p14:creationId xmlns:p14="http://schemas.microsoft.com/office/powerpoint/2010/main" val="3780556602"/>
+      </p:ext>
+    </p:extLst>
+  </p:cSld>
+  <p:clrMapOvr>
+    <a:masterClrMapping/>
+  </p:clrMapOvr>
+</p:sld>
+</file>
+
+<file path=ppt/slides/slide36.xml><?xml version="1.0" encoding="utf-8"?>
+<p:sld xmlns:a="http://schemas.openxmlformats.org/drawingml/2006/main" xmlns:r="http://schemas.openxmlformats.org/officeDocument/2006/relationships" xmlns:p="http://schemas.openxmlformats.org/presentationml/2006/main">
+  <p:cSld>
+    <p:spTree>
+      <p:nvGrpSpPr>
+        <p:cNvPr id="1" name="">
+          <a:extLst>
+            <a:ext uri="{FF2B5EF4-FFF2-40B4-BE49-F238E27FC236}">
+              <a16:creationId xmlns:a16="http://schemas.microsoft.com/office/drawing/2014/main" id="{6F0088D5-AF3D-45D3-40AE-3B43783C8F17}"/>
+            </a:ext>
+          </a:extLst>
+        </p:cNvPr>
+        <p:cNvGrpSpPr/>
+        <p:nvPr/>
+      </p:nvGrpSpPr>
+      <p:grpSpPr>
+        <a:xfrm>
+          <a:off x="0" y="0"/>
+          <a:ext cx="0" cy="0"/>
+          <a:chOff x="0" y="0"/>
+          <a:chExt cx="0" cy="0"/>
+        </a:xfrm>
+      </p:grpSpPr>
+      <p:sp>
+        <p:nvSpPr>
+          <p:cNvPr id="7" name="TextBox 6">
+            <a:extLst>
+              <a:ext uri="{FF2B5EF4-FFF2-40B4-BE49-F238E27FC236}">
+                <a16:creationId xmlns:a16="http://schemas.microsoft.com/office/drawing/2014/main" id="{D8223A6E-F893-9FB8-3BA4-B0893FECF300}"/>
+              </a:ext>
+            </a:extLst>
+          </p:cNvPr>
+          <p:cNvSpPr txBox="1"/>
+          <p:nvPr/>
+        </p:nvSpPr>
+        <p:spPr>
+          <a:xfrm>
+            <a:off x="203200" y="244826"/>
+            <a:ext cx="11822545" cy="2677656"/>
+          </a:xfrm>
+          <a:prstGeom prst="rect">
+            <a:avLst/>
+          </a:prstGeom>
+          <a:noFill/>
+        </p:spPr>
+        <p:txBody>
+          <a:bodyPr wrap="square">
+            <a:spAutoFit/>
+          </a:bodyPr>
+          <a:lstStyle/>
+          <a:p>
+            <a:r>
+              <a:rPr lang="en-US" sz="1200" b="1">
+                <a:solidFill>
+                  <a:srgbClr val="FF0000"/>
+                </a:solidFill>
+              </a:rPr>
+              <a:t>2. MBR (Master Boot Record) vs GPT (GUID Partition Table)</a:t>
+            </a:r>
+            <a:r>
+              <a:rPr lang="en-US" sz="1200" b="1"/>
+              <a:t>:</a:t>
+            </a:r>
+            <a:endParaRPr lang="az-Latn-AZ" sz="1200" b="1"/>
+          </a:p>
+          <a:p>
+            <a:endParaRPr lang="en-US" sz="1200" b="1"/>
+          </a:p>
+          <a:p>
+            <a:r>
+              <a:rPr lang="en-US" sz="1200" b="1"/>
+              <a:t>MBR</a:t>
+            </a:r>
+            <a:r>
+              <a:rPr lang="en-US" sz="1200"/>
+              <a:t> və </a:t>
+            </a:r>
+            <a:r>
+              <a:rPr lang="en-US" sz="1200" b="1"/>
+              <a:t>GPT</a:t>
+            </a:r>
+            <a:r>
+              <a:rPr lang="en-US" sz="1200"/>
+              <a:t> disk formatlarıdır, </a:t>
+            </a:r>
+            <a:r>
+              <a:rPr lang="en-US" sz="1200" b="1"/>
+              <a:t>UEFI</a:t>
+            </a:r>
+            <a:r>
+              <a:rPr lang="en-US" sz="1200"/>
+              <a:t> və </a:t>
+            </a:r>
+            <a:r>
+              <a:rPr lang="en-US" sz="1200" b="1"/>
+              <a:t>BIOS</a:t>
+            </a:r>
+            <a:r>
+              <a:rPr lang="en-US" sz="1200"/>
+              <a:t> ilə əlaqəli deyil, amma onların işinə təsir edir.</a:t>
+            </a:r>
+          </a:p>
+          <a:p>
+            <a:pPr marL="628650" lvl="1" indent="-171450">
+              <a:lnSpc>
+                <a:spcPct val="150000"/>
+              </a:lnSpc>
+              <a:buFont typeface="Arial" panose="020B0604020202020204" pitchFamily="34" charset="0"/>
+              <a:buChar char="•"/>
+            </a:pPr>
+            <a:r>
+              <a:rPr lang="en-US" sz="1200" b="1"/>
+              <a:t>MBR</a:t>
+            </a:r>
+            <a:r>
+              <a:rPr lang="en-US" sz="1200"/>
+              <a:t>: Köhnə disk formatıdır. Bu, 2TB-dan kiçik disklər üçün işləyir və maksimum 4 əsas bölmə yaradır.</a:t>
+            </a:r>
+          </a:p>
+          <a:p>
+            <a:pPr marL="628650" lvl="1" indent="-171450">
+              <a:lnSpc>
+                <a:spcPct val="150000"/>
+              </a:lnSpc>
+              <a:buFont typeface="Arial" panose="020B0604020202020204" pitchFamily="34" charset="0"/>
+              <a:buChar char="•"/>
+            </a:pPr>
+            <a:r>
+              <a:rPr lang="en-US" sz="1200" b="1"/>
+              <a:t>GPT</a:t>
+            </a:r>
+            <a:r>
+              <a:rPr lang="en-US" sz="1200"/>
+              <a:t>: Daha müasir bir formatdır, </a:t>
+            </a:r>
+            <a:r>
+              <a:rPr lang="en-US" sz="1200" b="1"/>
+              <a:t>2TB-dan böyük diskləri dəstəkləyir</a:t>
+            </a:r>
+            <a:r>
+              <a:rPr lang="en-US" sz="1200"/>
+              <a:t> və </a:t>
+            </a:r>
+            <a:r>
+              <a:rPr lang="en-US" sz="1200" b="1"/>
+              <a:t>128-ə qədər bölmə</a:t>
+            </a:r>
+            <a:r>
+              <a:rPr lang="en-US" sz="1200"/>
+              <a:t> yaradır. GPT, </a:t>
+            </a:r>
+            <a:r>
+              <a:rPr lang="en-US" sz="1200" b="1"/>
+              <a:t>UEFI</a:t>
+            </a:r>
+            <a:r>
+              <a:rPr lang="en-US" sz="1200"/>
+              <a:t> sistemləri ilə uyğundur.</a:t>
+            </a:r>
+            <a:endParaRPr lang="az-Latn-AZ" sz="1200"/>
+          </a:p>
+          <a:p>
+            <a:pPr lvl="1"/>
+            <a:endParaRPr lang="en-US" sz="1200"/>
+          </a:p>
+          <a:p>
+            <a:r>
+              <a:rPr lang="en-US" sz="1200" b="1"/>
+              <a:t>Hər iki formatın seçilməsi:</a:t>
+            </a:r>
+          </a:p>
+          <a:p>
+            <a:pPr marL="628650" lvl="1" indent="-171450">
+              <a:lnSpc>
+                <a:spcPct val="150000"/>
+              </a:lnSpc>
+              <a:buFont typeface="Arial" panose="020B0604020202020204" pitchFamily="34" charset="0"/>
+              <a:buChar char="•"/>
+            </a:pPr>
+            <a:r>
+              <a:rPr lang="en-US" sz="1200"/>
+              <a:t>Əgər </a:t>
+            </a:r>
+            <a:r>
+              <a:rPr lang="en-US" sz="1200" b="1"/>
+              <a:t>UEFI</a:t>
+            </a:r>
+            <a:r>
+              <a:rPr lang="en-US" sz="1200"/>
+              <a:t> ilə quraşdırma edirsənsə, disk </a:t>
+            </a:r>
+            <a:r>
+              <a:rPr lang="en-US" sz="1200" b="1"/>
+              <a:t>GPT</a:t>
+            </a:r>
+            <a:r>
+              <a:rPr lang="en-US" sz="1200"/>
+              <a:t> formatında olmalıdır.</a:t>
+            </a:r>
+          </a:p>
+          <a:p>
+            <a:pPr marL="628650" lvl="1" indent="-171450">
+              <a:lnSpc>
+                <a:spcPct val="150000"/>
+              </a:lnSpc>
+              <a:buFont typeface="Arial" panose="020B0604020202020204" pitchFamily="34" charset="0"/>
+              <a:buChar char="•"/>
+            </a:pPr>
+            <a:r>
+              <a:rPr lang="en-US" sz="1200"/>
+              <a:t>Əgər </a:t>
+            </a:r>
+            <a:r>
+              <a:rPr lang="en-US" sz="1200" b="1"/>
+              <a:t>BIOS</a:t>
+            </a:r>
+            <a:r>
+              <a:rPr lang="en-US" sz="1200"/>
+              <a:t> ilə quraşdırma edirsənsə, disk </a:t>
+            </a:r>
+            <a:r>
+              <a:rPr lang="en-US" sz="1200" b="1"/>
+              <a:t>MBR</a:t>
+            </a:r>
+            <a:r>
+              <a:rPr lang="en-US" sz="1200"/>
+              <a:t> formatında olacaq.</a:t>
+            </a:r>
+          </a:p>
+          <a:p>
+            <a:endParaRPr lang="az-Latn-AZ"/>
+          </a:p>
+          <a:p>
+            <a:endParaRPr lang="az-Latn-AZ"/>
+          </a:p>
+        </p:txBody>
+      </p:sp>
+    </p:spTree>
+    <p:extLst>
+      <p:ext uri="{BB962C8B-B14F-4D97-AF65-F5344CB8AC3E}">
+        <p14:creationId xmlns:p14="http://schemas.microsoft.com/office/powerpoint/2010/main" val="2372603053"/>
+      </p:ext>
+    </p:extLst>
+  </p:cSld>
+  <p:clrMapOvr>
+    <a:masterClrMapping/>
+  </p:clrMapOvr>
+</p:sld>
+</file>
+
+<file path=ppt/slides/slide37.xml><?xml version="1.0" encoding="utf-8"?>
 <p:sld xmlns:a="http://schemas.openxmlformats.org/drawingml/2006/main" xmlns:r="http://schemas.openxmlformats.org/officeDocument/2006/relationships" xmlns:p="http://schemas.openxmlformats.org/presentationml/2006/main">
   <p:cSld>
     <p:spTree>
@@ -36093,7 +39329,7 @@
         <p:spPr>
           <a:xfrm>
             <a:off x="203200" y="244826"/>
-            <a:ext cx="11822545" cy="369332"/>
+            <a:ext cx="11822545" cy="4939814"/>
           </a:xfrm>
           <a:prstGeom prst="rect">
             <a:avLst/>
@@ -36107,12 +39343,296 @@
           <a:lstStyle/>
           <a:p>
             <a:r>
-              <a:rPr lang="en-US">
-                <a:latin typeface="-apple-system"/>
+              <a:rPr lang="en-US" sz="1400" b="1">
+                <a:solidFill>
+                  <a:srgbClr val="FF0000"/>
+                </a:solidFill>
               </a:rPr>
+              <a:t>3. LVM (Logical Volume Management):</a:t>
+            </a:r>
+            <a:endParaRPr lang="az-Latn-AZ" sz="1400" b="1">
+              <a:solidFill>
+                <a:srgbClr val="FF0000"/>
+              </a:solidFill>
+            </a:endParaRPr>
+          </a:p>
+          <a:p>
+            <a:endParaRPr lang="en-US" sz="1400" b="1"/>
+          </a:p>
+          <a:p>
+            <a:r>
+              <a:rPr lang="en-US" sz="1400" b="1"/>
+              <a:t>LVM</a:t>
+            </a:r>
+            <a:r>
+              <a:rPr lang="en-US" sz="1400"/>
+              <a:t> (Logical Volume Management) diskdəki bölmələri daha çevik və dinamik şəkildə idarə etmək üçün istifadə olunan bir sistemdir. LVM, </a:t>
+            </a:r>
+            <a:r>
+              <a:rPr lang="en-US" sz="1400" b="1"/>
+              <a:t>MBR</a:t>
+            </a:r>
+            <a:r>
+              <a:rPr lang="en-US" sz="1400"/>
+              <a:t> və </a:t>
+            </a:r>
+            <a:r>
+              <a:rPr lang="en-US" sz="1400" b="1"/>
+              <a:t>GPT</a:t>
+            </a:r>
+            <a:r>
+              <a:rPr lang="en-US" sz="1400"/>
+              <a:t> formatlarından müstəqildir. Yəni, LVM istifadə etmək üçün diskin formatı </a:t>
+            </a:r>
+            <a:r>
+              <a:rPr lang="en-US" sz="1400" b="1"/>
+              <a:t>MBR</a:t>
+            </a:r>
+            <a:r>
+              <a:rPr lang="en-US" sz="1400"/>
+              <a:t> və ya </a:t>
+            </a:r>
+            <a:r>
+              <a:rPr lang="en-US" sz="1400" b="1"/>
+              <a:t>GPT</a:t>
+            </a:r>
+            <a:r>
+              <a:rPr lang="en-US" sz="1400"/>
+              <a:t> ola bilər, amma bu formatları idarə etmək üçün LVM ayrı bir sistemdir.</a:t>
+            </a:r>
+            <a:endParaRPr lang="az-Latn-AZ" sz="1400"/>
+          </a:p>
+          <a:p>
+            <a:endParaRPr lang="en-US" sz="1400"/>
+          </a:p>
+          <a:p>
+            <a:r>
+              <a:rPr lang="en-US" sz="1400" b="1">
+                <a:solidFill>
+                  <a:srgbClr val="00B050"/>
+                </a:solidFill>
+              </a:rPr>
+              <a:t>LVM-in xüsusiyyətləri</a:t>
+            </a:r>
+            <a:r>
+              <a:rPr lang="en-US" sz="1400" b="1"/>
+              <a:t>:</a:t>
+            </a:r>
+          </a:p>
+          <a:p>
+            <a:pPr marL="742950" lvl="1" indent="-285750">
+              <a:lnSpc>
+                <a:spcPct val="150000"/>
+              </a:lnSpc>
+              <a:buFont typeface="Arial" panose="020B0604020202020204" pitchFamily="34" charset="0"/>
+              <a:buChar char="•"/>
+            </a:pPr>
+            <a:r>
+              <a:rPr lang="en-US" sz="1400" b="1"/>
+              <a:t>LVM</a:t>
+            </a:r>
+            <a:r>
+              <a:rPr lang="en-US" sz="1400"/>
+              <a:t> ilə bir neçə fiziki diski birləşdirərək, bir neçə "loqik" bölmə yaratmaq mümkündür.</a:t>
+            </a:r>
+          </a:p>
+          <a:p>
+            <a:pPr marL="742950" lvl="1" indent="-285750">
+              <a:lnSpc>
+                <a:spcPct val="150000"/>
+              </a:lnSpc>
+              <a:buFont typeface="Arial" panose="020B0604020202020204" pitchFamily="34" charset="0"/>
+              <a:buChar char="•"/>
+            </a:pPr>
+            <a:r>
+              <a:rPr lang="en-US" sz="1400"/>
+              <a:t>LVM, disk sahəsinin </a:t>
+            </a:r>
+            <a:r>
+              <a:rPr lang="en-US" sz="1400" b="1"/>
+              <a:t>dinamik</a:t>
+            </a:r>
+            <a:r>
+              <a:rPr lang="en-US" sz="1400"/>
+              <a:t> olaraq artırılmasına və ya azaldılmasına imkan verir.</a:t>
+            </a:r>
+          </a:p>
+          <a:p>
+            <a:pPr marL="742950" lvl="1" indent="-285750">
+              <a:lnSpc>
+                <a:spcPct val="150000"/>
+              </a:lnSpc>
+              <a:buFont typeface="Arial" panose="020B0604020202020204" pitchFamily="34" charset="0"/>
+              <a:buChar char="•"/>
+            </a:pPr>
+            <a:r>
+              <a:rPr lang="en-US" sz="1400"/>
+              <a:t>Bu, xüsusilə böyük serverlərdə və ya məlumat bazası sistemlərində faydalıdır.</a:t>
+            </a:r>
+          </a:p>
+          <a:p>
+            <a:pPr marL="742950" lvl="1" indent="-285750">
+              <a:lnSpc>
+                <a:spcPct val="150000"/>
+              </a:lnSpc>
+              <a:buFont typeface="Arial" panose="020B0604020202020204" pitchFamily="34" charset="0"/>
+              <a:buChar char="•"/>
+            </a:pPr>
+            <a:r>
+              <a:rPr lang="en-US" sz="1400" b="1"/>
+              <a:t>LVM</a:t>
+            </a:r>
+            <a:r>
+              <a:rPr lang="en-US" sz="1400"/>
+              <a:t>-in istifadə edildiyi hallarda, bölmələr </a:t>
+            </a:r>
+            <a:r>
+              <a:rPr lang="en-US" sz="1400" b="1"/>
+              <a:t>LVM bölmələri</a:t>
+            </a:r>
+            <a:r>
+              <a:rPr lang="en-US" sz="1400"/>
+              <a:t> olacaq (yəni, sda5 kimi). LVM, diskinə əlavə etdiyi "virtual" bölmələr vasitəsilə disk sahəsini daha çevik idarə etməyə imkan verir.</a:t>
+            </a:r>
+            <a:endParaRPr lang="az-Latn-AZ" sz="1400"/>
+          </a:p>
+          <a:p>
+            <a:endParaRPr lang="az-Latn-AZ" sz="1400"/>
+          </a:p>
+          <a:p>
+            <a:endParaRPr lang="az-Latn-AZ" sz="1400"/>
+          </a:p>
+          <a:p>
+            <a:endParaRPr lang="en-US" sz="1400"/>
+          </a:p>
+          <a:p>
+            <a:r>
+              <a:rPr lang="en-US" sz="1400" b="1">
+                <a:solidFill>
+                  <a:srgbClr val="00B050"/>
+                </a:solidFill>
+              </a:rPr>
+              <a:t>LVM necə istifadə edilir?</a:t>
+            </a:r>
+            <a:endParaRPr lang="az-Latn-AZ" sz="1400" b="1">
+              <a:solidFill>
+                <a:srgbClr val="00B050"/>
+              </a:solidFill>
+            </a:endParaRPr>
+          </a:p>
+          <a:p>
+            <a:endParaRPr lang="en-US" sz="1400" b="1">
+              <a:solidFill>
+                <a:srgbClr val="00B050"/>
+              </a:solidFill>
+            </a:endParaRPr>
+          </a:p>
+          <a:p>
+            <a:r>
+              <a:rPr lang="en-US" sz="1400"/>
+              <a:t>LVM istifadə etmək istəyirsənsə, disk formatının </a:t>
+            </a:r>
+            <a:r>
+              <a:rPr lang="en-US" sz="1400" b="1"/>
+              <a:t>GPT</a:t>
+            </a:r>
+            <a:r>
+              <a:rPr lang="en-US" sz="1400"/>
+              <a:t> və ya </a:t>
+            </a:r>
+            <a:r>
+              <a:rPr lang="en-US" sz="1400" b="1"/>
+              <a:t>MBR</a:t>
+            </a:r>
+            <a:r>
+              <a:rPr lang="en-US" sz="1400"/>
+              <a:t> olmasından asılı olmayaraq, diski </a:t>
+            </a:r>
+            <a:r>
+              <a:rPr lang="en-US" sz="1400" b="1"/>
+              <a:t>LVM</a:t>
+            </a:r>
+            <a:r>
+              <a:rPr lang="en-US" sz="1400"/>
+              <a:t>-ə çevirməklə "logical" bölmələr yarada bilərsən.</a:t>
+            </a:r>
+            <a:endParaRPr lang="az-Latn-AZ" sz="1400"/>
+          </a:p>
+          <a:p>
+            <a:endParaRPr lang="az-Latn-AZ" sz="1400"/>
+          </a:p>
+          <a:p>
+            <a:endParaRPr lang="az-Latn-AZ" sz="1400"/>
+          </a:p>
+          <a:p>
+            <a:r>
+              <a:rPr lang="en-US" sz="1400" b="1"/>
+              <a:t>LVM alətləri</a:t>
+            </a:r>
+            <a:r>
+              <a:rPr lang="en-US" sz="1400"/>
+              <a:t>: </a:t>
+            </a:r>
+            <a:r>
+              <a:rPr lang="en-US" sz="1400" b="1">
+                <a:solidFill>
+                  <a:srgbClr val="FF0000"/>
+                </a:solidFill>
+              </a:rPr>
+              <a:t>lvcreate</a:t>
+            </a:r>
+            <a:r>
+              <a:rPr lang="en-US" sz="1400"/>
+              <a:t>, </a:t>
+            </a:r>
+            <a:r>
+              <a:rPr lang="en-US" sz="1400" b="1">
+                <a:solidFill>
+                  <a:srgbClr val="FF0000"/>
+                </a:solidFill>
+              </a:rPr>
+              <a:t>vgcreate</a:t>
+            </a:r>
+            <a:r>
+              <a:rPr lang="en-US" sz="1400"/>
+              <a:t>, </a:t>
+            </a:r>
+            <a:r>
+              <a:rPr lang="en-US" sz="1400" b="1">
+                <a:solidFill>
+                  <a:srgbClr val="FF0000"/>
+                </a:solidFill>
+              </a:rPr>
+              <a:t>pvcreate</a:t>
+            </a:r>
+            <a:r>
+              <a:rPr lang="en-US" sz="1400"/>
+              <a:t> kimi </a:t>
+            </a:r>
+            <a:r>
+              <a:rPr lang="az-Latn-AZ" sz="1400"/>
+              <a:t>və.s </a:t>
+            </a:r>
+            <a:r>
+              <a:rPr lang="en-US" sz="1400"/>
+              <a:t>əmrlər </a:t>
+            </a:r>
+            <a:r>
+              <a:rPr lang="en-US" sz="1400" b="1"/>
+              <a:t>LVM</a:t>
+            </a:r>
+            <a:r>
+              <a:rPr lang="en-US" sz="1400"/>
+              <a:t> bölmələri üçün</a:t>
+            </a:r>
+            <a:r>
+              <a:rPr lang="az-Latn-AZ" sz="1400"/>
+              <a:t> istifadə edilir</a:t>
+            </a:r>
+            <a:r>
+              <a:rPr lang="en-US" sz="1400"/>
               <a:t>.</a:t>
             </a:r>
-            <a:endParaRPr lang="en-US"/>
           </a:p>
         </p:txBody>
       </p:sp>
@@ -36129,81 +39649,7 @@
 </p:sld>
 </file>
 
-<file path=ppt/slides/slide34.xml><?xml version="1.0" encoding="utf-8"?>
-<p:sld xmlns:a="http://schemas.openxmlformats.org/drawingml/2006/main" xmlns:r="http://schemas.openxmlformats.org/officeDocument/2006/relationships" xmlns:p="http://schemas.openxmlformats.org/presentationml/2006/main">
-  <p:cSld>
-    <p:spTree>
-      <p:nvGrpSpPr>
-        <p:cNvPr id="1" name="">
-          <a:extLst>
-            <a:ext uri="{FF2B5EF4-FFF2-40B4-BE49-F238E27FC236}">
-              <a16:creationId xmlns:a16="http://schemas.microsoft.com/office/drawing/2014/main" id="{27336CD9-FB30-B69B-40D5-5101D27B5AF4}"/>
-            </a:ext>
-          </a:extLst>
-        </p:cNvPr>
-        <p:cNvGrpSpPr/>
-        <p:nvPr/>
-      </p:nvGrpSpPr>
-      <p:grpSpPr>
-        <a:xfrm>
-          <a:off x="0" y="0"/>
-          <a:ext cx="0" cy="0"/>
-          <a:chOff x="0" y="0"/>
-          <a:chExt cx="0" cy="0"/>
-        </a:xfrm>
-      </p:grpSpPr>
-      <p:sp>
-        <p:nvSpPr>
-          <p:cNvPr id="7" name="TextBox 6">
-            <a:extLst>
-              <a:ext uri="{FF2B5EF4-FFF2-40B4-BE49-F238E27FC236}">
-                <a16:creationId xmlns:a16="http://schemas.microsoft.com/office/drawing/2014/main" id="{E5782F23-0AA0-9571-BE75-75FC6715AEC5}"/>
-              </a:ext>
-            </a:extLst>
-          </p:cNvPr>
-          <p:cNvSpPr txBox="1"/>
-          <p:nvPr/>
-        </p:nvSpPr>
-        <p:spPr>
-          <a:xfrm>
-            <a:off x="203200" y="244826"/>
-            <a:ext cx="11822545" cy="369332"/>
-          </a:xfrm>
-          <a:prstGeom prst="rect">
-            <a:avLst/>
-          </a:prstGeom>
-          <a:noFill/>
-        </p:spPr>
-        <p:txBody>
-          <a:bodyPr wrap="square">
-            <a:spAutoFit/>
-          </a:bodyPr>
-          <a:lstStyle/>
-          <a:p>
-            <a:r>
-              <a:rPr lang="en-US">
-                <a:latin typeface="-apple-system"/>
-              </a:rPr>
-              <a:t>.</a:t>
-            </a:r>
-            <a:endParaRPr lang="en-US"/>
-          </a:p>
-        </p:txBody>
-      </p:sp>
-    </p:spTree>
-    <p:extLst>
-      <p:ext uri="{BB962C8B-B14F-4D97-AF65-F5344CB8AC3E}">
-        <p14:creationId xmlns:p14="http://schemas.microsoft.com/office/powerpoint/2010/main" val="3580281310"/>
-      </p:ext>
-    </p:extLst>
-  </p:cSld>
-  <p:clrMapOvr>
-    <a:masterClrMapping/>
-  </p:clrMapOvr>
-</p:sld>
-</file>
-
-<file path=ppt/slides/slide35.xml><?xml version="1.0" encoding="utf-8"?>
+<file path=ppt/slides/slide38.xml><?xml version="1.0" encoding="utf-8"?>
 <p:sld xmlns:a="http://schemas.openxmlformats.org/drawingml/2006/main" xmlns:r="http://schemas.openxmlformats.org/officeDocument/2006/relationships" xmlns:p="http://schemas.openxmlformats.org/presentationml/2006/main">
   <p:cSld>
     <p:spTree>
@@ -36241,7 +39687,7 @@
         <p:spPr>
           <a:xfrm>
             <a:off x="203200" y="244826"/>
-            <a:ext cx="11822545" cy="369332"/>
+            <a:ext cx="11822545" cy="5696046"/>
           </a:xfrm>
           <a:prstGeom prst="rect">
             <a:avLst/>
@@ -36255,12 +39701,262 @@
           <a:lstStyle/>
           <a:p>
             <a:r>
-              <a:rPr lang="en-US">
-                <a:latin typeface="-apple-system"/>
-              </a:rPr>
-              <a:t>.</a:t>
-            </a:r>
-            <a:endParaRPr lang="en-US"/>
+              <a:rPr lang="en-US" sz="1200" b="1"/>
+              <a:t>Linux-da Ümumi Fayl Sistemləri</a:t>
+            </a:r>
+            <a:endParaRPr lang="az-Latn-AZ" sz="1200" b="1"/>
+          </a:p>
+          <a:p>
+            <a:endParaRPr lang="en-US" sz="1200" b="1"/>
+          </a:p>
+          <a:p>
+            <a:r>
+              <a:rPr lang="en-US" sz="1200"/>
+              <a:t>Disk bölmələri formatlanarkən müəyyən fayl sistemləri ilə konfiqurasiya edilir. Linux-da ən çox istifadə olunan fayl sistemləri:</a:t>
+            </a:r>
+            <a:endParaRPr lang="az-Latn-AZ" sz="1200"/>
+          </a:p>
+          <a:p>
+            <a:endParaRPr lang="az-Latn-AZ" sz="1200">
+              <a:effectLst/>
+            </a:endParaRPr>
+          </a:p>
+          <a:p>
+            <a:pPr marL="742950" lvl="1" indent="-285750">
+              <a:lnSpc>
+                <a:spcPct val="150000"/>
+              </a:lnSpc>
+              <a:buFont typeface="Wingdings" panose="05000000000000000000" pitchFamily="2" charset="2"/>
+              <a:buChar char="q"/>
+            </a:pPr>
+            <a:r>
+              <a:rPr lang="en-US" sz="1200" b="1"/>
+              <a:t>ext4</a:t>
+            </a:r>
+            <a:r>
+              <a:rPr lang="en-US" sz="1200"/>
+              <a:t>: Linux-un standart fayl sistemi, etibarlı və sürətlidir.</a:t>
+            </a:r>
+          </a:p>
+          <a:p>
+            <a:pPr marL="742950" lvl="1" indent="-285750">
+              <a:lnSpc>
+                <a:spcPct val="150000"/>
+              </a:lnSpc>
+              <a:buFont typeface="Wingdings" panose="05000000000000000000" pitchFamily="2" charset="2"/>
+              <a:buChar char="q"/>
+            </a:pPr>
+            <a:r>
+              <a:rPr lang="en-US" sz="1200" b="1"/>
+              <a:t>ext3/ext2</a:t>
+            </a:r>
+            <a:r>
+              <a:rPr lang="en-US" sz="1200"/>
+              <a:t>: ext4-dən köhnə, lakin hələ də istifadə olunan fayl sistemləri.</a:t>
+            </a:r>
+          </a:p>
+          <a:p>
+            <a:pPr marL="742950" lvl="1" indent="-285750">
+              <a:lnSpc>
+                <a:spcPct val="150000"/>
+              </a:lnSpc>
+              <a:buFont typeface="Wingdings" panose="05000000000000000000" pitchFamily="2" charset="2"/>
+              <a:buChar char="q"/>
+            </a:pPr>
+            <a:r>
+              <a:rPr lang="en-US" sz="1200" b="1"/>
+              <a:t>Btrfs</a:t>
+            </a:r>
+            <a:r>
+              <a:rPr lang="en-US" sz="1200"/>
+              <a:t>: Müasir fayl sistemi, snapshot və sıxılma kimi xüsusiyyətlərə malikdir.</a:t>
+            </a:r>
+          </a:p>
+          <a:p>
+            <a:pPr marL="742950" lvl="1" indent="-285750">
+              <a:lnSpc>
+                <a:spcPct val="150000"/>
+              </a:lnSpc>
+              <a:buFont typeface="Wingdings" panose="05000000000000000000" pitchFamily="2" charset="2"/>
+              <a:buChar char="q"/>
+            </a:pPr>
+            <a:r>
+              <a:rPr lang="en-US" sz="1200" b="1"/>
+              <a:t>XFS</a:t>
+            </a:r>
+            <a:r>
+              <a:rPr lang="en-US" sz="1200"/>
+              <a:t>: Yüksək performanslı fayl sistemi, xüsusilə böyük fayllar üçün uyğundur.</a:t>
+            </a:r>
+          </a:p>
+          <a:p>
+            <a:pPr marL="742950" lvl="1" indent="-285750">
+              <a:lnSpc>
+                <a:spcPct val="150000"/>
+              </a:lnSpc>
+              <a:buFont typeface="Wingdings" panose="05000000000000000000" pitchFamily="2" charset="2"/>
+              <a:buChar char="q"/>
+            </a:pPr>
+            <a:r>
+              <a:rPr lang="en-US" sz="1200" b="1"/>
+              <a:t>ZFS</a:t>
+            </a:r>
+            <a:r>
+              <a:rPr lang="en-US" sz="1200"/>
+              <a:t>: Təkmilləşdirilmiş xüsusiyyətlərə malik, lakin resurs tələb edən fayl sistemi.</a:t>
+            </a:r>
+          </a:p>
+          <a:p>
+            <a:pPr marL="742950" lvl="1" indent="-285750">
+              <a:lnSpc>
+                <a:spcPct val="150000"/>
+              </a:lnSpc>
+              <a:buFont typeface="Wingdings" panose="05000000000000000000" pitchFamily="2" charset="2"/>
+              <a:buChar char="q"/>
+            </a:pPr>
+            <a:r>
+              <a:rPr lang="en-US" sz="1200" b="1"/>
+              <a:t>FAT32/exFAT</a:t>
+            </a:r>
+            <a:r>
+              <a:rPr lang="en-US" sz="1200"/>
+              <a:t>: Windows ilə uyğunluq üçün, xarici disklərdə istifadə olunur.</a:t>
+            </a:r>
+          </a:p>
+          <a:p>
+            <a:pPr marL="742950" lvl="1" indent="-285750">
+              <a:lnSpc>
+                <a:spcPct val="150000"/>
+              </a:lnSpc>
+              <a:buFont typeface="Wingdings" panose="05000000000000000000" pitchFamily="2" charset="2"/>
+              <a:buChar char="q"/>
+            </a:pPr>
+            <a:r>
+              <a:rPr lang="en-US" sz="1200" b="1"/>
+              <a:t>NTFS</a:t>
+            </a:r>
+            <a:r>
+              <a:rPr lang="en-US" sz="1200"/>
+              <a:t>: Windows fayl sistemi, Linux-da oxuma/yazma dəstəyi var.</a:t>
+            </a:r>
+            <a:r>
+              <a:rPr lang="az-Latn-AZ" sz="1200"/>
+              <a:t> Və.s</a:t>
+            </a:r>
+          </a:p>
+          <a:p>
+            <a:endParaRPr lang="az-Latn-AZ" sz="1200">
+              <a:effectLst/>
+            </a:endParaRPr>
+          </a:p>
+          <a:p>
+            <a:endParaRPr lang="az-Latn-AZ" sz="1200">
+              <a:effectLst/>
+            </a:endParaRPr>
+          </a:p>
+          <a:p>
+            <a:endParaRPr lang="az-Latn-AZ" sz="1200"/>
+          </a:p>
+          <a:p>
+            <a:r>
+              <a:rPr lang="en-US" sz="1200" b="1"/>
+              <a:t>Bir Linux sistemində sadə bir bölmə sxemi belə ola bilər</a:t>
+            </a:r>
+            <a:r>
+              <a:rPr lang="en-US" sz="1200"/>
+              <a:t>:</a:t>
+            </a:r>
+          </a:p>
+          <a:p>
+            <a:endParaRPr lang="en-US" sz="1200"/>
+          </a:p>
+          <a:p>
+            <a:pPr marL="628650" lvl="1" indent="-171450">
+              <a:lnSpc>
+                <a:spcPct val="150000"/>
+              </a:lnSpc>
+              <a:buFont typeface="Wingdings" panose="05000000000000000000" pitchFamily="2" charset="2"/>
+              <a:buChar char="q"/>
+            </a:pPr>
+            <a:r>
+              <a:rPr lang="en-US" sz="1200"/>
+              <a:t>/dev/sda1: /boot (1 GB, ext4)</a:t>
+            </a:r>
+          </a:p>
+          <a:p>
+            <a:pPr marL="628650" lvl="1" indent="-171450">
+              <a:lnSpc>
+                <a:spcPct val="150000"/>
+              </a:lnSpc>
+              <a:buFont typeface="Wingdings" panose="05000000000000000000" pitchFamily="2" charset="2"/>
+              <a:buChar char="q"/>
+            </a:pPr>
+            <a:r>
+              <a:rPr lang="en-US" sz="1200"/>
+              <a:t>/dev/sda2: / (20-50 GB, ext4)</a:t>
+            </a:r>
+          </a:p>
+          <a:p>
+            <a:pPr marL="628650" lvl="1" indent="-171450">
+              <a:lnSpc>
+                <a:spcPct val="150000"/>
+              </a:lnSpc>
+              <a:buFont typeface="Wingdings" panose="05000000000000000000" pitchFamily="2" charset="2"/>
+              <a:buChar char="q"/>
+            </a:pPr>
+            <a:r>
+              <a:rPr lang="en-US" sz="1200"/>
+              <a:t>/dev/sda3: /home (qalan yer, ext4)</a:t>
+            </a:r>
+          </a:p>
+          <a:p>
+            <a:pPr marL="628650" lvl="1" indent="-171450">
+              <a:lnSpc>
+                <a:spcPct val="150000"/>
+              </a:lnSpc>
+              <a:buFont typeface="Wingdings" panose="05000000000000000000" pitchFamily="2" charset="2"/>
+              <a:buChar char="q"/>
+            </a:pPr>
+            <a:r>
+              <a:rPr lang="en-US" sz="1200"/>
+              <a:t>/dev/sda4: Swap (RAM ölçüsünə uyğun, məsələn, 4 GB)</a:t>
+            </a:r>
+          </a:p>
+          <a:p>
+            <a:endParaRPr lang="en-US" sz="1200"/>
+          </a:p>
+          <a:p>
+            <a:r>
+              <a:rPr lang="en-US" sz="1200" b="1"/>
+              <a:t>UEFI sistemləri üçün əlavə olaraq</a:t>
+            </a:r>
+            <a:r>
+              <a:rPr lang="en-US" sz="1200"/>
+              <a:t>:</a:t>
+            </a:r>
+          </a:p>
+          <a:p>
+            <a:pPr marL="628650" lvl="1" indent="-171450">
+              <a:lnSpc>
+                <a:spcPct val="150000"/>
+              </a:lnSpc>
+              <a:buFont typeface="Wingdings" panose="05000000000000000000" pitchFamily="2" charset="2"/>
+              <a:buChar char="q"/>
+            </a:pPr>
+            <a:r>
+              <a:rPr lang="en-US" sz="1200"/>
+              <a:t>/dev/sda1: EFI System Partition (100-300 MB, FAT32)</a:t>
+            </a:r>
+          </a:p>
+          <a:p>
+            <a:pPr marL="0" lvl="1">
+              <a:lnSpc>
+                <a:spcPct val="150000"/>
+              </a:lnSpc>
+            </a:pPr>
+            <a:endParaRPr lang="en-US" sz="1200">
+              <a:effectLst/>
+            </a:endParaRPr>
           </a:p>
         </p:txBody>
       </p:sp>
@@ -36277,7 +39973,7 @@
 </p:sld>
 </file>
 
-<file path=ppt/slides/slide36.xml><?xml version="1.0" encoding="utf-8"?>
+<file path=ppt/slides/slide39.xml><?xml version="1.0" encoding="utf-8"?>
 <p:sld xmlns:a="http://schemas.openxmlformats.org/drawingml/2006/main" xmlns:r="http://schemas.openxmlformats.org/officeDocument/2006/relationships" xmlns:p="http://schemas.openxmlformats.org/presentationml/2006/main">
   <p:cSld>
     <p:spTree>
@@ -36285,7 +39981,7 @@
         <p:cNvPr id="1" name="">
           <a:extLst>
             <a:ext uri="{FF2B5EF4-FFF2-40B4-BE49-F238E27FC236}">
-              <a16:creationId xmlns:a16="http://schemas.microsoft.com/office/drawing/2014/main" id="{9FC3B7AC-06E2-C7AA-44F4-7604DD1DF37A}"/>
+              <a16:creationId xmlns:a16="http://schemas.microsoft.com/office/drawing/2014/main" id="{D423FAED-CC55-6F1A-3B5B-2A42412414B8}"/>
             </a:ext>
           </a:extLst>
         </p:cNvPr>
@@ -36305,7 +40001,7 @@
           <p:cNvPr id="7" name="TextBox 6">
             <a:extLst>
               <a:ext uri="{FF2B5EF4-FFF2-40B4-BE49-F238E27FC236}">
-                <a16:creationId xmlns:a16="http://schemas.microsoft.com/office/drawing/2014/main" id="{1F9CDFEF-98AE-07AA-804B-8A3F87DE0A7A}"/>
+                <a16:creationId xmlns:a16="http://schemas.microsoft.com/office/drawing/2014/main" id="{7C5983CE-2DEF-599E-32FD-1929FFC25EB3}"/>
               </a:ext>
             </a:extLst>
           </p:cNvPr>
@@ -36315,7 +40011,7 @@
         <p:spPr>
           <a:xfrm>
             <a:off x="203200" y="244826"/>
-            <a:ext cx="11822545" cy="369332"/>
+            <a:ext cx="11822545" cy="2308324"/>
           </a:xfrm>
           <a:prstGeom prst="rect">
             <a:avLst/>
@@ -36329,11 +40025,129 @@
           <a:lstStyle/>
           <a:p>
             <a:r>
+              <a:rPr lang="en-US" b="1">
+                <a:solidFill>
+                  <a:srgbClr val="FF0000"/>
+                </a:solidFill>
+                <a:latin typeface="-apple-system"/>
+              </a:rPr>
+              <a:t>Bölmələri Quraşdırma (Mounting)</a:t>
+            </a:r>
+          </a:p>
+          <a:p>
+            <a:endParaRPr lang="en-US">
+              <a:solidFill>
+                <a:srgbClr val="FF0000"/>
+              </a:solidFill>
+              <a:latin typeface="-apple-system"/>
+            </a:endParaRPr>
+          </a:p>
+          <a:p>
+            <a:r>
               <a:rPr lang="en-US">
                 <a:latin typeface="-apple-system"/>
               </a:rPr>
-              <a:t>.</a:t>
-            </a:r>
+              <a:t>Bölmələr yaradıldıqdan sonra onları müəyyən qovluqlara quraşdırmaq lazımdır:</a:t>
+            </a:r>
+          </a:p>
+          <a:p>
+            <a:pPr marL="742950" lvl="1" indent="-285750">
+              <a:lnSpc>
+                <a:spcPct val="150000"/>
+              </a:lnSpc>
+              <a:buFont typeface="Arial" panose="020B0604020202020204" pitchFamily="34" charset="0"/>
+              <a:buChar char="•"/>
+            </a:pPr>
+            <a:r>
+              <a:rPr lang="en-US" b="1">
+                <a:latin typeface="-apple-system"/>
+              </a:rPr>
+              <a:t>Əmr</a:t>
+            </a:r>
+            <a:r>
+              <a:rPr lang="en-US">
+                <a:latin typeface="-apple-system"/>
+              </a:rPr>
+              <a:t>: </a:t>
+            </a:r>
+            <a:r>
+              <a:rPr lang="en-US" b="1">
+                <a:solidFill>
+                  <a:srgbClr val="7030A0"/>
+                </a:solidFill>
+                <a:latin typeface="Courier New" panose="02070309020205020404" pitchFamily="49" charset="0"/>
+                <a:cs typeface="Courier New" panose="02070309020205020404" pitchFamily="49" charset="0"/>
+              </a:rPr>
+              <a:t>sudo mount /dev/sdX1 /mnt/qovluq </a:t>
+            </a:r>
+            <a:r>
+              <a:rPr lang="en-US">
+                <a:latin typeface="-apple-system"/>
+              </a:rPr>
+              <a:t>(</a:t>
+            </a:r>
+            <a:r>
+              <a:rPr lang="en-US" b="1">
+                <a:latin typeface="-apple-system"/>
+              </a:rPr>
+              <a:t>X</a:t>
+            </a:r>
+            <a:r>
+              <a:rPr lang="en-US">
+                <a:latin typeface="-apple-system"/>
+              </a:rPr>
+              <a:t> burada bölmənin son hərfidir. Məsələn, </a:t>
+            </a:r>
+            <a:r>
+              <a:rPr lang="en-US" b="1">
+                <a:latin typeface="-apple-system"/>
+              </a:rPr>
+              <a:t>/sda </a:t>
+            </a:r>
+            <a:r>
+              <a:rPr lang="en-US">
+                <a:latin typeface="-apple-system"/>
+              </a:rPr>
+              <a:t>)</a:t>
+            </a:r>
+          </a:p>
+          <a:p>
+            <a:pPr marL="742950" lvl="1" indent="-285750">
+              <a:lnSpc>
+                <a:spcPct val="150000"/>
+              </a:lnSpc>
+              <a:buFont typeface="Arial" panose="020B0604020202020204" pitchFamily="34" charset="0"/>
+              <a:buChar char="•"/>
+            </a:pPr>
+            <a:r>
+              <a:rPr lang="en-US">
+                <a:latin typeface="-apple-system"/>
+              </a:rPr>
+              <a:t>Daimi quraşdırma üçün </a:t>
+            </a:r>
+            <a:r>
+              <a:rPr lang="en-US" b="1">
+                <a:solidFill>
+                  <a:srgbClr val="7030A0"/>
+                </a:solidFill>
+                <a:latin typeface="Courier New" panose="02070309020205020404" pitchFamily="49" charset="0"/>
+                <a:cs typeface="Courier New" panose="02070309020205020404" pitchFamily="49" charset="0"/>
+              </a:rPr>
+              <a:t>/etc/fstab </a:t>
+            </a:r>
+            <a:r>
+              <a:rPr lang="en-US">
+                <a:latin typeface="-apple-system"/>
+              </a:rPr>
+              <a:t>faylı redaktə olunmalıdır.</a:t>
+            </a:r>
+          </a:p>
+          <a:p>
+            <a:endParaRPr lang="en-US">
+              <a:latin typeface="-apple-system"/>
+            </a:endParaRPr>
+          </a:p>
+          <a:p>
             <a:endParaRPr lang="en-US"/>
           </a:p>
         </p:txBody>
@@ -36341,7 +40155,7 @@
     </p:spTree>
     <p:extLst>
       <p:ext uri="{BB962C8B-B14F-4D97-AF65-F5344CB8AC3E}">
-        <p14:creationId xmlns:p14="http://schemas.microsoft.com/office/powerpoint/2010/main" val="2974827314"/>
+        <p14:creationId xmlns:p14="http://schemas.microsoft.com/office/powerpoint/2010/main" val="3767244408"/>
       </p:ext>
     </p:extLst>
   </p:cSld>
@@ -36590,6 +40404,524 @@
     <p:extLst>
       <p:ext uri="{BB962C8B-B14F-4D97-AF65-F5344CB8AC3E}">
         <p14:creationId xmlns:p14="http://schemas.microsoft.com/office/powerpoint/2010/main" val="2146720002"/>
+      </p:ext>
+    </p:extLst>
+  </p:cSld>
+  <p:clrMapOvr>
+    <a:masterClrMapping/>
+  </p:clrMapOvr>
+</p:sld>
+</file>
+
+<file path=ppt/slides/slide40.xml><?xml version="1.0" encoding="utf-8"?>
+<p:sld xmlns:a="http://schemas.openxmlformats.org/drawingml/2006/main" xmlns:r="http://schemas.openxmlformats.org/officeDocument/2006/relationships" xmlns:p="http://schemas.openxmlformats.org/presentationml/2006/main">
+  <p:cSld>
+    <p:spTree>
+      <p:nvGrpSpPr>
+        <p:cNvPr id="1" name="">
+          <a:extLst>
+            <a:ext uri="{FF2B5EF4-FFF2-40B4-BE49-F238E27FC236}">
+              <a16:creationId xmlns:a16="http://schemas.microsoft.com/office/drawing/2014/main" id="{9D0EBCE6-8289-BFDB-FBC4-6E409EF39110}"/>
+            </a:ext>
+          </a:extLst>
+        </p:cNvPr>
+        <p:cNvGrpSpPr/>
+        <p:nvPr/>
+      </p:nvGrpSpPr>
+      <p:grpSpPr>
+        <a:xfrm>
+          <a:off x="0" y="0"/>
+          <a:ext cx="0" cy="0"/>
+          <a:chOff x="0" y="0"/>
+          <a:chExt cx="0" cy="0"/>
+        </a:xfrm>
+      </p:grpSpPr>
+      <p:sp>
+        <p:nvSpPr>
+          <p:cNvPr id="7" name="TextBox 6">
+            <a:extLst>
+              <a:ext uri="{FF2B5EF4-FFF2-40B4-BE49-F238E27FC236}">
+                <a16:creationId xmlns:a16="http://schemas.microsoft.com/office/drawing/2014/main" id="{3C7F97CD-30BF-3341-2C75-CD68ABB7FD76}"/>
+              </a:ext>
+            </a:extLst>
+          </p:cNvPr>
+          <p:cNvSpPr txBox="1"/>
+          <p:nvPr/>
+        </p:nvSpPr>
+        <p:spPr>
+          <a:xfrm>
+            <a:off x="203200" y="244826"/>
+            <a:ext cx="11822545" cy="369332"/>
+          </a:xfrm>
+          <a:prstGeom prst="rect">
+            <a:avLst/>
+          </a:prstGeom>
+          <a:noFill/>
+        </p:spPr>
+        <p:txBody>
+          <a:bodyPr wrap="square">
+            <a:spAutoFit/>
+          </a:bodyPr>
+          <a:lstStyle/>
+          <a:p>
+            <a:r>
+              <a:rPr lang="en-US">
+                <a:latin typeface="-apple-system"/>
+              </a:rPr>
+              <a:t>.</a:t>
+            </a:r>
+            <a:endParaRPr lang="en-US"/>
+          </a:p>
+        </p:txBody>
+      </p:sp>
+    </p:spTree>
+    <p:extLst>
+      <p:ext uri="{BB962C8B-B14F-4D97-AF65-F5344CB8AC3E}">
+        <p14:creationId xmlns:p14="http://schemas.microsoft.com/office/powerpoint/2010/main" val="1213259997"/>
+      </p:ext>
+    </p:extLst>
+  </p:cSld>
+  <p:clrMapOvr>
+    <a:masterClrMapping/>
+  </p:clrMapOvr>
+</p:sld>
+</file>
+
+<file path=ppt/slides/slide41.xml><?xml version="1.0" encoding="utf-8"?>
+<p:sld xmlns:a="http://schemas.openxmlformats.org/drawingml/2006/main" xmlns:r="http://schemas.openxmlformats.org/officeDocument/2006/relationships" xmlns:p="http://schemas.openxmlformats.org/presentationml/2006/main">
+  <p:cSld>
+    <p:spTree>
+      <p:nvGrpSpPr>
+        <p:cNvPr id="1" name="">
+          <a:extLst>
+            <a:ext uri="{FF2B5EF4-FFF2-40B4-BE49-F238E27FC236}">
+              <a16:creationId xmlns:a16="http://schemas.microsoft.com/office/drawing/2014/main" id="{15741E36-568B-2079-A1FA-1982978F648B}"/>
+            </a:ext>
+          </a:extLst>
+        </p:cNvPr>
+        <p:cNvGrpSpPr/>
+        <p:nvPr/>
+      </p:nvGrpSpPr>
+      <p:grpSpPr>
+        <a:xfrm>
+          <a:off x="0" y="0"/>
+          <a:ext cx="0" cy="0"/>
+          <a:chOff x="0" y="0"/>
+          <a:chExt cx="0" cy="0"/>
+        </a:xfrm>
+      </p:grpSpPr>
+      <p:sp>
+        <p:nvSpPr>
+          <p:cNvPr id="7" name="TextBox 6">
+            <a:extLst>
+              <a:ext uri="{FF2B5EF4-FFF2-40B4-BE49-F238E27FC236}">
+                <a16:creationId xmlns:a16="http://schemas.microsoft.com/office/drawing/2014/main" id="{25292E16-EF4E-AED6-AF9D-FC5CFC46A8E0}"/>
+              </a:ext>
+            </a:extLst>
+          </p:cNvPr>
+          <p:cNvSpPr txBox="1"/>
+          <p:nvPr/>
+        </p:nvSpPr>
+        <p:spPr>
+          <a:xfrm>
+            <a:off x="203200" y="244826"/>
+            <a:ext cx="11822545" cy="369332"/>
+          </a:xfrm>
+          <a:prstGeom prst="rect">
+            <a:avLst/>
+          </a:prstGeom>
+          <a:noFill/>
+        </p:spPr>
+        <p:txBody>
+          <a:bodyPr wrap="square">
+            <a:spAutoFit/>
+          </a:bodyPr>
+          <a:lstStyle/>
+          <a:p>
+            <a:r>
+              <a:rPr lang="en-US">
+                <a:latin typeface="-apple-system"/>
+              </a:rPr>
+              <a:t>.</a:t>
+            </a:r>
+            <a:endParaRPr lang="en-US"/>
+          </a:p>
+        </p:txBody>
+      </p:sp>
+    </p:spTree>
+    <p:extLst>
+      <p:ext uri="{BB962C8B-B14F-4D97-AF65-F5344CB8AC3E}">
+        <p14:creationId xmlns:p14="http://schemas.microsoft.com/office/powerpoint/2010/main" val="2658376876"/>
+      </p:ext>
+    </p:extLst>
+  </p:cSld>
+  <p:clrMapOvr>
+    <a:masterClrMapping/>
+  </p:clrMapOvr>
+</p:sld>
+</file>
+
+<file path=ppt/slides/slide42.xml><?xml version="1.0" encoding="utf-8"?>
+<p:sld xmlns:a="http://schemas.openxmlformats.org/drawingml/2006/main" xmlns:r="http://schemas.openxmlformats.org/officeDocument/2006/relationships" xmlns:p="http://schemas.openxmlformats.org/presentationml/2006/main">
+  <p:cSld>
+    <p:spTree>
+      <p:nvGrpSpPr>
+        <p:cNvPr id="1" name="">
+          <a:extLst>
+            <a:ext uri="{FF2B5EF4-FFF2-40B4-BE49-F238E27FC236}">
+              <a16:creationId xmlns:a16="http://schemas.microsoft.com/office/drawing/2014/main" id="{C8B8A639-EACB-289A-AA52-F6B073557183}"/>
+            </a:ext>
+          </a:extLst>
+        </p:cNvPr>
+        <p:cNvGrpSpPr/>
+        <p:nvPr/>
+      </p:nvGrpSpPr>
+      <p:grpSpPr>
+        <a:xfrm>
+          <a:off x="0" y="0"/>
+          <a:ext cx="0" cy="0"/>
+          <a:chOff x="0" y="0"/>
+          <a:chExt cx="0" cy="0"/>
+        </a:xfrm>
+      </p:grpSpPr>
+      <p:sp>
+        <p:nvSpPr>
+          <p:cNvPr id="7" name="TextBox 6">
+            <a:extLst>
+              <a:ext uri="{FF2B5EF4-FFF2-40B4-BE49-F238E27FC236}">
+                <a16:creationId xmlns:a16="http://schemas.microsoft.com/office/drawing/2014/main" id="{D7F1BAD3-C71E-EF5C-AB9D-94F59D840185}"/>
+              </a:ext>
+            </a:extLst>
+          </p:cNvPr>
+          <p:cNvSpPr txBox="1"/>
+          <p:nvPr/>
+        </p:nvSpPr>
+        <p:spPr>
+          <a:xfrm>
+            <a:off x="203200" y="244826"/>
+            <a:ext cx="11822545" cy="369332"/>
+          </a:xfrm>
+          <a:prstGeom prst="rect">
+            <a:avLst/>
+          </a:prstGeom>
+          <a:noFill/>
+        </p:spPr>
+        <p:txBody>
+          <a:bodyPr wrap="square">
+            <a:spAutoFit/>
+          </a:bodyPr>
+          <a:lstStyle/>
+          <a:p>
+            <a:r>
+              <a:rPr lang="en-US">
+                <a:latin typeface="-apple-system"/>
+              </a:rPr>
+              <a:t>.</a:t>
+            </a:r>
+            <a:endParaRPr lang="en-US"/>
+          </a:p>
+        </p:txBody>
+      </p:sp>
+    </p:spTree>
+    <p:extLst>
+      <p:ext uri="{BB962C8B-B14F-4D97-AF65-F5344CB8AC3E}">
+        <p14:creationId xmlns:p14="http://schemas.microsoft.com/office/powerpoint/2010/main" val="3113089306"/>
+      </p:ext>
+    </p:extLst>
+  </p:cSld>
+  <p:clrMapOvr>
+    <a:masterClrMapping/>
+  </p:clrMapOvr>
+</p:sld>
+</file>
+
+<file path=ppt/slides/slide43.xml><?xml version="1.0" encoding="utf-8"?>
+<p:sld xmlns:a="http://schemas.openxmlformats.org/drawingml/2006/main" xmlns:r="http://schemas.openxmlformats.org/officeDocument/2006/relationships" xmlns:p="http://schemas.openxmlformats.org/presentationml/2006/main">
+  <p:cSld>
+    <p:spTree>
+      <p:nvGrpSpPr>
+        <p:cNvPr id="1" name="">
+          <a:extLst>
+            <a:ext uri="{FF2B5EF4-FFF2-40B4-BE49-F238E27FC236}">
+              <a16:creationId xmlns:a16="http://schemas.microsoft.com/office/drawing/2014/main" id="{58A59BED-6625-396A-437D-64A391C9110C}"/>
+            </a:ext>
+          </a:extLst>
+        </p:cNvPr>
+        <p:cNvGrpSpPr/>
+        <p:nvPr/>
+      </p:nvGrpSpPr>
+      <p:grpSpPr>
+        <a:xfrm>
+          <a:off x="0" y="0"/>
+          <a:ext cx="0" cy="0"/>
+          <a:chOff x="0" y="0"/>
+          <a:chExt cx="0" cy="0"/>
+        </a:xfrm>
+      </p:grpSpPr>
+      <p:sp>
+        <p:nvSpPr>
+          <p:cNvPr id="7" name="TextBox 6">
+            <a:extLst>
+              <a:ext uri="{FF2B5EF4-FFF2-40B4-BE49-F238E27FC236}">
+                <a16:creationId xmlns:a16="http://schemas.microsoft.com/office/drawing/2014/main" id="{693EEAFC-6CC0-C836-9E8E-801744A3278B}"/>
+              </a:ext>
+            </a:extLst>
+          </p:cNvPr>
+          <p:cNvSpPr txBox="1"/>
+          <p:nvPr/>
+        </p:nvSpPr>
+        <p:spPr>
+          <a:xfrm>
+            <a:off x="203200" y="244826"/>
+            <a:ext cx="11822545" cy="369332"/>
+          </a:xfrm>
+          <a:prstGeom prst="rect">
+            <a:avLst/>
+          </a:prstGeom>
+          <a:noFill/>
+        </p:spPr>
+        <p:txBody>
+          <a:bodyPr wrap="square">
+            <a:spAutoFit/>
+          </a:bodyPr>
+          <a:lstStyle/>
+          <a:p>
+            <a:r>
+              <a:rPr lang="en-US">
+                <a:latin typeface="-apple-system"/>
+              </a:rPr>
+              <a:t>.</a:t>
+            </a:r>
+            <a:endParaRPr lang="en-US"/>
+          </a:p>
+        </p:txBody>
+      </p:sp>
+    </p:spTree>
+    <p:extLst>
+      <p:ext uri="{BB962C8B-B14F-4D97-AF65-F5344CB8AC3E}">
+        <p14:creationId xmlns:p14="http://schemas.microsoft.com/office/powerpoint/2010/main" val="3217804752"/>
+      </p:ext>
+    </p:extLst>
+  </p:cSld>
+  <p:clrMapOvr>
+    <a:masterClrMapping/>
+  </p:clrMapOvr>
+</p:sld>
+</file>
+
+<file path=ppt/slides/slide44.xml><?xml version="1.0" encoding="utf-8"?>
+<p:sld xmlns:a="http://schemas.openxmlformats.org/drawingml/2006/main" xmlns:r="http://schemas.openxmlformats.org/officeDocument/2006/relationships" xmlns:p="http://schemas.openxmlformats.org/presentationml/2006/main">
+  <p:cSld>
+    <p:spTree>
+      <p:nvGrpSpPr>
+        <p:cNvPr id="1" name="">
+          <a:extLst>
+            <a:ext uri="{FF2B5EF4-FFF2-40B4-BE49-F238E27FC236}">
+              <a16:creationId xmlns:a16="http://schemas.microsoft.com/office/drawing/2014/main" id="{A347360A-ACF2-0148-0F5C-1550C282990C}"/>
+            </a:ext>
+          </a:extLst>
+        </p:cNvPr>
+        <p:cNvGrpSpPr/>
+        <p:nvPr/>
+      </p:nvGrpSpPr>
+      <p:grpSpPr>
+        <a:xfrm>
+          <a:off x="0" y="0"/>
+          <a:ext cx="0" cy="0"/>
+          <a:chOff x="0" y="0"/>
+          <a:chExt cx="0" cy="0"/>
+        </a:xfrm>
+      </p:grpSpPr>
+      <p:sp>
+        <p:nvSpPr>
+          <p:cNvPr id="7" name="TextBox 6">
+            <a:extLst>
+              <a:ext uri="{FF2B5EF4-FFF2-40B4-BE49-F238E27FC236}">
+                <a16:creationId xmlns:a16="http://schemas.microsoft.com/office/drawing/2014/main" id="{673618D5-8029-F61A-19AC-07CE676EA5D9}"/>
+              </a:ext>
+            </a:extLst>
+          </p:cNvPr>
+          <p:cNvSpPr txBox="1"/>
+          <p:nvPr/>
+        </p:nvSpPr>
+        <p:spPr>
+          <a:xfrm>
+            <a:off x="203200" y="244826"/>
+            <a:ext cx="11822545" cy="369332"/>
+          </a:xfrm>
+          <a:prstGeom prst="rect">
+            <a:avLst/>
+          </a:prstGeom>
+          <a:noFill/>
+        </p:spPr>
+        <p:txBody>
+          <a:bodyPr wrap="square">
+            <a:spAutoFit/>
+          </a:bodyPr>
+          <a:lstStyle/>
+          <a:p>
+            <a:r>
+              <a:rPr lang="en-US">
+                <a:latin typeface="-apple-system"/>
+              </a:rPr>
+              <a:t>.</a:t>
+            </a:r>
+            <a:endParaRPr lang="en-US"/>
+          </a:p>
+        </p:txBody>
+      </p:sp>
+    </p:spTree>
+    <p:extLst>
+      <p:ext uri="{BB962C8B-B14F-4D97-AF65-F5344CB8AC3E}">
+        <p14:creationId xmlns:p14="http://schemas.microsoft.com/office/powerpoint/2010/main" val="1012977257"/>
+      </p:ext>
+    </p:extLst>
+  </p:cSld>
+  <p:clrMapOvr>
+    <a:masterClrMapping/>
+  </p:clrMapOvr>
+</p:sld>
+</file>
+
+<file path=ppt/slides/slide45.xml><?xml version="1.0" encoding="utf-8"?>
+<p:sld xmlns:a="http://schemas.openxmlformats.org/drawingml/2006/main" xmlns:r="http://schemas.openxmlformats.org/officeDocument/2006/relationships" xmlns:p="http://schemas.openxmlformats.org/presentationml/2006/main">
+  <p:cSld>
+    <p:spTree>
+      <p:nvGrpSpPr>
+        <p:cNvPr id="1" name="">
+          <a:extLst>
+            <a:ext uri="{FF2B5EF4-FFF2-40B4-BE49-F238E27FC236}">
+              <a16:creationId xmlns:a16="http://schemas.microsoft.com/office/drawing/2014/main" id="{6810C09B-DF13-911B-F3C7-0EA6326487EC}"/>
+            </a:ext>
+          </a:extLst>
+        </p:cNvPr>
+        <p:cNvGrpSpPr/>
+        <p:nvPr/>
+      </p:nvGrpSpPr>
+      <p:grpSpPr>
+        <a:xfrm>
+          <a:off x="0" y="0"/>
+          <a:ext cx="0" cy="0"/>
+          <a:chOff x="0" y="0"/>
+          <a:chExt cx="0" cy="0"/>
+        </a:xfrm>
+      </p:grpSpPr>
+      <p:sp>
+        <p:nvSpPr>
+          <p:cNvPr id="7" name="TextBox 6">
+            <a:extLst>
+              <a:ext uri="{FF2B5EF4-FFF2-40B4-BE49-F238E27FC236}">
+                <a16:creationId xmlns:a16="http://schemas.microsoft.com/office/drawing/2014/main" id="{450D2706-C0DF-47E9-1706-A154294653CD}"/>
+              </a:ext>
+            </a:extLst>
+          </p:cNvPr>
+          <p:cNvSpPr txBox="1"/>
+          <p:nvPr/>
+        </p:nvSpPr>
+        <p:spPr>
+          <a:xfrm>
+            <a:off x="203200" y="244826"/>
+            <a:ext cx="11822545" cy="369332"/>
+          </a:xfrm>
+          <a:prstGeom prst="rect">
+            <a:avLst/>
+          </a:prstGeom>
+          <a:noFill/>
+        </p:spPr>
+        <p:txBody>
+          <a:bodyPr wrap="square">
+            <a:spAutoFit/>
+          </a:bodyPr>
+          <a:lstStyle/>
+          <a:p>
+            <a:r>
+              <a:rPr lang="en-US">
+                <a:latin typeface="-apple-system"/>
+              </a:rPr>
+              <a:t>.</a:t>
+            </a:r>
+            <a:endParaRPr lang="en-US"/>
+          </a:p>
+        </p:txBody>
+      </p:sp>
+    </p:spTree>
+    <p:extLst>
+      <p:ext uri="{BB962C8B-B14F-4D97-AF65-F5344CB8AC3E}">
+        <p14:creationId xmlns:p14="http://schemas.microsoft.com/office/powerpoint/2010/main" val="1266455057"/>
+      </p:ext>
+    </p:extLst>
+  </p:cSld>
+  <p:clrMapOvr>
+    <a:masterClrMapping/>
+  </p:clrMapOvr>
+</p:sld>
+</file>
+
+<file path=ppt/slides/slide46.xml><?xml version="1.0" encoding="utf-8"?>
+<p:sld xmlns:a="http://schemas.openxmlformats.org/drawingml/2006/main" xmlns:r="http://schemas.openxmlformats.org/officeDocument/2006/relationships" xmlns:p="http://schemas.openxmlformats.org/presentationml/2006/main">
+  <p:cSld>
+    <p:spTree>
+      <p:nvGrpSpPr>
+        <p:cNvPr id="1" name="">
+          <a:extLst>
+            <a:ext uri="{FF2B5EF4-FFF2-40B4-BE49-F238E27FC236}">
+              <a16:creationId xmlns:a16="http://schemas.microsoft.com/office/drawing/2014/main" id="{9FC3B7AC-06E2-C7AA-44F4-7604DD1DF37A}"/>
+            </a:ext>
+          </a:extLst>
+        </p:cNvPr>
+        <p:cNvGrpSpPr/>
+        <p:nvPr/>
+      </p:nvGrpSpPr>
+      <p:grpSpPr>
+        <a:xfrm>
+          <a:off x="0" y="0"/>
+          <a:ext cx="0" cy="0"/>
+          <a:chOff x="0" y="0"/>
+          <a:chExt cx="0" cy="0"/>
+        </a:xfrm>
+      </p:grpSpPr>
+      <p:sp>
+        <p:nvSpPr>
+          <p:cNvPr id="7" name="TextBox 6">
+            <a:extLst>
+              <a:ext uri="{FF2B5EF4-FFF2-40B4-BE49-F238E27FC236}">
+                <a16:creationId xmlns:a16="http://schemas.microsoft.com/office/drawing/2014/main" id="{1F9CDFEF-98AE-07AA-804B-8A3F87DE0A7A}"/>
+              </a:ext>
+            </a:extLst>
+          </p:cNvPr>
+          <p:cNvSpPr txBox="1"/>
+          <p:nvPr/>
+        </p:nvSpPr>
+        <p:spPr>
+          <a:xfrm>
+            <a:off x="203200" y="244826"/>
+            <a:ext cx="11822545" cy="369332"/>
+          </a:xfrm>
+          <a:prstGeom prst="rect">
+            <a:avLst/>
+          </a:prstGeom>
+          <a:noFill/>
+        </p:spPr>
+        <p:txBody>
+          <a:bodyPr wrap="square">
+            <a:spAutoFit/>
+          </a:bodyPr>
+          <a:lstStyle/>
+          <a:p>
+            <a:r>
+              <a:rPr lang="en-US">
+                <a:latin typeface="-apple-system"/>
+              </a:rPr>
+              <a:t>.</a:t>
+            </a:r>
+            <a:endParaRPr lang="en-US"/>
+          </a:p>
+        </p:txBody>
+      </p:sp>
+    </p:spTree>
+    <p:extLst>
+      <p:ext uri="{BB962C8B-B14F-4D97-AF65-F5344CB8AC3E}">
+        <p14:creationId xmlns:p14="http://schemas.microsoft.com/office/powerpoint/2010/main" val="2974827314"/>
       </p:ext>
     </p:extLst>
   </p:cSld>

--- a/.lessons/1 operating systems/1 linux/1.pptx
+++ b/.lessons/1 operating systems/1 linux/1.pptx
@@ -30,27 +30,28 @@
     <p:sldId id="278" r:id="rId24"/>
     <p:sldId id="279" r:id="rId25"/>
     <p:sldId id="280" r:id="rId26"/>
-    <p:sldId id="281" r:id="rId27"/>
-    <p:sldId id="282" r:id="rId28"/>
-    <p:sldId id="283" r:id="rId29"/>
-    <p:sldId id="284" r:id="rId30"/>
-    <p:sldId id="286" r:id="rId31"/>
-    <p:sldId id="285" r:id="rId32"/>
-    <p:sldId id="289" r:id="rId33"/>
-    <p:sldId id="287" r:id="rId34"/>
-    <p:sldId id="294" r:id="rId35"/>
-    <p:sldId id="295" r:id="rId36"/>
-    <p:sldId id="292" r:id="rId37"/>
-    <p:sldId id="288" r:id="rId38"/>
-    <p:sldId id="290" r:id="rId39"/>
-    <p:sldId id="293" r:id="rId40"/>
-    <p:sldId id="296" r:id="rId41"/>
-    <p:sldId id="297" r:id="rId42"/>
-    <p:sldId id="298" r:id="rId43"/>
-    <p:sldId id="299" r:id="rId44"/>
-    <p:sldId id="300" r:id="rId45"/>
-    <p:sldId id="301" r:id="rId46"/>
-    <p:sldId id="291" r:id="rId47"/>
+    <p:sldId id="296" r:id="rId27"/>
+    <p:sldId id="302" r:id="rId28"/>
+    <p:sldId id="281" r:id="rId29"/>
+    <p:sldId id="282" r:id="rId30"/>
+    <p:sldId id="283" r:id="rId31"/>
+    <p:sldId id="284" r:id="rId32"/>
+    <p:sldId id="286" r:id="rId33"/>
+    <p:sldId id="285" r:id="rId34"/>
+    <p:sldId id="289" r:id="rId35"/>
+    <p:sldId id="287" r:id="rId36"/>
+    <p:sldId id="294" r:id="rId37"/>
+    <p:sldId id="295" r:id="rId38"/>
+    <p:sldId id="292" r:id="rId39"/>
+    <p:sldId id="288" r:id="rId40"/>
+    <p:sldId id="290" r:id="rId41"/>
+    <p:sldId id="293" r:id="rId42"/>
+    <p:sldId id="297" r:id="rId43"/>
+    <p:sldId id="298" r:id="rId44"/>
+    <p:sldId id="299" r:id="rId45"/>
+    <p:sldId id="300" r:id="rId46"/>
+    <p:sldId id="301" r:id="rId47"/>
+    <p:sldId id="291" r:id="rId48"/>
   </p:sldIdLst>
   <p:sldSz cx="12192000" cy="6858000"/>
   <p:notesSz cx="6858000" cy="9144000"/>
@@ -32969,7 +32970,39 @@
           <a:p>
             <a:r>
               <a:rPr lang="en-US" sz="1200"/>
-              <a:t>"Mount" etmək, bir cihazın və ya fayl sisteminin əməliyyat sisteminə qoşulması deməkdir. Bu, əsasən, xarici bir disk, USB flash yaddaş, şəbəkə sürücüsü və ya digər saxlama vasitələrinin əməliyyat sisteminə daxil edilməsi üçün istifadə edilir. Mount əməliyyatı, cihazın fayl sistemini müəyyən bir mövqeyə (nöqtəyə) qoşur, beləliklə istifadəçilər və proqramlar o cihazdakı fayllara daxil ola bilərlər.</a:t>
+              <a:t>"Mount" etmək, bir cihazın</a:t>
+            </a:r>
+            <a:r>
+              <a:rPr lang="az-Latn-AZ" sz="1200"/>
+              <a:t>, diskin </a:t>
+            </a:r>
+            <a:r>
+              <a:rPr lang="en-US" sz="1200"/>
+              <a:t>və ya fayl sisteminin</a:t>
+            </a:r>
+            <a:r>
+              <a:rPr lang="az-Latn-AZ" sz="1200"/>
+              <a:t> (</a:t>
+            </a:r>
+            <a:r>
+              <a:rPr lang="en-US" sz="1200"/>
+              <a:t>bölmənin</a:t>
+            </a:r>
+            <a:r>
+              <a:rPr lang="az-Latn-AZ" sz="1200"/>
+              <a:t>)</a:t>
+            </a:r>
+            <a:r>
+              <a:rPr lang="en-US" sz="1200"/>
+              <a:t> əməliyyat sistemi tərəfindən istifadə edilə bilməsi üçün müəyyən bir qovluğa</a:t>
+            </a:r>
+            <a:r>
+              <a:rPr lang="az-Latn-AZ" sz="1200"/>
+              <a:t>, diskə, bölməyə</a:t>
+            </a:r>
+            <a:r>
+              <a:rPr lang="en-US" sz="1200"/>
+              <a:t> (mount point) əlavə edilməsi prosesidir. Bu, əsasən, xarici bir disk, USB flash yaddaş, şəbəkə sürücüsü və ya digər saxlama vasitələrinin əməliyyat sisteminə daxil edilməsi üçün istifadə edilir. Mount əməliyyatı, cihazın fayl sistemini müəyyən bir mövqeyə (nöqtəyə) qoşur, beləliklə istifadəçilər və proqramlar o cihazdakı fayllara daxil ola bilərlər.</a:t>
             </a:r>
             <a:endParaRPr lang="az-Latn-AZ" sz="1200"/>
           </a:p>
@@ -33052,70 +33085,103 @@
             <a:endParaRPr lang="az-Latn-AZ" sz="1200"/>
           </a:p>
           <a:p>
+            <a:r>
+              <a:rPr lang="en-US" sz="1200" b="1">
+                <a:solidFill>
+                  <a:srgbClr val="00B050"/>
+                </a:solidFill>
+              </a:rPr>
+              <a:t>Mounting-in məqsədi və istifadə sahələri</a:t>
+            </a:r>
+            <a:r>
+              <a:rPr lang="en-US" sz="1200" b="1"/>
+              <a:t>:</a:t>
+            </a:r>
+            <a:endParaRPr lang="az-Latn-AZ" sz="1200" b="1"/>
+          </a:p>
+          <a:p>
+            <a:endParaRPr lang="en-US" sz="1200" b="1"/>
+          </a:p>
+          <a:p>
+            <a:pPr marL="628650" lvl="1" indent="-171450">
+              <a:buFont typeface="Wingdings" panose="05000000000000000000" pitchFamily="2" charset="2"/>
+              <a:buChar char="q"/>
+            </a:pPr>
+            <a:r>
+              <a:rPr lang="en-US" sz="1200" b="1"/>
+              <a:t>Fayllara Giriş</a:t>
+            </a:r>
+            <a:r>
+              <a:rPr lang="en-US" sz="1200"/>
+              <a:t>: Mounting əməliyyatı, bir diskdəki və ya bölmədəki fayllara daxil olmağa imkan verir. Məsələn, xarici bir USB sürücüsünü sistemə qoşduqda, onu /mnt/usb və ya /media/usb kimi bir yolda quraşdırırsınız və oradakı fayllara əlçatanlıq əldə edirsiniz.</a:t>
+            </a:r>
             <a:endParaRPr lang="az-Latn-AZ" sz="1200"/>
           </a:p>
           <a:p>
+            <a:pPr marL="628650" lvl="1" indent="-171450">
+              <a:buFont typeface="Wingdings" panose="05000000000000000000" pitchFamily="2" charset="2"/>
+              <a:buChar char="q"/>
+            </a:pPr>
+            <a:endParaRPr lang="en-US" sz="1200"/>
+          </a:p>
+          <a:p>
+            <a:pPr marL="628650" lvl="1" indent="-171450">
+              <a:buFont typeface="Wingdings" panose="05000000000000000000" pitchFamily="2" charset="2"/>
+              <a:buChar char="q"/>
+            </a:pPr>
+            <a:r>
+              <a:rPr lang="en-US" sz="1200" b="1"/>
+              <a:t>Fərqli Disklərdən Faydalanmaq</a:t>
+            </a:r>
+            <a:r>
+              <a:rPr lang="en-US" sz="1200"/>
+              <a:t>: Əməliyyat sistemi, bir neçə diski və ya bölməni paralel işlədə bilər. Məsələn, sizdə ayrı-ayrı disk sürücülərində yerləşən əməliyyat sistemi, proqramlar, sənədlər və ya ehtiyat nüsxələr ola bilər. Hər biri müxtəlif mount nöqtələrinə quraşdırılaraq asanlıqla istifadə edilə bilər.</a:t>
+            </a:r>
             <a:endParaRPr lang="az-Latn-AZ" sz="1200"/>
           </a:p>
           <a:p>
-            <a:pPr marL="228600" indent="-228600">
-              <a:buAutoNum type="arabicPeriod" startAt="2"/>
+            <a:pPr marL="628650" lvl="1" indent="-171450">
+              <a:buFont typeface="Wingdings" panose="05000000000000000000" pitchFamily="2" charset="2"/>
+              <a:buChar char="q"/>
             </a:pPr>
+            <a:endParaRPr lang="en-US" sz="1200"/>
+          </a:p>
+          <a:p>
+            <a:pPr marL="628650" lvl="1" indent="-171450">
+              <a:buFont typeface="Wingdings" panose="05000000000000000000" pitchFamily="2" charset="2"/>
+              <a:buChar char="q"/>
+            </a:pPr>
             <a:r>
               <a:rPr lang="en-US" sz="1200" b="1"/>
-              <a:t>Unmount etmək:</a:t>
-            </a:r>
-            <a:endParaRPr lang="az-Latn-AZ" sz="1200" b="1"/>
-          </a:p>
-          <a:p>
-            <a:pPr marL="228600" indent="-228600">
-              <a:buAutoNum type="arabicPeriod" startAt="2"/>
+              <a:t>Fayl Sistemi İnteqrasiyası</a:t>
+            </a:r>
+            <a:r>
+              <a:rPr lang="en-US" sz="1200"/>
+              <a:t>: Cihazların fayl sistemlərini sistemə tanıtmaq üçün mounting edilir. Bu, həmçinin virtual fayl sistemlərinə də aiddir, məsələn, şəbəkə üzərindən bağlanmış fayl sistemləri.</a:t>
+            </a:r>
+            <a:endParaRPr lang="az-Latn-AZ" sz="1200"/>
+          </a:p>
+          <a:p>
+            <a:pPr marL="628650" lvl="1" indent="-171450">
+              <a:buFont typeface="Wingdings" panose="05000000000000000000" pitchFamily="2" charset="2"/>
+              <a:buChar char="q"/>
             </a:pPr>
-            <a:endParaRPr lang="en-US" sz="1200" b="1"/>
-          </a:p>
-          <a:p>
+            <a:endParaRPr lang="en-US" sz="1200"/>
+          </a:p>
+          <a:p>
+            <a:pPr marL="628650" lvl="1" indent="-171450">
+              <a:buFont typeface="Wingdings" panose="05000000000000000000" pitchFamily="2" charset="2"/>
+              <a:buChar char="q"/>
+            </a:pPr>
+            <a:r>
+              <a:rPr lang="en-US" sz="1200" b="1"/>
+              <a:t>Daimi Quraşdırma</a:t>
+            </a:r>
             <a:r>
               <a:rPr lang="en-US" sz="1200"/>
-              <a:t>"Unmount" etmək, daha əvvəl mount edilmiş bir fayl sistemini və ya cihazı əməliyyat sistemindən ayırmaq deməkdir. Bu əməliyyat, cihazın və ya fayl sisteminin istifadəyə qapanması və ona daha sonra daxil olmanın qarşısını alır. Cihaz və ya fayl sisteminin ayırılması, xüsusən yazma əməliyyatları tamamlanmamışsa və ya cihaz istifadə edilməyibsə, məlumat itkisinə səbəb ola bilər.</a:t>
+              <a:t>: Quraşdırılan fayl sistemlərinin avtomatik olaraq yenidən başlatmada da istifadəsi üçün /etc/fstab faylına daimi olaraq əlavə edilə bilər. Bu, əməliyyat sistemi yenidən başladıqda, müəyyən cihazların avtomatik olaraq quraşdırılmasına imkan verir.</a:t>
             </a:r>
             <a:endParaRPr lang="az-Latn-AZ" sz="1200"/>
-          </a:p>
-          <a:p>
-            <a:endParaRPr lang="en-US" sz="1200"/>
-          </a:p>
-          <a:p>
-            <a:r>
-              <a:rPr lang="en-US" sz="1200"/>
-              <a:t>Məsələn, /mnt nöqtəsində mount edilmiş cihazı ayırmaq üçün:</a:t>
-            </a:r>
-            <a:r>
-              <a:rPr lang="az-Latn-AZ" sz="1200"/>
-              <a:t>  </a:t>
-            </a:r>
-          </a:p>
-          <a:p>
-            <a:endParaRPr lang="az-Latn-AZ" sz="1200"/>
-          </a:p>
-          <a:p>
-            <a:endParaRPr lang="az-Latn-AZ" sz="1200"/>
-          </a:p>
-          <a:p>
-            <a:endParaRPr lang="az-Latn-AZ" sz="1200"/>
-          </a:p>
-          <a:p>
-            <a:r>
-              <a:rPr lang="az-Latn-AZ" sz="1200"/>
-              <a:t>Bu əmr, </a:t>
-            </a:r>
-            <a:r>
-              <a:rPr lang="az-Latn-AZ" sz="1200" b="1"/>
-              <a:t>/mnt </a:t>
-            </a:r>
-            <a:r>
-              <a:rPr lang="az-Latn-AZ" sz="1200"/>
-              <a:t>nöqtəsini cihazdan ayırır və cihaz artıq həmin nöqtə vasitəsilə istifadə edilə bilməz.</a:t>
-            </a:r>
-            <a:endParaRPr lang="en-US" sz="1200"/>
           </a:p>
           <a:p>
             <a:endParaRPr lang="en-US" sz="1200"/>
@@ -33152,12 +33218,410 @@
           </a:prstGeom>
         </p:spPr>
       </p:pic>
+    </p:spTree>
+    <p:extLst>
+      <p:ext uri="{BB962C8B-B14F-4D97-AF65-F5344CB8AC3E}">
+        <p14:creationId xmlns:p14="http://schemas.microsoft.com/office/powerpoint/2010/main" val="3769929277"/>
+      </p:ext>
+    </p:extLst>
+  </p:cSld>
+  <p:clrMapOvr>
+    <a:masterClrMapping/>
+  </p:clrMapOvr>
+</p:sld>
+</file>
+
+<file path=ppt/slides/slide26.xml><?xml version="1.0" encoding="utf-8"?>
+<p:sld xmlns:a="http://schemas.openxmlformats.org/drawingml/2006/main" xmlns:r="http://schemas.openxmlformats.org/officeDocument/2006/relationships" xmlns:p="http://schemas.openxmlformats.org/presentationml/2006/main">
+  <p:cSld>
+    <p:spTree>
+      <p:nvGrpSpPr>
+        <p:cNvPr id="1" name="">
+          <a:extLst>
+            <a:ext uri="{FF2B5EF4-FFF2-40B4-BE49-F238E27FC236}">
+              <a16:creationId xmlns:a16="http://schemas.microsoft.com/office/drawing/2014/main" id="{9D0EBCE6-8289-BFDB-FBC4-6E409EF39110}"/>
+            </a:ext>
+          </a:extLst>
+        </p:cNvPr>
+        <p:cNvGrpSpPr/>
+        <p:nvPr/>
+      </p:nvGrpSpPr>
+      <p:grpSpPr>
+        <a:xfrm>
+          <a:off x="0" y="0"/>
+          <a:ext cx="0" cy="0"/>
+          <a:chOff x="0" y="0"/>
+          <a:chExt cx="0" cy="0"/>
+        </a:xfrm>
+      </p:grpSpPr>
+      <p:sp>
+        <p:nvSpPr>
+          <p:cNvPr id="3" name="TextBox 2">
+            <a:extLst>
+              <a:ext uri="{FF2B5EF4-FFF2-40B4-BE49-F238E27FC236}">
+                <a16:creationId xmlns:a16="http://schemas.microsoft.com/office/drawing/2014/main" id="{0366C894-60CC-F6A2-2E06-6641983BC94F}"/>
+              </a:ext>
+            </a:extLst>
+          </p:cNvPr>
+          <p:cNvSpPr txBox="1"/>
+          <p:nvPr/>
+        </p:nvSpPr>
+        <p:spPr>
+          <a:xfrm>
+            <a:off x="0" y="161789"/>
+            <a:ext cx="12034982" cy="5909310"/>
+          </a:xfrm>
+          <a:prstGeom prst="rect">
+            <a:avLst/>
+          </a:prstGeom>
+          <a:noFill/>
+        </p:spPr>
+        <p:txBody>
+          <a:bodyPr wrap="square">
+            <a:spAutoFit/>
+          </a:bodyPr>
+          <a:lstStyle/>
+          <a:p>
+            <a:r>
+              <a:rPr lang="az-Latn-AZ" sz="1200"/>
+              <a:t>Məsələn, </a:t>
+            </a:r>
+            <a:r>
+              <a:rPr lang="en-US" sz="1200" b="1"/>
+              <a:t>/boot </a:t>
+            </a:r>
+            <a:r>
+              <a:rPr lang="az-Latn-AZ" sz="1200"/>
+              <a:t>adlı bölmədə əgər az yaddaş varsa, </a:t>
+            </a:r>
+            <a:r>
+              <a:rPr lang="az-Latn-AZ" sz="1200" b="1"/>
+              <a:t>apt-get update </a:t>
+            </a:r>
+            <a:r>
+              <a:rPr lang="az-Latn-AZ" sz="1200"/>
+              <a:t>dedikdə yenilənmələr yüklənməyəcək. Əgər </a:t>
+            </a:r>
+            <a:r>
+              <a:rPr lang="en-US" sz="1200" b="1"/>
+              <a:t>/boot </a:t>
+            </a:r>
+            <a:r>
+              <a:rPr lang="az-Latn-AZ" sz="1200"/>
+              <a:t>bölməsinin yaddaşını artırmaq mümkün olmursa onda yeni bölmə yaradaraq köhnə </a:t>
+            </a:r>
+            <a:r>
+              <a:rPr lang="en-US" sz="1200" b="1"/>
+              <a:t>/boot </a:t>
+            </a:r>
+            <a:r>
+              <a:rPr lang="en-US" sz="1200"/>
+              <a:t>-da </a:t>
+            </a:r>
+            <a:r>
+              <a:rPr lang="az-Latn-AZ" sz="1200"/>
+              <a:t>olan dataları yeni </a:t>
+            </a:r>
+            <a:r>
+              <a:rPr lang="en-US" sz="1200"/>
+              <a:t>/yeni_boot </a:t>
+            </a:r>
+            <a:r>
+              <a:rPr lang="az-Latn-AZ" sz="1200"/>
+              <a:t>bölməsinə köçürə (mount) və həmin yeni bölmənin artıq bu update yenilənmələrini qəbul etməsi gərəkdiyini sistemə deyə bilərik.</a:t>
+            </a:r>
+          </a:p>
+          <a:p>
+            <a:endParaRPr lang="az-Latn-AZ" sz="1200"/>
+          </a:p>
+          <a:p>
+            <a:endParaRPr lang="az-Latn-AZ" sz="1200"/>
+          </a:p>
+          <a:p>
+            <a:r>
+              <a:rPr lang="en-US" sz="1200"/>
+              <a:t>Əgər </a:t>
+            </a:r>
+            <a:r>
+              <a:rPr lang="en-US" sz="1200" b="1"/>
+              <a:t>/boot </a:t>
+            </a:r>
+            <a:r>
+              <a:rPr lang="en-US" sz="1200"/>
+              <a:t>bölməsini yeni bir bölmə ilə </a:t>
+            </a:r>
+            <a:r>
+              <a:rPr lang="en-US" sz="1200" b="1"/>
+              <a:t>mount</a:t>
+            </a:r>
+            <a:r>
+              <a:rPr lang="en-US" sz="1200"/>
+              <a:t> edib, </a:t>
+            </a:r>
+            <a:r>
+              <a:rPr lang="az-Latn-AZ" sz="1200"/>
+              <a:t>yeni olanı</a:t>
+            </a:r>
+            <a:r>
+              <a:rPr lang="en-US" sz="1200"/>
+              <a:t> </a:t>
+            </a:r>
+            <a:r>
+              <a:rPr lang="en-US" sz="1200" b="1"/>
+              <a:t>/boot </a:t>
+            </a:r>
+            <a:r>
+              <a:rPr lang="en-US" sz="1200"/>
+              <a:t>olaraq təyin </a:t>
+            </a:r>
+            <a:r>
+              <a:rPr lang="az-Latn-AZ" sz="1200"/>
+              <a:t>ediriksə</a:t>
+            </a:r>
+            <a:r>
+              <a:rPr lang="en-US" sz="1200"/>
+              <a:t>, bunun necə işlədiyini və </a:t>
+            </a:r>
+            <a:r>
+              <a:rPr lang="en-US" sz="1200" b="1"/>
+              <a:t>apt-get update </a:t>
+            </a:r>
+            <a:r>
+              <a:rPr lang="en-US" sz="1200"/>
+              <a:t>əməliyyatı ilə əlaqədar nələr baş verəcəyini izah edim.</a:t>
+            </a:r>
+            <a:endParaRPr lang="az-Latn-AZ" sz="1200"/>
+          </a:p>
+          <a:p>
+            <a:endParaRPr lang="az-Latn-AZ" sz="1200"/>
+          </a:p>
+          <a:p>
+            <a:endParaRPr lang="az-Latn-AZ" sz="1200"/>
+          </a:p>
+          <a:p>
+            <a:r>
+              <a:rPr lang="en-US" sz="1200"/>
+              <a:t>Əgər yeni bir bölmə yaratdınız və bu yeni bölməni /boot olaraq mount etdinizsə, bu zaman əməliyyat sisteminiz artıq /boot qovluğunda olan məlumatları yeni bölmədən oxuyacaq. Bu da o deməkdir ki, bütün kernel və boot ilə əlaqəli fayllar artıq yeni bölməyə yerləşəcək.</a:t>
+            </a:r>
+          </a:p>
+          <a:p>
+            <a:pPr marL="742950" lvl="1" indent="-285750">
+              <a:lnSpc>
+                <a:spcPct val="150000"/>
+              </a:lnSpc>
+              <a:buFont typeface="Arial" panose="020B0604020202020204" pitchFamily="34" charset="0"/>
+              <a:buChar char="•"/>
+            </a:pPr>
+            <a:r>
+              <a:rPr lang="en-US" sz="1200"/>
+              <a:t>Əgər əvvəllər /boot bölməsi dolmuşdusa, onu başqa bir diskə və ya bölməyə köçürməyiniz yaxşı bir həll yoludur.</a:t>
+            </a:r>
+          </a:p>
+          <a:p>
+            <a:pPr marL="742950" lvl="1" indent="-285750">
+              <a:lnSpc>
+                <a:spcPct val="150000"/>
+              </a:lnSpc>
+              <a:buFont typeface="Arial" panose="020B0604020202020204" pitchFamily="34" charset="0"/>
+              <a:buChar char="•"/>
+            </a:pPr>
+            <a:r>
+              <a:rPr lang="en-US" sz="1200"/>
+              <a:t>Mount əməliyyatı vasitəsilə /boot qovluğunun köhnə faylları yeni bölmənin içərisində görünəcək.</a:t>
+            </a:r>
+          </a:p>
+          <a:p>
+            <a:endParaRPr lang="az-Latn-AZ" sz="1200"/>
+          </a:p>
+          <a:p>
+            <a:r>
+              <a:rPr lang="az-Latn-AZ" sz="1200" b="1">
+                <a:highlight>
+                  <a:srgbClr val="FFFF00"/>
+                </a:highlight>
+              </a:rPr>
+              <a:t>Vacib qeyd</a:t>
+            </a:r>
+            <a:r>
+              <a:rPr lang="az-Latn-AZ" sz="1200"/>
+              <a:t>: Əgər bir cihazın hər zaman eyni qovluğa avtomatik qoşulmasını istəyirsinizsə, /etc/fstab faylında onu qeyd etməlisiniz.</a:t>
+            </a:r>
+          </a:p>
+          <a:p>
+            <a:pPr marL="628650" lvl="1" indent="-171450">
+              <a:lnSpc>
+                <a:spcPct val="150000"/>
+              </a:lnSpc>
+              <a:buFont typeface="Arial" panose="020B0604020202020204" pitchFamily="34" charset="0"/>
+              <a:buChar char="•"/>
+            </a:pPr>
+            <a:r>
+              <a:rPr lang="az-Latn-AZ" sz="1200" b="1"/>
+              <a:t>/etc/fstab </a:t>
+            </a:r>
+            <a:r>
+              <a:rPr lang="az-Latn-AZ" sz="1200"/>
+              <a:t>faylının düzgün konfiqurasiyası: Əmin olun ki, /etc/fstab faylında yeni /boot bölməsi düzgün qeyd edilib. Məsələn: İlk olaraq faylı açırıq.</a:t>
+            </a:r>
+          </a:p>
+          <a:p>
+            <a:endParaRPr lang="az-Latn-AZ" sz="1200"/>
+          </a:p>
+          <a:p>
+            <a:endParaRPr lang="az-Latn-AZ" sz="1200"/>
+          </a:p>
+          <a:p>
+            <a:endParaRPr lang="az-Latn-AZ" sz="1200"/>
+          </a:p>
+          <a:p>
+            <a:endParaRPr lang="az-Latn-AZ" sz="1200"/>
+          </a:p>
+          <a:p>
+            <a:pPr marL="628650" lvl="1" indent="-171450">
+              <a:buFont typeface="Arial" panose="020B0604020202020204" pitchFamily="34" charset="0"/>
+              <a:buChar char="•"/>
+            </a:pPr>
+            <a:r>
+              <a:rPr lang="en-US" sz="1200"/>
+              <a:t>Faylın sonunda yeni bir xətt əlavə </a:t>
+            </a:r>
+            <a:r>
+              <a:rPr lang="az-Latn-AZ" sz="1200"/>
+              <a:t>edirik</a:t>
+            </a:r>
+            <a:r>
+              <a:rPr lang="en-US" sz="1200"/>
+              <a:t>:</a:t>
+            </a:r>
+            <a:r>
+              <a:rPr lang="az-Latn-AZ" sz="1200"/>
+              <a:t> </a:t>
+            </a:r>
+            <a:r>
+              <a:rPr lang="en-US" sz="1200" b="1"/>
+              <a:t>/dev/sdX1 </a:t>
+            </a:r>
+            <a:r>
+              <a:rPr lang="az-Latn-AZ" sz="1200"/>
+              <a:t>olan yerdə həmin bölmənin </a:t>
+            </a:r>
+            <a:r>
+              <a:rPr lang="az-Latn-AZ" sz="1200" b="1" i="1"/>
+              <a:t>identifikatoruda</a:t>
+            </a:r>
+            <a:r>
+              <a:rPr lang="az-Latn-AZ" sz="1200"/>
+              <a:t> dayana bilər. Buna diqqət edin.</a:t>
+            </a:r>
+          </a:p>
+          <a:p>
+            <a:endParaRPr lang="az-Latn-AZ" sz="1200"/>
+          </a:p>
+          <a:p>
+            <a:endParaRPr lang="az-Latn-AZ" sz="1200"/>
+          </a:p>
+          <a:p>
+            <a:endParaRPr lang="az-Latn-AZ" sz="1200"/>
+          </a:p>
+          <a:p>
+            <a:endParaRPr lang="az-Latn-AZ" sz="1200"/>
+          </a:p>
+          <a:p>
+            <a:pPr marL="628650" lvl="1" indent="-171450">
+              <a:buFont typeface="Arial" panose="020B0604020202020204" pitchFamily="34" charset="0"/>
+              <a:buChar char="•"/>
+            </a:pPr>
+            <a:r>
+              <a:rPr lang="en-US" sz="1200" b="1"/>
+              <a:t>Kernelin yüklənməsi</a:t>
+            </a:r>
+            <a:r>
+              <a:rPr lang="en-US" sz="1200"/>
+              <a:t>: Hər hansı yeni kernel və ya boot faylını yüklədikdən sonra, əgər lazımdırsa, </a:t>
+            </a:r>
+            <a:r>
+              <a:rPr lang="en-US" sz="1200" b="1">
+                <a:solidFill>
+                  <a:srgbClr val="FF0000"/>
+                </a:solidFill>
+              </a:rPr>
+              <a:t>update-grub</a:t>
+            </a:r>
+            <a:r>
+              <a:rPr lang="en-US" sz="1200"/>
+              <a:t> əmrini işlədin ki, GRUB özünə uyğun olaraq yeni kernel və boot parametrlərini tanısın:</a:t>
+            </a:r>
+            <a:endParaRPr lang="az-Latn-AZ" sz="1200"/>
+          </a:p>
+          <a:p>
+            <a:endParaRPr lang="az-Latn-AZ" sz="1200"/>
+          </a:p>
+          <a:p>
+            <a:endParaRPr lang="az-Latn-AZ" sz="1200"/>
+          </a:p>
+          <a:p>
+            <a:endParaRPr lang="az-Latn-AZ" sz="1200"/>
+          </a:p>
+          <a:p>
+            <a:endParaRPr lang="az-Latn-AZ" sz="1200"/>
+          </a:p>
+          <a:p>
+            <a:r>
+              <a:rPr lang="az-Latn-AZ" sz="1200"/>
+              <a:t>Bu mövzu haqqında olan praktiki nümunə, Kibertəhlükəsizlik dərsinin `</a:t>
+            </a:r>
+            <a:r>
+              <a:rPr lang="en-US" sz="1200"/>
+              <a:t> </a:t>
+            </a:r>
+            <a:r>
+              <a:rPr lang="en-US" sz="1200" b="1"/>
+              <a:t>2 kali command and etc.pptx </a:t>
+            </a:r>
+            <a:r>
+              <a:rPr lang="az-Latn-AZ" sz="1200"/>
+              <a:t>` faylında qeyd edilmişdir.</a:t>
+            </a:r>
+            <a:endParaRPr lang="en-US" sz="1200"/>
+          </a:p>
+        </p:txBody>
+      </p:sp>
       <p:pic>
         <p:nvPicPr>
           <p:cNvPr id="5" name="Picture 4">
             <a:extLst>
               <a:ext uri="{FF2B5EF4-FFF2-40B4-BE49-F238E27FC236}">
-                <a16:creationId xmlns:a16="http://schemas.microsoft.com/office/drawing/2014/main" id="{071FA7D4-8809-A41A-FA7B-6FBDF83B70F4}"/>
+                <a16:creationId xmlns:a16="http://schemas.microsoft.com/office/drawing/2014/main" id="{6C6809B1-12AA-E82E-D743-8004716E20B0}"/>
+              </a:ext>
+            </a:extLst>
+          </p:cNvPr>
+          <p:cNvPicPr>
+            <a:picLocks noChangeAspect="1"/>
+          </p:cNvPicPr>
+          <p:nvPr/>
+        </p:nvPicPr>
+        <p:blipFill>
+          <a:blip r:embed="rId2"/>
+          <a:stretch>
+            <a:fillRect/>
+          </a:stretch>
+        </p:blipFill>
+        <p:spPr>
+          <a:xfrm>
+            <a:off x="157018" y="3135031"/>
+            <a:ext cx="1838582" cy="371527"/>
+          </a:xfrm>
+          <a:prstGeom prst="rect">
+            <a:avLst/>
+          </a:prstGeom>
+        </p:spPr>
+      </p:pic>
+      <p:pic>
+        <p:nvPicPr>
+          <p:cNvPr id="8" name="Picture 7">
+            <a:extLst>
+              <a:ext uri="{FF2B5EF4-FFF2-40B4-BE49-F238E27FC236}">
+                <a16:creationId xmlns:a16="http://schemas.microsoft.com/office/drawing/2014/main" id="{9266A6C9-5DD8-5E76-4A0F-F765492FACA3}"/>
               </a:ext>
             </a:extLst>
           </p:cNvPr>
@@ -33174,7 +33638,195 @@
         </p:blipFill>
         <p:spPr>
           <a:xfrm>
-            <a:off x="203200" y="5316806"/>
+            <a:off x="0" y="4001275"/>
+            <a:ext cx="3505689" cy="352474"/>
+          </a:xfrm>
+          <a:prstGeom prst="rect">
+            <a:avLst/>
+          </a:prstGeom>
+        </p:spPr>
+      </p:pic>
+      <p:pic>
+        <p:nvPicPr>
+          <p:cNvPr id="10" name="Picture 9">
+            <a:extLst>
+              <a:ext uri="{FF2B5EF4-FFF2-40B4-BE49-F238E27FC236}">
+                <a16:creationId xmlns:a16="http://schemas.microsoft.com/office/drawing/2014/main" id="{94317C7F-316B-8AA2-A94C-46E2A18C63FD}"/>
+              </a:ext>
+            </a:extLst>
+          </p:cNvPr>
+          <p:cNvPicPr>
+            <a:picLocks noChangeAspect="1"/>
+          </p:cNvPicPr>
+          <p:nvPr/>
+        </p:nvPicPr>
+        <p:blipFill>
+          <a:blip r:embed="rId4"/>
+          <a:stretch>
+            <a:fillRect/>
+          </a:stretch>
+        </p:blipFill>
+        <p:spPr>
+          <a:xfrm>
+            <a:off x="0" y="5105116"/>
+            <a:ext cx="1400370" cy="285790"/>
+          </a:xfrm>
+          <a:prstGeom prst="rect">
+            <a:avLst/>
+          </a:prstGeom>
+        </p:spPr>
+      </p:pic>
+    </p:spTree>
+    <p:extLst>
+      <p:ext uri="{BB962C8B-B14F-4D97-AF65-F5344CB8AC3E}">
+        <p14:creationId xmlns:p14="http://schemas.microsoft.com/office/powerpoint/2010/main" val="1213259997"/>
+      </p:ext>
+    </p:extLst>
+  </p:cSld>
+  <p:clrMapOvr>
+    <a:masterClrMapping/>
+  </p:clrMapOvr>
+</p:sld>
+</file>
+
+<file path=ppt/slides/slide27.xml><?xml version="1.0" encoding="utf-8"?>
+<p:sld xmlns:a="http://schemas.openxmlformats.org/drawingml/2006/main" xmlns:r="http://schemas.openxmlformats.org/officeDocument/2006/relationships" xmlns:p="http://schemas.openxmlformats.org/presentationml/2006/main">
+  <p:cSld>
+    <p:spTree>
+      <p:nvGrpSpPr>
+        <p:cNvPr id="1" name="">
+          <a:extLst>
+            <a:ext uri="{FF2B5EF4-FFF2-40B4-BE49-F238E27FC236}">
+              <a16:creationId xmlns:a16="http://schemas.microsoft.com/office/drawing/2014/main" id="{0A09F36E-3F75-C47F-9A85-C5CF847BB2BA}"/>
+            </a:ext>
+          </a:extLst>
+        </p:cNvPr>
+        <p:cNvGrpSpPr/>
+        <p:nvPr/>
+      </p:nvGrpSpPr>
+      <p:grpSpPr>
+        <a:xfrm>
+          <a:off x="0" y="0"/>
+          <a:ext cx="0" cy="0"/>
+          <a:chOff x="0" y="0"/>
+          <a:chExt cx="0" cy="0"/>
+        </a:xfrm>
+      </p:grpSpPr>
+      <p:sp>
+        <p:nvSpPr>
+          <p:cNvPr id="7" name="TextBox 6">
+            <a:extLst>
+              <a:ext uri="{FF2B5EF4-FFF2-40B4-BE49-F238E27FC236}">
+                <a16:creationId xmlns:a16="http://schemas.microsoft.com/office/drawing/2014/main" id="{B79D38EA-F618-8A6D-3A1F-34CAC8D93C69}"/>
+              </a:ext>
+            </a:extLst>
+          </p:cNvPr>
+          <p:cNvSpPr txBox="1"/>
+          <p:nvPr/>
+        </p:nvSpPr>
+        <p:spPr>
+          <a:xfrm>
+            <a:off x="203200" y="244826"/>
+            <a:ext cx="11822545" cy="2308324"/>
+          </a:xfrm>
+          <a:prstGeom prst="rect">
+            <a:avLst/>
+          </a:prstGeom>
+          <a:noFill/>
+        </p:spPr>
+        <p:txBody>
+          <a:bodyPr wrap="square">
+            <a:spAutoFit/>
+          </a:bodyPr>
+          <a:lstStyle/>
+          <a:p>
+            <a:pPr marL="228600" indent="-228600">
+              <a:buAutoNum type="arabicPeriod" startAt="2"/>
+            </a:pPr>
+            <a:r>
+              <a:rPr lang="en-US" sz="1200" b="1"/>
+              <a:t>Unmount etmək:</a:t>
+            </a:r>
+            <a:endParaRPr lang="az-Latn-AZ" sz="1200" b="1"/>
+          </a:p>
+          <a:p>
+            <a:pPr marL="228600" indent="-228600">
+              <a:buAutoNum type="arabicPeriod" startAt="2"/>
+            </a:pPr>
+            <a:endParaRPr lang="en-US" sz="1200" b="1"/>
+          </a:p>
+          <a:p>
+            <a:r>
+              <a:rPr lang="en-US" sz="1200"/>
+              <a:t>"Unmount" etmək, daha əvvəl mount edilmiş bir fayl sistemini və ya cihazı əməliyyat sistemindən ayırmaq deməkdir. Bu əməliyyat, cihazın və ya fayl sisteminin istifadəyə qapanması və ona daha sonra daxil olmanın qarşısını alır. Cihaz və ya fayl sisteminin ayırılması, xüsusən yazma əməliyyatları tamamlanmamışsa və ya cihaz istifadə edilməyibsə, məlumat itkisinə səbəb ola bilər.</a:t>
+            </a:r>
+            <a:endParaRPr lang="az-Latn-AZ" sz="1200"/>
+          </a:p>
+          <a:p>
+            <a:endParaRPr lang="en-US" sz="1200"/>
+          </a:p>
+          <a:p>
+            <a:r>
+              <a:rPr lang="en-US" sz="1200"/>
+              <a:t>Məsələn, /mnt nöqtəsində mount edilmiş cihazı ayırmaq üçün:</a:t>
+            </a:r>
+            <a:r>
+              <a:rPr lang="az-Latn-AZ" sz="1200"/>
+              <a:t>  </a:t>
+            </a:r>
+          </a:p>
+          <a:p>
+            <a:endParaRPr lang="az-Latn-AZ" sz="1200"/>
+          </a:p>
+          <a:p>
+            <a:endParaRPr lang="az-Latn-AZ" sz="1200"/>
+          </a:p>
+          <a:p>
+            <a:endParaRPr lang="az-Latn-AZ" sz="1200"/>
+          </a:p>
+          <a:p>
+            <a:r>
+              <a:rPr lang="az-Latn-AZ" sz="1200"/>
+              <a:t>Bu əmr, </a:t>
+            </a:r>
+            <a:r>
+              <a:rPr lang="az-Latn-AZ" sz="1200" b="1"/>
+              <a:t>/mnt </a:t>
+            </a:r>
+            <a:r>
+              <a:rPr lang="az-Latn-AZ" sz="1200"/>
+              <a:t>nöqtəsini cihazdan ayırır və cihaz artıq həmin nöqtə vasitəsilə istifadə edilə bilməz.</a:t>
+            </a:r>
+            <a:endParaRPr lang="en-US" sz="1200"/>
+          </a:p>
+          <a:p>
+            <a:endParaRPr lang="en-US" sz="1200"/>
+          </a:p>
+        </p:txBody>
+      </p:sp>
+      <p:pic>
+        <p:nvPicPr>
+          <p:cNvPr id="5" name="Picture 4">
+            <a:extLst>
+              <a:ext uri="{FF2B5EF4-FFF2-40B4-BE49-F238E27FC236}">
+                <a16:creationId xmlns:a16="http://schemas.microsoft.com/office/drawing/2014/main" id="{7D943C94-3A45-CC8C-0800-A3B89E82EE4A}"/>
+              </a:ext>
+            </a:extLst>
+          </p:cNvPr>
+          <p:cNvPicPr>
+            <a:picLocks noChangeAspect="1"/>
+          </p:cNvPicPr>
+          <p:nvPr/>
+        </p:nvPicPr>
+        <p:blipFill>
+          <a:blip r:embed="rId2"/>
+          <a:stretch>
+            <a:fillRect/>
+          </a:stretch>
+        </p:blipFill>
+        <p:spPr>
+          <a:xfrm>
+            <a:off x="203200" y="1668442"/>
             <a:ext cx="1066949" cy="314369"/>
           </a:xfrm>
           <a:prstGeom prst="rect">
@@ -33185,7 +33837,7 @@
     </p:spTree>
     <p:extLst>
       <p:ext uri="{BB962C8B-B14F-4D97-AF65-F5344CB8AC3E}">
-        <p14:creationId xmlns:p14="http://schemas.microsoft.com/office/powerpoint/2010/main" val="3769929277"/>
+        <p14:creationId xmlns:p14="http://schemas.microsoft.com/office/powerpoint/2010/main" val="289780416"/>
       </p:ext>
     </p:extLst>
   </p:cSld>
@@ -33195,7 +33847,7 @@
 </p:sld>
 </file>
 
-<file path=ppt/slides/slide26.xml><?xml version="1.0" encoding="utf-8"?>
+<file path=ppt/slides/slide28.xml><?xml version="1.0" encoding="utf-8"?>
 <p:sld xmlns:a="http://schemas.openxmlformats.org/drawingml/2006/main" xmlns:r="http://schemas.openxmlformats.org/officeDocument/2006/relationships" xmlns:p="http://schemas.openxmlformats.org/presentationml/2006/main">
   <p:cSld>
     <p:spTree>
@@ -35201,7 +35853,7 @@
 </p:sld>
 </file>
 
-<file path=ppt/slides/slide27.xml><?xml version="1.0" encoding="utf-8"?>
+<file path=ppt/slides/slide29.xml><?xml version="1.0" encoding="utf-8"?>
 <p:sld xmlns:a="http://schemas.openxmlformats.org/drawingml/2006/main" xmlns:r="http://schemas.openxmlformats.org/officeDocument/2006/relationships" xmlns:p="http://schemas.openxmlformats.org/presentationml/2006/main">
   <p:cSld>
     <p:spTree>
@@ -35414,860 +36066,6 @@
     <p:extLst>
       <p:ext uri="{BB962C8B-B14F-4D97-AF65-F5344CB8AC3E}">
         <p14:creationId xmlns:p14="http://schemas.microsoft.com/office/powerpoint/2010/main" val="1289411276"/>
-      </p:ext>
-    </p:extLst>
-  </p:cSld>
-  <p:clrMapOvr>
-    <a:masterClrMapping/>
-  </p:clrMapOvr>
-</p:sld>
-</file>
-
-<file path=ppt/slides/slide28.xml><?xml version="1.0" encoding="utf-8"?>
-<p:sld xmlns:a="http://schemas.openxmlformats.org/drawingml/2006/main" xmlns:r="http://schemas.openxmlformats.org/officeDocument/2006/relationships" xmlns:p="http://schemas.openxmlformats.org/presentationml/2006/main">
-  <p:cSld>
-    <p:spTree>
-      <p:nvGrpSpPr>
-        <p:cNvPr id="1" name="">
-          <a:extLst>
-            <a:ext uri="{FF2B5EF4-FFF2-40B4-BE49-F238E27FC236}">
-              <a16:creationId xmlns:a16="http://schemas.microsoft.com/office/drawing/2014/main" id="{F1525741-0DCF-B73A-A5F3-C848297C20A4}"/>
-            </a:ext>
-          </a:extLst>
-        </p:cNvPr>
-        <p:cNvGrpSpPr/>
-        <p:nvPr/>
-      </p:nvGrpSpPr>
-      <p:grpSpPr>
-        <a:xfrm>
-          <a:off x="0" y="0"/>
-          <a:ext cx="0" cy="0"/>
-          <a:chOff x="0" y="0"/>
-          <a:chExt cx="0" cy="0"/>
-        </a:xfrm>
-      </p:grpSpPr>
-      <p:sp>
-        <p:nvSpPr>
-          <p:cNvPr id="7" name="TextBox 6">
-            <a:extLst>
-              <a:ext uri="{FF2B5EF4-FFF2-40B4-BE49-F238E27FC236}">
-                <a16:creationId xmlns:a16="http://schemas.microsoft.com/office/drawing/2014/main" id="{8215E894-216B-D860-8A3A-8FA1DD68AEDA}"/>
-              </a:ext>
-            </a:extLst>
-          </p:cNvPr>
-          <p:cNvSpPr txBox="1"/>
-          <p:nvPr/>
-        </p:nvSpPr>
-        <p:spPr>
-          <a:xfrm>
-            <a:off x="0" y="151179"/>
-            <a:ext cx="12191999" cy="6555641"/>
-          </a:xfrm>
-          <a:prstGeom prst="rect">
-            <a:avLst/>
-          </a:prstGeom>
-          <a:noFill/>
-        </p:spPr>
-        <p:txBody>
-          <a:bodyPr wrap="square">
-            <a:spAutoFit/>
-          </a:bodyPr>
-          <a:lstStyle/>
-          <a:p>
-            <a:r>
-              <a:rPr lang="en-US" sz="1050" b="1">
-                <a:solidFill>
-                  <a:srgbClr val="FF0000"/>
-                </a:solidFill>
-                <a:latin typeface="-apple-system"/>
-              </a:rPr>
-              <a:t>Linux-da Disk Bölmələri ilə Bağlı Terminlər</a:t>
-            </a:r>
-          </a:p>
-          <a:p>
-            <a:endParaRPr lang="en-US" sz="1050">
-              <a:latin typeface="-apple-system"/>
-            </a:endParaRPr>
-          </a:p>
-          <a:p>
-            <a:r>
-              <a:rPr lang="en-US" sz="1050" b="1"/>
-              <a:t>1. </a:t>
-            </a:r>
-            <a:r>
-              <a:rPr lang="en-US" sz="1050" b="1">
-                <a:solidFill>
-                  <a:srgbClr val="00B050"/>
-                </a:solidFill>
-              </a:rPr>
-              <a:t>MBR (Master Boot Record)</a:t>
-            </a:r>
-          </a:p>
-          <a:p>
-            <a:pPr marL="628650" lvl="1" indent="-171450">
-              <a:buFont typeface="Arial" panose="020B0604020202020204" pitchFamily="34" charset="0"/>
-              <a:buChar char="•"/>
-            </a:pPr>
-            <a:r>
-              <a:rPr lang="en-US" sz="1050" b="1"/>
-              <a:t>Nədir?</a:t>
-            </a:r>
-            <a:r>
-              <a:rPr lang="en-US" sz="1050"/>
-              <a:t> Bu, köhnə bir bölmə cədvəli formatıdır. 1980-ci illərdən bəri istifadə olunur.</a:t>
-            </a:r>
-          </a:p>
-          <a:p>
-            <a:pPr marL="628650" lvl="1" indent="-171450">
-              <a:buFont typeface="Arial" panose="020B0604020202020204" pitchFamily="34" charset="0"/>
-              <a:buChar char="•"/>
-            </a:pPr>
-            <a:r>
-              <a:rPr lang="en-US" sz="1050" b="1"/>
-              <a:t>Nə zaman istifadə edilir?</a:t>
-            </a:r>
-            <a:r>
-              <a:rPr lang="en-US" sz="1050"/>
-              <a:t> Əgər diskin həcmi 2TB-dan kiçikdirsə, MBR istifadə etmək olar. Ancaq daha böyük disklər üçün uyğun deyil.</a:t>
-            </a:r>
-          </a:p>
-          <a:p>
-            <a:r>
-              <a:rPr lang="en-US" sz="1050" b="1"/>
-              <a:t>Əsas xüsusiyyətləri:</a:t>
-            </a:r>
-            <a:endParaRPr lang="en-US" sz="1050"/>
-          </a:p>
-          <a:p>
-            <a:pPr marL="628650" lvl="1" indent="-171450">
-              <a:buFont typeface="Arial" panose="020B0604020202020204" pitchFamily="34" charset="0"/>
-              <a:buChar char="•"/>
-            </a:pPr>
-            <a:r>
-              <a:rPr lang="en-US" sz="1050" b="1"/>
-              <a:t>4 əsas bölmə</a:t>
-            </a:r>
-            <a:r>
-              <a:rPr lang="en-US" sz="1050"/>
-              <a:t> yaratmağa imkan verir. Məsələn, bir diskdə maksimum 4 ayrı bölmə yarada bilərsən.</a:t>
-            </a:r>
-          </a:p>
-          <a:p>
-            <a:pPr marL="628650" lvl="1" indent="-171450">
-              <a:buFont typeface="Arial" panose="020B0604020202020204" pitchFamily="34" charset="0"/>
-              <a:buChar char="•"/>
-            </a:pPr>
-            <a:r>
-              <a:rPr lang="en-US" sz="1050" b="1"/>
-              <a:t>Genişləndirilmiş (extended) bölmə</a:t>
-            </a:r>
-            <a:r>
-              <a:rPr lang="en-US" sz="1050"/>
-              <a:t> yaratmaqla əlavə loqik bölmələr əlavə edə bilərsən, amma maksimum 4 əsas və ya 3 əsas + 1 genişləndirilmiş bölmə olacaq.</a:t>
-            </a:r>
-            <a:endParaRPr lang="az-Latn-AZ" sz="1050"/>
-          </a:p>
-          <a:p>
-            <a:pPr marL="628650" lvl="1" indent="-171450">
-              <a:buFont typeface="Arial" panose="020B0604020202020204" pitchFamily="34" charset="0"/>
-              <a:buChar char="•"/>
-            </a:pPr>
-            <a:endParaRPr lang="en-US" sz="1050"/>
-          </a:p>
-          <a:p>
-            <a:r>
-              <a:rPr lang="en-US" sz="1050" b="1"/>
-              <a:t>2. </a:t>
-            </a:r>
-            <a:r>
-              <a:rPr lang="en-US" sz="1050" b="1">
-                <a:solidFill>
-                  <a:srgbClr val="00B050"/>
-                </a:solidFill>
-              </a:rPr>
-              <a:t>GPT (GUID Partition Table)</a:t>
-            </a:r>
-          </a:p>
-          <a:p>
-            <a:pPr marL="628650" lvl="1" indent="-171450">
-              <a:buFont typeface="Arial" panose="020B0604020202020204" pitchFamily="34" charset="0"/>
-              <a:buChar char="•"/>
-            </a:pPr>
-            <a:r>
-              <a:rPr lang="en-US" sz="1050" b="1"/>
-              <a:t>Nədir?</a:t>
-            </a:r>
-            <a:r>
-              <a:rPr lang="en-US" sz="1050"/>
-              <a:t> Bu, daha müasir və geniş istifadə edilən bir formatdır.</a:t>
-            </a:r>
-          </a:p>
-          <a:p>
-            <a:pPr marL="628650" lvl="1" indent="-171450">
-              <a:buFont typeface="Arial" panose="020B0604020202020204" pitchFamily="34" charset="0"/>
-              <a:buChar char="•"/>
-            </a:pPr>
-            <a:r>
-              <a:rPr lang="en-US" sz="1050" b="1"/>
-              <a:t>Nə zaman istifadə edilir?</a:t>
-            </a:r>
-            <a:r>
-              <a:rPr lang="en-US" sz="1050"/>
-              <a:t> Əgər diskin həcmi 2TB-dan böyükdürsə və ya müasir sistemlərdən istifadə edirsənsə (məsələn, UEFI sistemləri), GPT istifadə edilməlidir.</a:t>
-            </a:r>
-          </a:p>
-          <a:p>
-            <a:r>
-              <a:rPr lang="en-US" sz="1050" b="1"/>
-              <a:t>Əsas xüsusiyyətləri:</a:t>
-            </a:r>
-            <a:endParaRPr lang="en-US" sz="1050"/>
-          </a:p>
-          <a:p>
-            <a:pPr marL="628650" lvl="1" indent="-171450">
-              <a:buFont typeface="Arial" panose="020B0604020202020204" pitchFamily="34" charset="0"/>
-              <a:buChar char="•"/>
-            </a:pPr>
-            <a:r>
-              <a:rPr lang="en-US" sz="1050" b="1"/>
-              <a:t>128 bölmə</a:t>
-            </a:r>
-            <a:r>
-              <a:rPr lang="en-US" sz="1050"/>
-              <a:t> yaratmağa imkan verir. Yəni, MBR-dən daha çox bölmə əlavə etmək mümkündür.</a:t>
-            </a:r>
-          </a:p>
-          <a:p>
-            <a:pPr marL="628650" lvl="1" indent="-171450">
-              <a:buFont typeface="Arial" panose="020B0604020202020204" pitchFamily="34" charset="0"/>
-              <a:buChar char="•"/>
-            </a:pPr>
-            <a:r>
-              <a:rPr lang="en-US" sz="1050"/>
-              <a:t>Çox böyük diskləri (18 exabayt qədər) dəstəkləyir.</a:t>
-            </a:r>
-            <a:endParaRPr lang="az-Latn-AZ" sz="1050"/>
-          </a:p>
-          <a:p>
-            <a:pPr marL="628650" lvl="1" indent="-171450">
-              <a:buFont typeface="Arial" panose="020B0604020202020204" pitchFamily="34" charset="0"/>
-              <a:buChar char="•"/>
-            </a:pPr>
-            <a:endParaRPr lang="en-US" sz="1050"/>
-          </a:p>
-          <a:p>
-            <a:r>
-              <a:rPr lang="en-US" sz="1050" b="1"/>
-              <a:t>3. </a:t>
-            </a:r>
-            <a:r>
-              <a:rPr lang="en-US" sz="1050" b="1">
-                <a:solidFill>
-                  <a:srgbClr val="00B050"/>
-                </a:solidFill>
-              </a:rPr>
-              <a:t>Primary Partition (Əsas Bölmə)</a:t>
-            </a:r>
-          </a:p>
-          <a:p>
-            <a:pPr marL="628650" lvl="1" indent="-171450">
-              <a:buFont typeface="Arial" panose="020B0604020202020204" pitchFamily="34" charset="0"/>
-              <a:buChar char="•"/>
-            </a:pPr>
-            <a:r>
-              <a:rPr lang="en-US" sz="1050" b="1"/>
-              <a:t>Nədir?</a:t>
-            </a:r>
-            <a:r>
-              <a:rPr lang="en-US" sz="1050"/>
-              <a:t> Bu, diskdə birbaşa yaradılan əsas bölmələrdir.</a:t>
-            </a:r>
-          </a:p>
-          <a:p>
-            <a:pPr marL="628650" lvl="1" indent="-171450">
-              <a:buFont typeface="Arial" panose="020B0604020202020204" pitchFamily="34" charset="0"/>
-              <a:buChar char="•"/>
-            </a:pPr>
-            <a:r>
-              <a:rPr lang="en-US" sz="1050" b="1"/>
-              <a:t>Nə zaman istifadə edilir?</a:t>
-            </a:r>
-            <a:r>
-              <a:rPr lang="en-US" sz="1050"/>
-              <a:t> MBR sistemində maksimum 4 əsas bölmə yarada bilərsən. Diskin əsas bölmələrində əməliyyat sistemi quraşdırmaq üçün istifadə edilir.</a:t>
-            </a:r>
-            <a:endParaRPr lang="az-Latn-AZ" sz="1050"/>
-          </a:p>
-          <a:p>
-            <a:pPr marL="628650" lvl="1" indent="-171450">
-              <a:buFont typeface="Arial" panose="020B0604020202020204" pitchFamily="34" charset="0"/>
-              <a:buChar char="•"/>
-            </a:pPr>
-            <a:endParaRPr lang="en-US" sz="1050"/>
-          </a:p>
-          <a:p>
-            <a:r>
-              <a:rPr lang="en-US" sz="1050" b="1"/>
-              <a:t>4. </a:t>
-            </a:r>
-            <a:r>
-              <a:rPr lang="en-US" sz="1050" b="1">
-                <a:solidFill>
-                  <a:srgbClr val="00B050"/>
-                </a:solidFill>
-              </a:rPr>
-              <a:t>Extended Partition (Genişləndirilmiş Bölmə)</a:t>
-            </a:r>
-          </a:p>
-          <a:p>
-            <a:pPr marL="628650" lvl="1" indent="-171450">
-              <a:buFont typeface="Arial" panose="020B0604020202020204" pitchFamily="34" charset="0"/>
-              <a:buChar char="•"/>
-            </a:pPr>
-            <a:r>
-              <a:rPr lang="en-US" sz="1050" b="1"/>
-              <a:t>Nədir?</a:t>
-            </a:r>
-            <a:r>
-              <a:rPr lang="en-US" sz="1050"/>
-              <a:t> Bu, yalnız MBR formatında olan disklərdə istifadə edilən bir bölmə növüdür. Bir növ "konteyner" kimidir.</a:t>
-            </a:r>
-          </a:p>
-          <a:p>
-            <a:pPr marL="628650" lvl="1" indent="-171450">
-              <a:buFont typeface="Arial" panose="020B0604020202020204" pitchFamily="34" charset="0"/>
-              <a:buChar char="•"/>
-            </a:pPr>
-            <a:r>
-              <a:rPr lang="en-US" sz="1050" b="1"/>
-              <a:t>Nə zaman istifadə edilir?</a:t>
-            </a:r>
-            <a:r>
-              <a:rPr lang="en-US" sz="1050"/>
-              <a:t> Əgər diskinizdə 4-dən çox bölmə yaratmaq istəyirsinizsə, </a:t>
-            </a:r>
-            <a:r>
-              <a:rPr lang="en-US" sz="1050" b="1"/>
-              <a:t>bir əsas bölmə</a:t>
-            </a:r>
-            <a:r>
-              <a:rPr lang="en-US" sz="1050"/>
-              <a:t>ni </a:t>
-            </a:r>
-            <a:r>
-              <a:rPr lang="en-US" sz="1050" b="1"/>
-              <a:t>genişləndirilmiş bölmə</a:t>
-            </a:r>
-            <a:r>
-              <a:rPr lang="en-US" sz="1050"/>
-              <a:t> olaraq təyin edib, burada çox sayda </a:t>
-            </a:r>
-            <a:r>
-              <a:rPr lang="en-US" sz="1050" b="1"/>
-              <a:t>loqik bölmə</a:t>
-            </a:r>
-            <a:r>
-              <a:rPr lang="en-US" sz="1050"/>
-              <a:t> yarada bilərsiniz.</a:t>
-            </a:r>
-            <a:endParaRPr lang="az-Latn-AZ" sz="1050"/>
-          </a:p>
-          <a:p>
-            <a:pPr marL="628650" lvl="1" indent="-171450">
-              <a:buFont typeface="Arial" panose="020B0604020202020204" pitchFamily="34" charset="0"/>
-              <a:buChar char="•"/>
-            </a:pPr>
-            <a:endParaRPr lang="en-US" sz="1050"/>
-          </a:p>
-          <a:p>
-            <a:r>
-              <a:rPr lang="en-US" sz="1050" b="1"/>
-              <a:t>5. </a:t>
-            </a:r>
-            <a:r>
-              <a:rPr lang="en-US" sz="1050" b="1">
-                <a:solidFill>
-                  <a:srgbClr val="00B050"/>
-                </a:solidFill>
-              </a:rPr>
-              <a:t>Logical Partition (Loqik Bölmə)</a:t>
-            </a:r>
-          </a:p>
-          <a:p>
-            <a:pPr marL="628650" lvl="1" indent="-171450">
-              <a:buFont typeface="Arial" panose="020B0604020202020204" pitchFamily="34" charset="0"/>
-              <a:buChar char="•"/>
-            </a:pPr>
-            <a:r>
-              <a:rPr lang="en-US" sz="1050" b="1"/>
-              <a:t>Nədir?</a:t>
-            </a:r>
-            <a:r>
-              <a:rPr lang="en-US" sz="1050"/>
-              <a:t> Genişləndirilmiş bölmənin daxilindəki alt bölmələrdir.</a:t>
-            </a:r>
-          </a:p>
-          <a:p>
-            <a:pPr marL="628650" lvl="1" indent="-171450">
-              <a:buFont typeface="Arial" panose="020B0604020202020204" pitchFamily="34" charset="0"/>
-              <a:buChar char="•"/>
-            </a:pPr>
-            <a:r>
-              <a:rPr lang="en-US" sz="1050" b="1"/>
-              <a:t>Nə zaman istifadə edilir?</a:t>
-            </a:r>
-            <a:r>
-              <a:rPr lang="en-US" sz="1050"/>
-              <a:t> Yalnız MBR istifadə edən sistemlərdə genişləndirilmiş bölmənin daxilində yaradılır.</a:t>
-            </a:r>
-            <a:endParaRPr lang="az-Latn-AZ" sz="1050"/>
-          </a:p>
-          <a:p>
-            <a:pPr marL="628650" lvl="1" indent="-171450">
-              <a:buFont typeface="Arial" panose="020B0604020202020204" pitchFamily="34" charset="0"/>
-              <a:buChar char="•"/>
-            </a:pPr>
-            <a:endParaRPr lang="en-US" sz="1050"/>
-          </a:p>
-          <a:p>
-            <a:r>
-              <a:rPr lang="en-US" sz="1050" b="1"/>
-              <a:t>6. </a:t>
-            </a:r>
-            <a:r>
-              <a:rPr lang="en-US" sz="1050" b="1">
-                <a:solidFill>
-                  <a:srgbClr val="00B050"/>
-                </a:solidFill>
-              </a:rPr>
-              <a:t>Swap (Virtual Yaddaş)</a:t>
-            </a:r>
-          </a:p>
-          <a:p>
-            <a:pPr marL="628650" lvl="1" indent="-171450">
-              <a:buFont typeface="Arial" panose="020B0604020202020204" pitchFamily="34" charset="0"/>
-              <a:buChar char="•"/>
-            </a:pPr>
-            <a:r>
-              <a:rPr lang="en-US" sz="1050" b="1"/>
-              <a:t>Nədir?</a:t>
-            </a:r>
-            <a:r>
-              <a:rPr lang="en-US" sz="1050"/>
-              <a:t> Swap, "virtual yaddaş" kimi işləyən xüsusi bir bölmədir. Yəni, RAM (əməliyyat yaddaşı) dolarsa, kompüter bu bölməni istifadə edərək məlumatı "yazmağa" başlayır.</a:t>
-            </a:r>
-          </a:p>
-          <a:p>
-            <a:pPr marL="628650" lvl="1" indent="-171450">
-              <a:buFont typeface="Arial" panose="020B0604020202020204" pitchFamily="34" charset="0"/>
-              <a:buChar char="•"/>
-            </a:pPr>
-            <a:r>
-              <a:rPr lang="en-US" sz="1050" b="1"/>
-              <a:t>Nə zaman istifadə edilir?</a:t>
-            </a:r>
-            <a:r>
-              <a:rPr lang="en-US" sz="1050"/>
-              <a:t> Əgər kompüterdə RAM azdır və ya çox sayda proqram işləyirsə, swap bölməsi istifadə olunur.</a:t>
-            </a:r>
-            <a:endParaRPr lang="az-Latn-AZ" sz="1050"/>
-          </a:p>
-          <a:p>
-            <a:pPr marL="628650" lvl="1" indent="-171450">
-              <a:buFont typeface="Arial" panose="020B0604020202020204" pitchFamily="34" charset="0"/>
-              <a:buChar char="•"/>
-            </a:pPr>
-            <a:endParaRPr lang="en-US" sz="1050"/>
-          </a:p>
-          <a:p>
-            <a:r>
-              <a:rPr lang="en-US" sz="1050" b="1"/>
-              <a:t>7. </a:t>
-            </a:r>
-            <a:r>
-              <a:rPr lang="en-US" sz="1050" b="1">
-                <a:solidFill>
-                  <a:srgbClr val="00B050"/>
-                </a:solidFill>
-              </a:rPr>
-              <a:t>LVM (Logical Volume Manager)</a:t>
-            </a:r>
-          </a:p>
-          <a:p>
-            <a:pPr marL="628650" lvl="1" indent="-171450">
-              <a:buFont typeface="Arial" panose="020B0604020202020204" pitchFamily="34" charset="0"/>
-              <a:buChar char="•"/>
-            </a:pPr>
-            <a:r>
-              <a:rPr lang="en-US" sz="1050" b="1"/>
-              <a:t>Nədir?</a:t>
-            </a:r>
-            <a:r>
-              <a:rPr lang="en-US" sz="1050"/>
-              <a:t> Bu, dinamik bölmə idarəetmə sistemidir. Yəni, diskləri daha çevik şəkildə idarə etməyə imkan verir.</a:t>
-            </a:r>
-          </a:p>
-          <a:p>
-            <a:pPr marL="628650" lvl="1" indent="-171450">
-              <a:buFont typeface="Arial" panose="020B0604020202020204" pitchFamily="34" charset="0"/>
-              <a:buChar char="•"/>
-            </a:pPr>
-            <a:r>
-              <a:rPr lang="en-US" sz="1050" b="1"/>
-              <a:t>Nə zaman istifadə edilir?</a:t>
-            </a:r>
-            <a:r>
-              <a:rPr lang="en-US" sz="1050"/>
-              <a:t> Diski genişləndirmək və ya kiçiltmək lazım olduqda, LVM daha rahat istifadə edilir. Məsələn, bir bölmənin ölçüsünü dəyişmək istəyirsənsə, LVM bu işləri çox asanlaşdırır.</a:t>
-            </a:r>
-            <a:endParaRPr lang="az-Latn-AZ" sz="1050"/>
-          </a:p>
-          <a:p>
-            <a:pPr marL="628650" lvl="1" indent="-171450">
-              <a:buFont typeface="Arial" panose="020B0604020202020204" pitchFamily="34" charset="0"/>
-              <a:buChar char="•"/>
-            </a:pPr>
-            <a:endParaRPr lang="en-US" sz="1050"/>
-          </a:p>
-          <a:p>
-            <a:r>
-              <a:rPr lang="en-US" sz="1050" b="1"/>
-              <a:t>8. </a:t>
-            </a:r>
-            <a:r>
-              <a:rPr lang="en-US" sz="1050" b="1">
-                <a:solidFill>
-                  <a:srgbClr val="00B050"/>
-                </a:solidFill>
-              </a:rPr>
-              <a:t>RAID (Redundant Array of Independent Disks)</a:t>
-            </a:r>
-          </a:p>
-          <a:p>
-            <a:pPr marL="628650" lvl="1" indent="-171450">
-              <a:buFont typeface="Arial" panose="020B0604020202020204" pitchFamily="34" charset="0"/>
-              <a:buChar char="•"/>
-            </a:pPr>
-            <a:r>
-              <a:rPr lang="en-US" sz="1050" b="1"/>
-              <a:t>Nədir?</a:t>
-            </a:r>
-            <a:r>
-              <a:rPr lang="en-US" sz="1050"/>
-              <a:t> Bu, bir neçə diski birləşdirərək, disk performansını artırmaq və ya məlumat təhlükəsizliyini təmin etmək məqsədilə istifadə edilən texnologiyadır.</a:t>
-            </a:r>
-          </a:p>
-          <a:p>
-            <a:pPr marL="628650" lvl="1" indent="-171450">
-              <a:buFont typeface="Arial" panose="020B0604020202020204" pitchFamily="34" charset="0"/>
-              <a:buChar char="•"/>
-            </a:pPr>
-            <a:r>
-              <a:rPr lang="en-US" sz="1050" b="1"/>
-              <a:t>Nə zaman istifadə edilir?</a:t>
-            </a:r>
-            <a:r>
-              <a:rPr lang="en-US" sz="1050"/>
-              <a:t> RAID, xüsusilə serverlərdə və ya çox böyük məlumat saxlama sistemlərində istifadə olunur. Məsələn, RAID 1 məlumatı iki diskə eyni anda yazaraq məlumat itkisinin qarşısını alır, RAID 0 isə sürəti artırır.</a:t>
-            </a:r>
-          </a:p>
-        </p:txBody>
-      </p:sp>
-    </p:spTree>
-    <p:extLst>
-      <p:ext uri="{BB962C8B-B14F-4D97-AF65-F5344CB8AC3E}">
-        <p14:creationId xmlns:p14="http://schemas.microsoft.com/office/powerpoint/2010/main" val="3921960333"/>
-      </p:ext>
-    </p:extLst>
-  </p:cSld>
-  <p:clrMapOvr>
-    <a:masterClrMapping/>
-  </p:clrMapOvr>
-</p:sld>
-</file>
-
-<file path=ppt/slides/slide29.xml><?xml version="1.0" encoding="utf-8"?>
-<p:sld xmlns:a="http://schemas.openxmlformats.org/drawingml/2006/main" xmlns:r="http://schemas.openxmlformats.org/officeDocument/2006/relationships" xmlns:p="http://schemas.openxmlformats.org/presentationml/2006/main">
-  <p:cSld>
-    <p:spTree>
-      <p:nvGrpSpPr>
-        <p:cNvPr id="1" name="">
-          <a:extLst>
-            <a:ext uri="{FF2B5EF4-FFF2-40B4-BE49-F238E27FC236}">
-              <a16:creationId xmlns:a16="http://schemas.microsoft.com/office/drawing/2014/main" id="{7E480F95-F49D-3810-C3EC-D541D3DE9B3C}"/>
-            </a:ext>
-          </a:extLst>
-        </p:cNvPr>
-        <p:cNvGrpSpPr/>
-        <p:nvPr/>
-      </p:nvGrpSpPr>
-      <p:grpSpPr>
-        <a:xfrm>
-          <a:off x="0" y="0"/>
-          <a:ext cx="0" cy="0"/>
-          <a:chOff x="0" y="0"/>
-          <a:chExt cx="0" cy="0"/>
-        </a:xfrm>
-      </p:grpSpPr>
-      <p:sp>
-        <p:nvSpPr>
-          <p:cNvPr id="7" name="TextBox 6">
-            <a:extLst>
-              <a:ext uri="{FF2B5EF4-FFF2-40B4-BE49-F238E27FC236}">
-                <a16:creationId xmlns:a16="http://schemas.microsoft.com/office/drawing/2014/main" id="{0093A8CB-E353-D414-F390-AAE0C8F73F16}"/>
-              </a:ext>
-            </a:extLst>
-          </p:cNvPr>
-          <p:cNvSpPr txBox="1"/>
-          <p:nvPr/>
-        </p:nvSpPr>
-        <p:spPr>
-          <a:xfrm>
-            <a:off x="203200" y="244826"/>
-            <a:ext cx="11822545" cy="3600986"/>
-          </a:xfrm>
-          <a:prstGeom prst="rect">
-            <a:avLst/>
-          </a:prstGeom>
-          <a:noFill/>
-        </p:spPr>
-        <p:txBody>
-          <a:bodyPr wrap="square">
-            <a:spAutoFit/>
-          </a:bodyPr>
-          <a:lstStyle/>
-          <a:p>
-            <a:r>
-              <a:rPr lang="en-US" sz="1200"/>
-              <a:t>Sistemdəki disk quruluşunun </a:t>
-            </a:r>
-            <a:r>
-              <a:rPr lang="en-US" sz="1200" b="1"/>
-              <a:t>MBR</a:t>
-            </a:r>
-            <a:r>
-              <a:rPr lang="en-US" sz="1200"/>
-              <a:t> (Master Boot Record) və ya </a:t>
-            </a:r>
-            <a:r>
-              <a:rPr lang="en-US" sz="1200" b="1"/>
-              <a:t>GPT</a:t>
-            </a:r>
-            <a:r>
-              <a:rPr lang="en-US" sz="1200"/>
-              <a:t> (GUID Partition Table) </a:t>
-            </a:r>
-            <a:r>
-              <a:rPr lang="az-Latn-AZ" sz="1200"/>
-              <a:t>və.s </a:t>
-            </a:r>
-            <a:r>
-              <a:rPr lang="en-US" sz="1200"/>
-              <a:t>olduğunu tapmaq üçün aşağıdakı üsulları izləyə bilərsən:</a:t>
-            </a:r>
-            <a:endParaRPr lang="az-Latn-AZ" sz="1200"/>
-          </a:p>
-          <a:p>
-            <a:endParaRPr lang="az-Latn-AZ" sz="1200"/>
-          </a:p>
-          <a:p>
-            <a:pPr marL="171450" indent="-171450">
-              <a:buFont typeface="Arial" panose="020B0604020202020204" pitchFamily="34" charset="0"/>
-              <a:buChar char="•"/>
-            </a:pPr>
-            <a:r>
-              <a:rPr lang="en-US" sz="1200" b="1">
-                <a:solidFill>
-                  <a:srgbClr val="FF0000"/>
-                </a:solidFill>
-              </a:rPr>
-              <a:t>lsblk</a:t>
-            </a:r>
-            <a:r>
-              <a:rPr lang="az-Latn-AZ" sz="1200" b="1">
-                <a:solidFill>
-                  <a:srgbClr val="FF0000"/>
-                </a:solidFill>
-              </a:rPr>
-              <a:t>	</a:t>
-            </a:r>
-            <a:r>
-              <a:rPr lang="en-US" sz="1200"/>
-              <a:t> əmrindən </a:t>
-            </a:r>
-            <a:r>
-              <a:rPr lang="en-US" sz="1200" b="1"/>
-              <a:t>diskin tipi</a:t>
-            </a:r>
-            <a:r>
-              <a:rPr lang="en-US" sz="1200"/>
-              <a:t>ni (MBR və ya GPT) birbaşa görə bilməzsən. Ancaq daha detallı məlumatı əldə etmək üçün lsblk əmrini əlavə parametrlərlə istifadə edə bilərsən.</a:t>
-            </a:r>
-            <a:endParaRPr lang="az-Latn-AZ" sz="1200"/>
-          </a:p>
-          <a:p>
-            <a:endParaRPr lang="az-Latn-AZ" sz="1200"/>
-          </a:p>
-          <a:p>
-            <a:pPr marL="171450" indent="-171450">
-              <a:buFont typeface="Arial" panose="020B0604020202020204" pitchFamily="34" charset="0"/>
-              <a:buChar char="•"/>
-            </a:pPr>
-            <a:r>
-              <a:rPr lang="en-US" sz="1200" b="1">
-                <a:solidFill>
-                  <a:srgbClr val="FF0000"/>
-                </a:solidFill>
-              </a:rPr>
-              <a:t>parted</a:t>
-            </a:r>
-            <a:r>
-              <a:rPr lang="en-US" sz="1200"/>
-              <a:t> aləti daha ətraflı disk və bölmə cədvəli məlumatı verir. Bu alət vasitəsilə, disk formatını öyrənmək mümkündür.</a:t>
-            </a:r>
-            <a:r>
-              <a:rPr lang="az-Latn-AZ" sz="1200"/>
-              <a:t> </a:t>
-            </a:r>
-            <a:r>
-              <a:rPr lang="en-US" sz="1200"/>
-              <a:t>Burada /dev/sda diskin adıdır (əgər başqa disk istifadə edirsənsə, adını uyğun olaraq dəyişdirə bilərsən). Bu əmrin nəticəsində, disk formatı haqqında məlumat verəcək, məsələn:</a:t>
-            </a:r>
-            <a:endParaRPr lang="az-Latn-AZ" sz="1200"/>
-          </a:p>
-          <a:p>
-            <a:endParaRPr lang="az-Latn-AZ" sz="1200"/>
-          </a:p>
-          <a:p>
-            <a:endParaRPr lang="az-Latn-AZ" sz="1200"/>
-          </a:p>
-          <a:p>
-            <a:endParaRPr lang="az-Latn-AZ" sz="1200"/>
-          </a:p>
-          <a:p>
-            <a:endParaRPr lang="az-Latn-AZ" sz="1200"/>
-          </a:p>
-          <a:p>
-            <a:endParaRPr lang="az-Latn-AZ" sz="1200"/>
-          </a:p>
-          <a:p>
-            <a:endParaRPr lang="az-Latn-AZ" sz="1200"/>
-          </a:p>
-          <a:p>
-            <a:endParaRPr lang="az-Latn-AZ" sz="1200"/>
-          </a:p>
-          <a:p>
-            <a:pPr marL="171450" indent="-171450">
-              <a:buFont typeface="Arial" panose="020B0604020202020204" pitchFamily="34" charset="0"/>
-              <a:buChar char="•"/>
-            </a:pPr>
-            <a:r>
-              <a:rPr lang="en-US" sz="1200" b="1">
-                <a:solidFill>
-                  <a:srgbClr val="FF0000"/>
-                </a:solidFill>
-              </a:rPr>
-              <a:t>gdisk</a:t>
-            </a:r>
-            <a:r>
-              <a:rPr lang="en-US" sz="1200"/>
-              <a:t> aləti daha mükəmməl bir vasitədir və MBR və GPT formatları haqqında çox detallı məlumat verir. Bu aləti istifadə edərək, disk formatını belə yoxlaya bilərsən:</a:t>
-            </a:r>
-            <a:r>
-              <a:rPr lang="az-Latn-AZ" sz="1200"/>
-              <a:t> Bu əmrdən sonra, diskin formatı haqqında GPT və ya MBR məlumatını çıxara biləcəksən. </a:t>
-            </a:r>
-            <a:r>
-              <a:rPr lang="az-Latn-AZ" sz="1200" b="1">
-                <a:highlight>
-                  <a:srgbClr val="FFFF00"/>
-                </a:highlight>
-              </a:rPr>
-              <a:t>ARDI NÖVBƏTİ SLAYDDA</a:t>
-            </a:r>
-            <a:r>
-              <a:rPr lang="az-Latn-AZ" sz="1200"/>
-              <a:t>. </a:t>
-            </a:r>
-          </a:p>
-          <a:p>
-            <a:endParaRPr lang="az-Latn-AZ" sz="1200"/>
-          </a:p>
-          <a:p>
-            <a:endParaRPr lang="az-Latn-AZ" sz="1200"/>
-          </a:p>
-          <a:p>
-            <a:endParaRPr lang="az-Latn-AZ" sz="1200"/>
-          </a:p>
-          <a:p>
-            <a:endParaRPr lang="en-US" sz="1200"/>
-          </a:p>
-        </p:txBody>
-      </p:sp>
-      <p:pic>
-        <p:nvPicPr>
-          <p:cNvPr id="3" name="Picture 2">
-            <a:extLst>
-              <a:ext uri="{FF2B5EF4-FFF2-40B4-BE49-F238E27FC236}">
-                <a16:creationId xmlns:a16="http://schemas.microsoft.com/office/drawing/2014/main" id="{92431878-BED8-248B-F6D9-C50411A67438}"/>
-              </a:ext>
-            </a:extLst>
-          </p:cNvPr>
-          <p:cNvPicPr>
-            <a:picLocks noChangeAspect="1"/>
-          </p:cNvPicPr>
-          <p:nvPr/>
-        </p:nvPicPr>
-        <p:blipFill>
-          <a:blip r:embed="rId2"/>
-          <a:stretch>
-            <a:fillRect/>
-          </a:stretch>
-        </p:blipFill>
-        <p:spPr>
-          <a:xfrm>
-            <a:off x="203200" y="1538112"/>
-            <a:ext cx="2229161" cy="438211"/>
-          </a:xfrm>
-          <a:prstGeom prst="rect">
-            <a:avLst/>
-          </a:prstGeom>
-        </p:spPr>
-      </p:pic>
-      <p:pic>
-        <p:nvPicPr>
-          <p:cNvPr id="5" name="Picture 4">
-            <a:extLst>
-              <a:ext uri="{FF2B5EF4-FFF2-40B4-BE49-F238E27FC236}">
-                <a16:creationId xmlns:a16="http://schemas.microsoft.com/office/drawing/2014/main" id="{BD0B3CE4-555A-016B-2C15-5B280B430A34}"/>
-              </a:ext>
-            </a:extLst>
-          </p:cNvPr>
-          <p:cNvPicPr>
-            <a:picLocks noChangeAspect="1"/>
-          </p:cNvPicPr>
-          <p:nvPr/>
-        </p:nvPicPr>
-        <p:blipFill>
-          <a:blip r:embed="rId3"/>
-          <a:stretch>
-            <a:fillRect/>
-          </a:stretch>
-        </p:blipFill>
-        <p:spPr>
-          <a:xfrm>
-            <a:off x="203200" y="3114631"/>
-            <a:ext cx="1895740" cy="314369"/>
-          </a:xfrm>
-          <a:prstGeom prst="rect">
-            <a:avLst/>
-          </a:prstGeom>
-        </p:spPr>
-      </p:pic>
-    </p:spTree>
-    <p:extLst>
-      <p:ext uri="{BB962C8B-B14F-4D97-AF65-F5344CB8AC3E}">
-        <p14:creationId xmlns:p14="http://schemas.microsoft.com/office/powerpoint/2010/main" val="1737218889"/>
       </p:ext>
     </p:extLst>
   </p:cSld>
@@ -36557,6 +36355,860 @@
         <p:cNvPr id="1" name="">
           <a:extLst>
             <a:ext uri="{FF2B5EF4-FFF2-40B4-BE49-F238E27FC236}">
+              <a16:creationId xmlns:a16="http://schemas.microsoft.com/office/drawing/2014/main" id="{F1525741-0DCF-B73A-A5F3-C848297C20A4}"/>
+            </a:ext>
+          </a:extLst>
+        </p:cNvPr>
+        <p:cNvGrpSpPr/>
+        <p:nvPr/>
+      </p:nvGrpSpPr>
+      <p:grpSpPr>
+        <a:xfrm>
+          <a:off x="0" y="0"/>
+          <a:ext cx="0" cy="0"/>
+          <a:chOff x="0" y="0"/>
+          <a:chExt cx="0" cy="0"/>
+        </a:xfrm>
+      </p:grpSpPr>
+      <p:sp>
+        <p:nvSpPr>
+          <p:cNvPr id="7" name="TextBox 6">
+            <a:extLst>
+              <a:ext uri="{FF2B5EF4-FFF2-40B4-BE49-F238E27FC236}">
+                <a16:creationId xmlns:a16="http://schemas.microsoft.com/office/drawing/2014/main" id="{8215E894-216B-D860-8A3A-8FA1DD68AEDA}"/>
+              </a:ext>
+            </a:extLst>
+          </p:cNvPr>
+          <p:cNvSpPr txBox="1"/>
+          <p:nvPr/>
+        </p:nvSpPr>
+        <p:spPr>
+          <a:xfrm>
+            <a:off x="0" y="151179"/>
+            <a:ext cx="12191999" cy="6555641"/>
+          </a:xfrm>
+          <a:prstGeom prst="rect">
+            <a:avLst/>
+          </a:prstGeom>
+          <a:noFill/>
+        </p:spPr>
+        <p:txBody>
+          <a:bodyPr wrap="square">
+            <a:spAutoFit/>
+          </a:bodyPr>
+          <a:lstStyle/>
+          <a:p>
+            <a:r>
+              <a:rPr lang="en-US" sz="1050" b="1">
+                <a:solidFill>
+                  <a:srgbClr val="FF0000"/>
+                </a:solidFill>
+                <a:latin typeface="-apple-system"/>
+              </a:rPr>
+              <a:t>Linux-da Disk Bölmələri ilə Bağlı Terminlər</a:t>
+            </a:r>
+          </a:p>
+          <a:p>
+            <a:endParaRPr lang="en-US" sz="1050">
+              <a:latin typeface="-apple-system"/>
+            </a:endParaRPr>
+          </a:p>
+          <a:p>
+            <a:r>
+              <a:rPr lang="en-US" sz="1050" b="1"/>
+              <a:t>1. </a:t>
+            </a:r>
+            <a:r>
+              <a:rPr lang="en-US" sz="1050" b="1">
+                <a:solidFill>
+                  <a:srgbClr val="00B050"/>
+                </a:solidFill>
+              </a:rPr>
+              <a:t>MBR (Master Boot Record)</a:t>
+            </a:r>
+          </a:p>
+          <a:p>
+            <a:pPr marL="628650" lvl="1" indent="-171450">
+              <a:buFont typeface="Arial" panose="020B0604020202020204" pitchFamily="34" charset="0"/>
+              <a:buChar char="•"/>
+            </a:pPr>
+            <a:r>
+              <a:rPr lang="en-US" sz="1050" b="1"/>
+              <a:t>Nədir?</a:t>
+            </a:r>
+            <a:r>
+              <a:rPr lang="en-US" sz="1050"/>
+              <a:t> Bu, köhnə bir bölmə cədvəli formatıdır. 1980-ci illərdən bəri istifadə olunur.</a:t>
+            </a:r>
+          </a:p>
+          <a:p>
+            <a:pPr marL="628650" lvl="1" indent="-171450">
+              <a:buFont typeface="Arial" panose="020B0604020202020204" pitchFamily="34" charset="0"/>
+              <a:buChar char="•"/>
+            </a:pPr>
+            <a:r>
+              <a:rPr lang="en-US" sz="1050" b="1"/>
+              <a:t>Nə zaman istifadə edilir?</a:t>
+            </a:r>
+            <a:r>
+              <a:rPr lang="en-US" sz="1050"/>
+              <a:t> Əgər diskin həcmi 2TB-dan kiçikdirsə, MBR istifadə etmək olar. Ancaq daha böyük disklər üçün uyğun deyil.</a:t>
+            </a:r>
+          </a:p>
+          <a:p>
+            <a:r>
+              <a:rPr lang="en-US" sz="1050" b="1"/>
+              <a:t>Əsas xüsusiyyətləri:</a:t>
+            </a:r>
+            <a:endParaRPr lang="en-US" sz="1050"/>
+          </a:p>
+          <a:p>
+            <a:pPr marL="628650" lvl="1" indent="-171450">
+              <a:buFont typeface="Arial" panose="020B0604020202020204" pitchFamily="34" charset="0"/>
+              <a:buChar char="•"/>
+            </a:pPr>
+            <a:r>
+              <a:rPr lang="en-US" sz="1050" b="1"/>
+              <a:t>4 əsas bölmə</a:t>
+            </a:r>
+            <a:r>
+              <a:rPr lang="en-US" sz="1050"/>
+              <a:t> yaratmağa imkan verir. Məsələn, bir diskdə maksimum 4 ayrı bölmə yarada bilərsən.</a:t>
+            </a:r>
+          </a:p>
+          <a:p>
+            <a:pPr marL="628650" lvl="1" indent="-171450">
+              <a:buFont typeface="Arial" panose="020B0604020202020204" pitchFamily="34" charset="0"/>
+              <a:buChar char="•"/>
+            </a:pPr>
+            <a:r>
+              <a:rPr lang="en-US" sz="1050" b="1"/>
+              <a:t>Genişləndirilmiş (extended) bölmə</a:t>
+            </a:r>
+            <a:r>
+              <a:rPr lang="en-US" sz="1050"/>
+              <a:t> yaratmaqla əlavə loqik bölmələr əlavə edə bilərsən, amma maksimum 4 əsas və ya 3 əsas + 1 genişləndirilmiş bölmə olacaq.</a:t>
+            </a:r>
+            <a:endParaRPr lang="az-Latn-AZ" sz="1050"/>
+          </a:p>
+          <a:p>
+            <a:pPr marL="628650" lvl="1" indent="-171450">
+              <a:buFont typeface="Arial" panose="020B0604020202020204" pitchFamily="34" charset="0"/>
+              <a:buChar char="•"/>
+            </a:pPr>
+            <a:endParaRPr lang="en-US" sz="1050"/>
+          </a:p>
+          <a:p>
+            <a:r>
+              <a:rPr lang="en-US" sz="1050" b="1"/>
+              <a:t>2. </a:t>
+            </a:r>
+            <a:r>
+              <a:rPr lang="en-US" sz="1050" b="1">
+                <a:solidFill>
+                  <a:srgbClr val="00B050"/>
+                </a:solidFill>
+              </a:rPr>
+              <a:t>GPT (GUID Partition Table)</a:t>
+            </a:r>
+          </a:p>
+          <a:p>
+            <a:pPr marL="628650" lvl="1" indent="-171450">
+              <a:buFont typeface="Arial" panose="020B0604020202020204" pitchFamily="34" charset="0"/>
+              <a:buChar char="•"/>
+            </a:pPr>
+            <a:r>
+              <a:rPr lang="en-US" sz="1050" b="1"/>
+              <a:t>Nədir?</a:t>
+            </a:r>
+            <a:r>
+              <a:rPr lang="en-US" sz="1050"/>
+              <a:t> Bu, daha müasir və geniş istifadə edilən bir formatdır.</a:t>
+            </a:r>
+          </a:p>
+          <a:p>
+            <a:pPr marL="628650" lvl="1" indent="-171450">
+              <a:buFont typeface="Arial" panose="020B0604020202020204" pitchFamily="34" charset="0"/>
+              <a:buChar char="•"/>
+            </a:pPr>
+            <a:r>
+              <a:rPr lang="en-US" sz="1050" b="1"/>
+              <a:t>Nə zaman istifadə edilir?</a:t>
+            </a:r>
+            <a:r>
+              <a:rPr lang="en-US" sz="1050"/>
+              <a:t> Əgər diskin həcmi 2TB-dan böyükdürsə və ya müasir sistemlərdən istifadə edirsənsə (məsələn, UEFI sistemləri), GPT istifadə edilməlidir.</a:t>
+            </a:r>
+          </a:p>
+          <a:p>
+            <a:r>
+              <a:rPr lang="en-US" sz="1050" b="1"/>
+              <a:t>Əsas xüsusiyyətləri:</a:t>
+            </a:r>
+            <a:endParaRPr lang="en-US" sz="1050"/>
+          </a:p>
+          <a:p>
+            <a:pPr marL="628650" lvl="1" indent="-171450">
+              <a:buFont typeface="Arial" panose="020B0604020202020204" pitchFamily="34" charset="0"/>
+              <a:buChar char="•"/>
+            </a:pPr>
+            <a:r>
+              <a:rPr lang="en-US" sz="1050" b="1"/>
+              <a:t>128 bölmə</a:t>
+            </a:r>
+            <a:r>
+              <a:rPr lang="en-US" sz="1050"/>
+              <a:t> yaratmağa imkan verir. Yəni, MBR-dən daha çox bölmə əlavə etmək mümkündür.</a:t>
+            </a:r>
+          </a:p>
+          <a:p>
+            <a:pPr marL="628650" lvl="1" indent="-171450">
+              <a:buFont typeface="Arial" panose="020B0604020202020204" pitchFamily="34" charset="0"/>
+              <a:buChar char="•"/>
+            </a:pPr>
+            <a:r>
+              <a:rPr lang="en-US" sz="1050"/>
+              <a:t>Çox böyük diskləri (18 exabayt qədər) dəstəkləyir.</a:t>
+            </a:r>
+            <a:endParaRPr lang="az-Latn-AZ" sz="1050"/>
+          </a:p>
+          <a:p>
+            <a:pPr marL="628650" lvl="1" indent="-171450">
+              <a:buFont typeface="Arial" panose="020B0604020202020204" pitchFamily="34" charset="0"/>
+              <a:buChar char="•"/>
+            </a:pPr>
+            <a:endParaRPr lang="en-US" sz="1050"/>
+          </a:p>
+          <a:p>
+            <a:r>
+              <a:rPr lang="en-US" sz="1050" b="1"/>
+              <a:t>3. </a:t>
+            </a:r>
+            <a:r>
+              <a:rPr lang="en-US" sz="1050" b="1">
+                <a:solidFill>
+                  <a:srgbClr val="00B050"/>
+                </a:solidFill>
+              </a:rPr>
+              <a:t>Primary Partition (Əsas Bölmə)</a:t>
+            </a:r>
+          </a:p>
+          <a:p>
+            <a:pPr marL="628650" lvl="1" indent="-171450">
+              <a:buFont typeface="Arial" panose="020B0604020202020204" pitchFamily="34" charset="0"/>
+              <a:buChar char="•"/>
+            </a:pPr>
+            <a:r>
+              <a:rPr lang="en-US" sz="1050" b="1"/>
+              <a:t>Nədir?</a:t>
+            </a:r>
+            <a:r>
+              <a:rPr lang="en-US" sz="1050"/>
+              <a:t> Bu, diskdə birbaşa yaradılan əsas bölmələrdir.</a:t>
+            </a:r>
+          </a:p>
+          <a:p>
+            <a:pPr marL="628650" lvl="1" indent="-171450">
+              <a:buFont typeface="Arial" panose="020B0604020202020204" pitchFamily="34" charset="0"/>
+              <a:buChar char="•"/>
+            </a:pPr>
+            <a:r>
+              <a:rPr lang="en-US" sz="1050" b="1"/>
+              <a:t>Nə zaman istifadə edilir?</a:t>
+            </a:r>
+            <a:r>
+              <a:rPr lang="en-US" sz="1050"/>
+              <a:t> MBR sistemində maksimum 4 əsas bölmə yarada bilərsən. Diskin əsas bölmələrində əməliyyat sistemi quraşdırmaq üçün istifadə edilir.</a:t>
+            </a:r>
+            <a:endParaRPr lang="az-Latn-AZ" sz="1050"/>
+          </a:p>
+          <a:p>
+            <a:pPr marL="628650" lvl="1" indent="-171450">
+              <a:buFont typeface="Arial" panose="020B0604020202020204" pitchFamily="34" charset="0"/>
+              <a:buChar char="•"/>
+            </a:pPr>
+            <a:endParaRPr lang="en-US" sz="1050"/>
+          </a:p>
+          <a:p>
+            <a:r>
+              <a:rPr lang="en-US" sz="1050" b="1"/>
+              <a:t>4. </a:t>
+            </a:r>
+            <a:r>
+              <a:rPr lang="en-US" sz="1050" b="1">
+                <a:solidFill>
+                  <a:srgbClr val="00B050"/>
+                </a:solidFill>
+              </a:rPr>
+              <a:t>Extended Partition (Genişləndirilmiş Bölmə)</a:t>
+            </a:r>
+          </a:p>
+          <a:p>
+            <a:pPr marL="628650" lvl="1" indent="-171450">
+              <a:buFont typeface="Arial" panose="020B0604020202020204" pitchFamily="34" charset="0"/>
+              <a:buChar char="•"/>
+            </a:pPr>
+            <a:r>
+              <a:rPr lang="en-US" sz="1050" b="1"/>
+              <a:t>Nədir?</a:t>
+            </a:r>
+            <a:r>
+              <a:rPr lang="en-US" sz="1050"/>
+              <a:t> Bu, yalnız MBR formatında olan disklərdə istifadə edilən bir bölmə növüdür. Bir növ "konteyner" kimidir.</a:t>
+            </a:r>
+          </a:p>
+          <a:p>
+            <a:pPr marL="628650" lvl="1" indent="-171450">
+              <a:buFont typeface="Arial" panose="020B0604020202020204" pitchFamily="34" charset="0"/>
+              <a:buChar char="•"/>
+            </a:pPr>
+            <a:r>
+              <a:rPr lang="en-US" sz="1050" b="1"/>
+              <a:t>Nə zaman istifadə edilir?</a:t>
+            </a:r>
+            <a:r>
+              <a:rPr lang="en-US" sz="1050"/>
+              <a:t> Əgər diskinizdə 4-dən çox bölmə yaratmaq istəyirsinizsə, </a:t>
+            </a:r>
+            <a:r>
+              <a:rPr lang="en-US" sz="1050" b="1"/>
+              <a:t>bir əsas bölmə</a:t>
+            </a:r>
+            <a:r>
+              <a:rPr lang="en-US" sz="1050"/>
+              <a:t>ni </a:t>
+            </a:r>
+            <a:r>
+              <a:rPr lang="en-US" sz="1050" b="1"/>
+              <a:t>genişləndirilmiş bölmə</a:t>
+            </a:r>
+            <a:r>
+              <a:rPr lang="en-US" sz="1050"/>
+              <a:t> olaraq təyin edib, burada çox sayda </a:t>
+            </a:r>
+            <a:r>
+              <a:rPr lang="en-US" sz="1050" b="1"/>
+              <a:t>loqik bölmə</a:t>
+            </a:r>
+            <a:r>
+              <a:rPr lang="en-US" sz="1050"/>
+              <a:t> yarada bilərsiniz.</a:t>
+            </a:r>
+            <a:endParaRPr lang="az-Latn-AZ" sz="1050"/>
+          </a:p>
+          <a:p>
+            <a:pPr marL="628650" lvl="1" indent="-171450">
+              <a:buFont typeface="Arial" panose="020B0604020202020204" pitchFamily="34" charset="0"/>
+              <a:buChar char="•"/>
+            </a:pPr>
+            <a:endParaRPr lang="en-US" sz="1050"/>
+          </a:p>
+          <a:p>
+            <a:r>
+              <a:rPr lang="en-US" sz="1050" b="1"/>
+              <a:t>5. </a:t>
+            </a:r>
+            <a:r>
+              <a:rPr lang="en-US" sz="1050" b="1">
+                <a:solidFill>
+                  <a:srgbClr val="00B050"/>
+                </a:solidFill>
+              </a:rPr>
+              <a:t>Logical Partition (Loqik Bölmə)</a:t>
+            </a:r>
+          </a:p>
+          <a:p>
+            <a:pPr marL="628650" lvl="1" indent="-171450">
+              <a:buFont typeface="Arial" panose="020B0604020202020204" pitchFamily="34" charset="0"/>
+              <a:buChar char="•"/>
+            </a:pPr>
+            <a:r>
+              <a:rPr lang="en-US" sz="1050" b="1"/>
+              <a:t>Nədir?</a:t>
+            </a:r>
+            <a:r>
+              <a:rPr lang="en-US" sz="1050"/>
+              <a:t> Genişləndirilmiş bölmənin daxilindəki alt bölmələrdir.</a:t>
+            </a:r>
+          </a:p>
+          <a:p>
+            <a:pPr marL="628650" lvl="1" indent="-171450">
+              <a:buFont typeface="Arial" panose="020B0604020202020204" pitchFamily="34" charset="0"/>
+              <a:buChar char="•"/>
+            </a:pPr>
+            <a:r>
+              <a:rPr lang="en-US" sz="1050" b="1"/>
+              <a:t>Nə zaman istifadə edilir?</a:t>
+            </a:r>
+            <a:r>
+              <a:rPr lang="en-US" sz="1050"/>
+              <a:t> Yalnız MBR istifadə edən sistemlərdə genişləndirilmiş bölmənin daxilində yaradılır.</a:t>
+            </a:r>
+            <a:endParaRPr lang="az-Latn-AZ" sz="1050"/>
+          </a:p>
+          <a:p>
+            <a:pPr marL="628650" lvl="1" indent="-171450">
+              <a:buFont typeface="Arial" panose="020B0604020202020204" pitchFamily="34" charset="0"/>
+              <a:buChar char="•"/>
+            </a:pPr>
+            <a:endParaRPr lang="en-US" sz="1050"/>
+          </a:p>
+          <a:p>
+            <a:r>
+              <a:rPr lang="en-US" sz="1050" b="1"/>
+              <a:t>6. </a:t>
+            </a:r>
+            <a:r>
+              <a:rPr lang="en-US" sz="1050" b="1">
+                <a:solidFill>
+                  <a:srgbClr val="00B050"/>
+                </a:solidFill>
+              </a:rPr>
+              <a:t>Swap (Virtual Yaddaş)</a:t>
+            </a:r>
+          </a:p>
+          <a:p>
+            <a:pPr marL="628650" lvl="1" indent="-171450">
+              <a:buFont typeface="Arial" panose="020B0604020202020204" pitchFamily="34" charset="0"/>
+              <a:buChar char="•"/>
+            </a:pPr>
+            <a:r>
+              <a:rPr lang="en-US" sz="1050" b="1"/>
+              <a:t>Nədir?</a:t>
+            </a:r>
+            <a:r>
+              <a:rPr lang="en-US" sz="1050"/>
+              <a:t> Swap, "virtual yaddaş" kimi işləyən xüsusi bir bölmədir. Yəni, RAM (əməliyyat yaddaşı) dolarsa, kompüter bu bölməni istifadə edərək məlumatı "yazmağa" başlayır.</a:t>
+            </a:r>
+          </a:p>
+          <a:p>
+            <a:pPr marL="628650" lvl="1" indent="-171450">
+              <a:buFont typeface="Arial" panose="020B0604020202020204" pitchFamily="34" charset="0"/>
+              <a:buChar char="•"/>
+            </a:pPr>
+            <a:r>
+              <a:rPr lang="en-US" sz="1050" b="1"/>
+              <a:t>Nə zaman istifadə edilir?</a:t>
+            </a:r>
+            <a:r>
+              <a:rPr lang="en-US" sz="1050"/>
+              <a:t> Əgər kompüterdə RAM azdır və ya çox sayda proqram işləyirsə, swap bölməsi istifadə olunur.</a:t>
+            </a:r>
+            <a:endParaRPr lang="az-Latn-AZ" sz="1050"/>
+          </a:p>
+          <a:p>
+            <a:pPr marL="628650" lvl="1" indent="-171450">
+              <a:buFont typeface="Arial" panose="020B0604020202020204" pitchFamily="34" charset="0"/>
+              <a:buChar char="•"/>
+            </a:pPr>
+            <a:endParaRPr lang="en-US" sz="1050"/>
+          </a:p>
+          <a:p>
+            <a:r>
+              <a:rPr lang="en-US" sz="1050" b="1"/>
+              <a:t>7. </a:t>
+            </a:r>
+            <a:r>
+              <a:rPr lang="en-US" sz="1050" b="1">
+                <a:solidFill>
+                  <a:srgbClr val="00B050"/>
+                </a:solidFill>
+              </a:rPr>
+              <a:t>LVM (Logical Volume Manager)</a:t>
+            </a:r>
+          </a:p>
+          <a:p>
+            <a:pPr marL="628650" lvl="1" indent="-171450">
+              <a:buFont typeface="Arial" panose="020B0604020202020204" pitchFamily="34" charset="0"/>
+              <a:buChar char="•"/>
+            </a:pPr>
+            <a:r>
+              <a:rPr lang="en-US" sz="1050" b="1"/>
+              <a:t>Nədir?</a:t>
+            </a:r>
+            <a:r>
+              <a:rPr lang="en-US" sz="1050"/>
+              <a:t> Bu, dinamik bölmə idarəetmə sistemidir. Yəni, diskləri daha çevik şəkildə idarə etməyə imkan verir.</a:t>
+            </a:r>
+          </a:p>
+          <a:p>
+            <a:pPr marL="628650" lvl="1" indent="-171450">
+              <a:buFont typeface="Arial" panose="020B0604020202020204" pitchFamily="34" charset="0"/>
+              <a:buChar char="•"/>
+            </a:pPr>
+            <a:r>
+              <a:rPr lang="en-US" sz="1050" b="1"/>
+              <a:t>Nə zaman istifadə edilir?</a:t>
+            </a:r>
+            <a:r>
+              <a:rPr lang="en-US" sz="1050"/>
+              <a:t> Diski genişləndirmək və ya kiçiltmək lazım olduqda, LVM daha rahat istifadə edilir. Məsələn, bir bölmənin ölçüsünü dəyişmək istəyirsənsə, LVM bu işləri çox asanlaşdırır.</a:t>
+            </a:r>
+            <a:endParaRPr lang="az-Latn-AZ" sz="1050"/>
+          </a:p>
+          <a:p>
+            <a:pPr marL="628650" lvl="1" indent="-171450">
+              <a:buFont typeface="Arial" panose="020B0604020202020204" pitchFamily="34" charset="0"/>
+              <a:buChar char="•"/>
+            </a:pPr>
+            <a:endParaRPr lang="en-US" sz="1050"/>
+          </a:p>
+          <a:p>
+            <a:r>
+              <a:rPr lang="en-US" sz="1050" b="1"/>
+              <a:t>8. </a:t>
+            </a:r>
+            <a:r>
+              <a:rPr lang="en-US" sz="1050" b="1">
+                <a:solidFill>
+                  <a:srgbClr val="00B050"/>
+                </a:solidFill>
+              </a:rPr>
+              <a:t>RAID (Redundant Array of Independent Disks)</a:t>
+            </a:r>
+          </a:p>
+          <a:p>
+            <a:pPr marL="628650" lvl="1" indent="-171450">
+              <a:buFont typeface="Arial" panose="020B0604020202020204" pitchFamily="34" charset="0"/>
+              <a:buChar char="•"/>
+            </a:pPr>
+            <a:r>
+              <a:rPr lang="en-US" sz="1050" b="1"/>
+              <a:t>Nədir?</a:t>
+            </a:r>
+            <a:r>
+              <a:rPr lang="en-US" sz="1050"/>
+              <a:t> Bu, bir neçə diski birləşdirərək, disk performansını artırmaq və ya məlumat təhlükəsizliyini təmin etmək məqsədilə istifadə edilən texnologiyadır.</a:t>
+            </a:r>
+          </a:p>
+          <a:p>
+            <a:pPr marL="628650" lvl="1" indent="-171450">
+              <a:buFont typeface="Arial" panose="020B0604020202020204" pitchFamily="34" charset="0"/>
+              <a:buChar char="•"/>
+            </a:pPr>
+            <a:r>
+              <a:rPr lang="en-US" sz="1050" b="1"/>
+              <a:t>Nə zaman istifadə edilir?</a:t>
+            </a:r>
+            <a:r>
+              <a:rPr lang="en-US" sz="1050"/>
+              <a:t> RAID, xüsusilə serverlərdə və ya çox böyük məlumat saxlama sistemlərində istifadə olunur. Məsələn, RAID 1 məlumatı iki diskə eyni anda yazaraq məlumat itkisinin qarşısını alır, RAID 0 isə sürəti artırır.</a:t>
+            </a:r>
+          </a:p>
+        </p:txBody>
+      </p:sp>
+    </p:spTree>
+    <p:extLst>
+      <p:ext uri="{BB962C8B-B14F-4D97-AF65-F5344CB8AC3E}">
+        <p14:creationId xmlns:p14="http://schemas.microsoft.com/office/powerpoint/2010/main" val="3921960333"/>
+      </p:ext>
+    </p:extLst>
+  </p:cSld>
+  <p:clrMapOvr>
+    <a:masterClrMapping/>
+  </p:clrMapOvr>
+</p:sld>
+</file>
+
+<file path=ppt/slides/slide31.xml><?xml version="1.0" encoding="utf-8"?>
+<p:sld xmlns:a="http://schemas.openxmlformats.org/drawingml/2006/main" xmlns:r="http://schemas.openxmlformats.org/officeDocument/2006/relationships" xmlns:p="http://schemas.openxmlformats.org/presentationml/2006/main">
+  <p:cSld>
+    <p:spTree>
+      <p:nvGrpSpPr>
+        <p:cNvPr id="1" name="">
+          <a:extLst>
+            <a:ext uri="{FF2B5EF4-FFF2-40B4-BE49-F238E27FC236}">
+              <a16:creationId xmlns:a16="http://schemas.microsoft.com/office/drawing/2014/main" id="{7E480F95-F49D-3810-C3EC-D541D3DE9B3C}"/>
+            </a:ext>
+          </a:extLst>
+        </p:cNvPr>
+        <p:cNvGrpSpPr/>
+        <p:nvPr/>
+      </p:nvGrpSpPr>
+      <p:grpSpPr>
+        <a:xfrm>
+          <a:off x="0" y="0"/>
+          <a:ext cx="0" cy="0"/>
+          <a:chOff x="0" y="0"/>
+          <a:chExt cx="0" cy="0"/>
+        </a:xfrm>
+      </p:grpSpPr>
+      <p:sp>
+        <p:nvSpPr>
+          <p:cNvPr id="7" name="TextBox 6">
+            <a:extLst>
+              <a:ext uri="{FF2B5EF4-FFF2-40B4-BE49-F238E27FC236}">
+                <a16:creationId xmlns:a16="http://schemas.microsoft.com/office/drawing/2014/main" id="{0093A8CB-E353-D414-F390-AAE0C8F73F16}"/>
+              </a:ext>
+            </a:extLst>
+          </p:cNvPr>
+          <p:cNvSpPr txBox="1"/>
+          <p:nvPr/>
+        </p:nvSpPr>
+        <p:spPr>
+          <a:xfrm>
+            <a:off x="203200" y="244826"/>
+            <a:ext cx="11822545" cy="3600986"/>
+          </a:xfrm>
+          <a:prstGeom prst="rect">
+            <a:avLst/>
+          </a:prstGeom>
+          <a:noFill/>
+        </p:spPr>
+        <p:txBody>
+          <a:bodyPr wrap="square">
+            <a:spAutoFit/>
+          </a:bodyPr>
+          <a:lstStyle/>
+          <a:p>
+            <a:r>
+              <a:rPr lang="en-US" sz="1200"/>
+              <a:t>Sistemdəki disk quruluşunun </a:t>
+            </a:r>
+            <a:r>
+              <a:rPr lang="en-US" sz="1200" b="1"/>
+              <a:t>MBR</a:t>
+            </a:r>
+            <a:r>
+              <a:rPr lang="en-US" sz="1200"/>
+              <a:t> (Master Boot Record) və ya </a:t>
+            </a:r>
+            <a:r>
+              <a:rPr lang="en-US" sz="1200" b="1"/>
+              <a:t>GPT</a:t>
+            </a:r>
+            <a:r>
+              <a:rPr lang="en-US" sz="1200"/>
+              <a:t> (GUID Partition Table) </a:t>
+            </a:r>
+            <a:r>
+              <a:rPr lang="az-Latn-AZ" sz="1200"/>
+              <a:t>və.s </a:t>
+            </a:r>
+            <a:r>
+              <a:rPr lang="en-US" sz="1200"/>
+              <a:t>olduğunu tapmaq üçün aşağıdakı üsulları izləyə bilərsən:</a:t>
+            </a:r>
+            <a:endParaRPr lang="az-Latn-AZ" sz="1200"/>
+          </a:p>
+          <a:p>
+            <a:endParaRPr lang="az-Latn-AZ" sz="1200"/>
+          </a:p>
+          <a:p>
+            <a:pPr marL="171450" indent="-171450">
+              <a:buFont typeface="Arial" panose="020B0604020202020204" pitchFamily="34" charset="0"/>
+              <a:buChar char="•"/>
+            </a:pPr>
+            <a:r>
+              <a:rPr lang="en-US" sz="1200" b="1">
+                <a:solidFill>
+                  <a:srgbClr val="FF0000"/>
+                </a:solidFill>
+              </a:rPr>
+              <a:t>lsblk</a:t>
+            </a:r>
+            <a:r>
+              <a:rPr lang="az-Latn-AZ" sz="1200" b="1">
+                <a:solidFill>
+                  <a:srgbClr val="FF0000"/>
+                </a:solidFill>
+              </a:rPr>
+              <a:t>	</a:t>
+            </a:r>
+            <a:r>
+              <a:rPr lang="en-US" sz="1200"/>
+              <a:t> əmrindən </a:t>
+            </a:r>
+            <a:r>
+              <a:rPr lang="en-US" sz="1200" b="1"/>
+              <a:t>diskin tipi</a:t>
+            </a:r>
+            <a:r>
+              <a:rPr lang="en-US" sz="1200"/>
+              <a:t>ni (MBR və ya GPT) birbaşa görə bilməzsən. Ancaq daha detallı məlumatı əldə etmək üçün lsblk əmrini əlavə parametrlərlə istifadə edə bilərsən.</a:t>
+            </a:r>
+            <a:endParaRPr lang="az-Latn-AZ" sz="1200"/>
+          </a:p>
+          <a:p>
+            <a:endParaRPr lang="az-Latn-AZ" sz="1200"/>
+          </a:p>
+          <a:p>
+            <a:pPr marL="171450" indent="-171450">
+              <a:buFont typeface="Arial" panose="020B0604020202020204" pitchFamily="34" charset="0"/>
+              <a:buChar char="•"/>
+            </a:pPr>
+            <a:r>
+              <a:rPr lang="en-US" sz="1200" b="1">
+                <a:solidFill>
+                  <a:srgbClr val="FF0000"/>
+                </a:solidFill>
+              </a:rPr>
+              <a:t>parted</a:t>
+            </a:r>
+            <a:r>
+              <a:rPr lang="en-US" sz="1200"/>
+              <a:t> aləti daha ətraflı disk və bölmə cədvəli məlumatı verir. Bu alət vasitəsilə, disk formatını öyrənmək mümkündür.</a:t>
+            </a:r>
+            <a:r>
+              <a:rPr lang="az-Latn-AZ" sz="1200"/>
+              <a:t> </a:t>
+            </a:r>
+            <a:r>
+              <a:rPr lang="en-US" sz="1200"/>
+              <a:t>Burada /dev/sda diskin adıdır (əgər başqa disk istifadə edirsənsə, adını uyğun olaraq dəyişdirə bilərsən). Bu əmrin nəticəsində, disk formatı haqqında məlumat verəcək, məsələn:</a:t>
+            </a:r>
+            <a:endParaRPr lang="az-Latn-AZ" sz="1200"/>
+          </a:p>
+          <a:p>
+            <a:endParaRPr lang="az-Latn-AZ" sz="1200"/>
+          </a:p>
+          <a:p>
+            <a:endParaRPr lang="az-Latn-AZ" sz="1200"/>
+          </a:p>
+          <a:p>
+            <a:endParaRPr lang="az-Latn-AZ" sz="1200"/>
+          </a:p>
+          <a:p>
+            <a:endParaRPr lang="az-Latn-AZ" sz="1200"/>
+          </a:p>
+          <a:p>
+            <a:endParaRPr lang="az-Latn-AZ" sz="1200"/>
+          </a:p>
+          <a:p>
+            <a:endParaRPr lang="az-Latn-AZ" sz="1200"/>
+          </a:p>
+          <a:p>
+            <a:endParaRPr lang="az-Latn-AZ" sz="1200"/>
+          </a:p>
+          <a:p>
+            <a:pPr marL="171450" indent="-171450">
+              <a:buFont typeface="Arial" panose="020B0604020202020204" pitchFamily="34" charset="0"/>
+              <a:buChar char="•"/>
+            </a:pPr>
+            <a:r>
+              <a:rPr lang="en-US" sz="1200" b="1">
+                <a:solidFill>
+                  <a:srgbClr val="FF0000"/>
+                </a:solidFill>
+              </a:rPr>
+              <a:t>gdisk</a:t>
+            </a:r>
+            <a:r>
+              <a:rPr lang="en-US" sz="1200"/>
+              <a:t> aləti daha mükəmməl bir vasitədir və MBR və GPT formatları haqqında çox detallı məlumat verir. Bu aləti istifadə edərək, disk formatını belə yoxlaya bilərsən:</a:t>
+            </a:r>
+            <a:r>
+              <a:rPr lang="az-Latn-AZ" sz="1200"/>
+              <a:t> Bu əmrdən sonra, diskin formatı haqqında GPT və ya MBR məlumatını çıxara biləcəksən. </a:t>
+            </a:r>
+            <a:r>
+              <a:rPr lang="az-Latn-AZ" sz="1200" b="1">
+                <a:highlight>
+                  <a:srgbClr val="FFFF00"/>
+                </a:highlight>
+              </a:rPr>
+              <a:t>ARDI NÖVBƏTİ SLAYDDA</a:t>
+            </a:r>
+            <a:r>
+              <a:rPr lang="az-Latn-AZ" sz="1200"/>
+              <a:t>. </a:t>
+            </a:r>
+          </a:p>
+          <a:p>
+            <a:endParaRPr lang="az-Latn-AZ" sz="1200"/>
+          </a:p>
+          <a:p>
+            <a:endParaRPr lang="az-Latn-AZ" sz="1200"/>
+          </a:p>
+          <a:p>
+            <a:endParaRPr lang="az-Latn-AZ" sz="1200"/>
+          </a:p>
+          <a:p>
+            <a:endParaRPr lang="en-US" sz="1200"/>
+          </a:p>
+        </p:txBody>
+      </p:sp>
+      <p:pic>
+        <p:nvPicPr>
+          <p:cNvPr id="3" name="Picture 2">
+            <a:extLst>
+              <a:ext uri="{FF2B5EF4-FFF2-40B4-BE49-F238E27FC236}">
+                <a16:creationId xmlns:a16="http://schemas.microsoft.com/office/drawing/2014/main" id="{92431878-BED8-248B-F6D9-C50411A67438}"/>
+              </a:ext>
+            </a:extLst>
+          </p:cNvPr>
+          <p:cNvPicPr>
+            <a:picLocks noChangeAspect="1"/>
+          </p:cNvPicPr>
+          <p:nvPr/>
+        </p:nvPicPr>
+        <p:blipFill>
+          <a:blip r:embed="rId2"/>
+          <a:stretch>
+            <a:fillRect/>
+          </a:stretch>
+        </p:blipFill>
+        <p:spPr>
+          <a:xfrm>
+            <a:off x="203200" y="1538112"/>
+            <a:ext cx="2229161" cy="438211"/>
+          </a:xfrm>
+          <a:prstGeom prst="rect">
+            <a:avLst/>
+          </a:prstGeom>
+        </p:spPr>
+      </p:pic>
+      <p:pic>
+        <p:nvPicPr>
+          <p:cNvPr id="5" name="Picture 4">
+            <a:extLst>
+              <a:ext uri="{FF2B5EF4-FFF2-40B4-BE49-F238E27FC236}">
+                <a16:creationId xmlns:a16="http://schemas.microsoft.com/office/drawing/2014/main" id="{BD0B3CE4-555A-016B-2C15-5B280B430A34}"/>
+              </a:ext>
+            </a:extLst>
+          </p:cNvPr>
+          <p:cNvPicPr>
+            <a:picLocks noChangeAspect="1"/>
+          </p:cNvPicPr>
+          <p:nvPr/>
+        </p:nvPicPr>
+        <p:blipFill>
+          <a:blip r:embed="rId3"/>
+          <a:stretch>
+            <a:fillRect/>
+          </a:stretch>
+        </p:blipFill>
+        <p:spPr>
+          <a:xfrm>
+            <a:off x="203200" y="3114631"/>
+            <a:ext cx="1895740" cy="314369"/>
+          </a:xfrm>
+          <a:prstGeom prst="rect">
+            <a:avLst/>
+          </a:prstGeom>
+        </p:spPr>
+      </p:pic>
+    </p:spTree>
+    <p:extLst>
+      <p:ext uri="{BB962C8B-B14F-4D97-AF65-F5344CB8AC3E}">
+        <p14:creationId xmlns:p14="http://schemas.microsoft.com/office/powerpoint/2010/main" val="1737218889"/>
+      </p:ext>
+    </p:extLst>
+  </p:cSld>
+  <p:clrMapOvr>
+    <a:masterClrMapping/>
+  </p:clrMapOvr>
+</p:sld>
+</file>
+
+<file path=ppt/slides/slide32.xml><?xml version="1.0" encoding="utf-8"?>
+<p:sld xmlns:a="http://schemas.openxmlformats.org/drawingml/2006/main" xmlns:r="http://schemas.openxmlformats.org/officeDocument/2006/relationships" xmlns:p="http://schemas.openxmlformats.org/presentationml/2006/main">
+  <p:cSld>
+    <p:spTree>
+      <p:nvGrpSpPr>
+        <p:cNvPr id="1" name="">
+          <a:extLst>
+            <a:ext uri="{FF2B5EF4-FFF2-40B4-BE49-F238E27FC236}">
               <a16:creationId xmlns:a16="http://schemas.microsoft.com/office/drawing/2014/main" id="{F6ABEF0A-7092-9250-494D-E9683A50C51B}"/>
             </a:ext>
           </a:extLst>
@@ -36897,7 +37549,7 @@
 </p:sld>
 </file>
 
-<file path=ppt/slides/slide31.xml><?xml version="1.0" encoding="utf-8"?>
+<file path=ppt/slides/slide33.xml><?xml version="1.0" encoding="utf-8"?>
 <p:sld xmlns:a="http://schemas.openxmlformats.org/drawingml/2006/main" xmlns:r="http://schemas.openxmlformats.org/officeDocument/2006/relationships" xmlns:p="http://schemas.openxmlformats.org/presentationml/2006/main">
   <p:cSld>
     <p:spTree>
@@ -37189,7 +37841,7 @@
 </p:sld>
 </file>
 
-<file path=ppt/slides/slide32.xml><?xml version="1.0" encoding="utf-8"?>
+<file path=ppt/slides/slide34.xml><?xml version="1.0" encoding="utf-8"?>
 <p:sld xmlns:a="http://schemas.openxmlformats.org/drawingml/2006/main" xmlns:r="http://schemas.openxmlformats.org/officeDocument/2006/relationships" xmlns:p="http://schemas.openxmlformats.org/presentationml/2006/main">
   <p:cSld>
     <p:spTree>
@@ -37644,7 +38296,7 @@
 </p:sld>
 </file>
 
-<file path=ppt/slides/slide33.xml><?xml version="1.0" encoding="utf-8"?>
+<file path=ppt/slides/slide35.xml><?xml version="1.0" encoding="utf-8"?>
 <p:sld xmlns:a="http://schemas.openxmlformats.org/drawingml/2006/main" xmlns:r="http://schemas.openxmlformats.org/officeDocument/2006/relationships" xmlns:p="http://schemas.openxmlformats.org/presentationml/2006/main">
   <p:cSld>
     <p:spTree>
@@ -38260,7 +38912,7 @@
 </p:sld>
 </file>
 
-<file path=ppt/slides/slide34.xml><?xml version="1.0" encoding="utf-8"?>
+<file path=ppt/slides/slide36.xml><?xml version="1.0" encoding="utf-8"?>
 <p:sld xmlns:a="http://schemas.openxmlformats.org/drawingml/2006/main" xmlns:r="http://schemas.openxmlformats.org/officeDocument/2006/relationships" xmlns:p="http://schemas.openxmlformats.org/presentationml/2006/main">
   <p:cSld>
     <p:spTree>
@@ -38529,7 +39181,7 @@
 </p:sld>
 </file>
 
-<file path=ppt/slides/slide35.xml><?xml version="1.0" encoding="utf-8"?>
+<file path=ppt/slides/slide37.xml><?xml version="1.0" encoding="utf-8"?>
 <p:sld xmlns:a="http://schemas.openxmlformats.org/drawingml/2006/main" xmlns:r="http://schemas.openxmlformats.org/officeDocument/2006/relationships" xmlns:p="http://schemas.openxmlformats.org/presentationml/2006/main">
   <p:cSld>
     <p:spTree>
@@ -39041,7 +39693,7 @@
 </p:sld>
 </file>
 
-<file path=ppt/slides/slide36.xml><?xml version="1.0" encoding="utf-8"?>
+<file path=ppt/slides/slide38.xml><?xml version="1.0" encoding="utf-8"?>
 <p:sld xmlns:a="http://schemas.openxmlformats.org/drawingml/2006/main" xmlns:r="http://schemas.openxmlformats.org/officeDocument/2006/relationships" xmlns:p="http://schemas.openxmlformats.org/presentationml/2006/main">
   <p:cSld>
     <p:spTree>
@@ -39291,7 +39943,7 @@
 </p:sld>
 </file>
 
-<file path=ppt/slides/slide37.xml><?xml version="1.0" encoding="utf-8"?>
+<file path=ppt/slides/slide39.xml><?xml version="1.0" encoding="utf-8"?>
 <p:sld xmlns:a="http://schemas.openxmlformats.org/drawingml/2006/main" xmlns:r="http://schemas.openxmlformats.org/officeDocument/2006/relationships" xmlns:p="http://schemas.openxmlformats.org/presentationml/2006/main">
   <p:cSld>
     <p:spTree>
@@ -39640,522 +40292,6 @@
     <p:extLst>
       <p:ext uri="{BB962C8B-B14F-4D97-AF65-F5344CB8AC3E}">
         <p14:creationId xmlns:p14="http://schemas.microsoft.com/office/powerpoint/2010/main" val="1011584987"/>
-      </p:ext>
-    </p:extLst>
-  </p:cSld>
-  <p:clrMapOvr>
-    <a:masterClrMapping/>
-  </p:clrMapOvr>
-</p:sld>
-</file>
-
-<file path=ppt/slides/slide38.xml><?xml version="1.0" encoding="utf-8"?>
-<p:sld xmlns:a="http://schemas.openxmlformats.org/drawingml/2006/main" xmlns:r="http://schemas.openxmlformats.org/officeDocument/2006/relationships" xmlns:p="http://schemas.openxmlformats.org/presentationml/2006/main">
-  <p:cSld>
-    <p:spTree>
-      <p:nvGrpSpPr>
-        <p:cNvPr id="1" name="">
-          <a:extLst>
-            <a:ext uri="{FF2B5EF4-FFF2-40B4-BE49-F238E27FC236}">
-              <a16:creationId xmlns:a16="http://schemas.microsoft.com/office/drawing/2014/main" id="{2BCD36A6-EDAF-A838-705D-A0090C47247C}"/>
-            </a:ext>
-          </a:extLst>
-        </p:cNvPr>
-        <p:cNvGrpSpPr/>
-        <p:nvPr/>
-      </p:nvGrpSpPr>
-      <p:grpSpPr>
-        <a:xfrm>
-          <a:off x="0" y="0"/>
-          <a:ext cx="0" cy="0"/>
-          <a:chOff x="0" y="0"/>
-          <a:chExt cx="0" cy="0"/>
-        </a:xfrm>
-      </p:grpSpPr>
-      <p:sp>
-        <p:nvSpPr>
-          <p:cNvPr id="7" name="TextBox 6">
-            <a:extLst>
-              <a:ext uri="{FF2B5EF4-FFF2-40B4-BE49-F238E27FC236}">
-                <a16:creationId xmlns:a16="http://schemas.microsoft.com/office/drawing/2014/main" id="{EC2F81E7-67E4-CF6B-F39A-D83D54DA5DFF}"/>
-              </a:ext>
-            </a:extLst>
-          </p:cNvPr>
-          <p:cNvSpPr txBox="1"/>
-          <p:nvPr/>
-        </p:nvSpPr>
-        <p:spPr>
-          <a:xfrm>
-            <a:off x="203200" y="244826"/>
-            <a:ext cx="11822545" cy="5696046"/>
-          </a:xfrm>
-          <a:prstGeom prst="rect">
-            <a:avLst/>
-          </a:prstGeom>
-          <a:noFill/>
-        </p:spPr>
-        <p:txBody>
-          <a:bodyPr wrap="square">
-            <a:spAutoFit/>
-          </a:bodyPr>
-          <a:lstStyle/>
-          <a:p>
-            <a:r>
-              <a:rPr lang="en-US" sz="1200" b="1"/>
-              <a:t>Linux-da Ümumi Fayl Sistemləri</a:t>
-            </a:r>
-            <a:endParaRPr lang="az-Latn-AZ" sz="1200" b="1"/>
-          </a:p>
-          <a:p>
-            <a:endParaRPr lang="en-US" sz="1200" b="1"/>
-          </a:p>
-          <a:p>
-            <a:r>
-              <a:rPr lang="en-US" sz="1200"/>
-              <a:t>Disk bölmələri formatlanarkən müəyyən fayl sistemləri ilə konfiqurasiya edilir. Linux-da ən çox istifadə olunan fayl sistemləri:</a:t>
-            </a:r>
-            <a:endParaRPr lang="az-Latn-AZ" sz="1200"/>
-          </a:p>
-          <a:p>
-            <a:endParaRPr lang="az-Latn-AZ" sz="1200">
-              <a:effectLst/>
-            </a:endParaRPr>
-          </a:p>
-          <a:p>
-            <a:pPr marL="742950" lvl="1" indent="-285750">
-              <a:lnSpc>
-                <a:spcPct val="150000"/>
-              </a:lnSpc>
-              <a:buFont typeface="Wingdings" panose="05000000000000000000" pitchFamily="2" charset="2"/>
-              <a:buChar char="q"/>
-            </a:pPr>
-            <a:r>
-              <a:rPr lang="en-US" sz="1200" b="1"/>
-              <a:t>ext4</a:t>
-            </a:r>
-            <a:r>
-              <a:rPr lang="en-US" sz="1200"/>
-              <a:t>: Linux-un standart fayl sistemi, etibarlı və sürətlidir.</a:t>
-            </a:r>
-          </a:p>
-          <a:p>
-            <a:pPr marL="742950" lvl="1" indent="-285750">
-              <a:lnSpc>
-                <a:spcPct val="150000"/>
-              </a:lnSpc>
-              <a:buFont typeface="Wingdings" panose="05000000000000000000" pitchFamily="2" charset="2"/>
-              <a:buChar char="q"/>
-            </a:pPr>
-            <a:r>
-              <a:rPr lang="en-US" sz="1200" b="1"/>
-              <a:t>ext3/ext2</a:t>
-            </a:r>
-            <a:r>
-              <a:rPr lang="en-US" sz="1200"/>
-              <a:t>: ext4-dən köhnə, lakin hələ də istifadə olunan fayl sistemləri.</a:t>
-            </a:r>
-          </a:p>
-          <a:p>
-            <a:pPr marL="742950" lvl="1" indent="-285750">
-              <a:lnSpc>
-                <a:spcPct val="150000"/>
-              </a:lnSpc>
-              <a:buFont typeface="Wingdings" panose="05000000000000000000" pitchFamily="2" charset="2"/>
-              <a:buChar char="q"/>
-            </a:pPr>
-            <a:r>
-              <a:rPr lang="en-US" sz="1200" b="1"/>
-              <a:t>Btrfs</a:t>
-            </a:r>
-            <a:r>
-              <a:rPr lang="en-US" sz="1200"/>
-              <a:t>: Müasir fayl sistemi, snapshot və sıxılma kimi xüsusiyyətlərə malikdir.</a:t>
-            </a:r>
-          </a:p>
-          <a:p>
-            <a:pPr marL="742950" lvl="1" indent="-285750">
-              <a:lnSpc>
-                <a:spcPct val="150000"/>
-              </a:lnSpc>
-              <a:buFont typeface="Wingdings" panose="05000000000000000000" pitchFamily="2" charset="2"/>
-              <a:buChar char="q"/>
-            </a:pPr>
-            <a:r>
-              <a:rPr lang="en-US" sz="1200" b="1"/>
-              <a:t>XFS</a:t>
-            </a:r>
-            <a:r>
-              <a:rPr lang="en-US" sz="1200"/>
-              <a:t>: Yüksək performanslı fayl sistemi, xüsusilə böyük fayllar üçün uyğundur.</a:t>
-            </a:r>
-          </a:p>
-          <a:p>
-            <a:pPr marL="742950" lvl="1" indent="-285750">
-              <a:lnSpc>
-                <a:spcPct val="150000"/>
-              </a:lnSpc>
-              <a:buFont typeface="Wingdings" panose="05000000000000000000" pitchFamily="2" charset="2"/>
-              <a:buChar char="q"/>
-            </a:pPr>
-            <a:r>
-              <a:rPr lang="en-US" sz="1200" b="1"/>
-              <a:t>ZFS</a:t>
-            </a:r>
-            <a:r>
-              <a:rPr lang="en-US" sz="1200"/>
-              <a:t>: Təkmilləşdirilmiş xüsusiyyətlərə malik, lakin resurs tələb edən fayl sistemi.</a:t>
-            </a:r>
-          </a:p>
-          <a:p>
-            <a:pPr marL="742950" lvl="1" indent="-285750">
-              <a:lnSpc>
-                <a:spcPct val="150000"/>
-              </a:lnSpc>
-              <a:buFont typeface="Wingdings" panose="05000000000000000000" pitchFamily="2" charset="2"/>
-              <a:buChar char="q"/>
-            </a:pPr>
-            <a:r>
-              <a:rPr lang="en-US" sz="1200" b="1"/>
-              <a:t>FAT32/exFAT</a:t>
-            </a:r>
-            <a:r>
-              <a:rPr lang="en-US" sz="1200"/>
-              <a:t>: Windows ilə uyğunluq üçün, xarici disklərdə istifadə olunur.</a:t>
-            </a:r>
-          </a:p>
-          <a:p>
-            <a:pPr marL="742950" lvl="1" indent="-285750">
-              <a:lnSpc>
-                <a:spcPct val="150000"/>
-              </a:lnSpc>
-              <a:buFont typeface="Wingdings" panose="05000000000000000000" pitchFamily="2" charset="2"/>
-              <a:buChar char="q"/>
-            </a:pPr>
-            <a:r>
-              <a:rPr lang="en-US" sz="1200" b="1"/>
-              <a:t>NTFS</a:t>
-            </a:r>
-            <a:r>
-              <a:rPr lang="en-US" sz="1200"/>
-              <a:t>: Windows fayl sistemi, Linux-da oxuma/yazma dəstəyi var.</a:t>
-            </a:r>
-            <a:r>
-              <a:rPr lang="az-Latn-AZ" sz="1200"/>
-              <a:t> Və.s</a:t>
-            </a:r>
-          </a:p>
-          <a:p>
-            <a:endParaRPr lang="az-Latn-AZ" sz="1200">
-              <a:effectLst/>
-            </a:endParaRPr>
-          </a:p>
-          <a:p>
-            <a:endParaRPr lang="az-Latn-AZ" sz="1200">
-              <a:effectLst/>
-            </a:endParaRPr>
-          </a:p>
-          <a:p>
-            <a:endParaRPr lang="az-Latn-AZ" sz="1200"/>
-          </a:p>
-          <a:p>
-            <a:r>
-              <a:rPr lang="en-US" sz="1200" b="1"/>
-              <a:t>Bir Linux sistemində sadə bir bölmə sxemi belə ola bilər</a:t>
-            </a:r>
-            <a:r>
-              <a:rPr lang="en-US" sz="1200"/>
-              <a:t>:</a:t>
-            </a:r>
-          </a:p>
-          <a:p>
-            <a:endParaRPr lang="en-US" sz="1200"/>
-          </a:p>
-          <a:p>
-            <a:pPr marL="628650" lvl="1" indent="-171450">
-              <a:lnSpc>
-                <a:spcPct val="150000"/>
-              </a:lnSpc>
-              <a:buFont typeface="Wingdings" panose="05000000000000000000" pitchFamily="2" charset="2"/>
-              <a:buChar char="q"/>
-            </a:pPr>
-            <a:r>
-              <a:rPr lang="en-US" sz="1200"/>
-              <a:t>/dev/sda1: /boot (1 GB, ext4)</a:t>
-            </a:r>
-          </a:p>
-          <a:p>
-            <a:pPr marL="628650" lvl="1" indent="-171450">
-              <a:lnSpc>
-                <a:spcPct val="150000"/>
-              </a:lnSpc>
-              <a:buFont typeface="Wingdings" panose="05000000000000000000" pitchFamily="2" charset="2"/>
-              <a:buChar char="q"/>
-            </a:pPr>
-            <a:r>
-              <a:rPr lang="en-US" sz="1200"/>
-              <a:t>/dev/sda2: / (20-50 GB, ext4)</a:t>
-            </a:r>
-          </a:p>
-          <a:p>
-            <a:pPr marL="628650" lvl="1" indent="-171450">
-              <a:lnSpc>
-                <a:spcPct val="150000"/>
-              </a:lnSpc>
-              <a:buFont typeface="Wingdings" panose="05000000000000000000" pitchFamily="2" charset="2"/>
-              <a:buChar char="q"/>
-            </a:pPr>
-            <a:r>
-              <a:rPr lang="en-US" sz="1200"/>
-              <a:t>/dev/sda3: /home (qalan yer, ext4)</a:t>
-            </a:r>
-          </a:p>
-          <a:p>
-            <a:pPr marL="628650" lvl="1" indent="-171450">
-              <a:lnSpc>
-                <a:spcPct val="150000"/>
-              </a:lnSpc>
-              <a:buFont typeface="Wingdings" panose="05000000000000000000" pitchFamily="2" charset="2"/>
-              <a:buChar char="q"/>
-            </a:pPr>
-            <a:r>
-              <a:rPr lang="en-US" sz="1200"/>
-              <a:t>/dev/sda4: Swap (RAM ölçüsünə uyğun, məsələn, 4 GB)</a:t>
-            </a:r>
-          </a:p>
-          <a:p>
-            <a:endParaRPr lang="en-US" sz="1200"/>
-          </a:p>
-          <a:p>
-            <a:r>
-              <a:rPr lang="en-US" sz="1200" b="1"/>
-              <a:t>UEFI sistemləri üçün əlavə olaraq</a:t>
-            </a:r>
-            <a:r>
-              <a:rPr lang="en-US" sz="1200"/>
-              <a:t>:</a:t>
-            </a:r>
-          </a:p>
-          <a:p>
-            <a:pPr marL="628650" lvl="1" indent="-171450">
-              <a:lnSpc>
-                <a:spcPct val="150000"/>
-              </a:lnSpc>
-              <a:buFont typeface="Wingdings" panose="05000000000000000000" pitchFamily="2" charset="2"/>
-              <a:buChar char="q"/>
-            </a:pPr>
-            <a:r>
-              <a:rPr lang="en-US" sz="1200"/>
-              <a:t>/dev/sda1: EFI System Partition (100-300 MB, FAT32)</a:t>
-            </a:r>
-          </a:p>
-          <a:p>
-            <a:pPr marL="0" lvl="1">
-              <a:lnSpc>
-                <a:spcPct val="150000"/>
-              </a:lnSpc>
-            </a:pPr>
-            <a:endParaRPr lang="en-US" sz="1200">
-              <a:effectLst/>
-            </a:endParaRPr>
-          </a:p>
-        </p:txBody>
-      </p:sp>
-    </p:spTree>
-    <p:extLst>
-      <p:ext uri="{BB962C8B-B14F-4D97-AF65-F5344CB8AC3E}">
-        <p14:creationId xmlns:p14="http://schemas.microsoft.com/office/powerpoint/2010/main" val="586228052"/>
-      </p:ext>
-    </p:extLst>
-  </p:cSld>
-  <p:clrMapOvr>
-    <a:masterClrMapping/>
-  </p:clrMapOvr>
-</p:sld>
-</file>
-
-<file path=ppt/slides/slide39.xml><?xml version="1.0" encoding="utf-8"?>
-<p:sld xmlns:a="http://schemas.openxmlformats.org/drawingml/2006/main" xmlns:r="http://schemas.openxmlformats.org/officeDocument/2006/relationships" xmlns:p="http://schemas.openxmlformats.org/presentationml/2006/main">
-  <p:cSld>
-    <p:spTree>
-      <p:nvGrpSpPr>
-        <p:cNvPr id="1" name="">
-          <a:extLst>
-            <a:ext uri="{FF2B5EF4-FFF2-40B4-BE49-F238E27FC236}">
-              <a16:creationId xmlns:a16="http://schemas.microsoft.com/office/drawing/2014/main" id="{D423FAED-CC55-6F1A-3B5B-2A42412414B8}"/>
-            </a:ext>
-          </a:extLst>
-        </p:cNvPr>
-        <p:cNvGrpSpPr/>
-        <p:nvPr/>
-      </p:nvGrpSpPr>
-      <p:grpSpPr>
-        <a:xfrm>
-          <a:off x="0" y="0"/>
-          <a:ext cx="0" cy="0"/>
-          <a:chOff x="0" y="0"/>
-          <a:chExt cx="0" cy="0"/>
-        </a:xfrm>
-      </p:grpSpPr>
-      <p:sp>
-        <p:nvSpPr>
-          <p:cNvPr id="7" name="TextBox 6">
-            <a:extLst>
-              <a:ext uri="{FF2B5EF4-FFF2-40B4-BE49-F238E27FC236}">
-                <a16:creationId xmlns:a16="http://schemas.microsoft.com/office/drawing/2014/main" id="{7C5983CE-2DEF-599E-32FD-1929FFC25EB3}"/>
-              </a:ext>
-            </a:extLst>
-          </p:cNvPr>
-          <p:cNvSpPr txBox="1"/>
-          <p:nvPr/>
-        </p:nvSpPr>
-        <p:spPr>
-          <a:xfrm>
-            <a:off x="203200" y="244826"/>
-            <a:ext cx="11822545" cy="2308324"/>
-          </a:xfrm>
-          <a:prstGeom prst="rect">
-            <a:avLst/>
-          </a:prstGeom>
-          <a:noFill/>
-        </p:spPr>
-        <p:txBody>
-          <a:bodyPr wrap="square">
-            <a:spAutoFit/>
-          </a:bodyPr>
-          <a:lstStyle/>
-          <a:p>
-            <a:r>
-              <a:rPr lang="en-US" b="1">
-                <a:solidFill>
-                  <a:srgbClr val="FF0000"/>
-                </a:solidFill>
-                <a:latin typeface="-apple-system"/>
-              </a:rPr>
-              <a:t>Bölmələri Quraşdırma (Mounting)</a:t>
-            </a:r>
-          </a:p>
-          <a:p>
-            <a:endParaRPr lang="en-US">
-              <a:solidFill>
-                <a:srgbClr val="FF0000"/>
-              </a:solidFill>
-              <a:latin typeface="-apple-system"/>
-            </a:endParaRPr>
-          </a:p>
-          <a:p>
-            <a:r>
-              <a:rPr lang="en-US">
-                <a:latin typeface="-apple-system"/>
-              </a:rPr>
-              <a:t>Bölmələr yaradıldıqdan sonra onları müəyyən qovluqlara quraşdırmaq lazımdır:</a:t>
-            </a:r>
-          </a:p>
-          <a:p>
-            <a:pPr marL="742950" lvl="1" indent="-285750">
-              <a:lnSpc>
-                <a:spcPct val="150000"/>
-              </a:lnSpc>
-              <a:buFont typeface="Arial" panose="020B0604020202020204" pitchFamily="34" charset="0"/>
-              <a:buChar char="•"/>
-            </a:pPr>
-            <a:r>
-              <a:rPr lang="en-US" b="1">
-                <a:latin typeface="-apple-system"/>
-              </a:rPr>
-              <a:t>Əmr</a:t>
-            </a:r>
-            <a:r>
-              <a:rPr lang="en-US">
-                <a:latin typeface="-apple-system"/>
-              </a:rPr>
-              <a:t>: </a:t>
-            </a:r>
-            <a:r>
-              <a:rPr lang="en-US" b="1">
-                <a:solidFill>
-                  <a:srgbClr val="7030A0"/>
-                </a:solidFill>
-                <a:latin typeface="Courier New" panose="02070309020205020404" pitchFamily="49" charset="0"/>
-                <a:cs typeface="Courier New" panose="02070309020205020404" pitchFamily="49" charset="0"/>
-              </a:rPr>
-              <a:t>sudo mount /dev/sdX1 /mnt/qovluq </a:t>
-            </a:r>
-            <a:r>
-              <a:rPr lang="en-US">
-                <a:latin typeface="-apple-system"/>
-              </a:rPr>
-              <a:t>(</a:t>
-            </a:r>
-            <a:r>
-              <a:rPr lang="en-US" b="1">
-                <a:latin typeface="-apple-system"/>
-              </a:rPr>
-              <a:t>X</a:t>
-            </a:r>
-            <a:r>
-              <a:rPr lang="en-US">
-                <a:latin typeface="-apple-system"/>
-              </a:rPr>
-              <a:t> burada bölmənin son hərfidir. Məsələn, </a:t>
-            </a:r>
-            <a:r>
-              <a:rPr lang="en-US" b="1">
-                <a:latin typeface="-apple-system"/>
-              </a:rPr>
-              <a:t>/sda </a:t>
-            </a:r>
-            <a:r>
-              <a:rPr lang="en-US">
-                <a:latin typeface="-apple-system"/>
-              </a:rPr>
-              <a:t>)</a:t>
-            </a:r>
-          </a:p>
-          <a:p>
-            <a:pPr marL="742950" lvl="1" indent="-285750">
-              <a:lnSpc>
-                <a:spcPct val="150000"/>
-              </a:lnSpc>
-              <a:buFont typeface="Arial" panose="020B0604020202020204" pitchFamily="34" charset="0"/>
-              <a:buChar char="•"/>
-            </a:pPr>
-            <a:r>
-              <a:rPr lang="en-US">
-                <a:latin typeface="-apple-system"/>
-              </a:rPr>
-              <a:t>Daimi quraşdırma üçün </a:t>
-            </a:r>
-            <a:r>
-              <a:rPr lang="en-US" b="1">
-                <a:solidFill>
-                  <a:srgbClr val="7030A0"/>
-                </a:solidFill>
-                <a:latin typeface="Courier New" panose="02070309020205020404" pitchFamily="49" charset="0"/>
-                <a:cs typeface="Courier New" panose="02070309020205020404" pitchFamily="49" charset="0"/>
-              </a:rPr>
-              <a:t>/etc/fstab </a:t>
-            </a:r>
-            <a:r>
-              <a:rPr lang="en-US">
-                <a:latin typeface="-apple-system"/>
-              </a:rPr>
-              <a:t>faylı redaktə olunmalıdır.</a:t>
-            </a:r>
-          </a:p>
-          <a:p>
-            <a:endParaRPr lang="en-US">
-              <a:latin typeface="-apple-system"/>
-            </a:endParaRPr>
-          </a:p>
-          <a:p>
-            <a:endParaRPr lang="en-US"/>
-          </a:p>
-        </p:txBody>
-      </p:sp>
-    </p:spTree>
-    <p:extLst>
-      <p:ext uri="{BB962C8B-B14F-4D97-AF65-F5344CB8AC3E}">
-        <p14:creationId xmlns:p14="http://schemas.microsoft.com/office/powerpoint/2010/main" val="3767244408"/>
       </p:ext>
     </p:extLst>
   </p:cSld>
@@ -40421,7 +40557,7 @@
         <p:cNvPr id="1" name="">
           <a:extLst>
             <a:ext uri="{FF2B5EF4-FFF2-40B4-BE49-F238E27FC236}">
-              <a16:creationId xmlns:a16="http://schemas.microsoft.com/office/drawing/2014/main" id="{9D0EBCE6-8289-BFDB-FBC4-6E409EF39110}"/>
+              <a16:creationId xmlns:a16="http://schemas.microsoft.com/office/drawing/2014/main" id="{2BCD36A6-EDAF-A838-705D-A0090C47247C}"/>
             </a:ext>
           </a:extLst>
         </p:cNvPr>
@@ -40441,7 +40577,7 @@
           <p:cNvPr id="7" name="TextBox 6">
             <a:extLst>
               <a:ext uri="{FF2B5EF4-FFF2-40B4-BE49-F238E27FC236}">
-                <a16:creationId xmlns:a16="http://schemas.microsoft.com/office/drawing/2014/main" id="{3C7F97CD-30BF-3341-2C75-CD68ABB7FD76}"/>
+                <a16:creationId xmlns:a16="http://schemas.microsoft.com/office/drawing/2014/main" id="{EC2F81E7-67E4-CF6B-F39A-D83D54DA5DFF}"/>
               </a:ext>
             </a:extLst>
           </p:cNvPr>
@@ -40451,7 +40587,7 @@
         <p:spPr>
           <a:xfrm>
             <a:off x="203200" y="244826"/>
-            <a:ext cx="11822545" cy="369332"/>
+            <a:ext cx="11822545" cy="6065378"/>
           </a:xfrm>
           <a:prstGeom prst="rect">
             <a:avLst/>
@@ -40465,19 +40601,275 @@
           <a:lstStyle/>
           <a:p>
             <a:r>
-              <a:rPr lang="en-US">
-                <a:latin typeface="-apple-system"/>
-              </a:rPr>
-              <a:t>.</a:t>
-            </a:r>
-            <a:endParaRPr lang="en-US"/>
+              <a:rPr lang="en-US" sz="1200" b="1"/>
+              <a:t>Linux-da Ümumi Fayl Sistemləri</a:t>
+            </a:r>
+            <a:endParaRPr lang="az-Latn-AZ" sz="1200" b="1"/>
+          </a:p>
+          <a:p>
+            <a:endParaRPr lang="en-US" sz="1200" b="1"/>
+          </a:p>
+          <a:p>
+            <a:r>
+              <a:rPr lang="en-US" sz="1200"/>
+              <a:t>Disk bölmələri formatlanarkən müəyyən fayl sistemləri ilə konfiqurasiya edilir. Linux-da ən çox istifadə olunan fayl sistemləri:</a:t>
+            </a:r>
+            <a:endParaRPr lang="az-Latn-AZ" sz="1200"/>
+          </a:p>
+          <a:p>
+            <a:endParaRPr lang="az-Latn-AZ" sz="1200">
+              <a:effectLst/>
+            </a:endParaRPr>
+          </a:p>
+          <a:p>
+            <a:pPr marL="742950" lvl="1" indent="-285750">
+              <a:lnSpc>
+                <a:spcPct val="150000"/>
+              </a:lnSpc>
+              <a:buFont typeface="Wingdings" panose="05000000000000000000" pitchFamily="2" charset="2"/>
+              <a:buChar char="q"/>
+            </a:pPr>
+            <a:r>
+              <a:rPr lang="en-US" sz="1200" b="1"/>
+              <a:t>ext4</a:t>
+            </a:r>
+            <a:r>
+              <a:rPr lang="en-US" sz="1200"/>
+              <a:t>: Linux-un standart fayl sistemi, etibarlı və sürətlidir.</a:t>
+            </a:r>
+          </a:p>
+          <a:p>
+            <a:pPr marL="742950" lvl="1" indent="-285750">
+              <a:lnSpc>
+                <a:spcPct val="150000"/>
+              </a:lnSpc>
+              <a:buFont typeface="Wingdings" panose="05000000000000000000" pitchFamily="2" charset="2"/>
+              <a:buChar char="q"/>
+            </a:pPr>
+            <a:r>
+              <a:rPr lang="en-US" sz="1200" b="1"/>
+              <a:t>ext3/ext2</a:t>
+            </a:r>
+            <a:r>
+              <a:rPr lang="en-US" sz="1200"/>
+              <a:t>: ext4-dən köhnə, lakin hələ də istifadə olunan fayl sistemləri.</a:t>
+            </a:r>
+          </a:p>
+          <a:p>
+            <a:pPr marL="742950" lvl="1" indent="-285750">
+              <a:lnSpc>
+                <a:spcPct val="150000"/>
+              </a:lnSpc>
+              <a:buFont typeface="Wingdings" panose="05000000000000000000" pitchFamily="2" charset="2"/>
+              <a:buChar char="q"/>
+            </a:pPr>
+            <a:r>
+              <a:rPr lang="en-US" sz="1200" b="1"/>
+              <a:t>Btrfs</a:t>
+            </a:r>
+            <a:r>
+              <a:rPr lang="en-US" sz="1200"/>
+              <a:t>: Müasir fayl sistemi, snapshot və sıxılma kimi xüsusiyyətlərə malikdir.</a:t>
+            </a:r>
+          </a:p>
+          <a:p>
+            <a:pPr marL="742950" lvl="1" indent="-285750">
+              <a:lnSpc>
+                <a:spcPct val="150000"/>
+              </a:lnSpc>
+              <a:buFont typeface="Wingdings" panose="05000000000000000000" pitchFamily="2" charset="2"/>
+              <a:buChar char="q"/>
+            </a:pPr>
+            <a:r>
+              <a:rPr lang="en-US" sz="1200" b="1"/>
+              <a:t>XFS</a:t>
+            </a:r>
+            <a:r>
+              <a:rPr lang="en-US" sz="1200"/>
+              <a:t>: Yüksək performanslı fayl sistemi, xüsusilə böyük fayllar üçün uyğundur.</a:t>
+            </a:r>
+          </a:p>
+          <a:p>
+            <a:pPr marL="742950" lvl="1" indent="-285750">
+              <a:lnSpc>
+                <a:spcPct val="150000"/>
+              </a:lnSpc>
+              <a:buFont typeface="Wingdings" panose="05000000000000000000" pitchFamily="2" charset="2"/>
+              <a:buChar char="q"/>
+            </a:pPr>
+            <a:r>
+              <a:rPr lang="en-US" sz="1200" b="1"/>
+              <a:t>ZFS</a:t>
+            </a:r>
+            <a:r>
+              <a:rPr lang="en-US" sz="1200"/>
+              <a:t>: Təkmilləşdirilmiş xüsusiyyətlərə malik, lakin resurs tələb edən fayl sistemi.</a:t>
+            </a:r>
+          </a:p>
+          <a:p>
+            <a:pPr marL="742950" lvl="1" indent="-285750">
+              <a:lnSpc>
+                <a:spcPct val="150000"/>
+              </a:lnSpc>
+              <a:buFont typeface="Wingdings" panose="05000000000000000000" pitchFamily="2" charset="2"/>
+              <a:buChar char="q"/>
+            </a:pPr>
+            <a:r>
+              <a:rPr lang="en-US" sz="1200" b="1"/>
+              <a:t>FAT32/exFAT</a:t>
+            </a:r>
+            <a:r>
+              <a:rPr lang="en-US" sz="1200"/>
+              <a:t>: Windows ilə uyğunluq üçün, xarici disklərdə istifadə olunur.</a:t>
+            </a:r>
+          </a:p>
+          <a:p>
+            <a:pPr marL="742950" lvl="1" indent="-285750">
+              <a:lnSpc>
+                <a:spcPct val="150000"/>
+              </a:lnSpc>
+              <a:buFont typeface="Wingdings" panose="05000000000000000000" pitchFamily="2" charset="2"/>
+              <a:buChar char="q"/>
+            </a:pPr>
+            <a:r>
+              <a:rPr lang="en-US" sz="1200" b="1"/>
+              <a:t>NTFS</a:t>
+            </a:r>
+            <a:r>
+              <a:rPr lang="en-US" sz="1200"/>
+              <a:t>: Windows fayl sistemi, Linux-da oxuma/yazma dəstəyi var.</a:t>
+            </a:r>
+            <a:r>
+              <a:rPr lang="az-Latn-AZ" sz="1200"/>
+              <a:t> Və.s</a:t>
+            </a:r>
+          </a:p>
+          <a:p>
+            <a:endParaRPr lang="az-Latn-AZ" sz="1200">
+              <a:effectLst/>
+            </a:endParaRPr>
+          </a:p>
+          <a:p>
+            <a:endParaRPr lang="az-Latn-AZ" sz="1200">
+              <a:effectLst/>
+            </a:endParaRPr>
+          </a:p>
+          <a:p>
+            <a:endParaRPr lang="az-Latn-AZ" sz="1200"/>
+          </a:p>
+          <a:p>
+            <a:r>
+              <a:rPr lang="en-US" sz="1200" b="1"/>
+              <a:t>Bir Linux sistemində sadə bir bölmə sxemi belə ola bilər</a:t>
+            </a:r>
+            <a:r>
+              <a:rPr lang="en-US" sz="1200"/>
+              <a:t>:</a:t>
+            </a:r>
+          </a:p>
+          <a:p>
+            <a:endParaRPr lang="en-US" sz="1200"/>
+          </a:p>
+          <a:p>
+            <a:pPr marL="628650" lvl="1" indent="-171450">
+              <a:lnSpc>
+                <a:spcPct val="150000"/>
+              </a:lnSpc>
+              <a:buFont typeface="Wingdings" panose="05000000000000000000" pitchFamily="2" charset="2"/>
+              <a:buChar char="q"/>
+            </a:pPr>
+            <a:r>
+              <a:rPr lang="en-US" sz="1200"/>
+              <a:t>/dev/sda1: /boot (1 GB, ext4)</a:t>
+            </a:r>
+          </a:p>
+          <a:p>
+            <a:pPr marL="628650" lvl="1" indent="-171450">
+              <a:lnSpc>
+                <a:spcPct val="150000"/>
+              </a:lnSpc>
+              <a:buFont typeface="Wingdings" panose="05000000000000000000" pitchFamily="2" charset="2"/>
+              <a:buChar char="q"/>
+            </a:pPr>
+            <a:r>
+              <a:rPr lang="en-US" sz="1200"/>
+              <a:t>/dev/sda2: / (20-50 GB, ext4)</a:t>
+            </a:r>
+          </a:p>
+          <a:p>
+            <a:pPr marL="628650" lvl="1" indent="-171450">
+              <a:lnSpc>
+                <a:spcPct val="150000"/>
+              </a:lnSpc>
+              <a:buFont typeface="Wingdings" panose="05000000000000000000" pitchFamily="2" charset="2"/>
+              <a:buChar char="q"/>
+            </a:pPr>
+            <a:r>
+              <a:rPr lang="en-US" sz="1200"/>
+              <a:t>/dev/sda3: /home (qalan yer, ext4)</a:t>
+            </a:r>
+          </a:p>
+          <a:p>
+            <a:pPr marL="628650" lvl="1" indent="-171450">
+              <a:lnSpc>
+                <a:spcPct val="150000"/>
+              </a:lnSpc>
+              <a:buFont typeface="Wingdings" panose="05000000000000000000" pitchFamily="2" charset="2"/>
+              <a:buChar char="q"/>
+            </a:pPr>
+            <a:r>
+              <a:rPr lang="en-US" sz="1200"/>
+              <a:t>/dev/sda4: Swap (RAM ölçüsünə uyğun, məsələn, 4 GB)</a:t>
+            </a:r>
+          </a:p>
+          <a:p>
+            <a:endParaRPr lang="az-Latn-AZ" sz="1200"/>
+          </a:p>
+          <a:p>
+            <a:endParaRPr lang="az-Latn-AZ" sz="1200"/>
+          </a:p>
+          <a:p>
+            <a:endParaRPr lang="en-US" sz="1200"/>
+          </a:p>
+          <a:p>
+            <a:r>
+              <a:rPr lang="en-US" sz="1200" b="1"/>
+              <a:t>UEFI sistemləri üçün əlavə olaraq</a:t>
+            </a:r>
+            <a:r>
+              <a:rPr lang="en-US" sz="1200"/>
+              <a:t>:</a:t>
+            </a:r>
+          </a:p>
+          <a:p>
+            <a:pPr marL="628650" lvl="1" indent="-171450">
+              <a:lnSpc>
+                <a:spcPct val="150000"/>
+              </a:lnSpc>
+              <a:buFont typeface="Wingdings" panose="05000000000000000000" pitchFamily="2" charset="2"/>
+              <a:buChar char="q"/>
+            </a:pPr>
+            <a:r>
+              <a:rPr lang="en-US" sz="1200"/>
+              <a:t>/dev/sda1: EFI System Partition (100-300 MB, FAT32)</a:t>
+            </a:r>
+          </a:p>
+          <a:p>
+            <a:pPr marL="0" lvl="1">
+              <a:lnSpc>
+                <a:spcPct val="150000"/>
+              </a:lnSpc>
+            </a:pPr>
+            <a:endParaRPr lang="en-US" sz="1200">
+              <a:effectLst/>
+            </a:endParaRPr>
           </a:p>
         </p:txBody>
       </p:sp>
     </p:spTree>
     <p:extLst>
       <p:ext uri="{BB962C8B-B14F-4D97-AF65-F5344CB8AC3E}">
-        <p14:creationId xmlns:p14="http://schemas.microsoft.com/office/powerpoint/2010/main" val="1213259997"/>
+        <p14:creationId xmlns:p14="http://schemas.microsoft.com/office/powerpoint/2010/main" val="586228052"/>
       </p:ext>
     </p:extLst>
   </p:cSld>
@@ -40488,6 +40880,87 @@
 </file>
 
 <file path=ppt/slides/slide41.xml><?xml version="1.0" encoding="utf-8"?>
+<p:sld xmlns:a="http://schemas.openxmlformats.org/drawingml/2006/main" xmlns:r="http://schemas.openxmlformats.org/officeDocument/2006/relationships" xmlns:p="http://schemas.openxmlformats.org/presentationml/2006/main">
+  <p:cSld>
+    <p:spTree>
+      <p:nvGrpSpPr>
+        <p:cNvPr id="1" name="">
+          <a:extLst>
+            <a:ext uri="{FF2B5EF4-FFF2-40B4-BE49-F238E27FC236}">
+              <a16:creationId xmlns:a16="http://schemas.microsoft.com/office/drawing/2014/main" id="{D423FAED-CC55-6F1A-3B5B-2A42412414B8}"/>
+            </a:ext>
+          </a:extLst>
+        </p:cNvPr>
+        <p:cNvGrpSpPr/>
+        <p:nvPr/>
+      </p:nvGrpSpPr>
+      <p:grpSpPr>
+        <a:xfrm>
+          <a:off x="0" y="0"/>
+          <a:ext cx="0" cy="0"/>
+          <a:chOff x="0" y="0"/>
+          <a:chExt cx="0" cy="0"/>
+        </a:xfrm>
+      </p:grpSpPr>
+      <p:sp>
+        <p:nvSpPr>
+          <p:cNvPr id="7" name="TextBox 6">
+            <a:extLst>
+              <a:ext uri="{FF2B5EF4-FFF2-40B4-BE49-F238E27FC236}">
+                <a16:creationId xmlns:a16="http://schemas.microsoft.com/office/drawing/2014/main" id="{7C5983CE-2DEF-599E-32FD-1929FFC25EB3}"/>
+              </a:ext>
+            </a:extLst>
+          </p:cNvPr>
+          <p:cNvSpPr txBox="1"/>
+          <p:nvPr/>
+        </p:nvSpPr>
+        <p:spPr>
+          <a:xfrm>
+            <a:off x="203200" y="244826"/>
+            <a:ext cx="11822545" cy="923330"/>
+          </a:xfrm>
+          <a:prstGeom prst="rect">
+            <a:avLst/>
+          </a:prstGeom>
+          <a:noFill/>
+        </p:spPr>
+        <p:txBody>
+          <a:bodyPr wrap="square">
+            <a:spAutoFit/>
+          </a:bodyPr>
+          <a:lstStyle/>
+          <a:p>
+            <a:r>
+              <a:rPr lang="en-US">
+                <a:latin typeface="-apple-system"/>
+              </a:rPr>
+              <a:t>.</a:t>
+            </a:r>
+          </a:p>
+          <a:p>
+            <a:endParaRPr lang="en-US">
+              <a:latin typeface="-apple-system"/>
+            </a:endParaRPr>
+          </a:p>
+          <a:p>
+            <a:endParaRPr lang="en-US"/>
+          </a:p>
+        </p:txBody>
+      </p:sp>
+    </p:spTree>
+    <p:extLst>
+      <p:ext uri="{BB962C8B-B14F-4D97-AF65-F5344CB8AC3E}">
+        <p14:creationId xmlns:p14="http://schemas.microsoft.com/office/powerpoint/2010/main" val="3767244408"/>
+      </p:ext>
+    </p:extLst>
+  </p:cSld>
+  <p:clrMapOvr>
+    <a:masterClrMapping/>
+  </p:clrMapOvr>
+</p:sld>
+</file>
+
+<file path=ppt/slides/slide42.xml><?xml version="1.0" encoding="utf-8"?>
 <p:sld xmlns:a="http://schemas.openxmlformats.org/drawingml/2006/main" xmlns:r="http://schemas.openxmlformats.org/officeDocument/2006/relationships" xmlns:p="http://schemas.openxmlformats.org/presentationml/2006/main">
   <p:cSld>
     <p:spTree>
@@ -40561,7 +41034,7 @@
 </p:sld>
 </file>
 
-<file path=ppt/slides/slide42.xml><?xml version="1.0" encoding="utf-8"?>
+<file path=ppt/slides/slide43.xml><?xml version="1.0" encoding="utf-8"?>
 <p:sld xmlns:a="http://schemas.openxmlformats.org/drawingml/2006/main" xmlns:r="http://schemas.openxmlformats.org/officeDocument/2006/relationships" xmlns:p="http://schemas.openxmlformats.org/presentationml/2006/main">
   <p:cSld>
     <p:spTree>
@@ -40635,7 +41108,7 @@
 </p:sld>
 </file>
 
-<file path=ppt/slides/slide43.xml><?xml version="1.0" encoding="utf-8"?>
+<file path=ppt/slides/slide44.xml><?xml version="1.0" encoding="utf-8"?>
 <p:sld xmlns:a="http://schemas.openxmlformats.org/drawingml/2006/main" xmlns:r="http://schemas.openxmlformats.org/officeDocument/2006/relationships" xmlns:p="http://schemas.openxmlformats.org/presentationml/2006/main">
   <p:cSld>
     <p:spTree>
@@ -40709,7 +41182,7 @@
 </p:sld>
 </file>
 
-<file path=ppt/slides/slide44.xml><?xml version="1.0" encoding="utf-8"?>
+<file path=ppt/slides/slide45.xml><?xml version="1.0" encoding="utf-8"?>
 <p:sld xmlns:a="http://schemas.openxmlformats.org/drawingml/2006/main" xmlns:r="http://schemas.openxmlformats.org/officeDocument/2006/relationships" xmlns:p="http://schemas.openxmlformats.org/presentationml/2006/main">
   <p:cSld>
     <p:spTree>
@@ -40783,7 +41256,7 @@
 </p:sld>
 </file>
 
-<file path=ppt/slides/slide45.xml><?xml version="1.0" encoding="utf-8"?>
+<file path=ppt/slides/slide46.xml><?xml version="1.0" encoding="utf-8"?>
 <p:sld xmlns:a="http://schemas.openxmlformats.org/drawingml/2006/main" xmlns:r="http://schemas.openxmlformats.org/officeDocument/2006/relationships" xmlns:p="http://schemas.openxmlformats.org/presentationml/2006/main">
   <p:cSld>
     <p:spTree>
@@ -40857,7 +41330,7 @@
 </p:sld>
 </file>
 
-<file path=ppt/slides/slide46.xml><?xml version="1.0" encoding="utf-8"?>
+<file path=ppt/slides/slide47.xml><?xml version="1.0" encoding="utf-8"?>
 <p:sld xmlns:a="http://schemas.openxmlformats.org/drawingml/2006/main" xmlns:r="http://schemas.openxmlformats.org/officeDocument/2006/relationships" xmlns:p="http://schemas.openxmlformats.org/presentationml/2006/main">
   <p:cSld>
     <p:spTree>

--- a/.lessons/1 operating systems/1 linux/1.pptx
+++ b/.lessons/1 operating systems/1 linux/1.pptx
@@ -52,6 +52,29 @@
     <p:sldId id="300" r:id="rId46"/>
     <p:sldId id="301" r:id="rId47"/>
     <p:sldId id="291" r:id="rId48"/>
+    <p:sldId id="303" r:id="rId49"/>
+    <p:sldId id="304" r:id="rId50"/>
+    <p:sldId id="305" r:id="rId51"/>
+    <p:sldId id="306" r:id="rId52"/>
+    <p:sldId id="307" r:id="rId53"/>
+    <p:sldId id="308" r:id="rId54"/>
+    <p:sldId id="309" r:id="rId55"/>
+    <p:sldId id="310" r:id="rId56"/>
+    <p:sldId id="311" r:id="rId57"/>
+    <p:sldId id="312" r:id="rId58"/>
+    <p:sldId id="313" r:id="rId59"/>
+    <p:sldId id="314" r:id="rId60"/>
+    <p:sldId id="315" r:id="rId61"/>
+    <p:sldId id="316" r:id="rId62"/>
+    <p:sldId id="317" r:id="rId63"/>
+    <p:sldId id="318" r:id="rId64"/>
+    <p:sldId id="319" r:id="rId65"/>
+    <p:sldId id="320" r:id="rId66"/>
+    <p:sldId id="321" r:id="rId67"/>
+    <p:sldId id="322" r:id="rId68"/>
+    <p:sldId id="323" r:id="rId69"/>
+    <p:sldId id="324" r:id="rId70"/>
+    <p:sldId id="325" r:id="rId71"/>
   </p:sldIdLst>
   <p:sldSz cx="12192000" cy="6858000"/>
   <p:notesSz cx="6858000" cy="9144000"/>
@@ -40917,7 +40940,7 @@
         <p:spPr>
           <a:xfrm>
             <a:off x="203200" y="244826"/>
-            <a:ext cx="11822545" cy="923330"/>
+            <a:ext cx="11822545" cy="3970318"/>
           </a:xfrm>
           <a:prstGeom prst="rect">
             <a:avLst/>
@@ -40931,19 +40954,171 @@
           <a:lstStyle/>
           <a:p>
             <a:r>
-              <a:rPr lang="en-US">
-                <a:latin typeface="-apple-system"/>
+              <a:rPr lang="en-US" sz="1200" b="1">
+                <a:solidFill>
+                  <a:srgbClr val="FF0000"/>
+                </a:solidFill>
               </a:rPr>
-              <a:t>.</a:t>
-            </a:r>
-          </a:p>
-          <a:p>
-            <a:endParaRPr lang="en-US">
-              <a:latin typeface="-apple-system"/>
-            </a:endParaRPr>
-          </a:p>
-          <a:p>
-            <a:endParaRPr lang="en-US"/>
+              <a:t>Logical Volume Manager (LVM) nədir?</a:t>
+            </a:r>
+          </a:p>
+          <a:p>
+            <a:endParaRPr lang="en-US" sz="1200" b="1"/>
+          </a:p>
+          <a:p>
+            <a:r>
+              <a:rPr lang="en-US" sz="1200"/>
+              <a:t>LVM, Linux əməliyyat sistemində disk və yaddaş qurğularını idarə etmək üçün bir alətdir. Əsas məqsədi diskləri daha elastik şəkildə idarə etməkdir. Yəni, diskinizi çox böyük bir virtual sahəyə çevirir və ondan rahatca istifadə etməyə imkan verir.</a:t>
+            </a:r>
+          </a:p>
+          <a:p>
+            <a:endParaRPr lang="en-US" sz="1200"/>
+          </a:p>
+          <a:p>
+            <a:r>
+              <a:rPr lang="en-US" sz="1200" b="1">
+                <a:solidFill>
+                  <a:srgbClr val="0070C0"/>
+                </a:solidFill>
+              </a:rPr>
+              <a:t>Əsas anlayışlar</a:t>
+            </a:r>
+            <a:r>
+              <a:rPr lang="en-US" sz="1200" b="1"/>
+              <a:t>:</a:t>
+            </a:r>
+            <a:endParaRPr lang="en-US" sz="1200"/>
+          </a:p>
+          <a:p>
+            <a:pPr marL="171450" indent="-171450">
+              <a:lnSpc>
+                <a:spcPct val="150000"/>
+              </a:lnSpc>
+              <a:buFont typeface="Wingdings" panose="05000000000000000000" pitchFamily="2" charset="2"/>
+              <a:buChar char="q"/>
+            </a:pPr>
+            <a:r>
+              <a:rPr lang="en-US" sz="1200" b="1"/>
+              <a:t>Fiziki Həcm (Physical Volume - PV)</a:t>
+            </a:r>
+            <a:r>
+              <a:rPr lang="en-US" sz="1200"/>
+              <a:t>: Bu, diskinizin əsas hissəsidir. Məsələn, bir sərt disk və ya onun bir hissəsi.</a:t>
+            </a:r>
+          </a:p>
+          <a:p>
+            <a:pPr marL="171450" indent="-171450">
+              <a:lnSpc>
+                <a:spcPct val="150000"/>
+              </a:lnSpc>
+              <a:buFont typeface="Wingdings" panose="05000000000000000000" pitchFamily="2" charset="2"/>
+              <a:buChar char="q"/>
+            </a:pPr>
+            <a:r>
+              <a:rPr lang="en-US" sz="1200" b="1"/>
+              <a:t>Həcm Qrupu (Volume Group - VG)</a:t>
+            </a:r>
+            <a:r>
+              <a:rPr lang="en-US" sz="1200"/>
+              <a:t>: Bir neçə fiziki həcmi birləşdirərək daha böyük bir "disk" yaradır. Yəni, bir neçə fiziki diski bir araya gətirib daha böyük bir disk yaratmaq mümkündür.</a:t>
+            </a:r>
+          </a:p>
+          <a:p>
+            <a:pPr marL="171450" indent="-171450">
+              <a:lnSpc>
+                <a:spcPct val="150000"/>
+              </a:lnSpc>
+              <a:buFont typeface="Wingdings" panose="05000000000000000000" pitchFamily="2" charset="2"/>
+              <a:buChar char="q"/>
+            </a:pPr>
+            <a:r>
+              <a:rPr lang="en-US" sz="1200" b="1"/>
+              <a:t>Loqik Həcm (Logical Volume - LV)</a:t>
+            </a:r>
+            <a:r>
+              <a:rPr lang="en-US" sz="1200"/>
+              <a:t>: VG içindəki verilənləri idarə edən hissələrdir. Məsələn, /home və ya /root kimi bölmələr. Hər biri bir virtual disk kimi işləyir.</a:t>
+            </a:r>
+          </a:p>
+          <a:p>
+            <a:endParaRPr lang="en-US" sz="1200"/>
+          </a:p>
+          <a:p>
+            <a:endParaRPr lang="en-US" sz="1200"/>
+          </a:p>
+          <a:p>
+            <a:r>
+              <a:rPr lang="en-US" sz="1200" b="1">
+                <a:solidFill>
+                  <a:srgbClr val="0070C0"/>
+                </a:solidFill>
+              </a:rPr>
+              <a:t>LVM-in üstünlükləri</a:t>
+            </a:r>
+            <a:r>
+              <a:rPr lang="en-US" sz="1200" b="1"/>
+              <a:t>:</a:t>
+            </a:r>
+          </a:p>
+          <a:p>
+            <a:pPr marL="171450" indent="-171450">
+              <a:lnSpc>
+                <a:spcPct val="150000"/>
+              </a:lnSpc>
+              <a:buFont typeface="Wingdings" panose="05000000000000000000" pitchFamily="2" charset="2"/>
+              <a:buChar char="q"/>
+            </a:pPr>
+            <a:r>
+              <a:rPr lang="en-US" sz="1200" b="1"/>
+              <a:t>Diskləri birləşdirmək</a:t>
+            </a:r>
+            <a:r>
+              <a:rPr lang="en-US" sz="1200"/>
+              <a:t>: Bir neçə fiziki diski birləşdirib böyük bir virtual disk yaratmaq mümkündür.</a:t>
+            </a:r>
+          </a:p>
+          <a:p>
+            <a:pPr marL="171450" indent="-171450">
+              <a:lnSpc>
+                <a:spcPct val="150000"/>
+              </a:lnSpc>
+              <a:buFont typeface="Wingdings" panose="05000000000000000000" pitchFamily="2" charset="2"/>
+              <a:buChar char="q"/>
+            </a:pPr>
+            <a:r>
+              <a:rPr lang="en-US" sz="1200" b="1"/>
+              <a:t>Dinamik olaraq genişləndirmək</a:t>
+            </a:r>
+            <a:r>
+              <a:rPr lang="en-US" sz="1200"/>
+              <a:t>: Yəni, disk sahəsini asanlıqla artırmaq və ya azaltmaq mümkündür.</a:t>
+            </a:r>
+          </a:p>
+          <a:p>
+            <a:pPr marL="171450" indent="-171450">
+              <a:lnSpc>
+                <a:spcPct val="150000"/>
+              </a:lnSpc>
+              <a:buFont typeface="Wingdings" panose="05000000000000000000" pitchFamily="2" charset="2"/>
+              <a:buChar char="q"/>
+            </a:pPr>
+            <a:r>
+              <a:rPr lang="en-US" sz="1200" b="1"/>
+              <a:t>Snapshot</a:t>
+            </a:r>
+            <a:r>
+              <a:rPr lang="en-US" sz="1200"/>
+              <a:t>: Fayl sisteminin dondurulmuş surətini yaratmaq imkanı verir. Bu, yedəkləmə zamanı sistemin işləməyə davam etməsinə imkan yaradır.</a:t>
+            </a:r>
+          </a:p>
+          <a:p>
+            <a:endParaRPr lang="en-US" sz="1200"/>
+          </a:p>
+          <a:p>
+            <a:endParaRPr lang="en-US" sz="1200"/>
+          </a:p>
+          <a:p>
+            <a:endParaRPr lang="en-US" sz="1200"/>
           </a:p>
         </p:txBody>
       </p:sp>
@@ -40998,7 +41173,7 @@
         <p:spPr>
           <a:xfrm>
             <a:off x="203200" y="244826"/>
-            <a:ext cx="11822545" cy="369332"/>
+            <a:ext cx="11822545" cy="5816977"/>
           </a:xfrm>
           <a:prstGeom prst="rect">
             <a:avLst/>
@@ -41012,12 +41187,367 @@
           <a:lstStyle/>
           <a:p>
             <a:r>
-              <a:rPr lang="en-US">
-                <a:latin typeface="-apple-system"/>
+              <a:rPr lang="en-US" sz="1200" b="1">
+                <a:solidFill>
+                  <a:srgbClr val="FF0000"/>
+                </a:solidFill>
               </a:rPr>
-              <a:t>.</a:t>
-            </a:r>
-            <a:endParaRPr lang="en-US"/>
+              <a:t>RAID və Disklərin Birləşməsi</a:t>
+            </a:r>
+            <a:endParaRPr lang="az-Latn-AZ" sz="1200" b="1">
+              <a:solidFill>
+                <a:srgbClr val="FF0000"/>
+              </a:solidFill>
+            </a:endParaRPr>
+          </a:p>
+          <a:p>
+            <a:endParaRPr lang="en-US" sz="1200" b="1">
+              <a:solidFill>
+                <a:srgbClr val="FF0000"/>
+              </a:solidFill>
+            </a:endParaRPr>
+          </a:p>
+          <a:p>
+            <a:r>
+              <a:rPr lang="en-US" sz="1200" b="1"/>
+              <a:t>RAID</a:t>
+            </a:r>
+            <a:r>
+              <a:rPr lang="en-US" sz="1200"/>
+              <a:t> (Redundant Array of Independent Disks) - </a:t>
+            </a:r>
+            <a:r>
+              <a:rPr lang="en-US" sz="1200" b="1"/>
+              <a:t>Bir neçə diskin birləşdirilməsi</a:t>
+            </a:r>
+            <a:r>
+              <a:rPr lang="en-US" sz="1200"/>
+              <a:t> konsepti ilə işləyir, amma burada "</a:t>
+            </a:r>
+            <a:r>
+              <a:rPr lang="en-US" sz="1200" b="1"/>
+              <a:t>birləşmə</a:t>
+            </a:r>
+            <a:r>
+              <a:rPr lang="en-US" sz="1200"/>
+              <a:t>"nin məqsədi </a:t>
+            </a:r>
+            <a:r>
+              <a:rPr lang="en-US" sz="1200" b="1"/>
+              <a:t>performansı artırmaq</a:t>
+            </a:r>
+            <a:r>
+              <a:rPr lang="en-US" sz="1200"/>
+              <a:t> və ya məlumatın etibarlılığını artırmaqdır. Birləşmə dedikdə, bu yalnız bir neçə disk üzərində məlumatın eyni vaxtda yazılmasını və ya bir neçə nüsxəsinin yaradılmasını nəzərdə tutur.</a:t>
+            </a:r>
+            <a:endParaRPr lang="az-Latn-AZ" sz="1200"/>
+          </a:p>
+          <a:p>
+            <a:endParaRPr lang="az-Latn-AZ" sz="1200"/>
+          </a:p>
+          <a:p>
+            <a:pPr marL="228600" indent="-228600">
+              <a:buAutoNum type="arabicPeriod"/>
+            </a:pPr>
+            <a:r>
+              <a:rPr lang="en-US" sz="1200" b="1"/>
+              <a:t>Disklərin birləşməsi:</a:t>
+            </a:r>
+            <a:endParaRPr lang="az-Latn-AZ" sz="1200" b="1"/>
+          </a:p>
+          <a:p>
+            <a:pPr marL="228600" indent="-228600">
+              <a:buAutoNum type="arabicPeriod"/>
+            </a:pPr>
+            <a:endParaRPr lang="en-US" sz="1200" b="1"/>
+          </a:p>
+          <a:p>
+            <a:r>
+              <a:rPr lang="en-US" sz="1200"/>
+              <a:t>Bu, RAID konfiqurasiyası ilə əlaqədar bir neçə fiziki diskin birləşdirilməsi deməkdir. Yəni, biz </a:t>
+            </a:r>
+            <a:r>
+              <a:rPr lang="en-US" sz="1200" b="1"/>
+              <a:t>fiziki olaraq bir neçə diski RAID array-də</a:t>
+            </a:r>
+            <a:r>
+              <a:rPr lang="en-US" sz="1200"/>
+              <a:t> toplamağa qərar veririk. Bu proses nəticəsində RAID array-i bir </a:t>
+            </a:r>
+            <a:r>
+              <a:rPr lang="en-US" sz="1200" b="1"/>
+              <a:t>məntiqi disk</a:t>
+            </a:r>
+            <a:r>
+              <a:rPr lang="en-US" sz="1200"/>
+              <a:t> olaraq görünür.</a:t>
+            </a:r>
+            <a:endParaRPr lang="az-Latn-AZ" sz="1200"/>
+          </a:p>
+          <a:p>
+            <a:endParaRPr lang="en-US" sz="1200"/>
+          </a:p>
+          <a:p>
+            <a:r>
+              <a:rPr lang="en-US" sz="1200"/>
+              <a:t>Məsələn, RAID 1 (mirroring) istifadə etdikdə,</a:t>
+            </a:r>
+            <a:r>
+              <a:rPr lang="az-Latn-AZ" sz="1200"/>
+              <a:t> əslində</a:t>
+            </a:r>
+            <a:r>
+              <a:rPr lang="en-US" sz="1200"/>
+              <a:t> siz </a:t>
+            </a:r>
+            <a:r>
+              <a:rPr lang="en-US" sz="1200" b="1"/>
+              <a:t>iki disk</a:t>
+            </a:r>
+            <a:r>
+              <a:rPr lang="en-US" sz="1200"/>
+              <a:t> istifadə edirsiniz. Bu o deməkdir ki, </a:t>
+            </a:r>
+            <a:r>
+              <a:rPr lang="en-US" sz="1200" b="1"/>
+              <a:t>iki disk</a:t>
+            </a:r>
+            <a:r>
+              <a:rPr lang="en-US" sz="1200"/>
+              <a:t> bir </a:t>
+            </a:r>
+            <a:r>
+              <a:rPr lang="en-US" sz="1200" b="1"/>
+              <a:t>məntiqi diskin</a:t>
+            </a:r>
+            <a:r>
+              <a:rPr lang="en-US" sz="1200"/>
+              <a:t> hissəsi olur.</a:t>
+            </a:r>
+            <a:r>
+              <a:rPr lang="az-Latn-AZ" sz="1200"/>
+              <a:t> </a:t>
+            </a:r>
+            <a:r>
+              <a:rPr lang="en-US" sz="1200" b="1"/>
+              <a:t>RAID 1</a:t>
+            </a:r>
+            <a:r>
+              <a:rPr lang="en-US" sz="1200"/>
+              <a:t> (mirroring): </a:t>
+            </a:r>
+            <a:r>
+              <a:rPr lang="en-US" sz="1200" b="1"/>
+              <a:t>İki diskdə eyni məlumat saxlanılır</a:t>
+            </a:r>
+            <a:r>
+              <a:rPr lang="en-US" sz="1200"/>
+              <a:t>. Yəni, diskdəki hər bir bit məlumat hər iki diskin üzərində saxlanılır. Burada "birləşmə" deyil, </a:t>
+            </a:r>
+            <a:r>
+              <a:rPr lang="en-US" sz="1200" b="1"/>
+              <a:t>məlumatın sinxronlaşdırılması</a:t>
+            </a:r>
+            <a:r>
+              <a:rPr lang="en-US" sz="1200"/>
+              <a:t> var.</a:t>
+            </a:r>
+          </a:p>
+          <a:p>
+            <a:endParaRPr lang="az-Latn-AZ" sz="1200"/>
+          </a:p>
+          <a:p>
+            <a:endParaRPr lang="az-Latn-AZ" sz="1200"/>
+          </a:p>
+          <a:p>
+            <a:pPr marL="171450" indent="-171450">
+              <a:buFont typeface="Wingdings" panose="05000000000000000000" pitchFamily="2" charset="2"/>
+              <a:buChar char="q"/>
+            </a:pPr>
+            <a:r>
+              <a:rPr lang="en-US" sz="1200" b="1">
+                <a:solidFill>
+                  <a:srgbClr val="00B050"/>
+                </a:solidFill>
+              </a:rPr>
+              <a:t>Birləşmə</a:t>
+            </a:r>
+            <a:r>
+              <a:rPr lang="en-US" sz="1200"/>
+              <a:t>: Yəni bir neçə diskin məntiqi olaraq birləşməsi nəticəsində, onlar tək bir böyük virtual disk kimi görünür. Burada hər bir disk fiziki olaraq mövcuddur, amma məntiqi cəhətdən onlar tək bir vahid kimi davranır. Bu, yalnız RAID array tərəfindən idarə olunur.</a:t>
+            </a:r>
+          </a:p>
+          <a:p>
+            <a:pPr marL="171450" indent="-171450">
+              <a:buFont typeface="Wingdings" panose="05000000000000000000" pitchFamily="2" charset="2"/>
+              <a:buChar char="q"/>
+            </a:pPr>
+            <a:endParaRPr lang="en-US" sz="1200"/>
+          </a:p>
+          <a:p>
+            <a:pPr marL="171450" indent="-171450">
+              <a:buFont typeface="Wingdings" panose="05000000000000000000" pitchFamily="2" charset="2"/>
+              <a:buChar char="q"/>
+            </a:pPr>
+            <a:r>
+              <a:rPr lang="en-US" sz="1200" b="1">
+                <a:solidFill>
+                  <a:srgbClr val="00B050"/>
+                </a:solidFill>
+              </a:rPr>
+              <a:t>Paylanma</a:t>
+            </a:r>
+            <a:r>
+              <a:rPr lang="en-US" sz="1200"/>
+              <a:t>: Məlumatın diskə bölünməsi (striping) və ya bir neçə nüsxəsinin yaradılması (mirroring) RAID-də məlumatların disklər arasında paylanması deməkdir.</a:t>
+            </a:r>
+            <a:endParaRPr lang="az-Latn-AZ" sz="1200"/>
+          </a:p>
+          <a:p>
+            <a:endParaRPr lang="az-Latn-AZ" sz="1200"/>
+          </a:p>
+          <a:p>
+            <a:endParaRPr lang="az-Latn-AZ" sz="1200"/>
+          </a:p>
+          <a:p>
+            <a:r>
+              <a:rPr lang="en-US" sz="1200" b="1"/>
+              <a:t>Təsəvvür edək ki, RAID 0 istifadə edirsiniz və iki diskiniz var: </a:t>
+            </a:r>
+            <a:r>
+              <a:rPr lang="en-US" sz="1200" b="1" i="1">
+                <a:solidFill>
+                  <a:srgbClr val="7030A0"/>
+                </a:solidFill>
+              </a:rPr>
+              <a:t>Disk A (100GB) </a:t>
+            </a:r>
+            <a:r>
+              <a:rPr lang="en-US" sz="1200" b="1"/>
+              <a:t>və </a:t>
+            </a:r>
+            <a:r>
+              <a:rPr lang="en-US" sz="1200" b="1">
+                <a:solidFill>
+                  <a:srgbClr val="7030A0"/>
+                </a:solidFill>
+              </a:rPr>
+              <a:t>Disk B (100GB)</a:t>
+            </a:r>
+            <a:r>
+              <a:rPr lang="az-Latn-AZ" sz="1200"/>
+              <a:t>:</a:t>
+            </a:r>
+            <a:endParaRPr lang="en-US" sz="1200"/>
+          </a:p>
+          <a:p>
+            <a:pPr marL="628650" lvl="1" indent="-171450">
+              <a:lnSpc>
+                <a:spcPct val="150000"/>
+              </a:lnSpc>
+              <a:buFont typeface="Wingdings" panose="05000000000000000000" pitchFamily="2" charset="2"/>
+              <a:buChar char="q"/>
+            </a:pPr>
+            <a:r>
+              <a:rPr lang="en-US" sz="1200"/>
+              <a:t>RAID 0-da məlumat disklər arasında paylanır (striping). Məsələn, böyük bir fayl yazıldığında, faylın ilk yarısı Disk A-ya yazılır, ikinci yarısı isə Disk B-yə yazılır.</a:t>
+            </a:r>
+          </a:p>
+          <a:p>
+            <a:pPr marL="628650" lvl="1" indent="-171450">
+              <a:lnSpc>
+                <a:spcPct val="150000"/>
+              </a:lnSpc>
+              <a:buFont typeface="Wingdings" panose="05000000000000000000" pitchFamily="2" charset="2"/>
+              <a:buChar char="q"/>
+            </a:pPr>
+            <a:r>
+              <a:rPr lang="en-US" sz="1200"/>
+              <a:t>Yəni, fiziki olaraq hər iki diskdə məlumatın bir hissəsi olur. Bu disk bütün məlumatı saxlamaq üçün birləşmir, amma məlumat hər iki diskdə paylanır.</a:t>
+            </a:r>
+            <a:endParaRPr lang="az-Latn-AZ" sz="1200"/>
+          </a:p>
+          <a:p>
+            <a:endParaRPr lang="az-Latn-AZ" sz="1200"/>
+          </a:p>
+          <a:p>
+            <a:r>
+              <a:rPr lang="en-US" sz="1200" b="1"/>
+              <a:t>RAID 1-də isə</a:t>
+            </a:r>
+            <a:r>
+              <a:rPr lang="en-US" sz="1200"/>
+              <a:t>:</a:t>
+            </a:r>
+          </a:p>
+          <a:p>
+            <a:pPr marL="628650" lvl="1" indent="-171450">
+              <a:lnSpc>
+                <a:spcPct val="150000"/>
+              </a:lnSpc>
+              <a:buFont typeface="Wingdings" panose="05000000000000000000" pitchFamily="2" charset="2"/>
+              <a:buChar char="q"/>
+            </a:pPr>
+            <a:r>
+              <a:rPr lang="en-US" sz="1200" b="1">
+                <a:solidFill>
+                  <a:srgbClr val="7030A0"/>
+                </a:solidFill>
+              </a:rPr>
+              <a:t>Disk A</a:t>
+            </a:r>
+            <a:r>
+              <a:rPr lang="en-US" sz="1200"/>
+              <a:t>-ya yazılmış olan məlumat eyni şəkildə </a:t>
+            </a:r>
+            <a:r>
+              <a:rPr lang="en-US" sz="1200" b="1">
+                <a:solidFill>
+                  <a:srgbClr val="7030A0"/>
+                </a:solidFill>
+              </a:rPr>
+              <a:t>Disk B</a:t>
+            </a:r>
+            <a:r>
+              <a:rPr lang="en-US" sz="1200"/>
+              <a:t>-yə də yazılır.</a:t>
+            </a:r>
+          </a:p>
+          <a:p>
+            <a:pPr marL="628650" lvl="1" indent="-171450">
+              <a:lnSpc>
+                <a:spcPct val="150000"/>
+              </a:lnSpc>
+              <a:buFont typeface="Wingdings" panose="05000000000000000000" pitchFamily="2" charset="2"/>
+              <a:buChar char="q"/>
+            </a:pPr>
+            <a:r>
+              <a:rPr lang="en-US" sz="1200"/>
+              <a:t>Hər iki diskdə tam </a:t>
+            </a:r>
+            <a:r>
+              <a:rPr lang="en-US" sz="1200" b="1" i="1"/>
+              <a:t>eyni məlumat saxlanılır</a:t>
+            </a:r>
+            <a:r>
+              <a:rPr lang="en-US" sz="1200"/>
+              <a:t>, yəni hər iki diskdə tam nüsxə olur.</a:t>
+            </a:r>
+            <a:endParaRPr lang="az-Latn-AZ" sz="1200"/>
+          </a:p>
+          <a:p>
+            <a:pPr marL="171450" indent="-171450">
+              <a:buFont typeface="Wingdings" panose="05000000000000000000" pitchFamily="2" charset="2"/>
+              <a:buChar char="q"/>
+            </a:pPr>
+            <a:endParaRPr lang="az-Latn-AZ" sz="1200"/>
+          </a:p>
+          <a:p>
+            <a:pPr marL="171450" indent="-171450">
+              <a:buFont typeface="Wingdings" panose="05000000000000000000" pitchFamily="2" charset="2"/>
+              <a:buChar char="q"/>
+            </a:pPr>
+            <a:endParaRPr lang="en-US" sz="1200"/>
           </a:p>
         </p:txBody>
       </p:sp>
@@ -41071,8 +41601,8 @@
         </p:nvSpPr>
         <p:spPr>
           <a:xfrm>
-            <a:off x="203200" y="244826"/>
-            <a:ext cx="11822545" cy="369332"/>
+            <a:off x="0" y="264319"/>
+            <a:ext cx="12192000" cy="6329361"/>
           </a:xfrm>
           <a:prstGeom prst="rect">
             <a:avLst/>
@@ -41086,12 +41616,410 @@
           <a:lstStyle/>
           <a:p>
             <a:r>
-              <a:rPr lang="en-US">
-                <a:latin typeface="-apple-system"/>
+              <a:rPr lang="en-US" sz="1100"/>
+              <a:t>RAID-in </a:t>
+            </a:r>
+            <a:r>
+              <a:rPr lang="en-US" sz="1100" b="1"/>
+              <a:t>bir neçə səviyyəsi</a:t>
+            </a:r>
+            <a:r>
+              <a:rPr lang="en-US" sz="1100"/>
+              <a:t> var, amma ümumiyyətlə </a:t>
+            </a:r>
+            <a:r>
+              <a:rPr lang="en-US" sz="1100" b="1"/>
+              <a:t>5</a:t>
+            </a:r>
+            <a:r>
+              <a:rPr lang="en-US" sz="1100"/>
+              <a:t> əsas RAID səviyyəsi geniş istifadə olunur. Bu səviyyələrin hər birinin fərqli xüsusiyyətləri və </a:t>
+            </a:r>
+            <a:r>
+              <a:rPr lang="en-US" sz="1100" b="1"/>
+              <a:t>disk zədələnmələrinə</a:t>
+            </a:r>
+            <a:r>
+              <a:rPr lang="en-US" sz="1100"/>
+              <a:t> necə reaksiya verdiyi var.</a:t>
+            </a:r>
+            <a:endParaRPr lang="az-Latn-AZ" sz="1100"/>
+          </a:p>
+          <a:p>
+            <a:endParaRPr lang="az-Latn-AZ" sz="1100"/>
+          </a:p>
+          <a:p>
+            <a:r>
+              <a:rPr lang="en-US" sz="1100" b="1">
+                <a:solidFill>
+                  <a:srgbClr val="00B050"/>
+                </a:solidFill>
               </a:rPr>
+              <a:t>1. RAID 0 (Striping)</a:t>
+            </a:r>
+          </a:p>
+          <a:p>
+            <a:pPr marL="171450" indent="-171450">
+              <a:lnSpc>
+                <a:spcPct val="150000"/>
+              </a:lnSpc>
+              <a:buFont typeface="Wingdings" panose="05000000000000000000" pitchFamily="2" charset="2"/>
+              <a:buChar char="q"/>
+            </a:pPr>
+            <a:r>
+              <a:rPr lang="en-US" sz="1100" b="1"/>
+              <a:t>Məlumat necə saxlanır?</a:t>
+            </a:r>
+            <a:r>
+              <a:rPr lang="en-US" sz="1100"/>
+              <a:t>: Məlumat iki və ya daha çox diskə bölünür .</a:t>
+            </a:r>
+          </a:p>
+          <a:p>
+            <a:pPr marL="171450" indent="-171450">
+              <a:lnSpc>
+                <a:spcPct val="150000"/>
+              </a:lnSpc>
+              <a:buFont typeface="Wingdings" panose="05000000000000000000" pitchFamily="2" charset="2"/>
+              <a:buChar char="q"/>
+            </a:pPr>
+            <a:r>
+              <a:rPr lang="en-US" sz="1100" b="1"/>
+              <a:t>Disk zədələnərsə nə olur?</a:t>
+            </a:r>
+            <a:r>
+              <a:rPr lang="en-US" sz="1100"/>
+              <a:t>: Disk zədələnərsə, məlumat itir. Çünki məlumat yalnız o disklərdəki bir hissələrdə saxlanılır. Bir disk zədələndikdə, bütün məlumatı itirirsiniz.</a:t>
+            </a:r>
+          </a:p>
+          <a:p>
+            <a:pPr marL="171450" indent="-171450">
+              <a:lnSpc>
+                <a:spcPct val="150000"/>
+              </a:lnSpc>
+              <a:buFont typeface="Wingdings" panose="05000000000000000000" pitchFamily="2" charset="2"/>
+              <a:buChar char="q"/>
+            </a:pPr>
+            <a:r>
+              <a:rPr lang="en-US" sz="1100" b="1"/>
+              <a:t>RAID 0 üçün etibarlılıq</a:t>
+            </a:r>
+            <a:r>
+              <a:rPr lang="en-US" sz="1100"/>
+              <a:t>: Yoxdur, </a:t>
+            </a:r>
+            <a:r>
+              <a:rPr lang="az-Latn-AZ" sz="1100"/>
+              <a:t>çünki </a:t>
+            </a:r>
+            <a:r>
+              <a:rPr lang="en-US" sz="1100"/>
+              <a:t>məlumatın bir nüsxəsi </a:t>
+            </a:r>
+            <a:r>
+              <a:rPr lang="az-Latn-AZ" sz="1100"/>
+              <a:t>olmur</a:t>
+            </a:r>
+            <a:r>
+              <a:rPr lang="en-US" sz="1100"/>
               <a:t>.</a:t>
             </a:r>
-            <a:endParaRPr lang="en-US"/>
+          </a:p>
+          <a:p>
+            <a:endParaRPr lang="az-Latn-AZ" sz="1100"/>
+          </a:p>
+          <a:p>
+            <a:r>
+              <a:rPr lang="en-US" sz="1100" b="1">
+                <a:solidFill>
+                  <a:srgbClr val="00B050"/>
+                </a:solidFill>
+              </a:rPr>
+              <a:t>2</a:t>
+            </a:r>
+            <a:r>
+              <a:rPr lang="en-US" sz="1100">
+                <a:solidFill>
+                  <a:srgbClr val="00B050"/>
+                </a:solidFill>
+              </a:rPr>
+              <a:t>. </a:t>
+            </a:r>
+            <a:r>
+              <a:rPr lang="en-US" sz="1100" b="1">
+                <a:solidFill>
+                  <a:srgbClr val="00B050"/>
+                </a:solidFill>
+              </a:rPr>
+              <a:t>RAID 1 (Mirroring)</a:t>
+            </a:r>
+          </a:p>
+          <a:p>
+            <a:pPr marL="171450" indent="-171450">
+              <a:lnSpc>
+                <a:spcPct val="150000"/>
+              </a:lnSpc>
+              <a:buFont typeface="Wingdings" panose="05000000000000000000" pitchFamily="2" charset="2"/>
+              <a:buChar char="q"/>
+            </a:pPr>
+            <a:r>
+              <a:rPr lang="en-US" sz="1100" b="1"/>
+              <a:t>Məlumat necə saxlanır?: </a:t>
+            </a:r>
+            <a:r>
+              <a:rPr lang="en-US" sz="1100"/>
+              <a:t>Hər bir diskdə eyni məlumatın bir nüsxəsi saxlanılır. Yəni, məlumat iki diskdə eyni şəkildə saxlanır.</a:t>
+            </a:r>
+          </a:p>
+          <a:p>
+            <a:pPr marL="171450" indent="-171450">
+              <a:lnSpc>
+                <a:spcPct val="150000"/>
+              </a:lnSpc>
+              <a:buFont typeface="Wingdings" panose="05000000000000000000" pitchFamily="2" charset="2"/>
+              <a:buChar char="q"/>
+            </a:pPr>
+            <a:r>
+              <a:rPr lang="en-US" sz="1100" b="1"/>
+              <a:t>Disk zədələnərsə nə olur?: </a:t>
+            </a:r>
+            <a:r>
+              <a:rPr lang="en-US" sz="1100"/>
+              <a:t>Məlumat qorunur. Çünki digər diskdə məlumatın nüsxəsi saxlanır. Bir disk zədələnərsə, digər diskdə eyni məlumat qalır və heç bir məlumat itirilməz.</a:t>
+            </a:r>
+          </a:p>
+          <a:p>
+            <a:pPr marL="171450" indent="-171450">
+              <a:lnSpc>
+                <a:spcPct val="150000"/>
+              </a:lnSpc>
+              <a:buFont typeface="Wingdings" panose="05000000000000000000" pitchFamily="2" charset="2"/>
+              <a:buChar char="q"/>
+            </a:pPr>
+            <a:r>
+              <a:rPr lang="en-US" sz="1100" b="1"/>
+              <a:t>RAID 1 üçün etibarlılıq: </a:t>
+            </a:r>
+            <a:r>
+              <a:rPr lang="en-US" sz="1100"/>
+              <a:t>Çox yüksəkdir, bir disk zədələnəndə məlumat itirilmir.</a:t>
+            </a:r>
+            <a:endParaRPr lang="az-Latn-AZ" sz="1100"/>
+          </a:p>
+          <a:p>
+            <a:endParaRPr lang="az-Latn-AZ" sz="1100"/>
+          </a:p>
+          <a:p>
+            <a:r>
+              <a:rPr lang="en-US" sz="1100" b="1">
+                <a:solidFill>
+                  <a:srgbClr val="00B050"/>
+                </a:solidFill>
+              </a:rPr>
+              <a:t>3. RAID 5 (Striping + Paritet)</a:t>
+            </a:r>
+          </a:p>
+          <a:p>
+            <a:pPr marL="171450" indent="-171450">
+              <a:lnSpc>
+                <a:spcPct val="150000"/>
+              </a:lnSpc>
+              <a:buFont typeface="Wingdings" panose="05000000000000000000" pitchFamily="2" charset="2"/>
+              <a:buChar char="q"/>
+            </a:pPr>
+            <a:r>
+              <a:rPr lang="en-US" sz="1100" b="1"/>
+              <a:t>Məlumat necə saxlanır?: </a:t>
+            </a:r>
+            <a:r>
+              <a:rPr lang="en-US" sz="1100"/>
+              <a:t>Məlumat bütün disklərə bölünür və paritet məlumatı (bərpa məlumatı) hər diskə dağılır. Paritet, məlumatın bərpa edilməsi üçün istifadə olunur.</a:t>
+            </a:r>
+          </a:p>
+          <a:p>
+            <a:pPr marL="171450" indent="-171450">
+              <a:lnSpc>
+                <a:spcPct val="150000"/>
+              </a:lnSpc>
+              <a:buFont typeface="Wingdings" panose="05000000000000000000" pitchFamily="2" charset="2"/>
+              <a:buChar char="q"/>
+            </a:pPr>
+            <a:r>
+              <a:rPr lang="en-US" sz="1100" b="1"/>
+              <a:t>Disk zədələnərsə nə olur?: </a:t>
+            </a:r>
+            <a:r>
+              <a:rPr lang="en-US" sz="1100"/>
+              <a:t>Bir disk zədələnərsə, məlumat bərpa olunur. RAID 5-də məlumat və paritet müxtəlif diskdə yerləşdiyinə görə, zədələnən diskin məlumatı paritetdən bərpa edilə bilər.</a:t>
+            </a:r>
+          </a:p>
+          <a:p>
+            <a:pPr marL="171450" indent="-171450">
+              <a:lnSpc>
+                <a:spcPct val="150000"/>
+              </a:lnSpc>
+              <a:buFont typeface="Wingdings" panose="05000000000000000000" pitchFamily="2" charset="2"/>
+              <a:buChar char="q"/>
+            </a:pPr>
+            <a:r>
+              <a:rPr lang="en-US" sz="1100" b="1"/>
+              <a:t>RAID 5 üçün etibarlılıq: </a:t>
+            </a:r>
+            <a:r>
+              <a:rPr lang="en-US" sz="1100"/>
+              <a:t>Yüksəkdir, amma yalnız bir disk zədələnə bilər. Bir disk zədələndikdə, paritetlə məlumat bərpa edilir, amma iki disk zədələnərsə, məlumat itir.</a:t>
+            </a:r>
+          </a:p>
+          <a:p>
+            <a:endParaRPr lang="en-US" sz="1100"/>
+          </a:p>
+          <a:p>
+            <a:endParaRPr lang="en-US" sz="1100" b="1">
+              <a:solidFill>
+                <a:srgbClr val="00B050"/>
+              </a:solidFill>
+            </a:endParaRPr>
+          </a:p>
+          <a:p>
+            <a:r>
+              <a:rPr lang="en-US" sz="1100" b="1">
+                <a:solidFill>
+                  <a:srgbClr val="00B050"/>
+                </a:solidFill>
+              </a:rPr>
+              <a:t>4. RAID 6 (Striping + İki Paritet)</a:t>
+            </a:r>
+          </a:p>
+          <a:p>
+            <a:pPr marL="171450" indent="-171450">
+              <a:lnSpc>
+                <a:spcPct val="150000"/>
+              </a:lnSpc>
+              <a:buFont typeface="Wingdings" panose="05000000000000000000" pitchFamily="2" charset="2"/>
+              <a:buChar char="q"/>
+            </a:pPr>
+            <a:r>
+              <a:rPr lang="en-US" sz="1100" b="1"/>
+              <a:t>Məlumat necə saxlanır?: </a:t>
+            </a:r>
+            <a:r>
+              <a:rPr lang="en-US" sz="1100"/>
+              <a:t>Məlumat bütün disklərə bölünür, amma iki paritet məlumatı bərpa üçün saxlanılır.</a:t>
+            </a:r>
+          </a:p>
+          <a:p>
+            <a:pPr marL="171450" indent="-171450">
+              <a:lnSpc>
+                <a:spcPct val="150000"/>
+              </a:lnSpc>
+              <a:buFont typeface="Wingdings" panose="05000000000000000000" pitchFamily="2" charset="2"/>
+              <a:buChar char="q"/>
+            </a:pPr>
+            <a:r>
+              <a:rPr lang="en-US" sz="1100" b="1"/>
+              <a:t>Disk zədələnərsə nə olur?:</a:t>
+            </a:r>
+            <a:r>
+              <a:rPr lang="en-US" sz="1100"/>
+              <a:t> İki disk zədələnərsə belə, məlumat qorunur. İki disk zədələnəndə belə, paritet məlumatı istifadə edərək məlumat bərpa oluna bilər.</a:t>
+            </a:r>
+          </a:p>
+          <a:p>
+            <a:pPr marL="171450" indent="-171450">
+              <a:lnSpc>
+                <a:spcPct val="150000"/>
+              </a:lnSpc>
+              <a:buFont typeface="Wingdings" panose="05000000000000000000" pitchFamily="2" charset="2"/>
+              <a:buChar char="q"/>
+            </a:pPr>
+            <a:r>
+              <a:rPr lang="en-US" sz="1100" b="1"/>
+              <a:t>RAID 6 üçün etibarlılıq: </a:t>
+            </a:r>
+            <a:r>
+              <a:rPr lang="en-US" sz="1100"/>
+              <a:t>Çox yüksəkdir, iki disk zədələnə bilər və məlumat itirilməz.</a:t>
+            </a:r>
+          </a:p>
+          <a:p>
+            <a:endParaRPr lang="en-US" sz="1100"/>
+          </a:p>
+          <a:p>
+            <a:endParaRPr lang="en-US" sz="1100" b="1">
+              <a:solidFill>
+                <a:srgbClr val="00B050"/>
+              </a:solidFill>
+            </a:endParaRPr>
+          </a:p>
+          <a:p>
+            <a:r>
+              <a:rPr lang="en-US" sz="1100" b="1">
+                <a:solidFill>
+                  <a:srgbClr val="00B050"/>
+                </a:solidFill>
+              </a:rPr>
+              <a:t>5. RAID 10 (RAID 1 + RAID 0)</a:t>
+            </a:r>
+          </a:p>
+          <a:p>
+            <a:pPr marL="171450" indent="-171450">
+              <a:lnSpc>
+                <a:spcPct val="150000"/>
+              </a:lnSpc>
+              <a:buFont typeface="Wingdings" panose="05000000000000000000" pitchFamily="2" charset="2"/>
+              <a:buChar char="q"/>
+            </a:pPr>
+            <a:r>
+              <a:rPr lang="en-US" sz="1100" b="1"/>
+              <a:t>Məlumat necə saxlanır?: </a:t>
+            </a:r>
+            <a:r>
+              <a:rPr lang="en-US" sz="1100"/>
+              <a:t>Bu, RAID 1 və RAID 0-ın birləşməsidir. Yəni, disklərdə mirroring və striping bir yerdə işləyir. Hər iki diskdə məlumatın nüsxəsi saxlanır, amma eyni zamanda məlumat iki diskə bölünür.</a:t>
+            </a:r>
+          </a:p>
+          <a:p>
+            <a:pPr marL="171450" indent="-171450">
+              <a:lnSpc>
+                <a:spcPct val="150000"/>
+              </a:lnSpc>
+              <a:buFont typeface="Wingdings" panose="05000000000000000000" pitchFamily="2" charset="2"/>
+              <a:buChar char="q"/>
+            </a:pPr>
+            <a:r>
+              <a:rPr lang="en-US" sz="1100" b="1"/>
+              <a:t>Disk zədələnərsə nə olur?: </a:t>
+            </a:r>
+            <a:r>
+              <a:rPr lang="en-US" sz="1100"/>
+              <a:t>Bir disk zədələnərsə, məlumat qorunur. Çünki RAID 10 həm striping, həm də mirroring istifadə edir. Bir disk zədələnəndə digər diskdə eyni məlumat saxlanır.</a:t>
+            </a:r>
+          </a:p>
+          <a:p>
+            <a:pPr marL="171450" indent="-171450">
+              <a:lnSpc>
+                <a:spcPct val="150000"/>
+              </a:lnSpc>
+              <a:buFont typeface="Wingdings" panose="05000000000000000000" pitchFamily="2" charset="2"/>
+              <a:buChar char="q"/>
+            </a:pPr>
+            <a:r>
+              <a:rPr lang="en-US" sz="1100" b="1"/>
+              <a:t>RAID 10 üçün etibarlılıq: </a:t>
+            </a:r>
+            <a:r>
+              <a:rPr lang="en-US" sz="1100"/>
+              <a:t>Yüksəkdir, amma çox sayda disk istifadə etməli olacaqsınız (minimum 4 disk).</a:t>
+            </a:r>
+            <a:endParaRPr lang="az-Latn-AZ" sz="1100"/>
+          </a:p>
+          <a:p>
+            <a:pPr>
+              <a:lnSpc>
+                <a:spcPct val="150000"/>
+              </a:lnSpc>
+            </a:pPr>
+            <a:endParaRPr lang="en-US" sz="1100"/>
           </a:p>
         </p:txBody>
       </p:sp>
@@ -41146,7 +42074,7 @@
         <p:spPr>
           <a:xfrm>
             <a:off x="203200" y="244826"/>
-            <a:ext cx="11822545" cy="369332"/>
+            <a:ext cx="11822545" cy="6414000"/>
           </a:xfrm>
           <a:prstGeom prst="rect">
             <a:avLst/>
@@ -41160,12 +42088,461 @@
           <a:lstStyle/>
           <a:p>
             <a:r>
-              <a:rPr lang="en-US">
+              <a:rPr lang="az-Latn-AZ" sz="1100">
                 <a:latin typeface="-apple-system"/>
               </a:rPr>
-              <a:t>.</a:t>
-            </a:r>
-            <a:endParaRPr lang="en-US"/>
+              <a:t>M</a:t>
+            </a:r>
+            <a:r>
+              <a:rPr lang="en-US" sz="1100">
+                <a:latin typeface="-apple-system"/>
+              </a:rPr>
+              <a:t>inimum 4 disk tələb olunur, amma bu disklərin hər biri fərqli olmamalıdır. Həm SSD, həm də HDD istifadə oluna bilər, amma aşağıda bu məsələyə daha ətraflı izah verəcəyəm.</a:t>
+            </a:r>
+            <a:endParaRPr lang="az-Latn-AZ" sz="1100">
+              <a:latin typeface="-apple-system"/>
+            </a:endParaRPr>
+          </a:p>
+          <a:p>
+            <a:endParaRPr lang="az-Latn-AZ" sz="1100">
+              <a:latin typeface="-apple-system"/>
+            </a:endParaRPr>
+          </a:p>
+          <a:p>
+            <a:r>
+              <a:rPr lang="en-US" sz="1100" b="1">
+                <a:solidFill>
+                  <a:srgbClr val="00B050"/>
+                </a:solidFill>
+              </a:rPr>
+              <a:t>RAID 10 üçün minimum 4 disk</a:t>
+            </a:r>
+            <a:endParaRPr lang="az-Latn-AZ" sz="1100" b="1">
+              <a:solidFill>
+                <a:srgbClr val="00B050"/>
+              </a:solidFill>
+            </a:endParaRPr>
+          </a:p>
+          <a:p>
+            <a:endParaRPr lang="en-US" sz="1100" b="1"/>
+          </a:p>
+          <a:p>
+            <a:r>
+              <a:rPr lang="en-US" sz="1100" b="1"/>
+              <a:t>4 disk</a:t>
+            </a:r>
+            <a:r>
+              <a:rPr lang="en-US" sz="1100"/>
+              <a:t>dən danışanda nəzərdə tutduğumuz odur ki, sistemdə </a:t>
+            </a:r>
+            <a:r>
+              <a:rPr lang="en-US" sz="1100" b="1"/>
+              <a:t>4 fiziki disk</a:t>
+            </a:r>
+            <a:r>
+              <a:rPr lang="en-US" sz="1100"/>
+              <a:t> olmalıdır. Bu disklər </a:t>
+            </a:r>
+            <a:r>
+              <a:rPr lang="en-US" sz="1100" b="1"/>
+              <a:t>bir-birinə bağlıdır</a:t>
+            </a:r>
+            <a:r>
+              <a:rPr lang="en-US" sz="1100"/>
+              <a:t> və </a:t>
+            </a:r>
+            <a:r>
+              <a:rPr lang="en-US" sz="1100" b="1"/>
+              <a:t>mirroring (RAID 1)</a:t>
+            </a:r>
+            <a:r>
+              <a:rPr lang="en-US" sz="1100"/>
+              <a:t> və </a:t>
+            </a:r>
+            <a:r>
+              <a:rPr lang="en-US" sz="1100" b="1"/>
+              <a:t>striping (RAID 0)</a:t>
+            </a:r>
+            <a:r>
+              <a:rPr lang="en-US" sz="1100"/>
+              <a:t> funksiyalarını birləşdirir. Yəni, 2 disk </a:t>
+            </a:r>
+            <a:r>
+              <a:rPr lang="en-US" sz="1100" b="1"/>
+              <a:t>mirroring</a:t>
+            </a:r>
+            <a:r>
+              <a:rPr lang="en-US" sz="1100"/>
+              <a:t> ilə məlumatın nüsxəsini saxlayır, digər 2 disk isə </a:t>
+            </a:r>
+            <a:r>
+              <a:rPr lang="en-US" sz="1100" b="1"/>
+              <a:t>striping</a:t>
+            </a:r>
+            <a:r>
+              <a:rPr lang="en-US" sz="1100"/>
+              <a:t> ilə məlumatı bölüşdürür.</a:t>
+            </a:r>
+          </a:p>
+          <a:p>
+            <a:endParaRPr lang="az-Latn-AZ" sz="1100" b="1"/>
+          </a:p>
+          <a:p>
+            <a:r>
+              <a:rPr lang="en-US" sz="1100" b="1"/>
+              <a:t>Məsələn:</a:t>
+            </a:r>
+            <a:endParaRPr lang="en-US" sz="1100"/>
+          </a:p>
+          <a:p>
+            <a:pPr marL="742950" lvl="1" indent="-285750">
+              <a:lnSpc>
+                <a:spcPct val="150000"/>
+              </a:lnSpc>
+              <a:buFont typeface="Arial" panose="020B0604020202020204" pitchFamily="34" charset="0"/>
+              <a:buChar char="•"/>
+            </a:pPr>
+            <a:r>
+              <a:rPr lang="en-US" sz="1100"/>
+              <a:t>2 diskdə məlumatın </a:t>
+            </a:r>
+            <a:r>
+              <a:rPr lang="en-US" sz="1100" b="1"/>
+              <a:t>nüsxəsi</a:t>
+            </a:r>
+            <a:r>
+              <a:rPr lang="en-US" sz="1100"/>
+              <a:t> olacaq (mirroring),</a:t>
+            </a:r>
+          </a:p>
+          <a:p>
+            <a:pPr marL="742950" lvl="1" indent="-285750">
+              <a:lnSpc>
+                <a:spcPct val="150000"/>
+              </a:lnSpc>
+              <a:buFont typeface="Arial" panose="020B0604020202020204" pitchFamily="34" charset="0"/>
+              <a:buChar char="•"/>
+            </a:pPr>
+            <a:r>
+              <a:rPr lang="en-US" sz="1100"/>
+              <a:t>2 diskdə isə məlumat </a:t>
+            </a:r>
+            <a:r>
+              <a:rPr lang="en-US" sz="1100" b="1"/>
+              <a:t>bölünəcək</a:t>
+            </a:r>
+            <a:r>
+              <a:rPr lang="en-US" sz="1100"/>
+              <a:t> (striping).</a:t>
+            </a:r>
+            <a:endParaRPr lang="az-Latn-AZ" sz="1100"/>
+          </a:p>
+          <a:p>
+            <a:pPr lvl="1">
+              <a:lnSpc>
+                <a:spcPct val="150000"/>
+              </a:lnSpc>
+            </a:pPr>
+            <a:endParaRPr lang="en-US" sz="1100"/>
+          </a:p>
+          <a:p>
+            <a:r>
+              <a:rPr lang="en-US" sz="1100"/>
+              <a:t>Əgər RAID 10 konfiqurasiyasını qurmaq istəyirsinizsə, </a:t>
+            </a:r>
+            <a:r>
+              <a:rPr lang="en-US" sz="1100" b="1"/>
+              <a:t>4 disk</a:t>
+            </a:r>
+            <a:r>
+              <a:rPr lang="en-US" sz="1100"/>
+              <a:t> olmalıdır. </a:t>
+            </a:r>
+            <a:r>
+              <a:rPr lang="en-US" sz="1100" b="1"/>
+              <a:t>Minimum 4 disk</a:t>
+            </a:r>
+            <a:r>
+              <a:rPr lang="en-US" sz="1100"/>
+              <a:t>, amma daha çox disk istifadə etmək mümkündür, məsələn, 6, 8 və s.</a:t>
+            </a:r>
+          </a:p>
+          <a:p>
+            <a:endParaRPr lang="az-Latn-AZ" sz="1100"/>
+          </a:p>
+          <a:p>
+            <a:endParaRPr lang="az-Latn-AZ" sz="1100"/>
+          </a:p>
+          <a:p>
+            <a:endParaRPr lang="az-Latn-AZ" sz="1100"/>
+          </a:p>
+          <a:p>
+            <a:r>
+              <a:rPr lang="en-US" sz="1100" b="1">
+                <a:solidFill>
+                  <a:srgbClr val="00B050"/>
+                </a:solidFill>
+              </a:rPr>
+              <a:t>Disklərin növü: SSD və ya HDD</a:t>
+            </a:r>
+            <a:endParaRPr lang="az-Latn-AZ" sz="1100" b="1">
+              <a:solidFill>
+                <a:srgbClr val="00B050"/>
+              </a:solidFill>
+            </a:endParaRPr>
+          </a:p>
+          <a:p>
+            <a:endParaRPr lang="en-US" sz="1100" b="1">
+              <a:solidFill>
+                <a:srgbClr val="00B050"/>
+              </a:solidFill>
+            </a:endParaRPr>
+          </a:p>
+          <a:p>
+            <a:r>
+              <a:rPr lang="en-US" sz="1100" b="1"/>
+              <a:t>RAID 10 üçün disk növü</a:t>
+            </a:r>
+            <a:r>
+              <a:rPr lang="en-US" sz="1100"/>
+              <a:t>:</a:t>
+            </a:r>
+          </a:p>
+          <a:p>
+            <a:pPr marL="628650" lvl="1" indent="-171450">
+              <a:lnSpc>
+                <a:spcPct val="150000"/>
+              </a:lnSpc>
+              <a:buFont typeface="Arial" panose="020B0604020202020204" pitchFamily="34" charset="0"/>
+              <a:buChar char="•"/>
+            </a:pPr>
+            <a:r>
+              <a:rPr lang="en-US" sz="1100" b="1"/>
+              <a:t>HDD (Hard Disk Drive)</a:t>
+            </a:r>
+            <a:r>
+              <a:rPr lang="en-US" sz="1100"/>
+              <a:t> və </a:t>
+            </a:r>
+            <a:r>
+              <a:rPr lang="en-US" sz="1100" b="1"/>
+              <a:t>SSD (Solid-State Drive)</a:t>
+            </a:r>
+            <a:r>
+              <a:rPr lang="en-US" sz="1100"/>
+              <a:t> hər ikisi ilə istifadə oluna bilər.</a:t>
+            </a:r>
+          </a:p>
+          <a:p>
+            <a:pPr marL="628650" lvl="1" indent="-171450">
+              <a:lnSpc>
+                <a:spcPct val="150000"/>
+              </a:lnSpc>
+              <a:buFont typeface="Arial" panose="020B0604020202020204" pitchFamily="34" charset="0"/>
+              <a:buChar char="•"/>
+            </a:pPr>
+            <a:r>
+              <a:rPr lang="en-US" sz="1100" b="1"/>
+              <a:t>SSD-lər</a:t>
+            </a:r>
+            <a:r>
+              <a:rPr lang="en-US" sz="1100"/>
+              <a:t> daha sürətlidir və məlumatın oxunması/yazılması çox sürətli olur. Əgər performans əsas məqsədinizdirsə, </a:t>
+            </a:r>
+            <a:r>
+              <a:rPr lang="en-US" sz="1100" b="1"/>
+              <a:t>SSD-lər</a:t>
+            </a:r>
+            <a:r>
+              <a:rPr lang="en-US" sz="1100"/>
+              <a:t> seçmək daha yaxşıdır.</a:t>
+            </a:r>
+          </a:p>
+          <a:p>
+            <a:pPr marL="628650" lvl="1" indent="-171450">
+              <a:lnSpc>
+                <a:spcPct val="150000"/>
+              </a:lnSpc>
+              <a:buFont typeface="Arial" panose="020B0604020202020204" pitchFamily="34" charset="0"/>
+              <a:buChar char="•"/>
+            </a:pPr>
+            <a:r>
+              <a:rPr lang="en-US" sz="1100" b="1"/>
+              <a:t>HDD-lər</a:t>
+            </a:r>
+            <a:r>
+              <a:rPr lang="en-US" sz="1100"/>
+              <a:t> isə daha ucuzdur və daha çox yaddaş sahəsi təklif edir, amma oxuma və yazma sürəti </a:t>
+            </a:r>
+            <a:r>
+              <a:rPr lang="en-US" sz="1100" b="1"/>
+              <a:t>SSD-lərdən</a:t>
+            </a:r>
+            <a:r>
+              <a:rPr lang="en-US" sz="1100"/>
+              <a:t> daha aşağıdır. HDD-ləri istifadə edərkən, performans biraz aşağı olacaq.</a:t>
+            </a:r>
+          </a:p>
+          <a:p>
+            <a:endParaRPr lang="az-Latn-AZ" sz="1100"/>
+          </a:p>
+          <a:p>
+            <a:endParaRPr lang="az-Latn-AZ" sz="1100"/>
+          </a:p>
+          <a:p>
+            <a:endParaRPr lang="az-Latn-AZ" sz="1100"/>
+          </a:p>
+          <a:p>
+            <a:r>
+              <a:rPr lang="en-US" sz="1100" b="1">
+                <a:solidFill>
+                  <a:srgbClr val="00B050"/>
+                </a:solidFill>
+              </a:rPr>
+              <a:t>Minimum yaddaş 100 GB ola bilərmi?</a:t>
+            </a:r>
+            <a:endParaRPr lang="az-Latn-AZ" sz="1100" b="1">
+              <a:solidFill>
+                <a:srgbClr val="00B050"/>
+              </a:solidFill>
+            </a:endParaRPr>
+          </a:p>
+          <a:p>
+            <a:endParaRPr lang="en-US" sz="1100" b="1">
+              <a:solidFill>
+                <a:srgbClr val="00B050"/>
+              </a:solidFill>
+            </a:endParaRPr>
+          </a:p>
+          <a:p>
+            <a:r>
+              <a:rPr lang="en-US" sz="1100" b="1"/>
+              <a:t>Bəli, mümkündür</a:t>
+            </a:r>
+            <a:r>
+              <a:rPr lang="en-US" sz="1100"/>
+              <a:t>. Əgər siz RAID 10-da hər disk üçün 100 GB istifadə edirsinizsə, </a:t>
+            </a:r>
+            <a:r>
+              <a:rPr lang="en-US" sz="1100" b="1"/>
+              <a:t>4 disk</a:t>
+            </a:r>
+            <a:r>
+              <a:rPr lang="en-US" sz="1100"/>
+              <a:t> ilə:</a:t>
+            </a:r>
+          </a:p>
+          <a:p>
+            <a:pPr marL="628650" lvl="1" indent="-171450">
+              <a:buFont typeface="Arial" panose="020B0604020202020204" pitchFamily="34" charset="0"/>
+              <a:buChar char="•"/>
+            </a:pPr>
+            <a:r>
+              <a:rPr lang="en-US" sz="1100"/>
+              <a:t>4 x 100 GB = </a:t>
+            </a:r>
+            <a:r>
+              <a:rPr lang="en-US" sz="1100" b="1"/>
+              <a:t>400 GB</a:t>
+            </a:r>
+            <a:r>
+              <a:rPr lang="en-US" sz="1100"/>
+              <a:t> yaddaş əldə edirsiniz.</a:t>
+            </a:r>
+            <a:endParaRPr lang="az-Latn-AZ" sz="1100"/>
+          </a:p>
+          <a:p>
+            <a:pPr lvl="1"/>
+            <a:endParaRPr lang="en-US" sz="1100"/>
+          </a:p>
+          <a:p>
+            <a:r>
+              <a:rPr lang="en-US" sz="1100" b="1"/>
+              <a:t>Diskin ölçüsü</a:t>
+            </a:r>
+            <a:r>
+              <a:rPr lang="en-US" sz="1100"/>
+              <a:t> hər zaman </a:t>
+            </a:r>
+            <a:r>
+              <a:rPr lang="en-US" sz="1100" b="1"/>
+              <a:t>RAID konfiqurasiyanızın ölçüsünü</a:t>
+            </a:r>
+            <a:r>
+              <a:rPr lang="en-US" sz="1100"/>
+              <a:t> təyin edir. RAID 10-də </a:t>
+            </a:r>
+            <a:r>
+              <a:rPr lang="en-US" sz="1100" b="1"/>
+              <a:t>yaddaşın effektiv istifadəsi</a:t>
+            </a:r>
+            <a:r>
+              <a:rPr lang="en-US" sz="1100"/>
+              <a:t> belə olur:</a:t>
+            </a:r>
+          </a:p>
+          <a:p>
+            <a:pPr marL="628650" lvl="1" indent="-171450">
+              <a:lnSpc>
+                <a:spcPct val="150000"/>
+              </a:lnSpc>
+              <a:buFont typeface="Arial" panose="020B0604020202020204" pitchFamily="34" charset="0"/>
+              <a:buChar char="•"/>
+            </a:pPr>
+            <a:r>
+              <a:rPr lang="en-US" sz="1100" b="1"/>
+              <a:t>Disklərdə mirroring olduğu üçün</a:t>
+            </a:r>
+            <a:r>
+              <a:rPr lang="en-US" sz="1100"/>
+              <a:t> effektiv istifadə olunan yaddaş miqdarı </a:t>
+            </a:r>
+            <a:r>
+              <a:rPr lang="en-US" sz="1100" b="1"/>
+              <a:t>yığılmış disklərin yarısı qədər olur</a:t>
+            </a:r>
+            <a:r>
+              <a:rPr lang="en-US" sz="1100"/>
+              <a:t>. Yəni, əgər 4 diskdən hər biri 100 GB-dırsa, </a:t>
+            </a:r>
+            <a:r>
+              <a:rPr lang="en-US" sz="1100" b="1"/>
+              <a:t>400 GB</a:t>
+            </a:r>
+            <a:r>
+              <a:rPr lang="en-US" sz="1100"/>
+              <a:t>-ın yalnız </a:t>
+            </a:r>
+            <a:r>
+              <a:rPr lang="en-US" sz="1100" b="1"/>
+              <a:t>200 GB</a:t>
+            </a:r>
+            <a:r>
+              <a:rPr lang="en-US" sz="1100"/>
+              <a:t>-ı effektiv yaddaş kimi istifadə edilə bilər (çünki iki diskdə məlumatın </a:t>
+            </a:r>
+            <a:r>
+              <a:rPr lang="en-US" sz="1100" b="1"/>
+              <a:t>nüsxəsi</a:t>
+            </a:r>
+            <a:r>
+              <a:rPr lang="en-US" sz="1100"/>
+              <a:t> olacaq).</a:t>
+            </a:r>
+            <a:endParaRPr lang="az-Latn-AZ" sz="1100"/>
+          </a:p>
+          <a:p>
+            <a:pPr marL="628650" lvl="1" indent="-171450">
+              <a:lnSpc>
+                <a:spcPct val="150000"/>
+              </a:lnSpc>
+              <a:buFont typeface="Arial" panose="020B0604020202020204" pitchFamily="34" charset="0"/>
+              <a:buChar char="•"/>
+            </a:pPr>
+            <a:r>
+              <a:rPr lang="en-US" sz="1100"/>
+              <a:t>Disklərin ölçüsü eyni olmalıdır (yəni, hər bir disk 100 GB və ya hər hansı digər ölçüdə olmalıdır). Fərqli ölçülü disk istifadə edildikdə, ən kiçik disk ölçüsü əsas götürülür.</a:t>
+            </a:r>
           </a:p>
         </p:txBody>
       </p:sp>
@@ -41220,7 +42597,7 @@
         <p:spPr>
           <a:xfrm>
             <a:off x="203200" y="244826"/>
-            <a:ext cx="11822545" cy="369332"/>
+            <a:ext cx="11822545" cy="1815882"/>
           </a:xfrm>
           <a:prstGeom prst="rect">
             <a:avLst/>
@@ -41234,12 +42611,75 @@
           <a:lstStyle/>
           <a:p>
             <a:r>
-              <a:rPr lang="en-US">
+              <a:rPr lang="az-Latn-AZ" sz="1400" b="1">
                 <a:latin typeface="-apple-system"/>
               </a:rPr>
-              <a:t>.</a:t>
-            </a:r>
-            <a:endParaRPr lang="en-US"/>
+              <a:t>Xülasə</a:t>
+            </a:r>
+            <a:r>
+              <a:rPr lang="az-Latn-AZ" sz="1400">
+                <a:latin typeface="-apple-system"/>
+              </a:rPr>
+              <a:t>: </a:t>
+            </a:r>
+          </a:p>
+          <a:p>
+            <a:endParaRPr lang="az-Latn-AZ" sz="1400">
+              <a:latin typeface="-apple-system"/>
+            </a:endParaRPr>
+          </a:p>
+          <a:p>
+            <a:pPr marL="342900" indent="-342900">
+              <a:buFont typeface="Wingdings" panose="05000000000000000000" pitchFamily="2" charset="2"/>
+              <a:buChar char="q"/>
+            </a:pPr>
+            <a:r>
+              <a:rPr lang="en-US" sz="1400" b="1">
+                <a:solidFill>
+                  <a:srgbClr val="00B050"/>
+                </a:solidFill>
+              </a:rPr>
+              <a:t>LVM</a:t>
+            </a:r>
+            <a:r>
+              <a:rPr lang="en-US" sz="1400"/>
+              <a:t> - Diski daha rahat və elastik idarə etmək üçün istifadə olunur. Yəni, diski əlavə etmək, silmək, genişləndirmək və s. əməliyyatları daha asanlaşdırır.</a:t>
+            </a:r>
+          </a:p>
+          <a:p>
+            <a:pPr marL="342900" indent="-342900">
+              <a:buFont typeface="Wingdings" panose="05000000000000000000" pitchFamily="2" charset="2"/>
+              <a:buChar char="q"/>
+            </a:pPr>
+            <a:endParaRPr lang="en-US" sz="1400"/>
+          </a:p>
+          <a:p>
+            <a:pPr marL="342900" indent="-342900">
+              <a:buFont typeface="Wingdings" panose="05000000000000000000" pitchFamily="2" charset="2"/>
+              <a:buChar char="q"/>
+            </a:pPr>
+            <a:r>
+              <a:rPr lang="en-US" sz="1400" b="1">
+                <a:solidFill>
+                  <a:srgbClr val="0070C0"/>
+                </a:solidFill>
+              </a:rPr>
+              <a:t>RAID</a:t>
+            </a:r>
+            <a:r>
+              <a:rPr lang="en-US" sz="1400"/>
+              <a:t> - Məlumatın təhlükəsizliyi və performansını artırmaq üçün istifadə olunur. Yəni, diskləri birləşdirib məlumatı təhlükəsiz şəkildə saxlayır.</a:t>
+            </a:r>
+            <a:endParaRPr lang="az-Latn-AZ" sz="1400"/>
+          </a:p>
+          <a:p>
+            <a:endParaRPr lang="az-Latn-AZ" sz="1400"/>
+          </a:p>
+          <a:p>
+            <a:endParaRPr lang="az-Latn-AZ" sz="1400"/>
+          </a:p>
+          <a:p>
+            <a:endParaRPr lang="en-US" sz="1400"/>
           </a:p>
         </p:txBody>
       </p:sp>
@@ -41294,7 +42734,7 @@
         <p:spPr>
           <a:xfrm>
             <a:off x="203200" y="244826"/>
-            <a:ext cx="11822545" cy="369332"/>
+            <a:ext cx="11822545" cy="2308324"/>
           </a:xfrm>
           <a:prstGeom prst="rect">
             <a:avLst/>
@@ -41308,15 +42748,135 @@
           <a:lstStyle/>
           <a:p>
             <a:r>
-              <a:rPr lang="en-US">
-                <a:latin typeface="-apple-system"/>
+              <a:rPr lang="en-US" b="1">
+                <a:solidFill>
+                  <a:srgbClr val="FF0000"/>
+                </a:solidFill>
               </a:rPr>
-              <a:t>.</a:t>
-            </a:r>
+              <a:t>mdadm nədir?</a:t>
+            </a:r>
+            <a:endParaRPr lang="az-Latn-AZ" b="1">
+              <a:solidFill>
+                <a:srgbClr val="FF0000"/>
+              </a:solidFill>
+            </a:endParaRPr>
+          </a:p>
+          <a:p>
+            <a:endParaRPr lang="en-US" b="1"/>
+          </a:p>
+          <a:p>
+            <a:r>
+              <a:rPr lang="en-US" b="1"/>
+              <a:t>mdadm</a:t>
+            </a:r>
+            <a:r>
+              <a:rPr lang="en-US"/>
+              <a:t>, Linux-da</a:t>
+            </a:r>
+            <a:r>
+              <a:rPr lang="az-Latn-AZ"/>
+              <a:t>, </a:t>
+            </a:r>
+            <a:r>
+              <a:rPr lang="en-US"/>
+              <a:t>RAID-i idarə etmək üçün istifadə olunan alətdir. Bu, fiziki diskləri və ya bölmələri birləşdirərək müxtəlif RAID səviyyələrində "array" (düzülmə) yaradır. Bu düzülmələr, məlumatların təhlükəsizliyini artırmaq və ya performansı yaxşılaşdırmaq üçün istifadə olunur.</a:t>
+            </a:r>
+            <a:endParaRPr lang="az-Latn-AZ"/>
+          </a:p>
+          <a:p>
+            <a:endParaRPr lang="az-Latn-AZ"/>
+          </a:p>
+          <a:p>
+            <a:r>
+              <a:rPr lang="az-Latn-AZ"/>
+              <a:t>1) </a:t>
+            </a:r>
+            <a:r>
+              <a:rPr lang="en-US" b="1"/>
+              <a:t>Əvvəlcə mdadm-ı quraşdırmaq:</a:t>
+            </a:r>
+            <a:r>
+              <a:rPr lang="az-Latn-AZ" b="1"/>
+              <a:t> </a:t>
+            </a:r>
+            <a:r>
+              <a:rPr lang="en-US"/>
+              <a:t>Əgər </a:t>
+            </a:r>
+            <a:r>
+              <a:rPr lang="en-US" b="1"/>
+              <a:t>mdadm</a:t>
+            </a:r>
+            <a:r>
+              <a:rPr lang="en-US"/>
+              <a:t> hələ quraşdırılmayıbsa, onu aşağıdakı əmrlə quraşdıra bilərsiniz:</a:t>
+            </a:r>
+          </a:p>
+          <a:p>
             <a:endParaRPr lang="en-US"/>
           </a:p>
         </p:txBody>
       </p:sp>
+      <p:pic>
+        <p:nvPicPr>
+          <p:cNvPr id="3" name="Picture 2">
+            <a:extLst>
+              <a:ext uri="{FF2B5EF4-FFF2-40B4-BE49-F238E27FC236}">
+                <a16:creationId xmlns:a16="http://schemas.microsoft.com/office/drawing/2014/main" id="{D0D1D5E4-DF25-0112-7663-20750718FF92}"/>
+              </a:ext>
+            </a:extLst>
+          </p:cNvPr>
+          <p:cNvPicPr>
+            <a:picLocks noChangeAspect="1"/>
+          </p:cNvPicPr>
+          <p:nvPr/>
+        </p:nvPicPr>
+        <p:blipFill>
+          <a:blip r:embed="rId2"/>
+          <a:stretch>
+            <a:fillRect/>
+          </a:stretch>
+        </p:blipFill>
+        <p:spPr>
+          <a:xfrm>
+            <a:off x="9527" y="2553150"/>
+            <a:ext cx="4296375" cy="1066949"/>
+          </a:xfrm>
+          <a:prstGeom prst="rect">
+            <a:avLst/>
+          </a:prstGeom>
+        </p:spPr>
+      </p:pic>
+      <p:pic>
+        <p:nvPicPr>
+          <p:cNvPr id="5" name="Picture 4">
+            <a:extLst>
+              <a:ext uri="{FF2B5EF4-FFF2-40B4-BE49-F238E27FC236}">
+                <a16:creationId xmlns:a16="http://schemas.microsoft.com/office/drawing/2014/main" id="{FEF59B96-D475-7A12-4F09-A771C9E6470C}"/>
+              </a:ext>
+            </a:extLst>
+          </p:cNvPr>
+          <p:cNvPicPr>
+            <a:picLocks noChangeAspect="1"/>
+          </p:cNvPicPr>
+          <p:nvPr/>
+        </p:nvPicPr>
+        <p:blipFill>
+          <a:blip r:embed="rId3"/>
+          <a:stretch>
+            <a:fillRect/>
+          </a:stretch>
+        </p:blipFill>
+        <p:spPr>
+          <a:xfrm>
+            <a:off x="9527" y="3984103"/>
+            <a:ext cx="4286848" cy="1047896"/>
+          </a:xfrm>
+          <a:prstGeom prst="rect">
+            <a:avLst/>
+          </a:prstGeom>
+        </p:spPr>
+      </p:pic>
     </p:spTree>
     <p:extLst>
       <p:ext uri="{BB962C8B-B14F-4D97-AF65-F5344CB8AC3E}">
@@ -41368,7 +42928,7 @@
         <p:spPr>
           <a:xfrm>
             <a:off x="203200" y="244826"/>
-            <a:ext cx="11822545" cy="369332"/>
+            <a:ext cx="11822545" cy="5447645"/>
           </a:xfrm>
           <a:prstGeom prst="rect">
             <a:avLst/>
@@ -41382,19 +42942,1068 @@
           <a:lstStyle/>
           <a:p>
             <a:r>
-              <a:rPr lang="en-US">
+              <a:rPr lang="en-US" sz="1200" b="1">
                 <a:latin typeface="-apple-system"/>
               </a:rPr>
-              <a:t>.</a:t>
-            </a:r>
-            <a:endParaRPr lang="en-US"/>
+              <a:t>Cihazların Hazırlanması</a:t>
+            </a:r>
+            <a:r>
+              <a:rPr lang="en-US" sz="1200">
+                <a:latin typeface="-apple-system"/>
+              </a:rPr>
+              <a:t>: RAID array-i qurmazdan əvvəl, istifadə ediləcək disklərin superbloklarını silmək lazımdır. Superblok, diskdə RAID və ya başqa konfiqurasiyalarla bağlı məlumat saxlayır, ona görə də disk üzərində yeni bir RAID qurmaq üçün superblokları sıfırlamalıyıq. Bu əmrlə /dev/sdb1 bölməsinin superblokları silinir.</a:t>
+            </a:r>
+          </a:p>
+          <a:p>
+            <a:endParaRPr lang="en-US" sz="1200">
+              <a:latin typeface="-apple-system"/>
+            </a:endParaRPr>
+          </a:p>
+          <a:p>
+            <a:endParaRPr lang="en-US" sz="1200">
+              <a:latin typeface="-apple-system"/>
+            </a:endParaRPr>
+          </a:p>
+          <a:p>
+            <a:endParaRPr lang="en-US" sz="1200">
+              <a:latin typeface="-apple-system"/>
+            </a:endParaRPr>
+          </a:p>
+          <a:p>
+            <a:endParaRPr lang="en-US" sz="1200">
+              <a:latin typeface="-apple-system"/>
+            </a:endParaRPr>
+          </a:p>
+          <a:p>
+            <a:r>
+              <a:rPr lang="en-US" sz="1200" b="1"/>
+              <a:t>Bölmələr Yaratmaq</a:t>
+            </a:r>
+            <a:r>
+              <a:rPr lang="en-US" sz="1200"/>
+              <a:t>: RAID array-i yaratmaq üçün, əvvəlcə disk üzərində bölmələr yaratmaq lazımdır. Bu bölmələr GPT (GUID Partition Table) ilə qurulmalıdır və RAID tipi olmalıdır. </a:t>
+            </a:r>
+            <a:r>
+              <a:rPr lang="en-US" sz="1200" i="1"/>
+              <a:t>A19D880F-05FC-4D3B-A006-743F0F84911E</a:t>
+            </a:r>
+            <a:r>
+              <a:rPr lang="en-US" sz="1200"/>
+              <a:t> bu, RAID üçün xüsusi olaraq təyin olunmuş bir növ bölmə növüdür.</a:t>
+            </a:r>
+          </a:p>
+          <a:p>
+            <a:endParaRPr lang="en-US" sz="1200"/>
+          </a:p>
+          <a:p>
+            <a:endParaRPr lang="en-US" sz="1200"/>
+          </a:p>
+          <a:p>
+            <a:endParaRPr lang="en-US" sz="1200"/>
+          </a:p>
+          <a:p>
+            <a:endParaRPr lang="en-US" sz="1200"/>
+          </a:p>
+          <a:p>
+            <a:endParaRPr lang="en-US" sz="1200"/>
+          </a:p>
+          <a:p>
+            <a:endParaRPr lang="en-US" sz="1200"/>
+          </a:p>
+          <a:p>
+            <a:r>
+              <a:rPr lang="en-US" sz="1200"/>
+              <a:t>RAID Array Yaratmaq: RAID array-i yaratmaq üçün aşağıdakı əmrdən istifadə edirik. Məsələn, RAID 1 konfiqurasiyası üçün, yəni iki diskin məlumatları bir-birinə kopyalayacağı bir array yaratmaq istəyirik:  </a:t>
+            </a:r>
+            <a:r>
+              <a:rPr lang="en-US" sz="1200">
+                <a:solidFill>
+                  <a:srgbClr val="7030A0"/>
+                </a:solidFill>
+                <a:latin typeface="Cascadia Code Light" panose="020B0609020000020004" pitchFamily="49" charset="0"/>
+                <a:ea typeface="Cascadia Code Light" panose="020B0609020000020004" pitchFamily="49" charset="0"/>
+                <a:cs typeface="Cascadia Code Light" panose="020B0609020000020004" pitchFamily="49" charset="0"/>
+              </a:rPr>
+              <a:t>mdadm --create --level=1 --raid-devices=2 /dev/md/MyRAID1Array /dev/sdb1 /dev/sdc1</a:t>
+            </a:r>
+          </a:p>
+          <a:p>
+            <a:endParaRPr lang="en-US" sz="1200"/>
+          </a:p>
+          <a:p>
+            <a:endParaRPr lang="en-US" sz="1200"/>
+          </a:p>
+          <a:p>
+            <a:endParaRPr lang="en-US" sz="1200"/>
+          </a:p>
+          <a:p>
+            <a:r>
+              <a:rPr lang="en-US" sz="1200" b="1"/>
+              <a:t>Burada</a:t>
+            </a:r>
+            <a:r>
+              <a:rPr lang="en-US" sz="1200"/>
+              <a:t>:</a:t>
+            </a:r>
+          </a:p>
+          <a:p>
+            <a:pPr marL="628650" lvl="1" indent="-171450">
+              <a:lnSpc>
+                <a:spcPct val="150000"/>
+              </a:lnSpc>
+              <a:buFont typeface="Wingdings" panose="05000000000000000000" pitchFamily="2" charset="2"/>
+              <a:buChar char="q"/>
+            </a:pPr>
+            <a:r>
+              <a:rPr lang="en-US" sz="1200"/>
+              <a:t>--level=1 RAID 1 (mirroring) yaradacaq.</a:t>
+            </a:r>
+          </a:p>
+          <a:p>
+            <a:pPr marL="628650" lvl="1" indent="-171450">
+              <a:lnSpc>
+                <a:spcPct val="150000"/>
+              </a:lnSpc>
+              <a:buFont typeface="Wingdings" panose="05000000000000000000" pitchFamily="2" charset="2"/>
+              <a:buChar char="q"/>
+            </a:pPr>
+            <a:r>
+              <a:rPr lang="en-US" sz="1200"/>
+              <a:t>--raid-devices=2 istifadə ediləcək 2 disk olduğunu göstərir.</a:t>
+            </a:r>
+          </a:p>
+          <a:p>
+            <a:pPr marL="628650" lvl="1" indent="-171450">
+              <a:lnSpc>
+                <a:spcPct val="150000"/>
+              </a:lnSpc>
+              <a:buFont typeface="Wingdings" panose="05000000000000000000" pitchFamily="2" charset="2"/>
+              <a:buChar char="q"/>
+            </a:pPr>
+            <a:r>
+              <a:rPr lang="en-US" sz="1200"/>
+              <a:t>/dev/md/MyRAID1Array yeni RAID array-inin adı.</a:t>
+            </a:r>
+          </a:p>
+          <a:p>
+            <a:pPr marL="628650" lvl="1" indent="-171450">
+              <a:lnSpc>
+                <a:spcPct val="150000"/>
+              </a:lnSpc>
+              <a:buFont typeface="Wingdings" panose="05000000000000000000" pitchFamily="2" charset="2"/>
+              <a:buChar char="q"/>
+            </a:pPr>
+            <a:r>
+              <a:rPr lang="en-US" sz="1200"/>
+              <a:t>/dev/sdb1 və /dev/sdc1 isə RAID array-ə daxil ediləcək disk bölmələridir.</a:t>
+            </a:r>
+          </a:p>
+          <a:p>
+            <a:endParaRPr lang="en-US" sz="1200"/>
+          </a:p>
+          <a:p>
+            <a:endParaRPr lang="en-US" sz="1200"/>
+          </a:p>
+          <a:p>
+            <a:r>
+              <a:rPr lang="en-US" sz="1200" b="1"/>
+              <a:t>RAID Konfiqurasiya Faylını Yaratmaq</a:t>
+            </a:r>
+            <a:r>
+              <a:rPr lang="en-US" sz="1200"/>
+              <a:t>: RAID array-inin konfiqurasiyasını sistem başladıqda avtomatik yüklənməsi üçün /etc/mdadm.conf faylını yaratmaq lazımdır.</a:t>
+            </a:r>
           </a:p>
         </p:txBody>
       </p:sp>
+      <p:pic>
+        <p:nvPicPr>
+          <p:cNvPr id="3" name="Picture 2">
+            <a:extLst>
+              <a:ext uri="{FF2B5EF4-FFF2-40B4-BE49-F238E27FC236}">
+                <a16:creationId xmlns:a16="http://schemas.microsoft.com/office/drawing/2014/main" id="{B6392E5A-E21C-0537-0A30-F34B3A254278}"/>
+              </a:ext>
+            </a:extLst>
+          </p:cNvPr>
+          <p:cNvPicPr>
+            <a:picLocks noChangeAspect="1"/>
+          </p:cNvPicPr>
+          <p:nvPr/>
+        </p:nvPicPr>
+        <p:blipFill>
+          <a:blip r:embed="rId2"/>
+          <a:stretch>
+            <a:fillRect/>
+          </a:stretch>
+        </p:blipFill>
+        <p:spPr>
+          <a:xfrm>
+            <a:off x="203200" y="833996"/>
+            <a:ext cx="2734057" cy="276264"/>
+          </a:xfrm>
+          <a:prstGeom prst="rect">
+            <a:avLst/>
+          </a:prstGeom>
+        </p:spPr>
+      </p:pic>
+      <p:pic>
+        <p:nvPicPr>
+          <p:cNvPr id="5" name="Picture 4">
+            <a:extLst>
+              <a:ext uri="{FF2B5EF4-FFF2-40B4-BE49-F238E27FC236}">
+                <a16:creationId xmlns:a16="http://schemas.microsoft.com/office/drawing/2014/main" id="{C49A29F8-1C4F-D998-5403-0C9D69954349}"/>
+              </a:ext>
+            </a:extLst>
+          </p:cNvPr>
+          <p:cNvPicPr>
+            <a:picLocks noChangeAspect="1"/>
+          </p:cNvPicPr>
+          <p:nvPr/>
+        </p:nvPicPr>
+        <p:blipFill>
+          <a:blip r:embed="rId3"/>
+          <a:stretch>
+            <a:fillRect/>
+          </a:stretch>
+        </p:blipFill>
+        <p:spPr>
+          <a:xfrm>
+            <a:off x="203200" y="1814486"/>
+            <a:ext cx="3410426" cy="752580"/>
+          </a:xfrm>
+          <a:prstGeom prst="rect">
+            <a:avLst/>
+          </a:prstGeom>
+        </p:spPr>
+      </p:pic>
+      <p:pic>
+        <p:nvPicPr>
+          <p:cNvPr id="8" name="Picture 7">
+            <a:extLst>
+              <a:ext uri="{FF2B5EF4-FFF2-40B4-BE49-F238E27FC236}">
+                <a16:creationId xmlns:a16="http://schemas.microsoft.com/office/drawing/2014/main" id="{C6F9A15A-6AE4-F4F8-0247-4A76EEEA867A}"/>
+              </a:ext>
+            </a:extLst>
+          </p:cNvPr>
+          <p:cNvPicPr>
+            <a:picLocks noChangeAspect="1"/>
+          </p:cNvPicPr>
+          <p:nvPr/>
+        </p:nvPicPr>
+        <p:blipFill>
+          <a:blip r:embed="rId4"/>
+          <a:stretch>
+            <a:fillRect/>
+          </a:stretch>
+        </p:blipFill>
+        <p:spPr>
+          <a:xfrm>
+            <a:off x="203200" y="3357401"/>
+            <a:ext cx="6363588" cy="238158"/>
+          </a:xfrm>
+          <a:prstGeom prst="rect">
+            <a:avLst/>
+          </a:prstGeom>
+        </p:spPr>
+      </p:pic>
+      <p:pic>
+        <p:nvPicPr>
+          <p:cNvPr id="10" name="Picture 9">
+            <a:extLst>
+              <a:ext uri="{FF2B5EF4-FFF2-40B4-BE49-F238E27FC236}">
+                <a16:creationId xmlns:a16="http://schemas.microsoft.com/office/drawing/2014/main" id="{36D89C2B-52C4-48FB-51CB-FAAA307E5CB5}"/>
+              </a:ext>
+            </a:extLst>
+          </p:cNvPr>
+          <p:cNvPicPr>
+            <a:picLocks noChangeAspect="1"/>
+          </p:cNvPicPr>
+          <p:nvPr/>
+        </p:nvPicPr>
+        <p:blipFill>
+          <a:blip r:embed="rId5"/>
+          <a:stretch>
+            <a:fillRect/>
+          </a:stretch>
+        </p:blipFill>
+        <p:spPr>
+          <a:xfrm>
+            <a:off x="203200" y="5709635"/>
+            <a:ext cx="3248478" cy="314369"/>
+          </a:xfrm>
+          <a:prstGeom prst="rect">
+            <a:avLst/>
+          </a:prstGeom>
+        </p:spPr>
+      </p:pic>
     </p:spTree>
     <p:extLst>
       <p:ext uri="{BB962C8B-B14F-4D97-AF65-F5344CB8AC3E}">
         <p14:creationId xmlns:p14="http://schemas.microsoft.com/office/powerpoint/2010/main" val="2974827314"/>
+      </p:ext>
+    </p:extLst>
+  </p:cSld>
+  <p:clrMapOvr>
+    <a:masterClrMapping/>
+  </p:clrMapOvr>
+</p:sld>
+</file>
+
+<file path=ppt/slides/slide48.xml><?xml version="1.0" encoding="utf-8"?>
+<p:sld xmlns:a="http://schemas.openxmlformats.org/drawingml/2006/main" xmlns:r="http://schemas.openxmlformats.org/officeDocument/2006/relationships" xmlns:p="http://schemas.openxmlformats.org/presentationml/2006/main">
+  <p:cSld>
+    <p:spTree>
+      <p:nvGrpSpPr>
+        <p:cNvPr id="1" name="">
+          <a:extLst>
+            <a:ext uri="{FF2B5EF4-FFF2-40B4-BE49-F238E27FC236}">
+              <a16:creationId xmlns:a16="http://schemas.microsoft.com/office/drawing/2014/main" id="{6DB44528-6C85-BA90-457C-4E2433D977EB}"/>
+            </a:ext>
+          </a:extLst>
+        </p:cNvPr>
+        <p:cNvGrpSpPr/>
+        <p:nvPr/>
+      </p:nvGrpSpPr>
+      <p:grpSpPr>
+        <a:xfrm>
+          <a:off x="0" y="0"/>
+          <a:ext cx="0" cy="0"/>
+          <a:chOff x="0" y="0"/>
+          <a:chExt cx="0" cy="0"/>
+        </a:xfrm>
+      </p:grpSpPr>
+      <p:sp>
+        <p:nvSpPr>
+          <p:cNvPr id="7" name="TextBox 6">
+            <a:extLst>
+              <a:ext uri="{FF2B5EF4-FFF2-40B4-BE49-F238E27FC236}">
+                <a16:creationId xmlns:a16="http://schemas.microsoft.com/office/drawing/2014/main" id="{F8A51BC6-0089-60FC-7568-D6FDA33932EB}"/>
+              </a:ext>
+            </a:extLst>
+          </p:cNvPr>
+          <p:cNvSpPr txBox="1"/>
+          <p:nvPr/>
+        </p:nvSpPr>
+        <p:spPr>
+          <a:xfrm>
+            <a:off x="203200" y="244826"/>
+            <a:ext cx="11822545" cy="5632311"/>
+          </a:xfrm>
+          <a:prstGeom prst="rect">
+            <a:avLst/>
+          </a:prstGeom>
+          <a:noFill/>
+        </p:spPr>
+        <p:txBody>
+          <a:bodyPr wrap="square">
+            <a:spAutoFit/>
+          </a:bodyPr>
+          <a:lstStyle/>
+          <a:p>
+            <a:r>
+              <a:rPr lang="en-US" sz="1200" b="1">
+                <a:latin typeface="-apple-system"/>
+              </a:rPr>
+              <a:t>RAID Array-i Yığmaq</a:t>
+            </a:r>
+            <a:r>
+              <a:rPr lang="en-US" sz="1200">
+                <a:latin typeface="-apple-system"/>
+              </a:rPr>
+              <a:t>: RAID array-i yığmaq üçün (və ya sistem başladığında aktivləşdirmək üçün) aşağıdakı əmri istifadə edirik:</a:t>
+            </a:r>
+          </a:p>
+          <a:p>
+            <a:endParaRPr lang="en-US" sz="1200">
+              <a:latin typeface="-apple-system"/>
+            </a:endParaRPr>
+          </a:p>
+          <a:p>
+            <a:endParaRPr lang="en-US" sz="1200"/>
+          </a:p>
+          <a:p>
+            <a:endParaRPr lang="en-US" sz="1200"/>
+          </a:p>
+          <a:p>
+            <a:endParaRPr lang="en-US" sz="1200"/>
+          </a:p>
+          <a:p>
+            <a:r>
+              <a:rPr lang="en-US" sz="1200" b="1"/>
+              <a:t>Fayl Sistemi Formatlamaq</a:t>
+            </a:r>
+            <a:r>
+              <a:rPr lang="en-US" sz="1200"/>
+              <a:t>: RAID array yaradılandan sonra, bu array üzərində bir fayl sistemi yaratmalıyıq. Misal olaraq ext4 fayl sistemi ilə formatlaya bilərik və stride və stripe-width kimi RAID-ə uyğun optimallaşdırma parametrlərini əlavə edirik. </a:t>
+            </a:r>
+            <a:r>
+              <a:rPr lang="en-US" sz="1200" b="1"/>
+              <a:t>stride</a:t>
+            </a:r>
+            <a:r>
+              <a:rPr lang="en-US" sz="1200"/>
+              <a:t> və </a:t>
+            </a:r>
+            <a:r>
+              <a:rPr lang="en-US" sz="1200" b="1"/>
+              <a:t>stripe-width</a:t>
+            </a:r>
+            <a:r>
+              <a:rPr lang="en-US" sz="1200"/>
+              <a:t> parametrləri RAID-in performansını optimallaşdırmaq üçün istifadə olunur. Bu parametrləri doğru təyin etmək, disk sisteminin daha effektiv işləməsini təmin edə bilər.</a:t>
+            </a:r>
+          </a:p>
+          <a:p>
+            <a:endParaRPr lang="en-US" sz="1200"/>
+          </a:p>
+          <a:p>
+            <a:endParaRPr lang="en-US" sz="1200"/>
+          </a:p>
+          <a:p>
+            <a:endParaRPr lang="en-US" sz="1200"/>
+          </a:p>
+          <a:p>
+            <a:endParaRPr lang="en-US" sz="1200"/>
+          </a:p>
+          <a:p>
+            <a:r>
+              <a:rPr lang="en-US" sz="1200" b="1"/>
+              <a:t>Yeni Disk Əlavə Etmək</a:t>
+            </a:r>
+            <a:r>
+              <a:rPr lang="en-US" sz="1200"/>
+              <a:t>: Əgər yeni bir disk əlavə etmək istəyirsinizsə, əvvəlcə bu diski RAID array-inə əlavə etmək lazımdır:</a:t>
+            </a:r>
+          </a:p>
+          <a:p>
+            <a:endParaRPr lang="en-US" sz="1200"/>
+          </a:p>
+          <a:p>
+            <a:endParaRPr lang="en-US" sz="1200"/>
+          </a:p>
+          <a:p>
+            <a:endParaRPr lang="en-US" sz="1200"/>
+          </a:p>
+          <a:p>
+            <a:endParaRPr lang="en-US" sz="1200"/>
+          </a:p>
+          <a:p>
+            <a:r>
+              <a:rPr lang="en-US" sz="1200" b="1"/>
+              <a:t>Disk Silinməsi</a:t>
+            </a:r>
+            <a:r>
+              <a:rPr lang="en-US" sz="1200"/>
+              <a:t>: Bir disk array-dən silmək istəyirsinizsə, əvvəlcə bu diski "fail" edirsiniz və sonra onu silirsiniz:</a:t>
+            </a:r>
+          </a:p>
+          <a:p>
+            <a:endParaRPr lang="en-US" sz="1200"/>
+          </a:p>
+          <a:p>
+            <a:endParaRPr lang="en-US" sz="1200"/>
+          </a:p>
+          <a:p>
+            <a:endParaRPr lang="en-US" sz="1200"/>
+          </a:p>
+          <a:p>
+            <a:endParaRPr lang="en-US" sz="1200"/>
+          </a:p>
+          <a:p>
+            <a:endParaRPr lang="en-US" sz="1200"/>
+          </a:p>
+          <a:p>
+            <a:endParaRPr lang="en-US" sz="1200"/>
+          </a:p>
+          <a:p>
+            <a:r>
+              <a:rPr lang="en-US" sz="1200" b="1"/>
+              <a:t>RAID Array Ölçüsünü Dəyişdirmək</a:t>
+            </a:r>
+            <a:r>
+              <a:rPr lang="en-US" sz="1200"/>
+              <a:t>: RAID array-inin ölçüsünü artırmaq istəyirsinizsə, məsələn, daha çox disk əlavə etmək istəyirsinizsə:</a:t>
+            </a:r>
+          </a:p>
+          <a:p>
+            <a:endParaRPr lang="en-US" sz="1200"/>
+          </a:p>
+          <a:p>
+            <a:endParaRPr lang="en-US" sz="1200"/>
+          </a:p>
+          <a:p>
+            <a:endParaRPr lang="en-US" sz="1200"/>
+          </a:p>
+          <a:p>
+            <a:endParaRPr lang="en-US" sz="1200"/>
+          </a:p>
+          <a:p>
+            <a:r>
+              <a:rPr lang="en-US" sz="1200" b="1"/>
+              <a:t>RAID Sinxronizasiya Sürətini Dəyişdirmək</a:t>
+            </a:r>
+            <a:r>
+              <a:rPr lang="en-US" sz="1200"/>
+              <a:t>: RAID sinxronizasiyasının sürətini tənzimləmək üçün aşağıdakı əmri istifadə edə bilərsiniz: Bu əmrlə, sinxronizasiya sürətini artırırsınız.</a:t>
+            </a:r>
+          </a:p>
+        </p:txBody>
+      </p:sp>
+      <p:pic>
+        <p:nvPicPr>
+          <p:cNvPr id="3" name="Picture 2">
+            <a:extLst>
+              <a:ext uri="{FF2B5EF4-FFF2-40B4-BE49-F238E27FC236}">
+                <a16:creationId xmlns:a16="http://schemas.microsoft.com/office/drawing/2014/main" id="{4A9B05E5-9389-E673-9614-C5BABBEF066E}"/>
+              </a:ext>
+            </a:extLst>
+          </p:cNvPr>
+          <p:cNvPicPr>
+            <a:picLocks noChangeAspect="1"/>
+          </p:cNvPicPr>
+          <p:nvPr/>
+        </p:nvPicPr>
+        <p:blipFill>
+          <a:blip r:embed="rId2"/>
+          <a:stretch>
+            <a:fillRect/>
+          </a:stretch>
+        </p:blipFill>
+        <p:spPr>
+          <a:xfrm>
+            <a:off x="203200" y="549951"/>
+            <a:ext cx="2029108" cy="285790"/>
+          </a:xfrm>
+          <a:prstGeom prst="rect">
+            <a:avLst/>
+          </a:prstGeom>
+        </p:spPr>
+      </p:pic>
+      <p:pic>
+        <p:nvPicPr>
+          <p:cNvPr id="5" name="Picture 4">
+            <a:extLst>
+              <a:ext uri="{FF2B5EF4-FFF2-40B4-BE49-F238E27FC236}">
+                <a16:creationId xmlns:a16="http://schemas.microsoft.com/office/drawing/2014/main" id="{0782CA12-E12E-BE7B-500E-FC4A339627DE}"/>
+              </a:ext>
+            </a:extLst>
+          </p:cNvPr>
+          <p:cNvPicPr>
+            <a:picLocks noChangeAspect="1"/>
+          </p:cNvPicPr>
+          <p:nvPr/>
+        </p:nvPicPr>
+        <p:blipFill>
+          <a:blip r:embed="rId3"/>
+          <a:stretch>
+            <a:fillRect/>
+          </a:stretch>
+        </p:blipFill>
+        <p:spPr>
+          <a:xfrm>
+            <a:off x="203200" y="1814478"/>
+            <a:ext cx="3886742" cy="314369"/>
+          </a:xfrm>
+          <a:prstGeom prst="rect">
+            <a:avLst/>
+          </a:prstGeom>
+        </p:spPr>
+      </p:pic>
+      <p:pic>
+        <p:nvPicPr>
+          <p:cNvPr id="8" name="Picture 7">
+            <a:extLst>
+              <a:ext uri="{FF2B5EF4-FFF2-40B4-BE49-F238E27FC236}">
+                <a16:creationId xmlns:a16="http://schemas.microsoft.com/office/drawing/2014/main" id="{E0B92D48-720E-9556-7D0D-CB600040E842}"/>
+              </a:ext>
+            </a:extLst>
+          </p:cNvPr>
+          <p:cNvPicPr>
+            <a:picLocks noChangeAspect="1"/>
+          </p:cNvPicPr>
+          <p:nvPr/>
+        </p:nvPicPr>
+        <p:blipFill>
+          <a:blip r:embed="rId4"/>
+          <a:stretch>
+            <a:fillRect/>
+          </a:stretch>
+        </p:blipFill>
+        <p:spPr>
+          <a:xfrm>
+            <a:off x="203200" y="2721654"/>
+            <a:ext cx="2619741" cy="304843"/>
+          </a:xfrm>
+          <a:prstGeom prst="rect">
+            <a:avLst/>
+          </a:prstGeom>
+        </p:spPr>
+      </p:pic>
+      <p:pic>
+        <p:nvPicPr>
+          <p:cNvPr id="10" name="Picture 9">
+            <a:extLst>
+              <a:ext uri="{FF2B5EF4-FFF2-40B4-BE49-F238E27FC236}">
+                <a16:creationId xmlns:a16="http://schemas.microsoft.com/office/drawing/2014/main" id="{44573B57-5F08-763C-0ED7-9B9E3625D9BC}"/>
+              </a:ext>
+            </a:extLst>
+          </p:cNvPr>
+          <p:cNvPicPr>
+            <a:picLocks noChangeAspect="1"/>
+          </p:cNvPicPr>
+          <p:nvPr/>
+        </p:nvPicPr>
+        <p:blipFill>
+          <a:blip r:embed="rId5"/>
+          <a:stretch>
+            <a:fillRect/>
+          </a:stretch>
+        </p:blipFill>
+        <p:spPr>
+          <a:xfrm>
+            <a:off x="203200" y="3634008"/>
+            <a:ext cx="2810267" cy="590632"/>
+          </a:xfrm>
+          <a:prstGeom prst="rect">
+            <a:avLst/>
+          </a:prstGeom>
+        </p:spPr>
+      </p:pic>
+      <p:pic>
+        <p:nvPicPr>
+          <p:cNvPr id="12" name="Picture 11">
+            <a:extLst>
+              <a:ext uri="{FF2B5EF4-FFF2-40B4-BE49-F238E27FC236}">
+                <a16:creationId xmlns:a16="http://schemas.microsoft.com/office/drawing/2014/main" id="{5766445A-00F0-919F-E82E-52DEE4F25CA4}"/>
+              </a:ext>
+            </a:extLst>
+          </p:cNvPr>
+          <p:cNvPicPr>
+            <a:picLocks noChangeAspect="1"/>
+          </p:cNvPicPr>
+          <p:nvPr/>
+        </p:nvPicPr>
+        <p:blipFill>
+          <a:blip r:embed="rId6"/>
+          <a:stretch>
+            <a:fillRect/>
+          </a:stretch>
+        </p:blipFill>
+        <p:spPr>
+          <a:xfrm>
+            <a:off x="203200" y="4903230"/>
+            <a:ext cx="2715004" cy="295316"/>
+          </a:xfrm>
+          <a:prstGeom prst="rect">
+            <a:avLst/>
+          </a:prstGeom>
+        </p:spPr>
+      </p:pic>
+      <p:pic>
+        <p:nvPicPr>
+          <p:cNvPr id="14" name="Picture 13">
+            <a:extLst>
+              <a:ext uri="{FF2B5EF4-FFF2-40B4-BE49-F238E27FC236}">
+                <a16:creationId xmlns:a16="http://schemas.microsoft.com/office/drawing/2014/main" id="{03E93E05-EF92-7C1B-805E-4BDA63BEA471}"/>
+              </a:ext>
+            </a:extLst>
+          </p:cNvPr>
+          <p:cNvPicPr>
+            <a:picLocks noChangeAspect="1"/>
+          </p:cNvPicPr>
+          <p:nvPr/>
+        </p:nvPicPr>
+        <p:blipFill>
+          <a:blip r:embed="rId7"/>
+          <a:stretch>
+            <a:fillRect/>
+          </a:stretch>
+        </p:blipFill>
+        <p:spPr>
+          <a:xfrm>
+            <a:off x="203200" y="5883010"/>
+            <a:ext cx="3372321" cy="333422"/>
+          </a:xfrm>
+          <a:prstGeom prst="rect">
+            <a:avLst/>
+          </a:prstGeom>
+        </p:spPr>
+      </p:pic>
+    </p:spTree>
+    <p:extLst>
+      <p:ext uri="{BB962C8B-B14F-4D97-AF65-F5344CB8AC3E}">
+        <p14:creationId xmlns:p14="http://schemas.microsoft.com/office/powerpoint/2010/main" val="2478479015"/>
+      </p:ext>
+    </p:extLst>
+  </p:cSld>
+  <p:clrMapOvr>
+    <a:masterClrMapping/>
+  </p:clrMapOvr>
+</p:sld>
+</file>
+
+<file path=ppt/slides/slide49.xml><?xml version="1.0" encoding="utf-8"?>
+<p:sld xmlns:a="http://schemas.openxmlformats.org/drawingml/2006/main" xmlns:r="http://schemas.openxmlformats.org/officeDocument/2006/relationships" xmlns:p="http://schemas.openxmlformats.org/presentationml/2006/main">
+  <p:cSld>
+    <p:spTree>
+      <p:nvGrpSpPr>
+        <p:cNvPr id="1" name="">
+          <a:extLst>
+            <a:ext uri="{FF2B5EF4-FFF2-40B4-BE49-F238E27FC236}">
+              <a16:creationId xmlns:a16="http://schemas.microsoft.com/office/drawing/2014/main" id="{76B556F2-ACBD-D7E7-1534-A4877F641E46}"/>
+            </a:ext>
+          </a:extLst>
+        </p:cNvPr>
+        <p:cNvGrpSpPr/>
+        <p:nvPr/>
+      </p:nvGrpSpPr>
+      <p:grpSpPr>
+        <a:xfrm>
+          <a:off x="0" y="0"/>
+          <a:ext cx="0" cy="0"/>
+          <a:chOff x="0" y="0"/>
+          <a:chExt cx="0" cy="0"/>
+        </a:xfrm>
+      </p:grpSpPr>
+      <p:sp>
+        <p:nvSpPr>
+          <p:cNvPr id="7" name="TextBox 6">
+            <a:extLst>
+              <a:ext uri="{FF2B5EF4-FFF2-40B4-BE49-F238E27FC236}">
+                <a16:creationId xmlns:a16="http://schemas.microsoft.com/office/drawing/2014/main" id="{11C13054-D0B5-5698-0506-68CBF03D50BF}"/>
+              </a:ext>
+            </a:extLst>
+          </p:cNvPr>
+          <p:cNvSpPr txBox="1"/>
+          <p:nvPr/>
+        </p:nvSpPr>
+        <p:spPr>
+          <a:xfrm>
+            <a:off x="203200" y="244826"/>
+            <a:ext cx="11822545" cy="6370975"/>
+          </a:xfrm>
+          <a:prstGeom prst="rect">
+            <a:avLst/>
+          </a:prstGeom>
+          <a:noFill/>
+        </p:spPr>
+        <p:txBody>
+          <a:bodyPr wrap="square">
+            <a:spAutoFit/>
+          </a:bodyPr>
+          <a:lstStyle/>
+          <a:p>
+            <a:r>
+              <a:rPr lang="en-US" sz="1200" b="1">
+                <a:latin typeface="-apple-system"/>
+              </a:rPr>
+              <a:t>RAID Array Statusunu Yoxlamaq</a:t>
+            </a:r>
+            <a:r>
+              <a:rPr lang="en-US" sz="1200">
+                <a:latin typeface="-apple-system"/>
+              </a:rPr>
+              <a:t>: RAID array-inin vəziyyətini izləmək üçün:</a:t>
+            </a:r>
+          </a:p>
+          <a:p>
+            <a:endParaRPr lang="en-US" sz="1200">
+              <a:latin typeface="-apple-system"/>
+            </a:endParaRPr>
+          </a:p>
+          <a:p>
+            <a:endParaRPr lang="en-US" sz="1200">
+              <a:latin typeface="-apple-system"/>
+            </a:endParaRPr>
+          </a:p>
+          <a:p>
+            <a:endParaRPr lang="en-US" sz="1200"/>
+          </a:p>
+          <a:p>
+            <a:endParaRPr lang="en-US" sz="1200"/>
+          </a:p>
+          <a:p>
+            <a:endParaRPr lang="en-US" sz="1200"/>
+          </a:p>
+          <a:p>
+            <a:r>
+              <a:rPr lang="en-US" sz="1200" b="1"/>
+              <a:t>Scrubbing (Verilənləri Yoxlamaq)</a:t>
+            </a:r>
+            <a:r>
+              <a:rPr lang="en-US" sz="1200"/>
+              <a:t>: Scrubbing, RAID array-dəki məlumatların yoxlanmasıdır. Bu əmrlə hər hansı bir səhv və ya korrupsiya olub-olmadığını yoxlaya bilərsiniz:</a:t>
+            </a:r>
+          </a:p>
+          <a:p>
+            <a:endParaRPr lang="en-US" sz="1200"/>
+          </a:p>
+          <a:p>
+            <a:endParaRPr lang="en-US" sz="1200"/>
+          </a:p>
+          <a:p>
+            <a:endParaRPr lang="en-US" sz="1200"/>
+          </a:p>
+          <a:p>
+            <a:endParaRPr lang="en-US" sz="1200"/>
+          </a:p>
+          <a:p>
+            <a:endParaRPr lang="en-US" sz="1200"/>
+          </a:p>
+          <a:p>
+            <a:r>
+              <a:rPr lang="en-US" sz="1200" b="1"/>
+              <a:t>E-poçt Bildirişi Qurmaq</a:t>
+            </a:r>
+            <a:r>
+              <a:rPr lang="en-US" sz="1200"/>
+              <a:t>: E-poçt vasitəsilə RAID statusu haqqında məlumat almaq üçün mdadm.conf faylında e-poçt ünvanınızı qeyd edə bilərsiniz:</a:t>
+            </a:r>
+          </a:p>
+          <a:p>
+            <a:endParaRPr lang="en-US" sz="1200"/>
+          </a:p>
+          <a:p>
+            <a:endParaRPr lang="en-US" sz="1200"/>
+          </a:p>
+          <a:p>
+            <a:endParaRPr lang="en-US" sz="1200"/>
+          </a:p>
+          <a:p>
+            <a:endParaRPr lang="en-US" sz="1200"/>
+          </a:p>
+          <a:p>
+            <a:endParaRPr lang="en-US" sz="1200"/>
+          </a:p>
+          <a:p>
+            <a:r>
+              <a:rPr lang="en-US" sz="1200" b="1"/>
+              <a:t>Live CD-dən RAID-i Yığmaq</a:t>
+            </a:r>
+            <a:r>
+              <a:rPr lang="en-US" sz="1200"/>
+              <a:t>: RAID array-iniz boot zamanı düzgün işləmirsə, live CD istifadə edərək RAID-i aşağıdakı kimi yığa bilərsiniz:</a:t>
+            </a:r>
+          </a:p>
+          <a:p>
+            <a:endParaRPr lang="en-US" sz="1200"/>
+          </a:p>
+          <a:p>
+            <a:endParaRPr lang="en-US" sz="1200"/>
+          </a:p>
+          <a:p>
+            <a:endParaRPr lang="en-US" sz="1200"/>
+          </a:p>
+          <a:p>
+            <a:endParaRPr lang="en-US" sz="1200"/>
+          </a:p>
+          <a:p>
+            <a:endParaRPr lang="en-US" sz="1200"/>
+          </a:p>
+          <a:p>
+            <a:r>
+              <a:rPr lang="en-US" sz="1200" b="1"/>
+              <a:t>Qırılmış Diski Bərpa Etmək</a:t>
+            </a:r>
+            <a:r>
+              <a:rPr lang="en-US" sz="1200"/>
+              <a:t>: Qırılmış və ya işləməyən bir diski RAID array-də təzə bir disk ilə əvəz etmək üçün:</a:t>
+            </a:r>
+          </a:p>
+          <a:p>
+            <a:endParaRPr lang="en-US" sz="1200"/>
+          </a:p>
+          <a:p>
+            <a:endParaRPr lang="en-US" sz="1200"/>
+          </a:p>
+          <a:p>
+            <a:endParaRPr lang="en-US" sz="1200"/>
+          </a:p>
+          <a:p>
+            <a:endParaRPr lang="en-US" sz="1200"/>
+          </a:p>
+          <a:p>
+            <a:endParaRPr lang="en-US" sz="1200"/>
+          </a:p>
+          <a:p>
+            <a:r>
+              <a:rPr lang="en-US" sz="1200" b="1"/>
+              <a:t>LVM ilə İnteqrasiya </a:t>
+            </a:r>
+          </a:p>
+          <a:p>
+            <a:endParaRPr lang="en-US" sz="1200" b="1"/>
+          </a:p>
+          <a:p>
+            <a:r>
+              <a:rPr lang="en-US" sz="1200"/>
+              <a:t>RAID array-i qurduqdan sonra, üzərində LVM (Logical Volume Manager) həcmləri yaratmaq mümkündür. Bu, bir neçə müxtəlif virtual disk yaratmağa və onlar</a:t>
+            </a:r>
+            <a:r>
+              <a:rPr lang="az-Latn-AZ" sz="1200"/>
+              <a:t>ı</a:t>
+            </a:r>
+            <a:r>
+              <a:rPr lang="en-US" sz="1200"/>
+              <a:t> daha elastik şəkildə idarə etməyə imkan verir. Məsələn, /dev/md0 üzərində LVM həcmləri yaratmaq mümkündür.</a:t>
+            </a:r>
+          </a:p>
+        </p:txBody>
+      </p:sp>
+      <p:pic>
+        <p:nvPicPr>
+          <p:cNvPr id="3" name="Picture 2">
+            <a:extLst>
+              <a:ext uri="{FF2B5EF4-FFF2-40B4-BE49-F238E27FC236}">
+                <a16:creationId xmlns:a16="http://schemas.microsoft.com/office/drawing/2014/main" id="{18177F6A-A94C-40B2-3A10-FBB264C1F713}"/>
+              </a:ext>
+            </a:extLst>
+          </p:cNvPr>
+          <p:cNvPicPr>
+            <a:picLocks noChangeAspect="1"/>
+          </p:cNvPicPr>
+          <p:nvPr/>
+        </p:nvPicPr>
+        <p:blipFill>
+          <a:blip r:embed="rId2"/>
+          <a:stretch>
+            <a:fillRect/>
+          </a:stretch>
+        </p:blipFill>
+        <p:spPr>
+          <a:xfrm>
+            <a:off x="203200" y="542563"/>
+            <a:ext cx="1581371" cy="381053"/>
+          </a:xfrm>
+          <a:prstGeom prst="rect">
+            <a:avLst/>
+          </a:prstGeom>
+        </p:spPr>
+      </p:pic>
+      <p:pic>
+        <p:nvPicPr>
+          <p:cNvPr id="5" name="Picture 4">
+            <a:extLst>
+              <a:ext uri="{FF2B5EF4-FFF2-40B4-BE49-F238E27FC236}">
+                <a16:creationId xmlns:a16="http://schemas.microsoft.com/office/drawing/2014/main" id="{F1AD4934-8852-85F9-74C2-C9E14472C133}"/>
+              </a:ext>
+            </a:extLst>
+          </p:cNvPr>
+          <p:cNvPicPr>
+            <a:picLocks noChangeAspect="1"/>
+          </p:cNvPicPr>
+          <p:nvPr/>
+        </p:nvPicPr>
+        <p:blipFill>
+          <a:blip r:embed="rId3"/>
+          <a:stretch>
+            <a:fillRect/>
+          </a:stretch>
+        </p:blipFill>
+        <p:spPr>
+          <a:xfrm>
+            <a:off x="203200" y="1648293"/>
+            <a:ext cx="3477110" cy="390580"/>
+          </a:xfrm>
+          <a:prstGeom prst="rect">
+            <a:avLst/>
+          </a:prstGeom>
+        </p:spPr>
+      </p:pic>
+      <p:pic>
+        <p:nvPicPr>
+          <p:cNvPr id="8" name="Picture 7">
+            <a:extLst>
+              <a:ext uri="{FF2B5EF4-FFF2-40B4-BE49-F238E27FC236}">
+                <a16:creationId xmlns:a16="http://schemas.microsoft.com/office/drawing/2014/main" id="{CB26FFA6-CF68-19B4-CCA5-FCC018BB9F0E}"/>
+              </a:ext>
+            </a:extLst>
+          </p:cNvPr>
+          <p:cNvPicPr>
+            <a:picLocks noChangeAspect="1"/>
+          </p:cNvPicPr>
+          <p:nvPr/>
+        </p:nvPicPr>
+        <p:blipFill>
+          <a:blip r:embed="rId4"/>
+          <a:stretch>
+            <a:fillRect/>
+          </a:stretch>
+        </p:blipFill>
+        <p:spPr>
+          <a:xfrm>
+            <a:off x="203200" y="2747386"/>
+            <a:ext cx="2486372" cy="381053"/>
+          </a:xfrm>
+          <a:prstGeom prst="rect">
+            <a:avLst/>
+          </a:prstGeom>
+        </p:spPr>
+      </p:pic>
+      <p:pic>
+        <p:nvPicPr>
+          <p:cNvPr id="10" name="Picture 9">
+            <a:extLst>
+              <a:ext uri="{FF2B5EF4-FFF2-40B4-BE49-F238E27FC236}">
+                <a16:creationId xmlns:a16="http://schemas.microsoft.com/office/drawing/2014/main" id="{6AD00143-F8DD-07DA-483A-A08DB59229D5}"/>
+              </a:ext>
+            </a:extLst>
+          </p:cNvPr>
+          <p:cNvPicPr>
+            <a:picLocks noChangeAspect="1"/>
+          </p:cNvPicPr>
+          <p:nvPr/>
+        </p:nvPicPr>
+        <p:blipFill>
+          <a:blip r:embed="rId5"/>
+          <a:stretch>
+            <a:fillRect/>
+          </a:stretch>
+        </p:blipFill>
+        <p:spPr>
+          <a:xfrm>
+            <a:off x="203200" y="3845812"/>
+            <a:ext cx="3705742" cy="314369"/>
+          </a:xfrm>
+          <a:prstGeom prst="rect">
+            <a:avLst/>
+          </a:prstGeom>
+        </p:spPr>
+      </p:pic>
+      <p:pic>
+        <p:nvPicPr>
+          <p:cNvPr id="12" name="Picture 11">
+            <a:extLst>
+              <a:ext uri="{FF2B5EF4-FFF2-40B4-BE49-F238E27FC236}">
+                <a16:creationId xmlns:a16="http://schemas.microsoft.com/office/drawing/2014/main" id="{D61D102F-228C-64CB-96D8-FE723B6919E2}"/>
+              </a:ext>
+            </a:extLst>
+          </p:cNvPr>
+          <p:cNvPicPr>
+            <a:picLocks noChangeAspect="1"/>
+          </p:cNvPicPr>
+          <p:nvPr/>
+        </p:nvPicPr>
+        <p:blipFill>
+          <a:blip r:embed="rId6"/>
+          <a:stretch>
+            <a:fillRect/>
+          </a:stretch>
+        </p:blipFill>
+        <p:spPr>
+          <a:xfrm>
+            <a:off x="203200" y="4935281"/>
+            <a:ext cx="3353268" cy="314369"/>
+          </a:xfrm>
+          <a:prstGeom prst="rect">
+            <a:avLst/>
+          </a:prstGeom>
+        </p:spPr>
+      </p:pic>
+    </p:spTree>
+    <p:extLst>
+      <p:ext uri="{BB962C8B-B14F-4D97-AF65-F5344CB8AC3E}">
+        <p14:creationId xmlns:p14="http://schemas.microsoft.com/office/powerpoint/2010/main" val="3175848142"/>
       </p:ext>
     </p:extLst>
   </p:cSld>
@@ -41641,6 +44250,746 @@
 </p:sld>
 </file>
 
+<file path=ppt/slides/slide50.xml><?xml version="1.0" encoding="utf-8"?>
+<p:sld xmlns:a="http://schemas.openxmlformats.org/drawingml/2006/main" xmlns:r="http://schemas.openxmlformats.org/officeDocument/2006/relationships" xmlns:p="http://schemas.openxmlformats.org/presentationml/2006/main">
+  <p:cSld>
+    <p:spTree>
+      <p:nvGrpSpPr>
+        <p:cNvPr id="1" name="">
+          <a:extLst>
+            <a:ext uri="{FF2B5EF4-FFF2-40B4-BE49-F238E27FC236}">
+              <a16:creationId xmlns:a16="http://schemas.microsoft.com/office/drawing/2014/main" id="{7B8E320E-3D09-BBAE-9A09-723269003761}"/>
+            </a:ext>
+          </a:extLst>
+        </p:cNvPr>
+        <p:cNvGrpSpPr/>
+        <p:nvPr/>
+      </p:nvGrpSpPr>
+      <p:grpSpPr>
+        <a:xfrm>
+          <a:off x="0" y="0"/>
+          <a:ext cx="0" cy="0"/>
+          <a:chOff x="0" y="0"/>
+          <a:chExt cx="0" cy="0"/>
+        </a:xfrm>
+      </p:grpSpPr>
+      <p:sp>
+        <p:nvSpPr>
+          <p:cNvPr id="7" name="TextBox 6">
+            <a:extLst>
+              <a:ext uri="{FF2B5EF4-FFF2-40B4-BE49-F238E27FC236}">
+                <a16:creationId xmlns:a16="http://schemas.microsoft.com/office/drawing/2014/main" id="{9BA806A6-A53D-51C1-CD5D-46EA30DE3B7B}"/>
+              </a:ext>
+            </a:extLst>
+          </p:cNvPr>
+          <p:cNvSpPr txBox="1"/>
+          <p:nvPr/>
+        </p:nvSpPr>
+        <p:spPr>
+          <a:xfrm>
+            <a:off x="203200" y="244826"/>
+            <a:ext cx="11822545" cy="369332"/>
+          </a:xfrm>
+          <a:prstGeom prst="rect">
+            <a:avLst/>
+          </a:prstGeom>
+          <a:noFill/>
+        </p:spPr>
+        <p:txBody>
+          <a:bodyPr wrap="square">
+            <a:spAutoFit/>
+          </a:bodyPr>
+          <a:lstStyle/>
+          <a:p>
+            <a:r>
+              <a:rPr lang="en-US">
+                <a:latin typeface="-apple-system"/>
+              </a:rPr>
+              <a:t>.</a:t>
+            </a:r>
+            <a:endParaRPr lang="en-US"/>
+          </a:p>
+        </p:txBody>
+      </p:sp>
+    </p:spTree>
+    <p:extLst>
+      <p:ext uri="{BB962C8B-B14F-4D97-AF65-F5344CB8AC3E}">
+        <p14:creationId xmlns:p14="http://schemas.microsoft.com/office/powerpoint/2010/main" val="3073176549"/>
+      </p:ext>
+    </p:extLst>
+  </p:cSld>
+  <p:clrMapOvr>
+    <a:masterClrMapping/>
+  </p:clrMapOvr>
+</p:sld>
+</file>
+
+<file path=ppt/slides/slide51.xml><?xml version="1.0" encoding="utf-8"?>
+<p:sld xmlns:a="http://schemas.openxmlformats.org/drawingml/2006/main" xmlns:r="http://schemas.openxmlformats.org/officeDocument/2006/relationships" xmlns:p="http://schemas.openxmlformats.org/presentationml/2006/main">
+  <p:cSld>
+    <p:spTree>
+      <p:nvGrpSpPr>
+        <p:cNvPr id="1" name="">
+          <a:extLst>
+            <a:ext uri="{FF2B5EF4-FFF2-40B4-BE49-F238E27FC236}">
+              <a16:creationId xmlns:a16="http://schemas.microsoft.com/office/drawing/2014/main" id="{D5E3A8BE-4B9D-D336-4ED8-E9D427EBCD9C}"/>
+            </a:ext>
+          </a:extLst>
+        </p:cNvPr>
+        <p:cNvGrpSpPr/>
+        <p:nvPr/>
+      </p:nvGrpSpPr>
+      <p:grpSpPr>
+        <a:xfrm>
+          <a:off x="0" y="0"/>
+          <a:ext cx="0" cy="0"/>
+          <a:chOff x="0" y="0"/>
+          <a:chExt cx="0" cy="0"/>
+        </a:xfrm>
+      </p:grpSpPr>
+      <p:sp>
+        <p:nvSpPr>
+          <p:cNvPr id="7" name="TextBox 6">
+            <a:extLst>
+              <a:ext uri="{FF2B5EF4-FFF2-40B4-BE49-F238E27FC236}">
+                <a16:creationId xmlns:a16="http://schemas.microsoft.com/office/drawing/2014/main" id="{FB1D69BF-48E9-0C0C-E952-000B8F7ED26C}"/>
+              </a:ext>
+            </a:extLst>
+          </p:cNvPr>
+          <p:cNvSpPr txBox="1"/>
+          <p:nvPr/>
+        </p:nvSpPr>
+        <p:spPr>
+          <a:xfrm>
+            <a:off x="203200" y="244826"/>
+            <a:ext cx="11822545" cy="369332"/>
+          </a:xfrm>
+          <a:prstGeom prst="rect">
+            <a:avLst/>
+          </a:prstGeom>
+          <a:noFill/>
+        </p:spPr>
+        <p:txBody>
+          <a:bodyPr wrap="square">
+            <a:spAutoFit/>
+          </a:bodyPr>
+          <a:lstStyle/>
+          <a:p>
+            <a:r>
+              <a:rPr lang="en-US">
+                <a:latin typeface="-apple-system"/>
+              </a:rPr>
+              <a:t>.</a:t>
+            </a:r>
+            <a:endParaRPr lang="en-US"/>
+          </a:p>
+        </p:txBody>
+      </p:sp>
+    </p:spTree>
+    <p:extLst>
+      <p:ext uri="{BB962C8B-B14F-4D97-AF65-F5344CB8AC3E}">
+        <p14:creationId xmlns:p14="http://schemas.microsoft.com/office/powerpoint/2010/main" val="4190221031"/>
+      </p:ext>
+    </p:extLst>
+  </p:cSld>
+  <p:clrMapOvr>
+    <a:masterClrMapping/>
+  </p:clrMapOvr>
+</p:sld>
+</file>
+
+<file path=ppt/slides/slide52.xml><?xml version="1.0" encoding="utf-8"?>
+<p:sld xmlns:a="http://schemas.openxmlformats.org/drawingml/2006/main" xmlns:r="http://schemas.openxmlformats.org/officeDocument/2006/relationships" xmlns:p="http://schemas.openxmlformats.org/presentationml/2006/main">
+  <p:cSld>
+    <p:spTree>
+      <p:nvGrpSpPr>
+        <p:cNvPr id="1" name="">
+          <a:extLst>
+            <a:ext uri="{FF2B5EF4-FFF2-40B4-BE49-F238E27FC236}">
+              <a16:creationId xmlns:a16="http://schemas.microsoft.com/office/drawing/2014/main" id="{69259E2A-221D-CA08-8D36-363F9C218BB4}"/>
+            </a:ext>
+          </a:extLst>
+        </p:cNvPr>
+        <p:cNvGrpSpPr/>
+        <p:nvPr/>
+      </p:nvGrpSpPr>
+      <p:grpSpPr>
+        <a:xfrm>
+          <a:off x="0" y="0"/>
+          <a:ext cx="0" cy="0"/>
+          <a:chOff x="0" y="0"/>
+          <a:chExt cx="0" cy="0"/>
+        </a:xfrm>
+      </p:grpSpPr>
+      <p:sp>
+        <p:nvSpPr>
+          <p:cNvPr id="7" name="TextBox 6">
+            <a:extLst>
+              <a:ext uri="{FF2B5EF4-FFF2-40B4-BE49-F238E27FC236}">
+                <a16:creationId xmlns:a16="http://schemas.microsoft.com/office/drawing/2014/main" id="{CE52AE03-4810-E476-C8D5-EEE0ED5A2862}"/>
+              </a:ext>
+            </a:extLst>
+          </p:cNvPr>
+          <p:cNvSpPr txBox="1"/>
+          <p:nvPr/>
+        </p:nvSpPr>
+        <p:spPr>
+          <a:xfrm>
+            <a:off x="203200" y="244826"/>
+            <a:ext cx="11822545" cy="369332"/>
+          </a:xfrm>
+          <a:prstGeom prst="rect">
+            <a:avLst/>
+          </a:prstGeom>
+          <a:noFill/>
+        </p:spPr>
+        <p:txBody>
+          <a:bodyPr wrap="square">
+            <a:spAutoFit/>
+          </a:bodyPr>
+          <a:lstStyle/>
+          <a:p>
+            <a:r>
+              <a:rPr lang="en-US">
+                <a:latin typeface="-apple-system"/>
+              </a:rPr>
+              <a:t>.</a:t>
+            </a:r>
+            <a:endParaRPr lang="en-US"/>
+          </a:p>
+        </p:txBody>
+      </p:sp>
+    </p:spTree>
+    <p:extLst>
+      <p:ext uri="{BB962C8B-B14F-4D97-AF65-F5344CB8AC3E}">
+        <p14:creationId xmlns:p14="http://schemas.microsoft.com/office/powerpoint/2010/main" val="3925864440"/>
+      </p:ext>
+    </p:extLst>
+  </p:cSld>
+  <p:clrMapOvr>
+    <a:masterClrMapping/>
+  </p:clrMapOvr>
+</p:sld>
+</file>
+
+<file path=ppt/slides/slide53.xml><?xml version="1.0" encoding="utf-8"?>
+<p:sld xmlns:a="http://schemas.openxmlformats.org/drawingml/2006/main" xmlns:r="http://schemas.openxmlformats.org/officeDocument/2006/relationships" xmlns:p="http://schemas.openxmlformats.org/presentationml/2006/main">
+  <p:cSld>
+    <p:spTree>
+      <p:nvGrpSpPr>
+        <p:cNvPr id="1" name="">
+          <a:extLst>
+            <a:ext uri="{FF2B5EF4-FFF2-40B4-BE49-F238E27FC236}">
+              <a16:creationId xmlns:a16="http://schemas.microsoft.com/office/drawing/2014/main" id="{D7B3157E-2CC4-89B0-5EFD-E58FE644673E}"/>
+            </a:ext>
+          </a:extLst>
+        </p:cNvPr>
+        <p:cNvGrpSpPr/>
+        <p:nvPr/>
+      </p:nvGrpSpPr>
+      <p:grpSpPr>
+        <a:xfrm>
+          <a:off x="0" y="0"/>
+          <a:ext cx="0" cy="0"/>
+          <a:chOff x="0" y="0"/>
+          <a:chExt cx="0" cy="0"/>
+        </a:xfrm>
+      </p:grpSpPr>
+      <p:sp>
+        <p:nvSpPr>
+          <p:cNvPr id="7" name="TextBox 6">
+            <a:extLst>
+              <a:ext uri="{FF2B5EF4-FFF2-40B4-BE49-F238E27FC236}">
+                <a16:creationId xmlns:a16="http://schemas.microsoft.com/office/drawing/2014/main" id="{5AD0F4EA-D1E6-ED08-4FF9-9CF50C1EE8D2}"/>
+              </a:ext>
+            </a:extLst>
+          </p:cNvPr>
+          <p:cNvSpPr txBox="1"/>
+          <p:nvPr/>
+        </p:nvSpPr>
+        <p:spPr>
+          <a:xfrm>
+            <a:off x="203200" y="244826"/>
+            <a:ext cx="11822545" cy="369332"/>
+          </a:xfrm>
+          <a:prstGeom prst="rect">
+            <a:avLst/>
+          </a:prstGeom>
+          <a:noFill/>
+        </p:spPr>
+        <p:txBody>
+          <a:bodyPr wrap="square">
+            <a:spAutoFit/>
+          </a:bodyPr>
+          <a:lstStyle/>
+          <a:p>
+            <a:r>
+              <a:rPr lang="en-US">
+                <a:latin typeface="-apple-system"/>
+              </a:rPr>
+              <a:t>.</a:t>
+            </a:r>
+            <a:endParaRPr lang="en-US"/>
+          </a:p>
+        </p:txBody>
+      </p:sp>
+    </p:spTree>
+    <p:extLst>
+      <p:ext uri="{BB962C8B-B14F-4D97-AF65-F5344CB8AC3E}">
+        <p14:creationId xmlns:p14="http://schemas.microsoft.com/office/powerpoint/2010/main" val="474917961"/>
+      </p:ext>
+    </p:extLst>
+  </p:cSld>
+  <p:clrMapOvr>
+    <a:masterClrMapping/>
+  </p:clrMapOvr>
+</p:sld>
+</file>
+
+<file path=ppt/slides/slide54.xml><?xml version="1.0" encoding="utf-8"?>
+<p:sld xmlns:a="http://schemas.openxmlformats.org/drawingml/2006/main" xmlns:r="http://schemas.openxmlformats.org/officeDocument/2006/relationships" xmlns:p="http://schemas.openxmlformats.org/presentationml/2006/main">
+  <p:cSld>
+    <p:spTree>
+      <p:nvGrpSpPr>
+        <p:cNvPr id="1" name="">
+          <a:extLst>
+            <a:ext uri="{FF2B5EF4-FFF2-40B4-BE49-F238E27FC236}">
+              <a16:creationId xmlns:a16="http://schemas.microsoft.com/office/drawing/2014/main" id="{74C4128E-0BB1-6B82-DB75-852403D09B71}"/>
+            </a:ext>
+          </a:extLst>
+        </p:cNvPr>
+        <p:cNvGrpSpPr/>
+        <p:nvPr/>
+      </p:nvGrpSpPr>
+      <p:grpSpPr>
+        <a:xfrm>
+          <a:off x="0" y="0"/>
+          <a:ext cx="0" cy="0"/>
+          <a:chOff x="0" y="0"/>
+          <a:chExt cx="0" cy="0"/>
+        </a:xfrm>
+      </p:grpSpPr>
+      <p:sp>
+        <p:nvSpPr>
+          <p:cNvPr id="7" name="TextBox 6">
+            <a:extLst>
+              <a:ext uri="{FF2B5EF4-FFF2-40B4-BE49-F238E27FC236}">
+                <a16:creationId xmlns:a16="http://schemas.microsoft.com/office/drawing/2014/main" id="{15A3FDF8-6BDE-37DE-1DC5-A16CA8A76FDC}"/>
+              </a:ext>
+            </a:extLst>
+          </p:cNvPr>
+          <p:cNvSpPr txBox="1"/>
+          <p:nvPr/>
+        </p:nvSpPr>
+        <p:spPr>
+          <a:xfrm>
+            <a:off x="203200" y="244826"/>
+            <a:ext cx="11822545" cy="369332"/>
+          </a:xfrm>
+          <a:prstGeom prst="rect">
+            <a:avLst/>
+          </a:prstGeom>
+          <a:noFill/>
+        </p:spPr>
+        <p:txBody>
+          <a:bodyPr wrap="square">
+            <a:spAutoFit/>
+          </a:bodyPr>
+          <a:lstStyle/>
+          <a:p>
+            <a:r>
+              <a:rPr lang="en-US">
+                <a:latin typeface="-apple-system"/>
+              </a:rPr>
+              <a:t>.</a:t>
+            </a:r>
+            <a:endParaRPr lang="en-US"/>
+          </a:p>
+        </p:txBody>
+      </p:sp>
+    </p:spTree>
+    <p:extLst>
+      <p:ext uri="{BB962C8B-B14F-4D97-AF65-F5344CB8AC3E}">
+        <p14:creationId xmlns:p14="http://schemas.microsoft.com/office/powerpoint/2010/main" val="3346858355"/>
+      </p:ext>
+    </p:extLst>
+  </p:cSld>
+  <p:clrMapOvr>
+    <a:masterClrMapping/>
+  </p:clrMapOvr>
+</p:sld>
+</file>
+
+<file path=ppt/slides/slide55.xml><?xml version="1.0" encoding="utf-8"?>
+<p:sld xmlns:a="http://schemas.openxmlformats.org/drawingml/2006/main" xmlns:r="http://schemas.openxmlformats.org/officeDocument/2006/relationships" xmlns:p="http://schemas.openxmlformats.org/presentationml/2006/main">
+  <p:cSld>
+    <p:spTree>
+      <p:nvGrpSpPr>
+        <p:cNvPr id="1" name="">
+          <a:extLst>
+            <a:ext uri="{FF2B5EF4-FFF2-40B4-BE49-F238E27FC236}">
+              <a16:creationId xmlns:a16="http://schemas.microsoft.com/office/drawing/2014/main" id="{C608CC63-ED84-73DD-AE57-40B8ED92988E}"/>
+            </a:ext>
+          </a:extLst>
+        </p:cNvPr>
+        <p:cNvGrpSpPr/>
+        <p:nvPr/>
+      </p:nvGrpSpPr>
+      <p:grpSpPr>
+        <a:xfrm>
+          <a:off x="0" y="0"/>
+          <a:ext cx="0" cy="0"/>
+          <a:chOff x="0" y="0"/>
+          <a:chExt cx="0" cy="0"/>
+        </a:xfrm>
+      </p:grpSpPr>
+      <p:sp>
+        <p:nvSpPr>
+          <p:cNvPr id="7" name="TextBox 6">
+            <a:extLst>
+              <a:ext uri="{FF2B5EF4-FFF2-40B4-BE49-F238E27FC236}">
+                <a16:creationId xmlns:a16="http://schemas.microsoft.com/office/drawing/2014/main" id="{FF8F386F-BCC2-D011-875A-F7D5AB19803E}"/>
+              </a:ext>
+            </a:extLst>
+          </p:cNvPr>
+          <p:cNvSpPr txBox="1"/>
+          <p:nvPr/>
+        </p:nvSpPr>
+        <p:spPr>
+          <a:xfrm>
+            <a:off x="203200" y="244826"/>
+            <a:ext cx="11822545" cy="369332"/>
+          </a:xfrm>
+          <a:prstGeom prst="rect">
+            <a:avLst/>
+          </a:prstGeom>
+          <a:noFill/>
+        </p:spPr>
+        <p:txBody>
+          <a:bodyPr wrap="square">
+            <a:spAutoFit/>
+          </a:bodyPr>
+          <a:lstStyle/>
+          <a:p>
+            <a:r>
+              <a:rPr lang="en-US">
+                <a:latin typeface="-apple-system"/>
+              </a:rPr>
+              <a:t>.</a:t>
+            </a:r>
+            <a:endParaRPr lang="en-US"/>
+          </a:p>
+        </p:txBody>
+      </p:sp>
+    </p:spTree>
+    <p:extLst>
+      <p:ext uri="{BB962C8B-B14F-4D97-AF65-F5344CB8AC3E}">
+        <p14:creationId xmlns:p14="http://schemas.microsoft.com/office/powerpoint/2010/main" val="440672711"/>
+      </p:ext>
+    </p:extLst>
+  </p:cSld>
+  <p:clrMapOvr>
+    <a:masterClrMapping/>
+  </p:clrMapOvr>
+</p:sld>
+</file>
+
+<file path=ppt/slides/slide56.xml><?xml version="1.0" encoding="utf-8"?>
+<p:sld xmlns:a="http://schemas.openxmlformats.org/drawingml/2006/main" xmlns:r="http://schemas.openxmlformats.org/officeDocument/2006/relationships" xmlns:p="http://schemas.openxmlformats.org/presentationml/2006/main">
+  <p:cSld>
+    <p:spTree>
+      <p:nvGrpSpPr>
+        <p:cNvPr id="1" name="">
+          <a:extLst>
+            <a:ext uri="{FF2B5EF4-FFF2-40B4-BE49-F238E27FC236}">
+              <a16:creationId xmlns:a16="http://schemas.microsoft.com/office/drawing/2014/main" id="{01EBEB00-D95C-DE1C-C017-93C1649DD3CF}"/>
+            </a:ext>
+          </a:extLst>
+        </p:cNvPr>
+        <p:cNvGrpSpPr/>
+        <p:nvPr/>
+      </p:nvGrpSpPr>
+      <p:grpSpPr>
+        <a:xfrm>
+          <a:off x="0" y="0"/>
+          <a:ext cx="0" cy="0"/>
+          <a:chOff x="0" y="0"/>
+          <a:chExt cx="0" cy="0"/>
+        </a:xfrm>
+      </p:grpSpPr>
+      <p:sp>
+        <p:nvSpPr>
+          <p:cNvPr id="7" name="TextBox 6">
+            <a:extLst>
+              <a:ext uri="{FF2B5EF4-FFF2-40B4-BE49-F238E27FC236}">
+                <a16:creationId xmlns:a16="http://schemas.microsoft.com/office/drawing/2014/main" id="{197B1C07-5768-428F-581A-EC65870453C7}"/>
+              </a:ext>
+            </a:extLst>
+          </p:cNvPr>
+          <p:cNvSpPr txBox="1"/>
+          <p:nvPr/>
+        </p:nvSpPr>
+        <p:spPr>
+          <a:xfrm>
+            <a:off x="203200" y="244826"/>
+            <a:ext cx="11822545" cy="369332"/>
+          </a:xfrm>
+          <a:prstGeom prst="rect">
+            <a:avLst/>
+          </a:prstGeom>
+          <a:noFill/>
+        </p:spPr>
+        <p:txBody>
+          <a:bodyPr wrap="square">
+            <a:spAutoFit/>
+          </a:bodyPr>
+          <a:lstStyle/>
+          <a:p>
+            <a:r>
+              <a:rPr lang="en-US">
+                <a:latin typeface="-apple-system"/>
+              </a:rPr>
+              <a:t>.</a:t>
+            </a:r>
+            <a:endParaRPr lang="en-US"/>
+          </a:p>
+        </p:txBody>
+      </p:sp>
+    </p:spTree>
+    <p:extLst>
+      <p:ext uri="{BB962C8B-B14F-4D97-AF65-F5344CB8AC3E}">
+        <p14:creationId xmlns:p14="http://schemas.microsoft.com/office/powerpoint/2010/main" val="1986713682"/>
+      </p:ext>
+    </p:extLst>
+  </p:cSld>
+  <p:clrMapOvr>
+    <a:masterClrMapping/>
+  </p:clrMapOvr>
+</p:sld>
+</file>
+
+<file path=ppt/slides/slide57.xml><?xml version="1.0" encoding="utf-8"?>
+<p:sld xmlns:a="http://schemas.openxmlformats.org/drawingml/2006/main" xmlns:r="http://schemas.openxmlformats.org/officeDocument/2006/relationships" xmlns:p="http://schemas.openxmlformats.org/presentationml/2006/main">
+  <p:cSld>
+    <p:spTree>
+      <p:nvGrpSpPr>
+        <p:cNvPr id="1" name="">
+          <a:extLst>
+            <a:ext uri="{FF2B5EF4-FFF2-40B4-BE49-F238E27FC236}">
+              <a16:creationId xmlns:a16="http://schemas.microsoft.com/office/drawing/2014/main" id="{68416520-B203-1EE6-8D23-849F55F9A6B1}"/>
+            </a:ext>
+          </a:extLst>
+        </p:cNvPr>
+        <p:cNvGrpSpPr/>
+        <p:nvPr/>
+      </p:nvGrpSpPr>
+      <p:grpSpPr>
+        <a:xfrm>
+          <a:off x="0" y="0"/>
+          <a:ext cx="0" cy="0"/>
+          <a:chOff x="0" y="0"/>
+          <a:chExt cx="0" cy="0"/>
+        </a:xfrm>
+      </p:grpSpPr>
+      <p:sp>
+        <p:nvSpPr>
+          <p:cNvPr id="7" name="TextBox 6">
+            <a:extLst>
+              <a:ext uri="{FF2B5EF4-FFF2-40B4-BE49-F238E27FC236}">
+                <a16:creationId xmlns:a16="http://schemas.microsoft.com/office/drawing/2014/main" id="{97D52489-9070-9242-A223-9E18555C0EDC}"/>
+              </a:ext>
+            </a:extLst>
+          </p:cNvPr>
+          <p:cNvSpPr txBox="1"/>
+          <p:nvPr/>
+        </p:nvSpPr>
+        <p:spPr>
+          <a:xfrm>
+            <a:off x="203200" y="244826"/>
+            <a:ext cx="11822545" cy="369332"/>
+          </a:xfrm>
+          <a:prstGeom prst="rect">
+            <a:avLst/>
+          </a:prstGeom>
+          <a:noFill/>
+        </p:spPr>
+        <p:txBody>
+          <a:bodyPr wrap="square">
+            <a:spAutoFit/>
+          </a:bodyPr>
+          <a:lstStyle/>
+          <a:p>
+            <a:r>
+              <a:rPr lang="en-US">
+                <a:latin typeface="-apple-system"/>
+              </a:rPr>
+              <a:t>.</a:t>
+            </a:r>
+            <a:endParaRPr lang="en-US"/>
+          </a:p>
+        </p:txBody>
+      </p:sp>
+    </p:spTree>
+    <p:extLst>
+      <p:ext uri="{BB962C8B-B14F-4D97-AF65-F5344CB8AC3E}">
+        <p14:creationId xmlns:p14="http://schemas.microsoft.com/office/powerpoint/2010/main" val="2435420449"/>
+      </p:ext>
+    </p:extLst>
+  </p:cSld>
+  <p:clrMapOvr>
+    <a:masterClrMapping/>
+  </p:clrMapOvr>
+</p:sld>
+</file>
+
+<file path=ppt/slides/slide58.xml><?xml version="1.0" encoding="utf-8"?>
+<p:sld xmlns:a="http://schemas.openxmlformats.org/drawingml/2006/main" xmlns:r="http://schemas.openxmlformats.org/officeDocument/2006/relationships" xmlns:p="http://schemas.openxmlformats.org/presentationml/2006/main">
+  <p:cSld>
+    <p:spTree>
+      <p:nvGrpSpPr>
+        <p:cNvPr id="1" name="">
+          <a:extLst>
+            <a:ext uri="{FF2B5EF4-FFF2-40B4-BE49-F238E27FC236}">
+              <a16:creationId xmlns:a16="http://schemas.microsoft.com/office/drawing/2014/main" id="{41870FF9-693D-135E-7560-BC5849F8A7C6}"/>
+            </a:ext>
+          </a:extLst>
+        </p:cNvPr>
+        <p:cNvGrpSpPr/>
+        <p:nvPr/>
+      </p:nvGrpSpPr>
+      <p:grpSpPr>
+        <a:xfrm>
+          <a:off x="0" y="0"/>
+          <a:ext cx="0" cy="0"/>
+          <a:chOff x="0" y="0"/>
+          <a:chExt cx="0" cy="0"/>
+        </a:xfrm>
+      </p:grpSpPr>
+      <p:sp>
+        <p:nvSpPr>
+          <p:cNvPr id="7" name="TextBox 6">
+            <a:extLst>
+              <a:ext uri="{FF2B5EF4-FFF2-40B4-BE49-F238E27FC236}">
+                <a16:creationId xmlns:a16="http://schemas.microsoft.com/office/drawing/2014/main" id="{0D0F9EBB-67B8-705E-025E-392AA7FAA40F}"/>
+              </a:ext>
+            </a:extLst>
+          </p:cNvPr>
+          <p:cNvSpPr txBox="1"/>
+          <p:nvPr/>
+        </p:nvSpPr>
+        <p:spPr>
+          <a:xfrm>
+            <a:off x="203200" y="244826"/>
+            <a:ext cx="11822545" cy="369332"/>
+          </a:xfrm>
+          <a:prstGeom prst="rect">
+            <a:avLst/>
+          </a:prstGeom>
+          <a:noFill/>
+        </p:spPr>
+        <p:txBody>
+          <a:bodyPr wrap="square">
+            <a:spAutoFit/>
+          </a:bodyPr>
+          <a:lstStyle/>
+          <a:p>
+            <a:r>
+              <a:rPr lang="en-US">
+                <a:latin typeface="-apple-system"/>
+              </a:rPr>
+              <a:t>.</a:t>
+            </a:r>
+            <a:endParaRPr lang="en-US"/>
+          </a:p>
+        </p:txBody>
+      </p:sp>
+    </p:spTree>
+    <p:extLst>
+      <p:ext uri="{BB962C8B-B14F-4D97-AF65-F5344CB8AC3E}">
+        <p14:creationId xmlns:p14="http://schemas.microsoft.com/office/powerpoint/2010/main" val="3639508116"/>
+      </p:ext>
+    </p:extLst>
+  </p:cSld>
+  <p:clrMapOvr>
+    <a:masterClrMapping/>
+  </p:clrMapOvr>
+</p:sld>
+</file>
+
+<file path=ppt/slides/slide59.xml><?xml version="1.0" encoding="utf-8"?>
+<p:sld xmlns:a="http://schemas.openxmlformats.org/drawingml/2006/main" xmlns:r="http://schemas.openxmlformats.org/officeDocument/2006/relationships" xmlns:p="http://schemas.openxmlformats.org/presentationml/2006/main">
+  <p:cSld>
+    <p:spTree>
+      <p:nvGrpSpPr>
+        <p:cNvPr id="1" name="">
+          <a:extLst>
+            <a:ext uri="{FF2B5EF4-FFF2-40B4-BE49-F238E27FC236}">
+              <a16:creationId xmlns:a16="http://schemas.microsoft.com/office/drawing/2014/main" id="{D595F6E2-0B88-249B-2BBB-E1AAB962F575}"/>
+            </a:ext>
+          </a:extLst>
+        </p:cNvPr>
+        <p:cNvGrpSpPr/>
+        <p:nvPr/>
+      </p:nvGrpSpPr>
+      <p:grpSpPr>
+        <a:xfrm>
+          <a:off x="0" y="0"/>
+          <a:ext cx="0" cy="0"/>
+          <a:chOff x="0" y="0"/>
+          <a:chExt cx="0" cy="0"/>
+        </a:xfrm>
+      </p:grpSpPr>
+      <p:sp>
+        <p:nvSpPr>
+          <p:cNvPr id="7" name="TextBox 6">
+            <a:extLst>
+              <a:ext uri="{FF2B5EF4-FFF2-40B4-BE49-F238E27FC236}">
+                <a16:creationId xmlns:a16="http://schemas.microsoft.com/office/drawing/2014/main" id="{B17A5DCC-FF4C-E793-ED19-8C5BCAF0F321}"/>
+              </a:ext>
+            </a:extLst>
+          </p:cNvPr>
+          <p:cNvSpPr txBox="1"/>
+          <p:nvPr/>
+        </p:nvSpPr>
+        <p:spPr>
+          <a:xfrm>
+            <a:off x="203200" y="244826"/>
+            <a:ext cx="11822545" cy="369332"/>
+          </a:xfrm>
+          <a:prstGeom prst="rect">
+            <a:avLst/>
+          </a:prstGeom>
+          <a:noFill/>
+        </p:spPr>
+        <p:txBody>
+          <a:bodyPr wrap="square">
+            <a:spAutoFit/>
+          </a:bodyPr>
+          <a:lstStyle/>
+          <a:p>
+            <a:r>
+              <a:rPr lang="en-US">
+                <a:latin typeface="-apple-system"/>
+              </a:rPr>
+              <a:t>.</a:t>
+            </a:r>
+            <a:endParaRPr lang="en-US"/>
+          </a:p>
+        </p:txBody>
+      </p:sp>
+    </p:spTree>
+    <p:extLst>
+      <p:ext uri="{BB962C8B-B14F-4D97-AF65-F5344CB8AC3E}">
+        <p14:creationId xmlns:p14="http://schemas.microsoft.com/office/powerpoint/2010/main" val="1620397483"/>
+      </p:ext>
+    </p:extLst>
+  </p:cSld>
+  <p:clrMapOvr>
+    <a:masterClrMapping/>
+  </p:clrMapOvr>
+</p:sld>
+</file>
+
 <file path=ppt/slides/slide6.xml><?xml version="1.0" encoding="utf-8"?>
 <p:sld xmlns:a="http://schemas.openxmlformats.org/drawingml/2006/main" xmlns:r="http://schemas.openxmlformats.org/officeDocument/2006/relationships" xmlns:p="http://schemas.openxmlformats.org/presentationml/2006/main">
   <p:cSld>
@@ -41971,6 +45320,746 @@
     <p:extLst>
       <p:ext uri="{BB962C8B-B14F-4D97-AF65-F5344CB8AC3E}">
         <p14:creationId xmlns:p14="http://schemas.microsoft.com/office/powerpoint/2010/main" val="2870253096"/>
+      </p:ext>
+    </p:extLst>
+  </p:cSld>
+  <p:clrMapOvr>
+    <a:masterClrMapping/>
+  </p:clrMapOvr>
+</p:sld>
+</file>
+
+<file path=ppt/slides/slide60.xml><?xml version="1.0" encoding="utf-8"?>
+<p:sld xmlns:a="http://schemas.openxmlformats.org/drawingml/2006/main" xmlns:r="http://schemas.openxmlformats.org/officeDocument/2006/relationships" xmlns:p="http://schemas.openxmlformats.org/presentationml/2006/main">
+  <p:cSld>
+    <p:spTree>
+      <p:nvGrpSpPr>
+        <p:cNvPr id="1" name="">
+          <a:extLst>
+            <a:ext uri="{FF2B5EF4-FFF2-40B4-BE49-F238E27FC236}">
+              <a16:creationId xmlns:a16="http://schemas.microsoft.com/office/drawing/2014/main" id="{B325C1DF-160E-A2F8-491D-D6A0E166846A}"/>
+            </a:ext>
+          </a:extLst>
+        </p:cNvPr>
+        <p:cNvGrpSpPr/>
+        <p:nvPr/>
+      </p:nvGrpSpPr>
+      <p:grpSpPr>
+        <a:xfrm>
+          <a:off x="0" y="0"/>
+          <a:ext cx="0" cy="0"/>
+          <a:chOff x="0" y="0"/>
+          <a:chExt cx="0" cy="0"/>
+        </a:xfrm>
+      </p:grpSpPr>
+      <p:sp>
+        <p:nvSpPr>
+          <p:cNvPr id="7" name="TextBox 6">
+            <a:extLst>
+              <a:ext uri="{FF2B5EF4-FFF2-40B4-BE49-F238E27FC236}">
+                <a16:creationId xmlns:a16="http://schemas.microsoft.com/office/drawing/2014/main" id="{B0CA58A2-CBBD-F6B7-2366-7114E1348479}"/>
+              </a:ext>
+            </a:extLst>
+          </p:cNvPr>
+          <p:cNvSpPr txBox="1"/>
+          <p:nvPr/>
+        </p:nvSpPr>
+        <p:spPr>
+          <a:xfrm>
+            <a:off x="203200" y="244826"/>
+            <a:ext cx="11822545" cy="369332"/>
+          </a:xfrm>
+          <a:prstGeom prst="rect">
+            <a:avLst/>
+          </a:prstGeom>
+          <a:noFill/>
+        </p:spPr>
+        <p:txBody>
+          <a:bodyPr wrap="square">
+            <a:spAutoFit/>
+          </a:bodyPr>
+          <a:lstStyle/>
+          <a:p>
+            <a:r>
+              <a:rPr lang="en-US">
+                <a:latin typeface="-apple-system"/>
+              </a:rPr>
+              <a:t>.</a:t>
+            </a:r>
+            <a:endParaRPr lang="en-US"/>
+          </a:p>
+        </p:txBody>
+      </p:sp>
+    </p:spTree>
+    <p:extLst>
+      <p:ext uri="{BB962C8B-B14F-4D97-AF65-F5344CB8AC3E}">
+        <p14:creationId xmlns:p14="http://schemas.microsoft.com/office/powerpoint/2010/main" val="3380317536"/>
+      </p:ext>
+    </p:extLst>
+  </p:cSld>
+  <p:clrMapOvr>
+    <a:masterClrMapping/>
+  </p:clrMapOvr>
+</p:sld>
+</file>
+
+<file path=ppt/slides/slide61.xml><?xml version="1.0" encoding="utf-8"?>
+<p:sld xmlns:a="http://schemas.openxmlformats.org/drawingml/2006/main" xmlns:r="http://schemas.openxmlformats.org/officeDocument/2006/relationships" xmlns:p="http://schemas.openxmlformats.org/presentationml/2006/main">
+  <p:cSld>
+    <p:spTree>
+      <p:nvGrpSpPr>
+        <p:cNvPr id="1" name="">
+          <a:extLst>
+            <a:ext uri="{FF2B5EF4-FFF2-40B4-BE49-F238E27FC236}">
+              <a16:creationId xmlns:a16="http://schemas.microsoft.com/office/drawing/2014/main" id="{09AAC9C9-2D21-D582-DF23-AF28CC22243F}"/>
+            </a:ext>
+          </a:extLst>
+        </p:cNvPr>
+        <p:cNvGrpSpPr/>
+        <p:nvPr/>
+      </p:nvGrpSpPr>
+      <p:grpSpPr>
+        <a:xfrm>
+          <a:off x="0" y="0"/>
+          <a:ext cx="0" cy="0"/>
+          <a:chOff x="0" y="0"/>
+          <a:chExt cx="0" cy="0"/>
+        </a:xfrm>
+      </p:grpSpPr>
+      <p:sp>
+        <p:nvSpPr>
+          <p:cNvPr id="7" name="TextBox 6">
+            <a:extLst>
+              <a:ext uri="{FF2B5EF4-FFF2-40B4-BE49-F238E27FC236}">
+                <a16:creationId xmlns:a16="http://schemas.microsoft.com/office/drawing/2014/main" id="{2B4E6674-C525-5F8D-CDD5-CC695C165796}"/>
+              </a:ext>
+            </a:extLst>
+          </p:cNvPr>
+          <p:cNvSpPr txBox="1"/>
+          <p:nvPr/>
+        </p:nvSpPr>
+        <p:spPr>
+          <a:xfrm>
+            <a:off x="203200" y="244826"/>
+            <a:ext cx="11822545" cy="369332"/>
+          </a:xfrm>
+          <a:prstGeom prst="rect">
+            <a:avLst/>
+          </a:prstGeom>
+          <a:noFill/>
+        </p:spPr>
+        <p:txBody>
+          <a:bodyPr wrap="square">
+            <a:spAutoFit/>
+          </a:bodyPr>
+          <a:lstStyle/>
+          <a:p>
+            <a:r>
+              <a:rPr lang="en-US">
+                <a:latin typeface="-apple-system"/>
+              </a:rPr>
+              <a:t>.</a:t>
+            </a:r>
+            <a:endParaRPr lang="en-US"/>
+          </a:p>
+        </p:txBody>
+      </p:sp>
+    </p:spTree>
+    <p:extLst>
+      <p:ext uri="{BB962C8B-B14F-4D97-AF65-F5344CB8AC3E}">
+        <p14:creationId xmlns:p14="http://schemas.microsoft.com/office/powerpoint/2010/main" val="2708320939"/>
+      </p:ext>
+    </p:extLst>
+  </p:cSld>
+  <p:clrMapOvr>
+    <a:masterClrMapping/>
+  </p:clrMapOvr>
+</p:sld>
+</file>
+
+<file path=ppt/slides/slide62.xml><?xml version="1.0" encoding="utf-8"?>
+<p:sld xmlns:a="http://schemas.openxmlformats.org/drawingml/2006/main" xmlns:r="http://schemas.openxmlformats.org/officeDocument/2006/relationships" xmlns:p="http://schemas.openxmlformats.org/presentationml/2006/main">
+  <p:cSld>
+    <p:spTree>
+      <p:nvGrpSpPr>
+        <p:cNvPr id="1" name="">
+          <a:extLst>
+            <a:ext uri="{FF2B5EF4-FFF2-40B4-BE49-F238E27FC236}">
+              <a16:creationId xmlns:a16="http://schemas.microsoft.com/office/drawing/2014/main" id="{F32C1A0F-68D0-8118-8BA7-BD1D4B0FCFD7}"/>
+            </a:ext>
+          </a:extLst>
+        </p:cNvPr>
+        <p:cNvGrpSpPr/>
+        <p:nvPr/>
+      </p:nvGrpSpPr>
+      <p:grpSpPr>
+        <a:xfrm>
+          <a:off x="0" y="0"/>
+          <a:ext cx="0" cy="0"/>
+          <a:chOff x="0" y="0"/>
+          <a:chExt cx="0" cy="0"/>
+        </a:xfrm>
+      </p:grpSpPr>
+      <p:sp>
+        <p:nvSpPr>
+          <p:cNvPr id="7" name="TextBox 6">
+            <a:extLst>
+              <a:ext uri="{FF2B5EF4-FFF2-40B4-BE49-F238E27FC236}">
+                <a16:creationId xmlns:a16="http://schemas.microsoft.com/office/drawing/2014/main" id="{B6BDBBE2-4D74-9FE1-6A46-2A3C3856A026}"/>
+              </a:ext>
+            </a:extLst>
+          </p:cNvPr>
+          <p:cNvSpPr txBox="1"/>
+          <p:nvPr/>
+        </p:nvSpPr>
+        <p:spPr>
+          <a:xfrm>
+            <a:off x="203200" y="244826"/>
+            <a:ext cx="11822545" cy="369332"/>
+          </a:xfrm>
+          <a:prstGeom prst="rect">
+            <a:avLst/>
+          </a:prstGeom>
+          <a:noFill/>
+        </p:spPr>
+        <p:txBody>
+          <a:bodyPr wrap="square">
+            <a:spAutoFit/>
+          </a:bodyPr>
+          <a:lstStyle/>
+          <a:p>
+            <a:r>
+              <a:rPr lang="en-US">
+                <a:latin typeface="-apple-system"/>
+              </a:rPr>
+              <a:t>.</a:t>
+            </a:r>
+            <a:endParaRPr lang="en-US"/>
+          </a:p>
+        </p:txBody>
+      </p:sp>
+    </p:spTree>
+    <p:extLst>
+      <p:ext uri="{BB962C8B-B14F-4D97-AF65-F5344CB8AC3E}">
+        <p14:creationId xmlns:p14="http://schemas.microsoft.com/office/powerpoint/2010/main" val="1973015069"/>
+      </p:ext>
+    </p:extLst>
+  </p:cSld>
+  <p:clrMapOvr>
+    <a:masterClrMapping/>
+  </p:clrMapOvr>
+</p:sld>
+</file>
+
+<file path=ppt/slides/slide63.xml><?xml version="1.0" encoding="utf-8"?>
+<p:sld xmlns:a="http://schemas.openxmlformats.org/drawingml/2006/main" xmlns:r="http://schemas.openxmlformats.org/officeDocument/2006/relationships" xmlns:p="http://schemas.openxmlformats.org/presentationml/2006/main">
+  <p:cSld>
+    <p:spTree>
+      <p:nvGrpSpPr>
+        <p:cNvPr id="1" name="">
+          <a:extLst>
+            <a:ext uri="{FF2B5EF4-FFF2-40B4-BE49-F238E27FC236}">
+              <a16:creationId xmlns:a16="http://schemas.microsoft.com/office/drawing/2014/main" id="{381A5E6D-E8CC-E34C-DA53-4C77C09EDAFD}"/>
+            </a:ext>
+          </a:extLst>
+        </p:cNvPr>
+        <p:cNvGrpSpPr/>
+        <p:nvPr/>
+      </p:nvGrpSpPr>
+      <p:grpSpPr>
+        <a:xfrm>
+          <a:off x="0" y="0"/>
+          <a:ext cx="0" cy="0"/>
+          <a:chOff x="0" y="0"/>
+          <a:chExt cx="0" cy="0"/>
+        </a:xfrm>
+      </p:grpSpPr>
+      <p:sp>
+        <p:nvSpPr>
+          <p:cNvPr id="7" name="TextBox 6">
+            <a:extLst>
+              <a:ext uri="{FF2B5EF4-FFF2-40B4-BE49-F238E27FC236}">
+                <a16:creationId xmlns:a16="http://schemas.microsoft.com/office/drawing/2014/main" id="{8869BD7F-23D6-D02A-8401-F88594B9C6A9}"/>
+              </a:ext>
+            </a:extLst>
+          </p:cNvPr>
+          <p:cNvSpPr txBox="1"/>
+          <p:nvPr/>
+        </p:nvSpPr>
+        <p:spPr>
+          <a:xfrm>
+            <a:off x="203200" y="244826"/>
+            <a:ext cx="11822545" cy="369332"/>
+          </a:xfrm>
+          <a:prstGeom prst="rect">
+            <a:avLst/>
+          </a:prstGeom>
+          <a:noFill/>
+        </p:spPr>
+        <p:txBody>
+          <a:bodyPr wrap="square">
+            <a:spAutoFit/>
+          </a:bodyPr>
+          <a:lstStyle/>
+          <a:p>
+            <a:r>
+              <a:rPr lang="en-US">
+                <a:latin typeface="-apple-system"/>
+              </a:rPr>
+              <a:t>.</a:t>
+            </a:r>
+            <a:endParaRPr lang="en-US"/>
+          </a:p>
+        </p:txBody>
+      </p:sp>
+    </p:spTree>
+    <p:extLst>
+      <p:ext uri="{BB962C8B-B14F-4D97-AF65-F5344CB8AC3E}">
+        <p14:creationId xmlns:p14="http://schemas.microsoft.com/office/powerpoint/2010/main" val="1568662987"/>
+      </p:ext>
+    </p:extLst>
+  </p:cSld>
+  <p:clrMapOvr>
+    <a:masterClrMapping/>
+  </p:clrMapOvr>
+</p:sld>
+</file>
+
+<file path=ppt/slides/slide64.xml><?xml version="1.0" encoding="utf-8"?>
+<p:sld xmlns:a="http://schemas.openxmlformats.org/drawingml/2006/main" xmlns:r="http://schemas.openxmlformats.org/officeDocument/2006/relationships" xmlns:p="http://schemas.openxmlformats.org/presentationml/2006/main">
+  <p:cSld>
+    <p:spTree>
+      <p:nvGrpSpPr>
+        <p:cNvPr id="1" name="">
+          <a:extLst>
+            <a:ext uri="{FF2B5EF4-FFF2-40B4-BE49-F238E27FC236}">
+              <a16:creationId xmlns:a16="http://schemas.microsoft.com/office/drawing/2014/main" id="{2A14A49B-01B2-DBD3-DAA1-AC540CAAF0FE}"/>
+            </a:ext>
+          </a:extLst>
+        </p:cNvPr>
+        <p:cNvGrpSpPr/>
+        <p:nvPr/>
+      </p:nvGrpSpPr>
+      <p:grpSpPr>
+        <a:xfrm>
+          <a:off x="0" y="0"/>
+          <a:ext cx="0" cy="0"/>
+          <a:chOff x="0" y="0"/>
+          <a:chExt cx="0" cy="0"/>
+        </a:xfrm>
+      </p:grpSpPr>
+      <p:sp>
+        <p:nvSpPr>
+          <p:cNvPr id="7" name="TextBox 6">
+            <a:extLst>
+              <a:ext uri="{FF2B5EF4-FFF2-40B4-BE49-F238E27FC236}">
+                <a16:creationId xmlns:a16="http://schemas.microsoft.com/office/drawing/2014/main" id="{6ACE6C7E-3BDA-D07D-4BBD-FF69C50ABBC7}"/>
+              </a:ext>
+            </a:extLst>
+          </p:cNvPr>
+          <p:cNvSpPr txBox="1"/>
+          <p:nvPr/>
+        </p:nvSpPr>
+        <p:spPr>
+          <a:xfrm>
+            <a:off x="203200" y="244826"/>
+            <a:ext cx="11822545" cy="369332"/>
+          </a:xfrm>
+          <a:prstGeom prst="rect">
+            <a:avLst/>
+          </a:prstGeom>
+          <a:noFill/>
+        </p:spPr>
+        <p:txBody>
+          <a:bodyPr wrap="square">
+            <a:spAutoFit/>
+          </a:bodyPr>
+          <a:lstStyle/>
+          <a:p>
+            <a:r>
+              <a:rPr lang="en-US">
+                <a:latin typeface="-apple-system"/>
+              </a:rPr>
+              <a:t>.</a:t>
+            </a:r>
+            <a:endParaRPr lang="en-US"/>
+          </a:p>
+        </p:txBody>
+      </p:sp>
+    </p:spTree>
+    <p:extLst>
+      <p:ext uri="{BB962C8B-B14F-4D97-AF65-F5344CB8AC3E}">
+        <p14:creationId xmlns:p14="http://schemas.microsoft.com/office/powerpoint/2010/main" val="2970021318"/>
+      </p:ext>
+    </p:extLst>
+  </p:cSld>
+  <p:clrMapOvr>
+    <a:masterClrMapping/>
+  </p:clrMapOvr>
+</p:sld>
+</file>
+
+<file path=ppt/slides/slide65.xml><?xml version="1.0" encoding="utf-8"?>
+<p:sld xmlns:a="http://schemas.openxmlformats.org/drawingml/2006/main" xmlns:r="http://schemas.openxmlformats.org/officeDocument/2006/relationships" xmlns:p="http://schemas.openxmlformats.org/presentationml/2006/main">
+  <p:cSld>
+    <p:spTree>
+      <p:nvGrpSpPr>
+        <p:cNvPr id="1" name="">
+          <a:extLst>
+            <a:ext uri="{FF2B5EF4-FFF2-40B4-BE49-F238E27FC236}">
+              <a16:creationId xmlns:a16="http://schemas.microsoft.com/office/drawing/2014/main" id="{FBA2A57A-4758-7FB5-8839-FCCD00B01C0D}"/>
+            </a:ext>
+          </a:extLst>
+        </p:cNvPr>
+        <p:cNvGrpSpPr/>
+        <p:nvPr/>
+      </p:nvGrpSpPr>
+      <p:grpSpPr>
+        <a:xfrm>
+          <a:off x="0" y="0"/>
+          <a:ext cx="0" cy="0"/>
+          <a:chOff x="0" y="0"/>
+          <a:chExt cx="0" cy="0"/>
+        </a:xfrm>
+      </p:grpSpPr>
+      <p:sp>
+        <p:nvSpPr>
+          <p:cNvPr id="7" name="TextBox 6">
+            <a:extLst>
+              <a:ext uri="{FF2B5EF4-FFF2-40B4-BE49-F238E27FC236}">
+                <a16:creationId xmlns:a16="http://schemas.microsoft.com/office/drawing/2014/main" id="{39DB1789-A94B-FF50-5646-108EC8F8F464}"/>
+              </a:ext>
+            </a:extLst>
+          </p:cNvPr>
+          <p:cNvSpPr txBox="1"/>
+          <p:nvPr/>
+        </p:nvSpPr>
+        <p:spPr>
+          <a:xfrm>
+            <a:off x="203200" y="244826"/>
+            <a:ext cx="11822545" cy="369332"/>
+          </a:xfrm>
+          <a:prstGeom prst="rect">
+            <a:avLst/>
+          </a:prstGeom>
+          <a:noFill/>
+        </p:spPr>
+        <p:txBody>
+          <a:bodyPr wrap="square">
+            <a:spAutoFit/>
+          </a:bodyPr>
+          <a:lstStyle/>
+          <a:p>
+            <a:r>
+              <a:rPr lang="en-US">
+                <a:latin typeface="-apple-system"/>
+              </a:rPr>
+              <a:t>.</a:t>
+            </a:r>
+            <a:endParaRPr lang="en-US"/>
+          </a:p>
+        </p:txBody>
+      </p:sp>
+    </p:spTree>
+    <p:extLst>
+      <p:ext uri="{BB962C8B-B14F-4D97-AF65-F5344CB8AC3E}">
+        <p14:creationId xmlns:p14="http://schemas.microsoft.com/office/powerpoint/2010/main" val="1029948596"/>
+      </p:ext>
+    </p:extLst>
+  </p:cSld>
+  <p:clrMapOvr>
+    <a:masterClrMapping/>
+  </p:clrMapOvr>
+</p:sld>
+</file>
+
+<file path=ppt/slides/slide66.xml><?xml version="1.0" encoding="utf-8"?>
+<p:sld xmlns:a="http://schemas.openxmlformats.org/drawingml/2006/main" xmlns:r="http://schemas.openxmlformats.org/officeDocument/2006/relationships" xmlns:p="http://schemas.openxmlformats.org/presentationml/2006/main">
+  <p:cSld>
+    <p:spTree>
+      <p:nvGrpSpPr>
+        <p:cNvPr id="1" name="">
+          <a:extLst>
+            <a:ext uri="{FF2B5EF4-FFF2-40B4-BE49-F238E27FC236}">
+              <a16:creationId xmlns:a16="http://schemas.microsoft.com/office/drawing/2014/main" id="{BD7343B4-5519-C21E-B7AC-A16B3DB27150}"/>
+            </a:ext>
+          </a:extLst>
+        </p:cNvPr>
+        <p:cNvGrpSpPr/>
+        <p:nvPr/>
+      </p:nvGrpSpPr>
+      <p:grpSpPr>
+        <a:xfrm>
+          <a:off x="0" y="0"/>
+          <a:ext cx="0" cy="0"/>
+          <a:chOff x="0" y="0"/>
+          <a:chExt cx="0" cy="0"/>
+        </a:xfrm>
+      </p:grpSpPr>
+      <p:sp>
+        <p:nvSpPr>
+          <p:cNvPr id="7" name="TextBox 6">
+            <a:extLst>
+              <a:ext uri="{FF2B5EF4-FFF2-40B4-BE49-F238E27FC236}">
+                <a16:creationId xmlns:a16="http://schemas.microsoft.com/office/drawing/2014/main" id="{1BA68DA4-ACB4-756D-3EF6-E8329D036031}"/>
+              </a:ext>
+            </a:extLst>
+          </p:cNvPr>
+          <p:cNvSpPr txBox="1"/>
+          <p:nvPr/>
+        </p:nvSpPr>
+        <p:spPr>
+          <a:xfrm>
+            <a:off x="203200" y="244826"/>
+            <a:ext cx="11822545" cy="369332"/>
+          </a:xfrm>
+          <a:prstGeom prst="rect">
+            <a:avLst/>
+          </a:prstGeom>
+          <a:noFill/>
+        </p:spPr>
+        <p:txBody>
+          <a:bodyPr wrap="square">
+            <a:spAutoFit/>
+          </a:bodyPr>
+          <a:lstStyle/>
+          <a:p>
+            <a:r>
+              <a:rPr lang="en-US">
+                <a:latin typeface="-apple-system"/>
+              </a:rPr>
+              <a:t>.</a:t>
+            </a:r>
+            <a:endParaRPr lang="en-US"/>
+          </a:p>
+        </p:txBody>
+      </p:sp>
+    </p:spTree>
+    <p:extLst>
+      <p:ext uri="{BB962C8B-B14F-4D97-AF65-F5344CB8AC3E}">
+        <p14:creationId xmlns:p14="http://schemas.microsoft.com/office/powerpoint/2010/main" val="3898939210"/>
+      </p:ext>
+    </p:extLst>
+  </p:cSld>
+  <p:clrMapOvr>
+    <a:masterClrMapping/>
+  </p:clrMapOvr>
+</p:sld>
+</file>
+
+<file path=ppt/slides/slide67.xml><?xml version="1.0" encoding="utf-8"?>
+<p:sld xmlns:a="http://schemas.openxmlformats.org/drawingml/2006/main" xmlns:r="http://schemas.openxmlformats.org/officeDocument/2006/relationships" xmlns:p="http://schemas.openxmlformats.org/presentationml/2006/main">
+  <p:cSld>
+    <p:spTree>
+      <p:nvGrpSpPr>
+        <p:cNvPr id="1" name="">
+          <a:extLst>
+            <a:ext uri="{FF2B5EF4-FFF2-40B4-BE49-F238E27FC236}">
+              <a16:creationId xmlns:a16="http://schemas.microsoft.com/office/drawing/2014/main" id="{A28D8026-D5B3-3056-6A7C-8F47A76A3909}"/>
+            </a:ext>
+          </a:extLst>
+        </p:cNvPr>
+        <p:cNvGrpSpPr/>
+        <p:nvPr/>
+      </p:nvGrpSpPr>
+      <p:grpSpPr>
+        <a:xfrm>
+          <a:off x="0" y="0"/>
+          <a:ext cx="0" cy="0"/>
+          <a:chOff x="0" y="0"/>
+          <a:chExt cx="0" cy="0"/>
+        </a:xfrm>
+      </p:grpSpPr>
+      <p:sp>
+        <p:nvSpPr>
+          <p:cNvPr id="7" name="TextBox 6">
+            <a:extLst>
+              <a:ext uri="{FF2B5EF4-FFF2-40B4-BE49-F238E27FC236}">
+                <a16:creationId xmlns:a16="http://schemas.microsoft.com/office/drawing/2014/main" id="{1EFA6CB5-BBE8-63C1-53FA-DF80A0B1FE4B}"/>
+              </a:ext>
+            </a:extLst>
+          </p:cNvPr>
+          <p:cNvSpPr txBox="1"/>
+          <p:nvPr/>
+        </p:nvSpPr>
+        <p:spPr>
+          <a:xfrm>
+            <a:off x="203200" y="244826"/>
+            <a:ext cx="11822545" cy="369332"/>
+          </a:xfrm>
+          <a:prstGeom prst="rect">
+            <a:avLst/>
+          </a:prstGeom>
+          <a:noFill/>
+        </p:spPr>
+        <p:txBody>
+          <a:bodyPr wrap="square">
+            <a:spAutoFit/>
+          </a:bodyPr>
+          <a:lstStyle/>
+          <a:p>
+            <a:r>
+              <a:rPr lang="en-US">
+                <a:latin typeface="-apple-system"/>
+              </a:rPr>
+              <a:t>.</a:t>
+            </a:r>
+            <a:endParaRPr lang="en-US"/>
+          </a:p>
+        </p:txBody>
+      </p:sp>
+    </p:spTree>
+    <p:extLst>
+      <p:ext uri="{BB962C8B-B14F-4D97-AF65-F5344CB8AC3E}">
+        <p14:creationId xmlns:p14="http://schemas.microsoft.com/office/powerpoint/2010/main" val="3522975410"/>
+      </p:ext>
+    </p:extLst>
+  </p:cSld>
+  <p:clrMapOvr>
+    <a:masterClrMapping/>
+  </p:clrMapOvr>
+</p:sld>
+</file>
+
+<file path=ppt/slides/slide68.xml><?xml version="1.0" encoding="utf-8"?>
+<p:sld xmlns:a="http://schemas.openxmlformats.org/drawingml/2006/main" xmlns:r="http://schemas.openxmlformats.org/officeDocument/2006/relationships" xmlns:p="http://schemas.openxmlformats.org/presentationml/2006/main">
+  <p:cSld>
+    <p:spTree>
+      <p:nvGrpSpPr>
+        <p:cNvPr id="1" name="">
+          <a:extLst>
+            <a:ext uri="{FF2B5EF4-FFF2-40B4-BE49-F238E27FC236}">
+              <a16:creationId xmlns:a16="http://schemas.microsoft.com/office/drawing/2014/main" id="{7972C003-5B61-AB99-CB70-2540B419BB5B}"/>
+            </a:ext>
+          </a:extLst>
+        </p:cNvPr>
+        <p:cNvGrpSpPr/>
+        <p:nvPr/>
+      </p:nvGrpSpPr>
+      <p:grpSpPr>
+        <a:xfrm>
+          <a:off x="0" y="0"/>
+          <a:ext cx="0" cy="0"/>
+          <a:chOff x="0" y="0"/>
+          <a:chExt cx="0" cy="0"/>
+        </a:xfrm>
+      </p:grpSpPr>
+      <p:sp>
+        <p:nvSpPr>
+          <p:cNvPr id="7" name="TextBox 6">
+            <a:extLst>
+              <a:ext uri="{FF2B5EF4-FFF2-40B4-BE49-F238E27FC236}">
+                <a16:creationId xmlns:a16="http://schemas.microsoft.com/office/drawing/2014/main" id="{F08A6064-6D6B-F413-3F90-BFB2882FC8E5}"/>
+              </a:ext>
+            </a:extLst>
+          </p:cNvPr>
+          <p:cNvSpPr txBox="1"/>
+          <p:nvPr/>
+        </p:nvSpPr>
+        <p:spPr>
+          <a:xfrm>
+            <a:off x="203200" y="244826"/>
+            <a:ext cx="11822545" cy="369332"/>
+          </a:xfrm>
+          <a:prstGeom prst="rect">
+            <a:avLst/>
+          </a:prstGeom>
+          <a:noFill/>
+        </p:spPr>
+        <p:txBody>
+          <a:bodyPr wrap="square">
+            <a:spAutoFit/>
+          </a:bodyPr>
+          <a:lstStyle/>
+          <a:p>
+            <a:r>
+              <a:rPr lang="en-US">
+                <a:latin typeface="-apple-system"/>
+              </a:rPr>
+              <a:t>.</a:t>
+            </a:r>
+            <a:endParaRPr lang="en-US"/>
+          </a:p>
+        </p:txBody>
+      </p:sp>
+    </p:spTree>
+    <p:extLst>
+      <p:ext uri="{BB962C8B-B14F-4D97-AF65-F5344CB8AC3E}">
+        <p14:creationId xmlns:p14="http://schemas.microsoft.com/office/powerpoint/2010/main" val="3055306487"/>
+      </p:ext>
+    </p:extLst>
+  </p:cSld>
+  <p:clrMapOvr>
+    <a:masterClrMapping/>
+  </p:clrMapOvr>
+</p:sld>
+</file>
+
+<file path=ppt/slides/slide69.xml><?xml version="1.0" encoding="utf-8"?>
+<p:sld xmlns:a="http://schemas.openxmlformats.org/drawingml/2006/main" xmlns:r="http://schemas.openxmlformats.org/officeDocument/2006/relationships" xmlns:p="http://schemas.openxmlformats.org/presentationml/2006/main">
+  <p:cSld>
+    <p:spTree>
+      <p:nvGrpSpPr>
+        <p:cNvPr id="1" name="">
+          <a:extLst>
+            <a:ext uri="{FF2B5EF4-FFF2-40B4-BE49-F238E27FC236}">
+              <a16:creationId xmlns:a16="http://schemas.microsoft.com/office/drawing/2014/main" id="{B5E76B3E-1853-7C25-0E87-4EA1C9695C66}"/>
+            </a:ext>
+          </a:extLst>
+        </p:cNvPr>
+        <p:cNvGrpSpPr/>
+        <p:nvPr/>
+      </p:nvGrpSpPr>
+      <p:grpSpPr>
+        <a:xfrm>
+          <a:off x="0" y="0"/>
+          <a:ext cx="0" cy="0"/>
+          <a:chOff x="0" y="0"/>
+          <a:chExt cx="0" cy="0"/>
+        </a:xfrm>
+      </p:grpSpPr>
+      <p:sp>
+        <p:nvSpPr>
+          <p:cNvPr id="7" name="TextBox 6">
+            <a:extLst>
+              <a:ext uri="{FF2B5EF4-FFF2-40B4-BE49-F238E27FC236}">
+                <a16:creationId xmlns:a16="http://schemas.microsoft.com/office/drawing/2014/main" id="{DC2C0096-C21E-A12C-EB4E-455E658215A5}"/>
+              </a:ext>
+            </a:extLst>
+          </p:cNvPr>
+          <p:cNvSpPr txBox="1"/>
+          <p:nvPr/>
+        </p:nvSpPr>
+        <p:spPr>
+          <a:xfrm>
+            <a:off x="203200" y="244826"/>
+            <a:ext cx="11822545" cy="369332"/>
+          </a:xfrm>
+          <a:prstGeom prst="rect">
+            <a:avLst/>
+          </a:prstGeom>
+          <a:noFill/>
+        </p:spPr>
+        <p:txBody>
+          <a:bodyPr wrap="square">
+            <a:spAutoFit/>
+          </a:bodyPr>
+          <a:lstStyle/>
+          <a:p>
+            <a:r>
+              <a:rPr lang="en-US">
+                <a:latin typeface="-apple-system"/>
+              </a:rPr>
+              <a:t>.</a:t>
+            </a:r>
+            <a:endParaRPr lang="en-US"/>
+          </a:p>
+        </p:txBody>
+      </p:sp>
+    </p:spTree>
+    <p:extLst>
+      <p:ext uri="{BB962C8B-B14F-4D97-AF65-F5344CB8AC3E}">
+        <p14:creationId xmlns:p14="http://schemas.microsoft.com/office/powerpoint/2010/main" val="2572479772"/>
       </p:ext>
     </p:extLst>
   </p:cSld>
@@ -42328,6 +46417,80 @@
     <p:extLst>
       <p:ext uri="{BB962C8B-B14F-4D97-AF65-F5344CB8AC3E}">
         <p14:creationId xmlns:p14="http://schemas.microsoft.com/office/powerpoint/2010/main" val="949294541"/>
+      </p:ext>
+    </p:extLst>
+  </p:cSld>
+  <p:clrMapOvr>
+    <a:masterClrMapping/>
+  </p:clrMapOvr>
+</p:sld>
+</file>
+
+<file path=ppt/slides/slide70.xml><?xml version="1.0" encoding="utf-8"?>
+<p:sld xmlns:a="http://schemas.openxmlformats.org/drawingml/2006/main" xmlns:r="http://schemas.openxmlformats.org/officeDocument/2006/relationships" xmlns:p="http://schemas.openxmlformats.org/presentationml/2006/main">
+  <p:cSld>
+    <p:spTree>
+      <p:nvGrpSpPr>
+        <p:cNvPr id="1" name="">
+          <a:extLst>
+            <a:ext uri="{FF2B5EF4-FFF2-40B4-BE49-F238E27FC236}">
+              <a16:creationId xmlns:a16="http://schemas.microsoft.com/office/drawing/2014/main" id="{91676A1A-0C0A-8E02-229C-1C1ED81543F2}"/>
+            </a:ext>
+          </a:extLst>
+        </p:cNvPr>
+        <p:cNvGrpSpPr/>
+        <p:nvPr/>
+      </p:nvGrpSpPr>
+      <p:grpSpPr>
+        <a:xfrm>
+          <a:off x="0" y="0"/>
+          <a:ext cx="0" cy="0"/>
+          <a:chOff x="0" y="0"/>
+          <a:chExt cx="0" cy="0"/>
+        </a:xfrm>
+      </p:grpSpPr>
+      <p:sp>
+        <p:nvSpPr>
+          <p:cNvPr id="7" name="TextBox 6">
+            <a:extLst>
+              <a:ext uri="{FF2B5EF4-FFF2-40B4-BE49-F238E27FC236}">
+                <a16:creationId xmlns:a16="http://schemas.microsoft.com/office/drawing/2014/main" id="{1D384C45-6113-4BFB-155F-FC2E8B6760E8}"/>
+              </a:ext>
+            </a:extLst>
+          </p:cNvPr>
+          <p:cNvSpPr txBox="1"/>
+          <p:nvPr/>
+        </p:nvSpPr>
+        <p:spPr>
+          <a:xfrm>
+            <a:off x="203200" y="244826"/>
+            <a:ext cx="11822545" cy="369332"/>
+          </a:xfrm>
+          <a:prstGeom prst="rect">
+            <a:avLst/>
+          </a:prstGeom>
+          <a:noFill/>
+        </p:spPr>
+        <p:txBody>
+          <a:bodyPr wrap="square">
+            <a:spAutoFit/>
+          </a:bodyPr>
+          <a:lstStyle/>
+          <a:p>
+            <a:r>
+              <a:rPr lang="en-US">
+                <a:latin typeface="-apple-system"/>
+              </a:rPr>
+              <a:t>.</a:t>
+            </a:r>
+            <a:endParaRPr lang="en-US"/>
+          </a:p>
+        </p:txBody>
+      </p:sp>
+    </p:spTree>
+    <p:extLst>
+      <p:ext uri="{BB962C8B-B14F-4D97-AF65-F5344CB8AC3E}">
+        <p14:creationId xmlns:p14="http://schemas.microsoft.com/office/powerpoint/2010/main" val="1236973871"/>
       </p:ext>
     </p:extLst>
   </p:cSld>
